--- a/Figures.pptx
+++ b/Figures.pptx
@@ -4,9 +4,14 @@
   <p:sldMasterIdLst>
     <p:sldMasterId id="2147483648" r:id="rId1"/>
   </p:sldMasterIdLst>
+  <p:notesMasterIdLst>
+    <p:notesMasterId r:id="rId6"/>
+  </p:notesMasterIdLst>
   <p:sldIdLst>
     <p:sldId id="256" r:id="rId2"/>
     <p:sldId id="257" r:id="rId3"/>
+    <p:sldId id="258" r:id="rId4"/>
+    <p:sldId id="259" r:id="rId5"/>
   </p:sldIdLst>
   <p:sldSz cx="12192000" cy="6858000"/>
   <p:notesSz cx="6858000" cy="9144000"/>
@@ -113,8 +118,437 @@
 </p:presentation>
 </file>
 
-<file path=ppt/revisionInfo.xml><?xml version="1.0" encoding="utf-8"?>
-<p1510:revInfo xmlns:a="http://schemas.openxmlformats.org/drawingml/2006/main" xmlns:r="http://schemas.openxmlformats.org/officeDocument/2006/relationships" xmlns:p1510="http://schemas.microsoft.com/office/powerpoint/2015/10/main"/>
+<file path=ppt/notesMasters/notesMaster1.xml><?xml version="1.0" encoding="utf-8"?>
+<p:notesMaster xmlns:a="http://schemas.openxmlformats.org/drawingml/2006/main" xmlns:r="http://schemas.openxmlformats.org/officeDocument/2006/relationships" xmlns:p="http://schemas.openxmlformats.org/presentationml/2006/main">
+  <p:cSld>
+    <p:bg>
+      <p:bgRef idx="1001">
+        <a:schemeClr val="bg1"/>
+      </p:bgRef>
+    </p:bg>
+    <p:spTree>
+      <p:nvGrpSpPr>
+        <p:cNvPr id="1" name=""/>
+        <p:cNvGrpSpPr/>
+        <p:nvPr/>
+      </p:nvGrpSpPr>
+      <p:grpSpPr>
+        <a:xfrm>
+          <a:off x="0" y="0"/>
+          <a:ext cx="0" cy="0"/>
+          <a:chOff x="0" y="0"/>
+          <a:chExt cx="0" cy="0"/>
+        </a:xfrm>
+      </p:grpSpPr>
+      <p:sp>
+        <p:nvSpPr>
+          <p:cNvPr id="2" name="Header Placeholder 1"/>
+          <p:cNvSpPr>
+            <a:spLocks noGrp="1"/>
+          </p:cNvSpPr>
+          <p:nvPr>
+            <p:ph type="hdr" sz="quarter"/>
+          </p:nvPr>
+        </p:nvSpPr>
+        <p:spPr>
+          <a:xfrm>
+            <a:off x="0" y="0"/>
+            <a:ext cx="2971800" cy="458788"/>
+          </a:xfrm>
+          <a:prstGeom prst="rect">
+            <a:avLst/>
+          </a:prstGeom>
+        </p:spPr>
+        <p:txBody>
+          <a:bodyPr vert="horz" lIns="91440" tIns="45720" rIns="91440" bIns="45720" rtlCol="0"/>
+          <a:lstStyle>
+            <a:lvl1pPr algn="l">
+              <a:defRPr sz="1200"/>
+            </a:lvl1pPr>
+          </a:lstStyle>
+          <a:p>
+            <a:endParaRPr lang="en-US"/>
+          </a:p>
+        </p:txBody>
+      </p:sp>
+      <p:sp>
+        <p:nvSpPr>
+          <p:cNvPr id="3" name="Date Placeholder 2"/>
+          <p:cNvSpPr>
+            <a:spLocks noGrp="1"/>
+          </p:cNvSpPr>
+          <p:nvPr>
+            <p:ph type="dt" idx="1"/>
+          </p:nvPr>
+        </p:nvSpPr>
+        <p:spPr>
+          <a:xfrm>
+            <a:off x="3884613" y="0"/>
+            <a:ext cx="2971800" cy="458788"/>
+          </a:xfrm>
+          <a:prstGeom prst="rect">
+            <a:avLst/>
+          </a:prstGeom>
+        </p:spPr>
+        <p:txBody>
+          <a:bodyPr vert="horz" lIns="91440" tIns="45720" rIns="91440" bIns="45720" rtlCol="0"/>
+          <a:lstStyle>
+            <a:lvl1pPr algn="r">
+              <a:defRPr sz="1200"/>
+            </a:lvl1pPr>
+          </a:lstStyle>
+          <a:p>
+            <a:fld id="{3ADF0D95-0ECF-473B-951A-4497ACAAD43C}" type="datetimeFigureOut">
+              <a:rPr lang="en-US" smtClean="0"/>
+              <a:t>9/20/2017</a:t>
+            </a:fld>
+            <a:endParaRPr lang="en-US"/>
+          </a:p>
+        </p:txBody>
+      </p:sp>
+      <p:sp>
+        <p:nvSpPr>
+          <p:cNvPr id="4" name="Slide Image Placeholder 3"/>
+          <p:cNvSpPr>
+            <a:spLocks noGrp="1" noRot="1" noChangeAspect="1"/>
+          </p:cNvSpPr>
+          <p:nvPr>
+            <p:ph type="sldImg" idx="2"/>
+          </p:nvPr>
+        </p:nvSpPr>
+        <p:spPr>
+          <a:xfrm>
+            <a:off x="685800" y="1143000"/>
+            <a:ext cx="5486400" cy="3086100"/>
+          </a:xfrm>
+          <a:prstGeom prst="rect">
+            <a:avLst/>
+          </a:prstGeom>
+          <a:noFill/>
+          <a:ln w="12700">
+            <a:solidFill>
+              <a:prstClr val="black"/>
+            </a:solidFill>
+          </a:ln>
+        </p:spPr>
+        <p:txBody>
+          <a:bodyPr vert="horz" lIns="91440" tIns="45720" rIns="91440" bIns="45720" rtlCol="0" anchor="ctr"/>
+          <a:lstStyle/>
+          <a:p>
+            <a:endParaRPr lang="en-US"/>
+          </a:p>
+        </p:txBody>
+      </p:sp>
+      <p:sp>
+        <p:nvSpPr>
+          <p:cNvPr id="5" name="Notes Placeholder 4"/>
+          <p:cNvSpPr>
+            <a:spLocks noGrp="1"/>
+          </p:cNvSpPr>
+          <p:nvPr>
+            <p:ph type="body" sz="quarter" idx="3"/>
+          </p:nvPr>
+        </p:nvSpPr>
+        <p:spPr>
+          <a:xfrm>
+            <a:off x="685800" y="4400550"/>
+            <a:ext cx="5486400" cy="3600450"/>
+          </a:xfrm>
+          <a:prstGeom prst="rect">
+            <a:avLst/>
+          </a:prstGeom>
+        </p:spPr>
+        <p:txBody>
+          <a:bodyPr vert="horz" lIns="91440" tIns="45720" rIns="91440" bIns="45720" rtlCol="0"/>
+          <a:lstStyle/>
+          <a:p>
+            <a:pPr lvl="0"/>
+            <a:r>
+              <a:rPr lang="en-US"/>
+              <a:t>Edit Master text styles</a:t>
+            </a:r>
+          </a:p>
+          <a:p>
+            <a:pPr lvl="1"/>
+            <a:r>
+              <a:rPr lang="en-US"/>
+              <a:t>Second level</a:t>
+            </a:r>
+          </a:p>
+          <a:p>
+            <a:pPr lvl="2"/>
+            <a:r>
+              <a:rPr lang="en-US"/>
+              <a:t>Third level</a:t>
+            </a:r>
+          </a:p>
+          <a:p>
+            <a:pPr lvl="3"/>
+            <a:r>
+              <a:rPr lang="en-US"/>
+              <a:t>Fourth level</a:t>
+            </a:r>
+          </a:p>
+          <a:p>
+            <a:pPr lvl="4"/>
+            <a:r>
+              <a:rPr lang="en-US"/>
+              <a:t>Fifth level</a:t>
+            </a:r>
+          </a:p>
+        </p:txBody>
+      </p:sp>
+      <p:sp>
+        <p:nvSpPr>
+          <p:cNvPr id="6" name="Footer Placeholder 5"/>
+          <p:cNvSpPr>
+            <a:spLocks noGrp="1"/>
+          </p:cNvSpPr>
+          <p:nvPr>
+            <p:ph type="ftr" sz="quarter" idx="4"/>
+          </p:nvPr>
+        </p:nvSpPr>
+        <p:spPr>
+          <a:xfrm>
+            <a:off x="0" y="8685213"/>
+            <a:ext cx="2971800" cy="458787"/>
+          </a:xfrm>
+          <a:prstGeom prst="rect">
+            <a:avLst/>
+          </a:prstGeom>
+        </p:spPr>
+        <p:txBody>
+          <a:bodyPr vert="horz" lIns="91440" tIns="45720" rIns="91440" bIns="45720" rtlCol="0" anchor="b"/>
+          <a:lstStyle>
+            <a:lvl1pPr algn="l">
+              <a:defRPr sz="1200"/>
+            </a:lvl1pPr>
+          </a:lstStyle>
+          <a:p>
+            <a:endParaRPr lang="en-US"/>
+          </a:p>
+        </p:txBody>
+      </p:sp>
+      <p:sp>
+        <p:nvSpPr>
+          <p:cNvPr id="7" name="Slide Number Placeholder 6"/>
+          <p:cNvSpPr>
+            <a:spLocks noGrp="1"/>
+          </p:cNvSpPr>
+          <p:nvPr>
+            <p:ph type="sldNum" sz="quarter" idx="5"/>
+          </p:nvPr>
+        </p:nvSpPr>
+        <p:spPr>
+          <a:xfrm>
+            <a:off x="3884613" y="8685213"/>
+            <a:ext cx="2971800" cy="458787"/>
+          </a:xfrm>
+          <a:prstGeom prst="rect">
+            <a:avLst/>
+          </a:prstGeom>
+        </p:spPr>
+        <p:txBody>
+          <a:bodyPr vert="horz" lIns="91440" tIns="45720" rIns="91440" bIns="45720" rtlCol="0" anchor="b"/>
+          <a:lstStyle>
+            <a:lvl1pPr algn="r">
+              <a:defRPr sz="1200"/>
+            </a:lvl1pPr>
+          </a:lstStyle>
+          <a:p>
+            <a:fld id="{7EA3D747-5010-4123-83E3-616627F571BA}" type="slidenum">
+              <a:rPr lang="en-US" smtClean="0"/>
+              <a:t>‹#›</a:t>
+            </a:fld>
+            <a:endParaRPr lang="en-US"/>
+          </a:p>
+        </p:txBody>
+      </p:sp>
+    </p:spTree>
+    <p:extLst>
+      <p:ext uri="{BB962C8B-B14F-4D97-AF65-F5344CB8AC3E}">
+        <p14:creationId xmlns:p14="http://schemas.microsoft.com/office/powerpoint/2010/main" val="10880547"/>
+      </p:ext>
+    </p:extLst>
+  </p:cSld>
+  <p:clrMap bg1="lt1" tx1="dk1" bg2="lt2" tx2="dk2" accent1="accent1" accent2="accent2" accent3="accent3" accent4="accent4" accent5="accent5" accent6="accent6" hlink="hlink" folHlink="folHlink"/>
+  <p:notesStyle>
+    <a:lvl1pPr marL="0" algn="l" defTabSz="914400" rtl="0" eaLnBrk="1" latinLnBrk="0" hangingPunct="1">
+      <a:defRPr sz="1200" kern="1200">
+        <a:solidFill>
+          <a:schemeClr val="tx1"/>
+        </a:solidFill>
+        <a:latin typeface="+mn-lt"/>
+        <a:ea typeface="+mn-ea"/>
+        <a:cs typeface="+mn-cs"/>
+      </a:defRPr>
+    </a:lvl1pPr>
+    <a:lvl2pPr marL="457200" algn="l" defTabSz="914400" rtl="0" eaLnBrk="1" latinLnBrk="0" hangingPunct="1">
+      <a:defRPr sz="1200" kern="1200">
+        <a:solidFill>
+          <a:schemeClr val="tx1"/>
+        </a:solidFill>
+        <a:latin typeface="+mn-lt"/>
+        <a:ea typeface="+mn-ea"/>
+        <a:cs typeface="+mn-cs"/>
+      </a:defRPr>
+    </a:lvl2pPr>
+    <a:lvl3pPr marL="914400" algn="l" defTabSz="914400" rtl="0" eaLnBrk="1" latinLnBrk="0" hangingPunct="1">
+      <a:defRPr sz="1200" kern="1200">
+        <a:solidFill>
+          <a:schemeClr val="tx1"/>
+        </a:solidFill>
+        <a:latin typeface="+mn-lt"/>
+        <a:ea typeface="+mn-ea"/>
+        <a:cs typeface="+mn-cs"/>
+      </a:defRPr>
+    </a:lvl3pPr>
+    <a:lvl4pPr marL="1371600" algn="l" defTabSz="914400" rtl="0" eaLnBrk="1" latinLnBrk="0" hangingPunct="1">
+      <a:defRPr sz="1200" kern="1200">
+        <a:solidFill>
+          <a:schemeClr val="tx1"/>
+        </a:solidFill>
+        <a:latin typeface="+mn-lt"/>
+        <a:ea typeface="+mn-ea"/>
+        <a:cs typeface="+mn-cs"/>
+      </a:defRPr>
+    </a:lvl4pPr>
+    <a:lvl5pPr marL="1828800" algn="l" defTabSz="914400" rtl="0" eaLnBrk="1" latinLnBrk="0" hangingPunct="1">
+      <a:defRPr sz="1200" kern="1200">
+        <a:solidFill>
+          <a:schemeClr val="tx1"/>
+        </a:solidFill>
+        <a:latin typeface="+mn-lt"/>
+        <a:ea typeface="+mn-ea"/>
+        <a:cs typeface="+mn-cs"/>
+      </a:defRPr>
+    </a:lvl5pPr>
+    <a:lvl6pPr marL="2286000" algn="l" defTabSz="914400" rtl="0" eaLnBrk="1" latinLnBrk="0" hangingPunct="1">
+      <a:defRPr sz="1200" kern="1200">
+        <a:solidFill>
+          <a:schemeClr val="tx1"/>
+        </a:solidFill>
+        <a:latin typeface="+mn-lt"/>
+        <a:ea typeface="+mn-ea"/>
+        <a:cs typeface="+mn-cs"/>
+      </a:defRPr>
+    </a:lvl6pPr>
+    <a:lvl7pPr marL="2743200" algn="l" defTabSz="914400" rtl="0" eaLnBrk="1" latinLnBrk="0" hangingPunct="1">
+      <a:defRPr sz="1200" kern="1200">
+        <a:solidFill>
+          <a:schemeClr val="tx1"/>
+        </a:solidFill>
+        <a:latin typeface="+mn-lt"/>
+        <a:ea typeface="+mn-ea"/>
+        <a:cs typeface="+mn-cs"/>
+      </a:defRPr>
+    </a:lvl7pPr>
+    <a:lvl8pPr marL="3200400" algn="l" defTabSz="914400" rtl="0" eaLnBrk="1" latinLnBrk="0" hangingPunct="1">
+      <a:defRPr sz="1200" kern="1200">
+        <a:solidFill>
+          <a:schemeClr val="tx1"/>
+        </a:solidFill>
+        <a:latin typeface="+mn-lt"/>
+        <a:ea typeface="+mn-ea"/>
+        <a:cs typeface="+mn-cs"/>
+      </a:defRPr>
+    </a:lvl8pPr>
+    <a:lvl9pPr marL="3657600" algn="l" defTabSz="914400" rtl="0" eaLnBrk="1" latinLnBrk="0" hangingPunct="1">
+      <a:defRPr sz="1200" kern="1200">
+        <a:solidFill>
+          <a:schemeClr val="tx1"/>
+        </a:solidFill>
+        <a:latin typeface="+mn-lt"/>
+        <a:ea typeface="+mn-ea"/>
+        <a:cs typeface="+mn-cs"/>
+      </a:defRPr>
+    </a:lvl9pPr>
+  </p:notesStyle>
+</p:notesMaster>
+</file>
+
+<file path=ppt/notesSlides/notesSlide1.xml><?xml version="1.0" encoding="utf-8"?>
+<p:notes xmlns:a="http://schemas.openxmlformats.org/drawingml/2006/main" xmlns:r="http://schemas.openxmlformats.org/officeDocument/2006/relationships" xmlns:p="http://schemas.openxmlformats.org/presentationml/2006/main">
+  <p:cSld>
+    <p:spTree>
+      <p:nvGrpSpPr>
+        <p:cNvPr id="1" name=""/>
+        <p:cNvGrpSpPr/>
+        <p:nvPr/>
+      </p:nvGrpSpPr>
+      <p:grpSpPr>
+        <a:xfrm>
+          <a:off x="0" y="0"/>
+          <a:ext cx="0" cy="0"/>
+          <a:chOff x="0" y="0"/>
+          <a:chExt cx="0" cy="0"/>
+        </a:xfrm>
+      </p:grpSpPr>
+      <p:sp>
+        <p:nvSpPr>
+          <p:cNvPr id="2" name="Slide Image Placeholder 1"/>
+          <p:cNvSpPr>
+            <a:spLocks noGrp="1" noRot="1" noChangeAspect="1"/>
+          </p:cNvSpPr>
+          <p:nvPr>
+            <p:ph type="sldImg"/>
+          </p:nvPr>
+        </p:nvSpPr>
+        <p:spPr/>
+      </p:sp>
+      <p:sp>
+        <p:nvSpPr>
+          <p:cNvPr id="3" name="Notes Placeholder 2"/>
+          <p:cNvSpPr>
+            <a:spLocks noGrp="1"/>
+          </p:cNvSpPr>
+          <p:nvPr>
+            <p:ph type="body" idx="1"/>
+          </p:nvPr>
+        </p:nvSpPr>
+        <p:spPr/>
+        <p:txBody>
+          <a:bodyPr/>
+          <a:lstStyle/>
+          <a:p>
+            <a:endParaRPr lang="en-US" dirty="0"/>
+          </a:p>
+        </p:txBody>
+      </p:sp>
+      <p:sp>
+        <p:nvSpPr>
+          <p:cNvPr id="4" name="Slide Number Placeholder 3"/>
+          <p:cNvSpPr>
+            <a:spLocks noGrp="1"/>
+          </p:cNvSpPr>
+          <p:nvPr>
+            <p:ph type="sldNum" sz="quarter" idx="10"/>
+          </p:nvPr>
+        </p:nvSpPr>
+        <p:spPr/>
+        <p:txBody>
+          <a:bodyPr/>
+          <a:lstStyle/>
+          <a:p>
+            <a:fld id="{7EA3D747-5010-4123-83E3-616627F571BA}" type="slidenum">
+              <a:rPr lang="en-US" smtClean="0"/>
+              <a:t>3</a:t>
+            </a:fld>
+            <a:endParaRPr lang="en-US"/>
+          </a:p>
+        </p:txBody>
+      </p:sp>
+    </p:spTree>
+    <p:extLst>
+      <p:ext uri="{BB962C8B-B14F-4D97-AF65-F5344CB8AC3E}">
+        <p14:creationId xmlns:p14="http://schemas.microsoft.com/office/powerpoint/2010/main" val="946250157"/>
+      </p:ext>
+    </p:extLst>
+  </p:cSld>
+  <p:clrMapOvr>
+    <a:masterClrMapping/>
+  </p:clrMapOvr>
+</p:notes>
 </file>
 
 <file path=ppt/slideLayouts/slideLayout1.xml><?xml version="1.0" encoding="utf-8"?>
@@ -4246,6 +4680,4057 @@
     <p:extLst>
       <p:ext uri="{BB962C8B-B14F-4D97-AF65-F5344CB8AC3E}">
         <p14:creationId xmlns:p14="http://schemas.microsoft.com/office/powerpoint/2010/main" val="2483498332"/>
+      </p:ext>
+    </p:extLst>
+  </p:cSld>
+  <p:clrMapOvr>
+    <a:masterClrMapping/>
+  </p:clrMapOvr>
+</p:sld>
+</file>
+
+<file path=ppt/slides/slide3.xml><?xml version="1.0" encoding="utf-8"?>
+<p:sld xmlns:a="http://schemas.openxmlformats.org/drawingml/2006/main" xmlns:r="http://schemas.openxmlformats.org/officeDocument/2006/relationships" xmlns:p="http://schemas.openxmlformats.org/presentationml/2006/main">
+  <p:cSld>
+    <p:spTree>
+      <p:nvGrpSpPr>
+        <p:cNvPr id="1" name=""/>
+        <p:cNvGrpSpPr/>
+        <p:nvPr/>
+      </p:nvGrpSpPr>
+      <p:grpSpPr>
+        <a:xfrm>
+          <a:off x="0" y="0"/>
+          <a:ext cx="0" cy="0"/>
+          <a:chOff x="0" y="0"/>
+          <a:chExt cx="0" cy="0"/>
+        </a:xfrm>
+      </p:grpSpPr>
+      <p:pic>
+        <p:nvPicPr>
+          <p:cNvPr id="4" name="Content Placeholder 4" descr="A picture containing shoji, building&#10;&#10;Description generated with high confidence">
+            <a:extLst>
+              <a:ext uri="{FF2B5EF4-FFF2-40B4-BE49-F238E27FC236}">
+                <a16:creationId xmlns:a16="http://schemas.microsoft.com/office/drawing/2014/main" id="{7C870DD0-9DA3-4978-9E43-38B30D3DB75B}"/>
+              </a:ext>
+            </a:extLst>
+          </p:cNvPr>
+          <p:cNvPicPr>
+            <a:picLocks noChangeAspect="1"/>
+          </p:cNvPicPr>
+          <p:nvPr/>
+        </p:nvPicPr>
+        <p:blipFill rotWithShape="1">
+          <a:blip r:embed="rId3">
+            <a:extLst>
+              <a:ext uri="{28A0092B-C50C-407E-A947-70E740481C1C}">
+                <a14:useLocalDpi xmlns:a14="http://schemas.microsoft.com/office/drawing/2010/main" val="0"/>
+              </a:ext>
+            </a:extLst>
+          </a:blip>
+          <a:srcRect t="1" b="-66"/>
+          <a:stretch/>
+        </p:blipFill>
+        <p:spPr>
+          <a:xfrm>
+            <a:off x="3279782" y="365125"/>
+            <a:ext cx="6038390" cy="6053092"/>
+          </a:xfrm>
+          <a:prstGeom prst="rect">
+            <a:avLst/>
+          </a:prstGeom>
+        </p:spPr>
+      </p:pic>
+      <p:cxnSp>
+        <p:nvCxnSpPr>
+          <p:cNvPr id="6" name="Straight Arrow Connector 5">
+            <a:extLst>
+              <a:ext uri="{FF2B5EF4-FFF2-40B4-BE49-F238E27FC236}">
+                <a16:creationId xmlns:a16="http://schemas.microsoft.com/office/drawing/2014/main" id="{88846043-E776-48EF-BDBA-918521F56225}"/>
+              </a:ext>
+            </a:extLst>
+          </p:cNvPr>
+          <p:cNvCxnSpPr/>
+          <p:nvPr/>
+        </p:nvCxnSpPr>
+        <p:spPr>
+          <a:xfrm>
+            <a:off x="3997235" y="3701143"/>
+            <a:ext cx="383177" cy="0"/>
+          </a:xfrm>
+          <a:prstGeom prst="straightConnector1">
+            <a:avLst/>
+          </a:prstGeom>
+          <a:ln w="38100">
+            <a:tailEnd type="triangle"/>
+          </a:ln>
+        </p:spPr>
+        <p:style>
+          <a:lnRef idx="3">
+            <a:schemeClr val="accent6"/>
+          </a:lnRef>
+          <a:fillRef idx="0">
+            <a:schemeClr val="accent6"/>
+          </a:fillRef>
+          <a:effectRef idx="2">
+            <a:schemeClr val="accent6"/>
+          </a:effectRef>
+          <a:fontRef idx="minor">
+            <a:schemeClr val="tx1"/>
+          </a:fontRef>
+        </p:style>
+      </p:cxnSp>
+      <p:cxnSp>
+        <p:nvCxnSpPr>
+          <p:cNvPr id="7" name="Straight Arrow Connector 6">
+            <a:extLst>
+              <a:ext uri="{FF2B5EF4-FFF2-40B4-BE49-F238E27FC236}">
+                <a16:creationId xmlns:a16="http://schemas.microsoft.com/office/drawing/2014/main" id="{57D36908-C121-4CE1-8CF1-FF5C93D04E3B}"/>
+              </a:ext>
+            </a:extLst>
+          </p:cNvPr>
+          <p:cNvCxnSpPr/>
+          <p:nvPr/>
+        </p:nvCxnSpPr>
+        <p:spPr>
+          <a:xfrm>
+            <a:off x="4598123" y="3692434"/>
+            <a:ext cx="383177" cy="0"/>
+          </a:xfrm>
+          <a:prstGeom prst="straightConnector1">
+            <a:avLst/>
+          </a:prstGeom>
+          <a:ln w="38100">
+            <a:tailEnd type="triangle"/>
+          </a:ln>
+        </p:spPr>
+        <p:style>
+          <a:lnRef idx="3">
+            <a:schemeClr val="accent6"/>
+          </a:lnRef>
+          <a:fillRef idx="0">
+            <a:schemeClr val="accent6"/>
+          </a:fillRef>
+          <a:effectRef idx="2">
+            <a:schemeClr val="accent6"/>
+          </a:effectRef>
+          <a:fontRef idx="minor">
+            <a:schemeClr val="tx1"/>
+          </a:fontRef>
+        </p:style>
+      </p:cxnSp>
+      <p:cxnSp>
+        <p:nvCxnSpPr>
+          <p:cNvPr id="8" name="Straight Arrow Connector 7">
+            <a:extLst>
+              <a:ext uri="{FF2B5EF4-FFF2-40B4-BE49-F238E27FC236}">
+                <a16:creationId xmlns:a16="http://schemas.microsoft.com/office/drawing/2014/main" id="{1AE8F9FC-86B1-4189-8E77-B4B94BBB5529}"/>
+              </a:ext>
+            </a:extLst>
+          </p:cNvPr>
+          <p:cNvCxnSpPr/>
+          <p:nvPr/>
+        </p:nvCxnSpPr>
+        <p:spPr>
+          <a:xfrm>
+            <a:off x="5199021" y="3692434"/>
+            <a:ext cx="383177" cy="0"/>
+          </a:xfrm>
+          <a:prstGeom prst="straightConnector1">
+            <a:avLst/>
+          </a:prstGeom>
+          <a:ln w="38100">
+            <a:tailEnd type="triangle"/>
+          </a:ln>
+        </p:spPr>
+        <p:style>
+          <a:lnRef idx="3">
+            <a:schemeClr val="accent6"/>
+          </a:lnRef>
+          <a:fillRef idx="0">
+            <a:schemeClr val="accent6"/>
+          </a:fillRef>
+          <a:effectRef idx="2">
+            <a:schemeClr val="accent6"/>
+          </a:effectRef>
+          <a:fontRef idx="minor">
+            <a:schemeClr val="tx1"/>
+          </a:fontRef>
+        </p:style>
+      </p:cxnSp>
+      <p:cxnSp>
+        <p:nvCxnSpPr>
+          <p:cNvPr id="9" name="Straight Arrow Connector 8">
+            <a:extLst>
+              <a:ext uri="{FF2B5EF4-FFF2-40B4-BE49-F238E27FC236}">
+                <a16:creationId xmlns:a16="http://schemas.microsoft.com/office/drawing/2014/main" id="{AAD1CFAB-D0ED-4EA2-ACAB-CD9CEE9BB2F5}"/>
+              </a:ext>
+            </a:extLst>
+          </p:cNvPr>
+          <p:cNvCxnSpPr/>
+          <p:nvPr/>
+        </p:nvCxnSpPr>
+        <p:spPr>
+          <a:xfrm>
+            <a:off x="5808626" y="3692434"/>
+            <a:ext cx="383177" cy="0"/>
+          </a:xfrm>
+          <a:prstGeom prst="straightConnector1">
+            <a:avLst/>
+          </a:prstGeom>
+          <a:ln w="38100">
+            <a:tailEnd type="triangle"/>
+          </a:ln>
+        </p:spPr>
+        <p:style>
+          <a:lnRef idx="3">
+            <a:schemeClr val="accent6"/>
+          </a:lnRef>
+          <a:fillRef idx="0">
+            <a:schemeClr val="accent6"/>
+          </a:fillRef>
+          <a:effectRef idx="2">
+            <a:schemeClr val="accent6"/>
+          </a:effectRef>
+          <a:fontRef idx="minor">
+            <a:schemeClr val="tx1"/>
+          </a:fontRef>
+        </p:style>
+      </p:cxnSp>
+      <p:cxnSp>
+        <p:nvCxnSpPr>
+          <p:cNvPr id="10" name="Straight Arrow Connector 9">
+            <a:extLst>
+              <a:ext uri="{FF2B5EF4-FFF2-40B4-BE49-F238E27FC236}">
+                <a16:creationId xmlns:a16="http://schemas.microsoft.com/office/drawing/2014/main" id="{9620628F-FD17-4094-BEDA-EAEF89E65B6C}"/>
+              </a:ext>
+            </a:extLst>
+          </p:cNvPr>
+          <p:cNvCxnSpPr/>
+          <p:nvPr/>
+        </p:nvCxnSpPr>
+        <p:spPr>
+          <a:xfrm>
+            <a:off x="6418227" y="3692434"/>
+            <a:ext cx="383177" cy="0"/>
+          </a:xfrm>
+          <a:prstGeom prst="straightConnector1">
+            <a:avLst/>
+          </a:prstGeom>
+          <a:ln w="38100">
+            <a:tailEnd type="triangle"/>
+          </a:ln>
+        </p:spPr>
+        <p:style>
+          <a:lnRef idx="3">
+            <a:schemeClr val="accent6"/>
+          </a:lnRef>
+          <a:fillRef idx="0">
+            <a:schemeClr val="accent6"/>
+          </a:fillRef>
+          <a:effectRef idx="2">
+            <a:schemeClr val="accent6"/>
+          </a:effectRef>
+          <a:fontRef idx="minor">
+            <a:schemeClr val="tx1"/>
+          </a:fontRef>
+        </p:style>
+      </p:cxnSp>
+      <p:cxnSp>
+        <p:nvCxnSpPr>
+          <p:cNvPr id="11" name="Straight Arrow Connector 10">
+            <a:extLst>
+              <a:ext uri="{FF2B5EF4-FFF2-40B4-BE49-F238E27FC236}">
+                <a16:creationId xmlns:a16="http://schemas.microsoft.com/office/drawing/2014/main" id="{B20093EF-EB58-42F7-9268-96B31C223D6D}"/>
+              </a:ext>
+            </a:extLst>
+          </p:cNvPr>
+          <p:cNvCxnSpPr/>
+          <p:nvPr/>
+        </p:nvCxnSpPr>
+        <p:spPr>
+          <a:xfrm>
+            <a:off x="7010408" y="3692434"/>
+            <a:ext cx="383177" cy="0"/>
+          </a:xfrm>
+          <a:prstGeom prst="straightConnector1">
+            <a:avLst/>
+          </a:prstGeom>
+          <a:ln w="38100">
+            <a:tailEnd type="triangle"/>
+          </a:ln>
+        </p:spPr>
+        <p:style>
+          <a:lnRef idx="3">
+            <a:schemeClr val="accent6"/>
+          </a:lnRef>
+          <a:fillRef idx="0">
+            <a:schemeClr val="accent6"/>
+          </a:fillRef>
+          <a:effectRef idx="2">
+            <a:schemeClr val="accent6"/>
+          </a:effectRef>
+          <a:fontRef idx="minor">
+            <a:schemeClr val="tx1"/>
+          </a:fontRef>
+        </p:style>
+      </p:cxnSp>
+      <p:cxnSp>
+        <p:nvCxnSpPr>
+          <p:cNvPr id="12" name="Straight Arrow Connector 11">
+            <a:extLst>
+              <a:ext uri="{FF2B5EF4-FFF2-40B4-BE49-F238E27FC236}">
+                <a16:creationId xmlns:a16="http://schemas.microsoft.com/office/drawing/2014/main" id="{1901C1D4-2170-40F6-862A-09F75E0DB74E}"/>
+              </a:ext>
+            </a:extLst>
+          </p:cNvPr>
+          <p:cNvCxnSpPr/>
+          <p:nvPr/>
+        </p:nvCxnSpPr>
+        <p:spPr>
+          <a:xfrm>
+            <a:off x="7593883" y="3692434"/>
+            <a:ext cx="383177" cy="0"/>
+          </a:xfrm>
+          <a:prstGeom prst="straightConnector1">
+            <a:avLst/>
+          </a:prstGeom>
+          <a:ln w="38100">
+            <a:tailEnd type="triangle"/>
+          </a:ln>
+        </p:spPr>
+        <p:style>
+          <a:lnRef idx="3">
+            <a:schemeClr val="accent6"/>
+          </a:lnRef>
+          <a:fillRef idx="0">
+            <a:schemeClr val="accent6"/>
+          </a:fillRef>
+          <a:effectRef idx="2">
+            <a:schemeClr val="accent6"/>
+          </a:effectRef>
+          <a:fontRef idx="minor">
+            <a:schemeClr val="tx1"/>
+          </a:fontRef>
+        </p:style>
+      </p:cxnSp>
+      <p:cxnSp>
+        <p:nvCxnSpPr>
+          <p:cNvPr id="13" name="Straight Arrow Connector 12">
+            <a:extLst>
+              <a:ext uri="{FF2B5EF4-FFF2-40B4-BE49-F238E27FC236}">
+                <a16:creationId xmlns:a16="http://schemas.microsoft.com/office/drawing/2014/main" id="{45CD94F7-47D7-4D43-88AE-79EE10C3EA77}"/>
+              </a:ext>
+            </a:extLst>
+          </p:cNvPr>
+          <p:cNvCxnSpPr/>
+          <p:nvPr/>
+        </p:nvCxnSpPr>
+        <p:spPr>
+          <a:xfrm>
+            <a:off x="8194780" y="3692434"/>
+            <a:ext cx="383177" cy="0"/>
+          </a:xfrm>
+          <a:prstGeom prst="straightConnector1">
+            <a:avLst/>
+          </a:prstGeom>
+          <a:ln w="38100">
+            <a:tailEnd type="triangle"/>
+          </a:ln>
+        </p:spPr>
+        <p:style>
+          <a:lnRef idx="3">
+            <a:schemeClr val="accent6"/>
+          </a:lnRef>
+          <a:fillRef idx="0">
+            <a:schemeClr val="accent6"/>
+          </a:fillRef>
+          <a:effectRef idx="2">
+            <a:schemeClr val="accent6"/>
+          </a:effectRef>
+          <a:fontRef idx="minor">
+            <a:schemeClr val="tx1"/>
+          </a:fontRef>
+        </p:style>
+      </p:cxnSp>
+      <p:cxnSp>
+        <p:nvCxnSpPr>
+          <p:cNvPr id="14" name="Straight Arrow Connector 13">
+            <a:extLst>
+              <a:ext uri="{FF2B5EF4-FFF2-40B4-BE49-F238E27FC236}">
+                <a16:creationId xmlns:a16="http://schemas.microsoft.com/office/drawing/2014/main" id="{19855BE3-D90A-4146-A272-501D16008CA4}"/>
+              </a:ext>
+            </a:extLst>
+          </p:cNvPr>
+          <p:cNvCxnSpPr/>
+          <p:nvPr/>
+        </p:nvCxnSpPr>
+        <p:spPr>
+          <a:xfrm>
+            <a:off x="3988526" y="3100243"/>
+            <a:ext cx="383177" cy="0"/>
+          </a:xfrm>
+          <a:prstGeom prst="straightConnector1">
+            <a:avLst/>
+          </a:prstGeom>
+          <a:ln w="38100">
+            <a:tailEnd type="triangle"/>
+          </a:ln>
+        </p:spPr>
+        <p:style>
+          <a:lnRef idx="3">
+            <a:schemeClr val="accent6"/>
+          </a:lnRef>
+          <a:fillRef idx="0">
+            <a:schemeClr val="accent6"/>
+          </a:fillRef>
+          <a:effectRef idx="2">
+            <a:schemeClr val="accent6"/>
+          </a:effectRef>
+          <a:fontRef idx="minor">
+            <a:schemeClr val="tx1"/>
+          </a:fontRef>
+        </p:style>
+      </p:cxnSp>
+      <p:cxnSp>
+        <p:nvCxnSpPr>
+          <p:cNvPr id="15" name="Straight Arrow Connector 14">
+            <a:extLst>
+              <a:ext uri="{FF2B5EF4-FFF2-40B4-BE49-F238E27FC236}">
+                <a16:creationId xmlns:a16="http://schemas.microsoft.com/office/drawing/2014/main" id="{2A05D6EC-7679-40CD-B931-CE2DEF25C9DB}"/>
+              </a:ext>
+            </a:extLst>
+          </p:cNvPr>
+          <p:cNvCxnSpPr/>
+          <p:nvPr/>
+        </p:nvCxnSpPr>
+        <p:spPr>
+          <a:xfrm>
+            <a:off x="3988526" y="2508071"/>
+            <a:ext cx="383177" cy="0"/>
+          </a:xfrm>
+          <a:prstGeom prst="straightConnector1">
+            <a:avLst/>
+          </a:prstGeom>
+          <a:ln w="38100">
+            <a:tailEnd type="triangle"/>
+          </a:ln>
+        </p:spPr>
+        <p:style>
+          <a:lnRef idx="3">
+            <a:schemeClr val="accent6"/>
+          </a:lnRef>
+          <a:fillRef idx="0">
+            <a:schemeClr val="accent6"/>
+          </a:fillRef>
+          <a:effectRef idx="2">
+            <a:schemeClr val="accent6"/>
+          </a:effectRef>
+          <a:fontRef idx="minor">
+            <a:schemeClr val="tx1"/>
+          </a:fontRef>
+        </p:style>
+      </p:cxnSp>
+      <p:cxnSp>
+        <p:nvCxnSpPr>
+          <p:cNvPr id="16" name="Straight Arrow Connector 15">
+            <a:extLst>
+              <a:ext uri="{FF2B5EF4-FFF2-40B4-BE49-F238E27FC236}">
+                <a16:creationId xmlns:a16="http://schemas.microsoft.com/office/drawing/2014/main" id="{058ADF61-3C90-45EE-9545-342EF1ACF440}"/>
+              </a:ext>
+            </a:extLst>
+          </p:cNvPr>
+          <p:cNvCxnSpPr/>
+          <p:nvPr/>
+        </p:nvCxnSpPr>
+        <p:spPr>
+          <a:xfrm>
+            <a:off x="3988526" y="1889760"/>
+            <a:ext cx="383177" cy="0"/>
+          </a:xfrm>
+          <a:prstGeom prst="straightConnector1">
+            <a:avLst/>
+          </a:prstGeom>
+          <a:ln w="38100">
+            <a:tailEnd type="triangle"/>
+          </a:ln>
+        </p:spPr>
+        <p:style>
+          <a:lnRef idx="3">
+            <a:schemeClr val="accent6"/>
+          </a:lnRef>
+          <a:fillRef idx="0">
+            <a:schemeClr val="accent6"/>
+          </a:fillRef>
+          <a:effectRef idx="2">
+            <a:schemeClr val="accent6"/>
+          </a:effectRef>
+          <a:fontRef idx="minor">
+            <a:schemeClr val="tx1"/>
+          </a:fontRef>
+        </p:style>
+      </p:cxnSp>
+      <p:cxnSp>
+        <p:nvCxnSpPr>
+          <p:cNvPr id="17" name="Straight Arrow Connector 16">
+            <a:extLst>
+              <a:ext uri="{FF2B5EF4-FFF2-40B4-BE49-F238E27FC236}">
+                <a16:creationId xmlns:a16="http://schemas.microsoft.com/office/drawing/2014/main" id="{708EA9DE-BAB1-41E1-AF6A-D0F248740FD5}"/>
+              </a:ext>
+            </a:extLst>
+          </p:cNvPr>
+          <p:cNvCxnSpPr/>
+          <p:nvPr/>
+        </p:nvCxnSpPr>
+        <p:spPr>
+          <a:xfrm>
+            <a:off x="3988526" y="1288855"/>
+            <a:ext cx="383177" cy="0"/>
+          </a:xfrm>
+          <a:prstGeom prst="straightConnector1">
+            <a:avLst/>
+          </a:prstGeom>
+          <a:ln w="38100">
+            <a:tailEnd type="triangle"/>
+          </a:ln>
+        </p:spPr>
+        <p:style>
+          <a:lnRef idx="3">
+            <a:schemeClr val="accent6"/>
+          </a:lnRef>
+          <a:fillRef idx="0">
+            <a:schemeClr val="accent6"/>
+          </a:fillRef>
+          <a:effectRef idx="2">
+            <a:schemeClr val="accent6"/>
+          </a:effectRef>
+          <a:fontRef idx="minor">
+            <a:schemeClr val="tx1"/>
+          </a:fontRef>
+        </p:style>
+      </p:cxnSp>
+      <p:cxnSp>
+        <p:nvCxnSpPr>
+          <p:cNvPr id="18" name="Straight Arrow Connector 17">
+            <a:extLst>
+              <a:ext uri="{FF2B5EF4-FFF2-40B4-BE49-F238E27FC236}">
+                <a16:creationId xmlns:a16="http://schemas.microsoft.com/office/drawing/2014/main" id="{CDE3D4C8-9372-4CE4-985D-909D0E4CC6F2}"/>
+              </a:ext>
+            </a:extLst>
+          </p:cNvPr>
+          <p:cNvCxnSpPr/>
+          <p:nvPr/>
+        </p:nvCxnSpPr>
+        <p:spPr>
+          <a:xfrm>
+            <a:off x="3387635" y="3091543"/>
+            <a:ext cx="383177" cy="0"/>
+          </a:xfrm>
+          <a:prstGeom prst="straightConnector1">
+            <a:avLst/>
+          </a:prstGeom>
+          <a:ln w="38100">
+            <a:tailEnd type="triangle"/>
+          </a:ln>
+        </p:spPr>
+        <p:style>
+          <a:lnRef idx="3">
+            <a:schemeClr val="accent6"/>
+          </a:lnRef>
+          <a:fillRef idx="0">
+            <a:schemeClr val="accent6"/>
+          </a:fillRef>
+          <a:effectRef idx="2">
+            <a:schemeClr val="accent6"/>
+          </a:effectRef>
+          <a:fontRef idx="minor">
+            <a:schemeClr val="tx1"/>
+          </a:fontRef>
+        </p:style>
+      </p:cxnSp>
+      <p:cxnSp>
+        <p:nvCxnSpPr>
+          <p:cNvPr id="19" name="Straight Arrow Connector 18">
+            <a:extLst>
+              <a:ext uri="{FF2B5EF4-FFF2-40B4-BE49-F238E27FC236}">
+                <a16:creationId xmlns:a16="http://schemas.microsoft.com/office/drawing/2014/main" id="{F27276B3-60FB-454E-BE6E-4B02986B60C3}"/>
+              </a:ext>
+            </a:extLst>
+          </p:cNvPr>
+          <p:cNvCxnSpPr/>
+          <p:nvPr/>
+        </p:nvCxnSpPr>
+        <p:spPr>
+          <a:xfrm>
+            <a:off x="3988526" y="696676"/>
+            <a:ext cx="383177" cy="0"/>
+          </a:xfrm>
+          <a:prstGeom prst="straightConnector1">
+            <a:avLst/>
+          </a:prstGeom>
+          <a:ln w="38100">
+            <a:tailEnd type="triangle"/>
+          </a:ln>
+        </p:spPr>
+        <p:style>
+          <a:lnRef idx="3">
+            <a:schemeClr val="accent6"/>
+          </a:lnRef>
+          <a:fillRef idx="0">
+            <a:schemeClr val="accent6"/>
+          </a:fillRef>
+          <a:effectRef idx="2">
+            <a:schemeClr val="accent6"/>
+          </a:effectRef>
+          <a:fontRef idx="minor">
+            <a:schemeClr val="tx1"/>
+          </a:fontRef>
+        </p:style>
+      </p:cxnSp>
+      <p:cxnSp>
+        <p:nvCxnSpPr>
+          <p:cNvPr id="20" name="Straight Arrow Connector 19">
+            <a:extLst>
+              <a:ext uri="{FF2B5EF4-FFF2-40B4-BE49-F238E27FC236}">
+                <a16:creationId xmlns:a16="http://schemas.microsoft.com/office/drawing/2014/main" id="{342DD52E-A303-47B3-A0C2-273AF08A702F}"/>
+              </a:ext>
+            </a:extLst>
+          </p:cNvPr>
+          <p:cNvCxnSpPr/>
+          <p:nvPr/>
+        </p:nvCxnSpPr>
+        <p:spPr>
+          <a:xfrm>
+            <a:off x="3988526" y="4302037"/>
+            <a:ext cx="383177" cy="0"/>
+          </a:xfrm>
+          <a:prstGeom prst="straightConnector1">
+            <a:avLst/>
+          </a:prstGeom>
+          <a:ln w="38100">
+            <a:tailEnd type="triangle"/>
+          </a:ln>
+        </p:spPr>
+        <p:style>
+          <a:lnRef idx="3">
+            <a:schemeClr val="accent6"/>
+          </a:lnRef>
+          <a:fillRef idx="0">
+            <a:schemeClr val="accent6"/>
+          </a:fillRef>
+          <a:effectRef idx="2">
+            <a:schemeClr val="accent6"/>
+          </a:effectRef>
+          <a:fontRef idx="minor">
+            <a:schemeClr val="tx1"/>
+          </a:fontRef>
+        </p:style>
+      </p:cxnSp>
+      <p:cxnSp>
+        <p:nvCxnSpPr>
+          <p:cNvPr id="21" name="Straight Arrow Connector 20">
+            <a:extLst>
+              <a:ext uri="{FF2B5EF4-FFF2-40B4-BE49-F238E27FC236}">
+                <a16:creationId xmlns:a16="http://schemas.microsoft.com/office/drawing/2014/main" id="{C3702323-6533-452B-885E-5A5E16F59A03}"/>
+              </a:ext>
+            </a:extLst>
+          </p:cNvPr>
+          <p:cNvCxnSpPr/>
+          <p:nvPr/>
+        </p:nvCxnSpPr>
+        <p:spPr>
+          <a:xfrm>
+            <a:off x="3988526" y="4894213"/>
+            <a:ext cx="383177" cy="0"/>
+          </a:xfrm>
+          <a:prstGeom prst="straightConnector1">
+            <a:avLst/>
+          </a:prstGeom>
+          <a:ln w="38100">
+            <a:tailEnd type="triangle"/>
+          </a:ln>
+        </p:spPr>
+        <p:style>
+          <a:lnRef idx="3">
+            <a:schemeClr val="accent6"/>
+          </a:lnRef>
+          <a:fillRef idx="0">
+            <a:schemeClr val="accent6"/>
+          </a:fillRef>
+          <a:effectRef idx="2">
+            <a:schemeClr val="accent6"/>
+          </a:effectRef>
+          <a:fontRef idx="minor">
+            <a:schemeClr val="tx1"/>
+          </a:fontRef>
+        </p:style>
+      </p:cxnSp>
+      <p:cxnSp>
+        <p:nvCxnSpPr>
+          <p:cNvPr id="22" name="Straight Arrow Connector 21">
+            <a:extLst>
+              <a:ext uri="{FF2B5EF4-FFF2-40B4-BE49-F238E27FC236}">
+                <a16:creationId xmlns:a16="http://schemas.microsoft.com/office/drawing/2014/main" id="{F2CAE66C-9293-4A7A-A3E8-BC4B6BC4B99C}"/>
+              </a:ext>
+            </a:extLst>
+          </p:cNvPr>
+          <p:cNvCxnSpPr/>
+          <p:nvPr/>
+        </p:nvCxnSpPr>
+        <p:spPr>
+          <a:xfrm>
+            <a:off x="3988526" y="5503825"/>
+            <a:ext cx="383177" cy="0"/>
+          </a:xfrm>
+          <a:prstGeom prst="straightConnector1">
+            <a:avLst/>
+          </a:prstGeom>
+          <a:ln w="38100">
+            <a:tailEnd type="triangle"/>
+          </a:ln>
+        </p:spPr>
+        <p:style>
+          <a:lnRef idx="3">
+            <a:schemeClr val="accent6"/>
+          </a:lnRef>
+          <a:fillRef idx="0">
+            <a:schemeClr val="accent6"/>
+          </a:fillRef>
+          <a:effectRef idx="2">
+            <a:schemeClr val="accent6"/>
+          </a:effectRef>
+          <a:fontRef idx="minor">
+            <a:schemeClr val="tx1"/>
+          </a:fontRef>
+        </p:style>
+      </p:cxnSp>
+      <p:cxnSp>
+        <p:nvCxnSpPr>
+          <p:cNvPr id="23" name="Straight Arrow Connector 22">
+            <a:extLst>
+              <a:ext uri="{FF2B5EF4-FFF2-40B4-BE49-F238E27FC236}">
+                <a16:creationId xmlns:a16="http://schemas.microsoft.com/office/drawing/2014/main" id="{94465702-0B71-447F-BE51-A3CEA8619A04}"/>
+              </a:ext>
+            </a:extLst>
+          </p:cNvPr>
+          <p:cNvCxnSpPr/>
+          <p:nvPr/>
+        </p:nvCxnSpPr>
+        <p:spPr>
+          <a:xfrm>
+            <a:off x="3988526" y="6113423"/>
+            <a:ext cx="383177" cy="0"/>
+          </a:xfrm>
+          <a:prstGeom prst="straightConnector1">
+            <a:avLst/>
+          </a:prstGeom>
+          <a:ln w="38100">
+            <a:tailEnd type="triangle"/>
+          </a:ln>
+        </p:spPr>
+        <p:style>
+          <a:lnRef idx="3">
+            <a:schemeClr val="accent6"/>
+          </a:lnRef>
+          <a:fillRef idx="0">
+            <a:schemeClr val="accent6"/>
+          </a:fillRef>
+          <a:effectRef idx="2">
+            <a:schemeClr val="accent6"/>
+          </a:effectRef>
+          <a:fontRef idx="minor">
+            <a:schemeClr val="tx1"/>
+          </a:fontRef>
+        </p:style>
+      </p:cxnSp>
+      <p:cxnSp>
+        <p:nvCxnSpPr>
+          <p:cNvPr id="24" name="Straight Arrow Connector 23">
+            <a:extLst>
+              <a:ext uri="{FF2B5EF4-FFF2-40B4-BE49-F238E27FC236}">
+                <a16:creationId xmlns:a16="http://schemas.microsoft.com/office/drawing/2014/main" id="{8F058ED1-2C26-48CD-9D2A-61A2FE27F901}"/>
+              </a:ext>
+            </a:extLst>
+          </p:cNvPr>
+          <p:cNvCxnSpPr/>
+          <p:nvPr/>
+        </p:nvCxnSpPr>
+        <p:spPr>
+          <a:xfrm>
+            <a:off x="3405050" y="2508061"/>
+            <a:ext cx="383177" cy="0"/>
+          </a:xfrm>
+          <a:prstGeom prst="straightConnector1">
+            <a:avLst/>
+          </a:prstGeom>
+          <a:ln w="38100">
+            <a:tailEnd type="triangle"/>
+          </a:ln>
+        </p:spPr>
+        <p:style>
+          <a:lnRef idx="3">
+            <a:schemeClr val="accent6"/>
+          </a:lnRef>
+          <a:fillRef idx="0">
+            <a:schemeClr val="accent6"/>
+          </a:fillRef>
+          <a:effectRef idx="2">
+            <a:schemeClr val="accent6"/>
+          </a:effectRef>
+          <a:fontRef idx="minor">
+            <a:schemeClr val="tx1"/>
+          </a:fontRef>
+        </p:style>
+      </p:cxnSp>
+      <p:cxnSp>
+        <p:nvCxnSpPr>
+          <p:cNvPr id="26" name="Straight Arrow Connector 25">
+            <a:extLst>
+              <a:ext uri="{FF2B5EF4-FFF2-40B4-BE49-F238E27FC236}">
+                <a16:creationId xmlns:a16="http://schemas.microsoft.com/office/drawing/2014/main" id="{F60D902B-E905-49F8-B651-89C091AF2368}"/>
+              </a:ext>
+            </a:extLst>
+          </p:cNvPr>
+          <p:cNvCxnSpPr/>
+          <p:nvPr/>
+        </p:nvCxnSpPr>
+        <p:spPr>
+          <a:xfrm>
+            <a:off x="3418111" y="1894105"/>
+            <a:ext cx="383177" cy="0"/>
+          </a:xfrm>
+          <a:prstGeom prst="straightConnector1">
+            <a:avLst/>
+          </a:prstGeom>
+          <a:ln w="38100">
+            <a:tailEnd type="triangle"/>
+          </a:ln>
+        </p:spPr>
+        <p:style>
+          <a:lnRef idx="3">
+            <a:schemeClr val="accent6"/>
+          </a:lnRef>
+          <a:fillRef idx="0">
+            <a:schemeClr val="accent6"/>
+          </a:fillRef>
+          <a:effectRef idx="2">
+            <a:schemeClr val="accent6"/>
+          </a:effectRef>
+          <a:fontRef idx="minor">
+            <a:schemeClr val="tx1"/>
+          </a:fontRef>
+        </p:style>
+      </p:cxnSp>
+      <p:cxnSp>
+        <p:nvCxnSpPr>
+          <p:cNvPr id="27" name="Straight Arrow Connector 26">
+            <a:extLst>
+              <a:ext uri="{FF2B5EF4-FFF2-40B4-BE49-F238E27FC236}">
+                <a16:creationId xmlns:a16="http://schemas.microsoft.com/office/drawing/2014/main" id="{D4CF7CDE-FDC4-4BC4-B6E9-269FE09169B6}"/>
+              </a:ext>
+            </a:extLst>
+          </p:cNvPr>
+          <p:cNvCxnSpPr/>
+          <p:nvPr/>
+        </p:nvCxnSpPr>
+        <p:spPr>
+          <a:xfrm>
+            <a:off x="3418110" y="1293213"/>
+            <a:ext cx="383177" cy="0"/>
+          </a:xfrm>
+          <a:prstGeom prst="straightConnector1">
+            <a:avLst/>
+          </a:prstGeom>
+          <a:ln w="38100">
+            <a:tailEnd type="triangle"/>
+          </a:ln>
+        </p:spPr>
+        <p:style>
+          <a:lnRef idx="3">
+            <a:schemeClr val="accent6"/>
+          </a:lnRef>
+          <a:fillRef idx="0">
+            <a:schemeClr val="accent6"/>
+          </a:fillRef>
+          <a:effectRef idx="2">
+            <a:schemeClr val="accent6"/>
+          </a:effectRef>
+          <a:fontRef idx="minor">
+            <a:schemeClr val="tx1"/>
+          </a:fontRef>
+        </p:style>
+      </p:cxnSp>
+      <p:cxnSp>
+        <p:nvCxnSpPr>
+          <p:cNvPr id="28" name="Straight Arrow Connector 27">
+            <a:extLst>
+              <a:ext uri="{FF2B5EF4-FFF2-40B4-BE49-F238E27FC236}">
+                <a16:creationId xmlns:a16="http://schemas.microsoft.com/office/drawing/2014/main" id="{DBABE30E-A12B-40B1-A708-7EC2A29F0605}"/>
+              </a:ext>
+            </a:extLst>
+          </p:cNvPr>
+          <p:cNvCxnSpPr/>
+          <p:nvPr/>
+        </p:nvCxnSpPr>
+        <p:spPr>
+          <a:xfrm>
+            <a:off x="3418110" y="692326"/>
+            <a:ext cx="383177" cy="0"/>
+          </a:xfrm>
+          <a:prstGeom prst="straightConnector1">
+            <a:avLst/>
+          </a:prstGeom>
+          <a:ln w="38100">
+            <a:tailEnd type="triangle"/>
+          </a:ln>
+        </p:spPr>
+        <p:style>
+          <a:lnRef idx="3">
+            <a:schemeClr val="accent6"/>
+          </a:lnRef>
+          <a:fillRef idx="0">
+            <a:schemeClr val="accent6"/>
+          </a:fillRef>
+          <a:effectRef idx="2">
+            <a:schemeClr val="accent6"/>
+          </a:effectRef>
+          <a:fontRef idx="minor">
+            <a:schemeClr val="tx1"/>
+          </a:fontRef>
+        </p:style>
+      </p:cxnSp>
+      <p:cxnSp>
+        <p:nvCxnSpPr>
+          <p:cNvPr id="29" name="Straight Arrow Connector 28">
+            <a:extLst>
+              <a:ext uri="{FF2B5EF4-FFF2-40B4-BE49-F238E27FC236}">
+                <a16:creationId xmlns:a16="http://schemas.microsoft.com/office/drawing/2014/main" id="{FBC917AF-F8F7-4F03-BFEF-0D0B115D6E4E}"/>
+              </a:ext>
+            </a:extLst>
+          </p:cNvPr>
+          <p:cNvCxnSpPr/>
+          <p:nvPr/>
+        </p:nvCxnSpPr>
+        <p:spPr>
+          <a:xfrm>
+            <a:off x="3418110" y="4302037"/>
+            <a:ext cx="383177" cy="0"/>
+          </a:xfrm>
+          <a:prstGeom prst="straightConnector1">
+            <a:avLst/>
+          </a:prstGeom>
+          <a:ln w="38100">
+            <a:tailEnd type="triangle"/>
+          </a:ln>
+        </p:spPr>
+        <p:style>
+          <a:lnRef idx="3">
+            <a:schemeClr val="accent6"/>
+          </a:lnRef>
+          <a:fillRef idx="0">
+            <a:schemeClr val="accent6"/>
+          </a:fillRef>
+          <a:effectRef idx="2">
+            <a:schemeClr val="accent6"/>
+          </a:effectRef>
+          <a:fontRef idx="minor">
+            <a:schemeClr val="tx1"/>
+          </a:fontRef>
+        </p:style>
+      </p:cxnSp>
+      <p:cxnSp>
+        <p:nvCxnSpPr>
+          <p:cNvPr id="30" name="Straight Arrow Connector 29">
+            <a:extLst>
+              <a:ext uri="{FF2B5EF4-FFF2-40B4-BE49-F238E27FC236}">
+                <a16:creationId xmlns:a16="http://schemas.microsoft.com/office/drawing/2014/main" id="{5AEA644C-F459-4C32-B6A3-9F592634A47E}"/>
+              </a:ext>
+            </a:extLst>
+          </p:cNvPr>
+          <p:cNvCxnSpPr/>
+          <p:nvPr/>
+        </p:nvCxnSpPr>
+        <p:spPr>
+          <a:xfrm>
+            <a:off x="3418110" y="4894213"/>
+            <a:ext cx="383177" cy="0"/>
+          </a:xfrm>
+          <a:prstGeom prst="straightConnector1">
+            <a:avLst/>
+          </a:prstGeom>
+          <a:ln w="38100">
+            <a:tailEnd type="triangle"/>
+          </a:ln>
+        </p:spPr>
+        <p:style>
+          <a:lnRef idx="3">
+            <a:schemeClr val="accent6"/>
+          </a:lnRef>
+          <a:fillRef idx="0">
+            <a:schemeClr val="accent6"/>
+          </a:fillRef>
+          <a:effectRef idx="2">
+            <a:schemeClr val="accent6"/>
+          </a:effectRef>
+          <a:fontRef idx="minor">
+            <a:schemeClr val="tx1"/>
+          </a:fontRef>
+        </p:style>
+      </p:cxnSp>
+      <p:cxnSp>
+        <p:nvCxnSpPr>
+          <p:cNvPr id="31" name="Straight Arrow Connector 30">
+            <a:extLst>
+              <a:ext uri="{FF2B5EF4-FFF2-40B4-BE49-F238E27FC236}">
+                <a16:creationId xmlns:a16="http://schemas.microsoft.com/office/drawing/2014/main" id="{AC1A1FA3-2AF7-4310-9E18-EDE1498DEA20}"/>
+              </a:ext>
+            </a:extLst>
+          </p:cNvPr>
+          <p:cNvCxnSpPr/>
+          <p:nvPr/>
+        </p:nvCxnSpPr>
+        <p:spPr>
+          <a:xfrm>
+            <a:off x="3418110" y="5503825"/>
+            <a:ext cx="383177" cy="0"/>
+          </a:xfrm>
+          <a:prstGeom prst="straightConnector1">
+            <a:avLst/>
+          </a:prstGeom>
+          <a:ln w="38100">
+            <a:tailEnd type="triangle"/>
+          </a:ln>
+        </p:spPr>
+        <p:style>
+          <a:lnRef idx="3">
+            <a:schemeClr val="accent6"/>
+          </a:lnRef>
+          <a:fillRef idx="0">
+            <a:schemeClr val="accent6"/>
+          </a:fillRef>
+          <a:effectRef idx="2">
+            <a:schemeClr val="accent6"/>
+          </a:effectRef>
+          <a:fontRef idx="minor">
+            <a:schemeClr val="tx1"/>
+          </a:fontRef>
+        </p:style>
+      </p:cxnSp>
+      <p:cxnSp>
+        <p:nvCxnSpPr>
+          <p:cNvPr id="32" name="Straight Arrow Connector 31">
+            <a:extLst>
+              <a:ext uri="{FF2B5EF4-FFF2-40B4-BE49-F238E27FC236}">
+                <a16:creationId xmlns:a16="http://schemas.microsoft.com/office/drawing/2014/main" id="{E6643D18-09F6-4D10-9DB9-7A03414CC04A}"/>
+              </a:ext>
+            </a:extLst>
+          </p:cNvPr>
+          <p:cNvCxnSpPr/>
+          <p:nvPr/>
+        </p:nvCxnSpPr>
+        <p:spPr>
+          <a:xfrm>
+            <a:off x="3387635" y="6109061"/>
+            <a:ext cx="383177" cy="0"/>
+          </a:xfrm>
+          <a:prstGeom prst="straightConnector1">
+            <a:avLst/>
+          </a:prstGeom>
+          <a:ln w="38100">
+            <a:tailEnd type="triangle"/>
+          </a:ln>
+        </p:spPr>
+        <p:style>
+          <a:lnRef idx="3">
+            <a:schemeClr val="accent6"/>
+          </a:lnRef>
+          <a:fillRef idx="0">
+            <a:schemeClr val="accent6"/>
+          </a:fillRef>
+          <a:effectRef idx="2">
+            <a:schemeClr val="accent6"/>
+          </a:effectRef>
+          <a:fontRef idx="minor">
+            <a:schemeClr val="tx1"/>
+          </a:fontRef>
+        </p:style>
+      </p:cxnSp>
+      <p:cxnSp>
+        <p:nvCxnSpPr>
+          <p:cNvPr id="33" name="Straight Arrow Connector 32">
+            <a:extLst>
+              <a:ext uri="{FF2B5EF4-FFF2-40B4-BE49-F238E27FC236}">
+                <a16:creationId xmlns:a16="http://schemas.microsoft.com/office/drawing/2014/main" id="{8ACFF2A3-B1D7-4A4E-A1D0-0A8E95C1EA93}"/>
+              </a:ext>
+            </a:extLst>
+          </p:cNvPr>
+          <p:cNvCxnSpPr/>
+          <p:nvPr/>
+        </p:nvCxnSpPr>
+        <p:spPr>
+          <a:xfrm>
+            <a:off x="4598123" y="3091543"/>
+            <a:ext cx="383177" cy="0"/>
+          </a:xfrm>
+          <a:prstGeom prst="straightConnector1">
+            <a:avLst/>
+          </a:prstGeom>
+          <a:ln w="38100">
+            <a:tailEnd type="triangle"/>
+          </a:ln>
+        </p:spPr>
+        <p:style>
+          <a:lnRef idx="3">
+            <a:schemeClr val="accent6"/>
+          </a:lnRef>
+          <a:fillRef idx="0">
+            <a:schemeClr val="accent6"/>
+          </a:fillRef>
+          <a:effectRef idx="2">
+            <a:schemeClr val="accent6"/>
+          </a:effectRef>
+          <a:fontRef idx="minor">
+            <a:schemeClr val="tx1"/>
+          </a:fontRef>
+        </p:style>
+      </p:cxnSp>
+      <p:cxnSp>
+        <p:nvCxnSpPr>
+          <p:cNvPr id="34" name="Straight Arrow Connector 33">
+            <a:extLst>
+              <a:ext uri="{FF2B5EF4-FFF2-40B4-BE49-F238E27FC236}">
+                <a16:creationId xmlns:a16="http://schemas.microsoft.com/office/drawing/2014/main" id="{E7588493-8AF7-420E-B756-9FC5C5B4B7DF}"/>
+              </a:ext>
+            </a:extLst>
+          </p:cNvPr>
+          <p:cNvCxnSpPr/>
+          <p:nvPr/>
+        </p:nvCxnSpPr>
+        <p:spPr>
+          <a:xfrm>
+            <a:off x="4598123" y="2512407"/>
+            <a:ext cx="383177" cy="0"/>
+          </a:xfrm>
+          <a:prstGeom prst="straightConnector1">
+            <a:avLst/>
+          </a:prstGeom>
+          <a:ln w="38100">
+            <a:tailEnd type="triangle"/>
+          </a:ln>
+        </p:spPr>
+        <p:style>
+          <a:lnRef idx="3">
+            <a:schemeClr val="accent6"/>
+          </a:lnRef>
+          <a:fillRef idx="0">
+            <a:schemeClr val="accent6"/>
+          </a:fillRef>
+          <a:effectRef idx="2">
+            <a:schemeClr val="accent6"/>
+          </a:effectRef>
+          <a:fontRef idx="minor">
+            <a:schemeClr val="tx1"/>
+          </a:fontRef>
+        </p:style>
+      </p:cxnSp>
+      <p:cxnSp>
+        <p:nvCxnSpPr>
+          <p:cNvPr id="35" name="Straight Arrow Connector 34">
+            <a:extLst>
+              <a:ext uri="{FF2B5EF4-FFF2-40B4-BE49-F238E27FC236}">
+                <a16:creationId xmlns:a16="http://schemas.microsoft.com/office/drawing/2014/main" id="{4A26E0FE-2064-43EE-B882-408D95B537E9}"/>
+              </a:ext>
+            </a:extLst>
+          </p:cNvPr>
+          <p:cNvCxnSpPr/>
+          <p:nvPr/>
+        </p:nvCxnSpPr>
+        <p:spPr>
+          <a:xfrm>
+            <a:off x="4598123" y="1889760"/>
+            <a:ext cx="383177" cy="0"/>
+          </a:xfrm>
+          <a:prstGeom prst="straightConnector1">
+            <a:avLst/>
+          </a:prstGeom>
+          <a:ln w="38100">
+            <a:tailEnd type="triangle"/>
+          </a:ln>
+        </p:spPr>
+        <p:style>
+          <a:lnRef idx="3">
+            <a:schemeClr val="accent6"/>
+          </a:lnRef>
+          <a:fillRef idx="0">
+            <a:schemeClr val="accent6"/>
+          </a:fillRef>
+          <a:effectRef idx="2">
+            <a:schemeClr val="accent6"/>
+          </a:effectRef>
+          <a:fontRef idx="minor">
+            <a:schemeClr val="tx1"/>
+          </a:fontRef>
+        </p:style>
+      </p:cxnSp>
+      <p:cxnSp>
+        <p:nvCxnSpPr>
+          <p:cNvPr id="36" name="Straight Arrow Connector 35">
+            <a:extLst>
+              <a:ext uri="{FF2B5EF4-FFF2-40B4-BE49-F238E27FC236}">
+                <a16:creationId xmlns:a16="http://schemas.microsoft.com/office/drawing/2014/main" id="{3962CF3A-AC7F-489F-89E9-89C17DEBED07}"/>
+              </a:ext>
+            </a:extLst>
+          </p:cNvPr>
+          <p:cNvCxnSpPr/>
+          <p:nvPr/>
+        </p:nvCxnSpPr>
+        <p:spPr>
+          <a:xfrm>
+            <a:off x="4598123" y="1310618"/>
+            <a:ext cx="383177" cy="0"/>
+          </a:xfrm>
+          <a:prstGeom prst="straightConnector1">
+            <a:avLst/>
+          </a:prstGeom>
+          <a:ln w="38100">
+            <a:tailEnd type="triangle"/>
+          </a:ln>
+        </p:spPr>
+        <p:style>
+          <a:lnRef idx="3">
+            <a:schemeClr val="accent6"/>
+          </a:lnRef>
+          <a:fillRef idx="0">
+            <a:schemeClr val="accent6"/>
+          </a:fillRef>
+          <a:effectRef idx="2">
+            <a:schemeClr val="accent6"/>
+          </a:effectRef>
+          <a:fontRef idx="minor">
+            <a:schemeClr val="tx1"/>
+          </a:fontRef>
+        </p:style>
+      </p:cxnSp>
+      <p:cxnSp>
+        <p:nvCxnSpPr>
+          <p:cNvPr id="37" name="Straight Arrow Connector 36">
+            <a:extLst>
+              <a:ext uri="{FF2B5EF4-FFF2-40B4-BE49-F238E27FC236}">
+                <a16:creationId xmlns:a16="http://schemas.microsoft.com/office/drawing/2014/main" id="{71EC0952-EB01-44A8-95D3-0A970C5BA1AB}"/>
+              </a:ext>
+            </a:extLst>
+          </p:cNvPr>
+          <p:cNvCxnSpPr/>
+          <p:nvPr/>
+        </p:nvCxnSpPr>
+        <p:spPr>
+          <a:xfrm>
+            <a:off x="4598123" y="692326"/>
+            <a:ext cx="383177" cy="0"/>
+          </a:xfrm>
+          <a:prstGeom prst="straightConnector1">
+            <a:avLst/>
+          </a:prstGeom>
+          <a:ln w="38100">
+            <a:tailEnd type="triangle"/>
+          </a:ln>
+        </p:spPr>
+        <p:style>
+          <a:lnRef idx="3">
+            <a:schemeClr val="accent6"/>
+          </a:lnRef>
+          <a:fillRef idx="0">
+            <a:schemeClr val="accent6"/>
+          </a:fillRef>
+          <a:effectRef idx="2">
+            <a:schemeClr val="accent6"/>
+          </a:effectRef>
+          <a:fontRef idx="minor">
+            <a:schemeClr val="tx1"/>
+          </a:fontRef>
+        </p:style>
+      </p:cxnSp>
+      <p:cxnSp>
+        <p:nvCxnSpPr>
+          <p:cNvPr id="38" name="Straight Arrow Connector 37">
+            <a:extLst>
+              <a:ext uri="{FF2B5EF4-FFF2-40B4-BE49-F238E27FC236}">
+                <a16:creationId xmlns:a16="http://schemas.microsoft.com/office/drawing/2014/main" id="{C2FCBE51-31A4-4709-9E3F-F544593925B8}"/>
+              </a:ext>
+            </a:extLst>
+          </p:cNvPr>
+          <p:cNvCxnSpPr/>
+          <p:nvPr/>
+        </p:nvCxnSpPr>
+        <p:spPr>
+          <a:xfrm>
+            <a:off x="4598123" y="4302037"/>
+            <a:ext cx="383177" cy="0"/>
+          </a:xfrm>
+          <a:prstGeom prst="straightConnector1">
+            <a:avLst/>
+          </a:prstGeom>
+          <a:ln w="38100">
+            <a:tailEnd type="triangle"/>
+          </a:ln>
+        </p:spPr>
+        <p:style>
+          <a:lnRef idx="3">
+            <a:schemeClr val="accent6"/>
+          </a:lnRef>
+          <a:fillRef idx="0">
+            <a:schemeClr val="accent6"/>
+          </a:fillRef>
+          <a:effectRef idx="2">
+            <a:schemeClr val="accent6"/>
+          </a:effectRef>
+          <a:fontRef idx="minor">
+            <a:schemeClr val="tx1"/>
+          </a:fontRef>
+        </p:style>
+      </p:cxnSp>
+      <p:cxnSp>
+        <p:nvCxnSpPr>
+          <p:cNvPr id="39" name="Straight Arrow Connector 38">
+            <a:extLst>
+              <a:ext uri="{FF2B5EF4-FFF2-40B4-BE49-F238E27FC236}">
+                <a16:creationId xmlns:a16="http://schemas.microsoft.com/office/drawing/2014/main" id="{DA2CCB44-304D-4BF7-A00F-DD75B092EC23}"/>
+              </a:ext>
+            </a:extLst>
+          </p:cNvPr>
+          <p:cNvCxnSpPr/>
+          <p:nvPr/>
+        </p:nvCxnSpPr>
+        <p:spPr>
+          <a:xfrm>
+            <a:off x="4598123" y="4894213"/>
+            <a:ext cx="383177" cy="0"/>
+          </a:xfrm>
+          <a:prstGeom prst="straightConnector1">
+            <a:avLst/>
+          </a:prstGeom>
+          <a:ln w="38100">
+            <a:tailEnd type="triangle"/>
+          </a:ln>
+        </p:spPr>
+        <p:style>
+          <a:lnRef idx="3">
+            <a:schemeClr val="accent6"/>
+          </a:lnRef>
+          <a:fillRef idx="0">
+            <a:schemeClr val="accent6"/>
+          </a:fillRef>
+          <a:effectRef idx="2">
+            <a:schemeClr val="accent6"/>
+          </a:effectRef>
+          <a:fontRef idx="minor">
+            <a:schemeClr val="tx1"/>
+          </a:fontRef>
+        </p:style>
+      </p:cxnSp>
+      <p:cxnSp>
+        <p:nvCxnSpPr>
+          <p:cNvPr id="40" name="Straight Arrow Connector 39">
+            <a:extLst>
+              <a:ext uri="{FF2B5EF4-FFF2-40B4-BE49-F238E27FC236}">
+                <a16:creationId xmlns:a16="http://schemas.microsoft.com/office/drawing/2014/main" id="{FB1C6E8C-7729-404A-A7A8-340BB0BF1770}"/>
+              </a:ext>
+            </a:extLst>
+          </p:cNvPr>
+          <p:cNvCxnSpPr/>
+          <p:nvPr/>
+        </p:nvCxnSpPr>
+        <p:spPr>
+          <a:xfrm>
+            <a:off x="4598123" y="5503825"/>
+            <a:ext cx="383177" cy="0"/>
+          </a:xfrm>
+          <a:prstGeom prst="straightConnector1">
+            <a:avLst/>
+          </a:prstGeom>
+          <a:ln w="38100">
+            <a:tailEnd type="triangle"/>
+          </a:ln>
+        </p:spPr>
+        <p:style>
+          <a:lnRef idx="3">
+            <a:schemeClr val="accent6"/>
+          </a:lnRef>
+          <a:fillRef idx="0">
+            <a:schemeClr val="accent6"/>
+          </a:fillRef>
+          <a:effectRef idx="2">
+            <a:schemeClr val="accent6"/>
+          </a:effectRef>
+          <a:fontRef idx="minor">
+            <a:schemeClr val="tx1"/>
+          </a:fontRef>
+        </p:style>
+      </p:cxnSp>
+      <p:cxnSp>
+        <p:nvCxnSpPr>
+          <p:cNvPr id="41" name="Straight Arrow Connector 40">
+            <a:extLst>
+              <a:ext uri="{FF2B5EF4-FFF2-40B4-BE49-F238E27FC236}">
+                <a16:creationId xmlns:a16="http://schemas.microsoft.com/office/drawing/2014/main" id="{69D8F794-9779-4630-98BA-EC47B87E9E8F}"/>
+              </a:ext>
+            </a:extLst>
+          </p:cNvPr>
+          <p:cNvCxnSpPr/>
+          <p:nvPr/>
+        </p:nvCxnSpPr>
+        <p:spPr>
+          <a:xfrm>
+            <a:off x="4598123" y="6109061"/>
+            <a:ext cx="383177" cy="0"/>
+          </a:xfrm>
+          <a:prstGeom prst="straightConnector1">
+            <a:avLst/>
+          </a:prstGeom>
+          <a:ln w="38100">
+            <a:tailEnd type="triangle"/>
+          </a:ln>
+        </p:spPr>
+        <p:style>
+          <a:lnRef idx="3">
+            <a:schemeClr val="accent6"/>
+          </a:lnRef>
+          <a:fillRef idx="0">
+            <a:schemeClr val="accent6"/>
+          </a:fillRef>
+          <a:effectRef idx="2">
+            <a:schemeClr val="accent6"/>
+          </a:effectRef>
+          <a:fontRef idx="minor">
+            <a:schemeClr val="tx1"/>
+          </a:fontRef>
+        </p:style>
+      </p:cxnSp>
+      <p:cxnSp>
+        <p:nvCxnSpPr>
+          <p:cNvPr id="42" name="Straight Arrow Connector 41">
+            <a:extLst>
+              <a:ext uri="{FF2B5EF4-FFF2-40B4-BE49-F238E27FC236}">
+                <a16:creationId xmlns:a16="http://schemas.microsoft.com/office/drawing/2014/main" id="{F9B2C372-0613-46F8-A91C-9585E511E0D8}"/>
+              </a:ext>
+            </a:extLst>
+          </p:cNvPr>
+          <p:cNvCxnSpPr/>
+          <p:nvPr/>
+        </p:nvCxnSpPr>
+        <p:spPr>
+          <a:xfrm>
+            <a:off x="5199021" y="692326"/>
+            <a:ext cx="383177" cy="0"/>
+          </a:xfrm>
+          <a:prstGeom prst="straightConnector1">
+            <a:avLst/>
+          </a:prstGeom>
+          <a:ln w="38100">
+            <a:tailEnd type="triangle"/>
+          </a:ln>
+        </p:spPr>
+        <p:style>
+          <a:lnRef idx="3">
+            <a:schemeClr val="accent6"/>
+          </a:lnRef>
+          <a:fillRef idx="0">
+            <a:schemeClr val="accent6"/>
+          </a:fillRef>
+          <a:effectRef idx="2">
+            <a:schemeClr val="accent6"/>
+          </a:effectRef>
+          <a:fontRef idx="minor">
+            <a:schemeClr val="tx1"/>
+          </a:fontRef>
+        </p:style>
+      </p:cxnSp>
+      <p:cxnSp>
+        <p:nvCxnSpPr>
+          <p:cNvPr id="43" name="Straight Arrow Connector 42">
+            <a:extLst>
+              <a:ext uri="{FF2B5EF4-FFF2-40B4-BE49-F238E27FC236}">
+                <a16:creationId xmlns:a16="http://schemas.microsoft.com/office/drawing/2014/main" id="{114E939A-F404-4149-BBA8-B73920B87163}"/>
+              </a:ext>
+            </a:extLst>
+          </p:cNvPr>
+          <p:cNvCxnSpPr/>
+          <p:nvPr/>
+        </p:nvCxnSpPr>
+        <p:spPr>
+          <a:xfrm>
+            <a:off x="5199021" y="1310618"/>
+            <a:ext cx="383177" cy="0"/>
+          </a:xfrm>
+          <a:prstGeom prst="straightConnector1">
+            <a:avLst/>
+          </a:prstGeom>
+          <a:ln w="38100">
+            <a:tailEnd type="triangle"/>
+          </a:ln>
+        </p:spPr>
+        <p:style>
+          <a:lnRef idx="3">
+            <a:schemeClr val="accent6"/>
+          </a:lnRef>
+          <a:fillRef idx="0">
+            <a:schemeClr val="accent6"/>
+          </a:fillRef>
+          <a:effectRef idx="2">
+            <a:schemeClr val="accent6"/>
+          </a:effectRef>
+          <a:fontRef idx="minor">
+            <a:schemeClr val="tx1"/>
+          </a:fontRef>
+        </p:style>
+      </p:cxnSp>
+      <p:cxnSp>
+        <p:nvCxnSpPr>
+          <p:cNvPr id="44" name="Straight Arrow Connector 43">
+            <a:extLst>
+              <a:ext uri="{FF2B5EF4-FFF2-40B4-BE49-F238E27FC236}">
+                <a16:creationId xmlns:a16="http://schemas.microsoft.com/office/drawing/2014/main" id="{5D0CD2D2-C888-4F3C-A931-BAAB304536B6}"/>
+              </a:ext>
+            </a:extLst>
+          </p:cNvPr>
+          <p:cNvCxnSpPr/>
+          <p:nvPr/>
+        </p:nvCxnSpPr>
+        <p:spPr>
+          <a:xfrm>
+            <a:off x="5199021" y="1911523"/>
+            <a:ext cx="383177" cy="0"/>
+          </a:xfrm>
+          <a:prstGeom prst="straightConnector1">
+            <a:avLst/>
+          </a:prstGeom>
+          <a:ln w="38100">
+            <a:tailEnd type="triangle"/>
+          </a:ln>
+        </p:spPr>
+        <p:style>
+          <a:lnRef idx="3">
+            <a:schemeClr val="accent6"/>
+          </a:lnRef>
+          <a:fillRef idx="0">
+            <a:schemeClr val="accent6"/>
+          </a:fillRef>
+          <a:effectRef idx="2">
+            <a:schemeClr val="accent6"/>
+          </a:effectRef>
+          <a:fontRef idx="minor">
+            <a:schemeClr val="tx1"/>
+          </a:fontRef>
+        </p:style>
+      </p:cxnSp>
+      <p:cxnSp>
+        <p:nvCxnSpPr>
+          <p:cNvPr id="45" name="Straight Arrow Connector 44">
+            <a:extLst>
+              <a:ext uri="{FF2B5EF4-FFF2-40B4-BE49-F238E27FC236}">
+                <a16:creationId xmlns:a16="http://schemas.microsoft.com/office/drawing/2014/main" id="{24F49555-FB24-4813-8F5F-9B203A23B26C}"/>
+              </a:ext>
+            </a:extLst>
+          </p:cNvPr>
+          <p:cNvCxnSpPr/>
+          <p:nvPr/>
+        </p:nvCxnSpPr>
+        <p:spPr>
+          <a:xfrm>
+            <a:off x="5199021" y="2508061"/>
+            <a:ext cx="383177" cy="0"/>
+          </a:xfrm>
+          <a:prstGeom prst="straightConnector1">
+            <a:avLst/>
+          </a:prstGeom>
+          <a:ln w="38100">
+            <a:tailEnd type="triangle"/>
+          </a:ln>
+        </p:spPr>
+        <p:style>
+          <a:lnRef idx="3">
+            <a:schemeClr val="accent6"/>
+          </a:lnRef>
+          <a:fillRef idx="0">
+            <a:schemeClr val="accent6"/>
+          </a:fillRef>
+          <a:effectRef idx="2">
+            <a:schemeClr val="accent6"/>
+          </a:effectRef>
+          <a:fontRef idx="minor">
+            <a:schemeClr val="tx1"/>
+          </a:fontRef>
+        </p:style>
+      </p:cxnSp>
+      <p:cxnSp>
+        <p:nvCxnSpPr>
+          <p:cNvPr id="46" name="Straight Arrow Connector 45">
+            <a:extLst>
+              <a:ext uri="{FF2B5EF4-FFF2-40B4-BE49-F238E27FC236}">
+                <a16:creationId xmlns:a16="http://schemas.microsoft.com/office/drawing/2014/main" id="{67C2C01C-EB60-4602-B9B0-D548D0F18284}"/>
+              </a:ext>
+            </a:extLst>
+          </p:cNvPr>
+          <p:cNvCxnSpPr/>
+          <p:nvPr/>
+        </p:nvCxnSpPr>
+        <p:spPr>
+          <a:xfrm>
+            <a:off x="5199021" y="3087172"/>
+            <a:ext cx="383177" cy="0"/>
+          </a:xfrm>
+          <a:prstGeom prst="straightConnector1">
+            <a:avLst/>
+          </a:prstGeom>
+          <a:ln w="38100">
+            <a:tailEnd type="triangle"/>
+          </a:ln>
+        </p:spPr>
+        <p:style>
+          <a:lnRef idx="3">
+            <a:schemeClr val="accent6"/>
+          </a:lnRef>
+          <a:fillRef idx="0">
+            <a:schemeClr val="accent6"/>
+          </a:fillRef>
+          <a:effectRef idx="2">
+            <a:schemeClr val="accent6"/>
+          </a:effectRef>
+          <a:fontRef idx="minor">
+            <a:schemeClr val="tx1"/>
+          </a:fontRef>
+        </p:style>
+      </p:cxnSp>
+      <p:cxnSp>
+        <p:nvCxnSpPr>
+          <p:cNvPr id="47" name="Straight Arrow Connector 46">
+            <a:extLst>
+              <a:ext uri="{FF2B5EF4-FFF2-40B4-BE49-F238E27FC236}">
+                <a16:creationId xmlns:a16="http://schemas.microsoft.com/office/drawing/2014/main" id="{D44AAEB2-E7B6-4C8D-864D-01453A7D2625}"/>
+              </a:ext>
+            </a:extLst>
+          </p:cNvPr>
+          <p:cNvCxnSpPr/>
+          <p:nvPr/>
+        </p:nvCxnSpPr>
+        <p:spPr>
+          <a:xfrm>
+            <a:off x="5199021" y="4302037"/>
+            <a:ext cx="383177" cy="0"/>
+          </a:xfrm>
+          <a:prstGeom prst="straightConnector1">
+            <a:avLst/>
+          </a:prstGeom>
+          <a:ln w="38100">
+            <a:tailEnd type="triangle"/>
+          </a:ln>
+        </p:spPr>
+        <p:style>
+          <a:lnRef idx="3">
+            <a:schemeClr val="accent6"/>
+          </a:lnRef>
+          <a:fillRef idx="0">
+            <a:schemeClr val="accent6"/>
+          </a:fillRef>
+          <a:effectRef idx="2">
+            <a:schemeClr val="accent6"/>
+          </a:effectRef>
+          <a:fontRef idx="minor">
+            <a:schemeClr val="tx1"/>
+          </a:fontRef>
+        </p:style>
+      </p:cxnSp>
+      <p:cxnSp>
+        <p:nvCxnSpPr>
+          <p:cNvPr id="48" name="Straight Arrow Connector 47">
+            <a:extLst>
+              <a:ext uri="{FF2B5EF4-FFF2-40B4-BE49-F238E27FC236}">
+                <a16:creationId xmlns:a16="http://schemas.microsoft.com/office/drawing/2014/main" id="{3CA91FD6-B643-411C-BB6A-E203C43DF26F}"/>
+              </a:ext>
+            </a:extLst>
+          </p:cNvPr>
+          <p:cNvCxnSpPr/>
+          <p:nvPr/>
+        </p:nvCxnSpPr>
+        <p:spPr>
+          <a:xfrm>
+            <a:off x="5199021" y="4898559"/>
+            <a:ext cx="383177" cy="0"/>
+          </a:xfrm>
+          <a:prstGeom prst="straightConnector1">
+            <a:avLst/>
+          </a:prstGeom>
+          <a:ln w="38100">
+            <a:tailEnd type="triangle"/>
+          </a:ln>
+        </p:spPr>
+        <p:style>
+          <a:lnRef idx="3">
+            <a:schemeClr val="accent6"/>
+          </a:lnRef>
+          <a:fillRef idx="0">
+            <a:schemeClr val="accent6"/>
+          </a:fillRef>
+          <a:effectRef idx="2">
+            <a:schemeClr val="accent6"/>
+          </a:effectRef>
+          <a:fontRef idx="minor">
+            <a:schemeClr val="tx1"/>
+          </a:fontRef>
+        </p:style>
+      </p:cxnSp>
+      <p:cxnSp>
+        <p:nvCxnSpPr>
+          <p:cNvPr id="49" name="Straight Arrow Connector 48">
+            <a:extLst>
+              <a:ext uri="{FF2B5EF4-FFF2-40B4-BE49-F238E27FC236}">
+                <a16:creationId xmlns:a16="http://schemas.microsoft.com/office/drawing/2014/main" id="{5C432109-3A84-41BB-A83F-79F81779C5B7}"/>
+              </a:ext>
+            </a:extLst>
+          </p:cNvPr>
+          <p:cNvCxnSpPr/>
+          <p:nvPr/>
+        </p:nvCxnSpPr>
+        <p:spPr>
+          <a:xfrm>
+            <a:off x="5199021" y="5525588"/>
+            <a:ext cx="383177" cy="0"/>
+          </a:xfrm>
+          <a:prstGeom prst="straightConnector1">
+            <a:avLst/>
+          </a:prstGeom>
+          <a:ln w="38100">
+            <a:tailEnd type="triangle"/>
+          </a:ln>
+        </p:spPr>
+        <p:style>
+          <a:lnRef idx="3">
+            <a:schemeClr val="accent6"/>
+          </a:lnRef>
+          <a:fillRef idx="0">
+            <a:schemeClr val="accent6"/>
+          </a:fillRef>
+          <a:effectRef idx="2">
+            <a:schemeClr val="accent6"/>
+          </a:effectRef>
+          <a:fontRef idx="minor">
+            <a:schemeClr val="tx1"/>
+          </a:fontRef>
+        </p:style>
+      </p:cxnSp>
+      <p:cxnSp>
+        <p:nvCxnSpPr>
+          <p:cNvPr id="50" name="Straight Arrow Connector 49">
+            <a:extLst>
+              <a:ext uri="{FF2B5EF4-FFF2-40B4-BE49-F238E27FC236}">
+                <a16:creationId xmlns:a16="http://schemas.microsoft.com/office/drawing/2014/main" id="{CB5A6BAB-8F9E-44C0-8F8A-7469170C078E}"/>
+              </a:ext>
+            </a:extLst>
+          </p:cNvPr>
+          <p:cNvCxnSpPr/>
+          <p:nvPr/>
+        </p:nvCxnSpPr>
+        <p:spPr>
+          <a:xfrm>
+            <a:off x="5199021" y="6109061"/>
+            <a:ext cx="383177" cy="0"/>
+          </a:xfrm>
+          <a:prstGeom prst="straightConnector1">
+            <a:avLst/>
+          </a:prstGeom>
+          <a:ln w="38100">
+            <a:tailEnd type="triangle"/>
+          </a:ln>
+        </p:spPr>
+        <p:style>
+          <a:lnRef idx="3">
+            <a:schemeClr val="accent6"/>
+          </a:lnRef>
+          <a:fillRef idx="0">
+            <a:schemeClr val="accent6"/>
+          </a:fillRef>
+          <a:effectRef idx="2">
+            <a:schemeClr val="accent6"/>
+          </a:effectRef>
+          <a:fontRef idx="minor">
+            <a:schemeClr val="tx1"/>
+          </a:fontRef>
+        </p:style>
+      </p:cxnSp>
+      <p:cxnSp>
+        <p:nvCxnSpPr>
+          <p:cNvPr id="51" name="Straight Arrow Connector 50">
+            <a:extLst>
+              <a:ext uri="{FF2B5EF4-FFF2-40B4-BE49-F238E27FC236}">
+                <a16:creationId xmlns:a16="http://schemas.microsoft.com/office/drawing/2014/main" id="{F02F3DA1-8BF8-4E58-8D87-7441B6DE5F88}"/>
+              </a:ext>
+            </a:extLst>
+          </p:cNvPr>
+          <p:cNvCxnSpPr>
+            <a:cxnSpLocks/>
+          </p:cNvCxnSpPr>
+          <p:nvPr/>
+        </p:nvCxnSpPr>
+        <p:spPr>
+          <a:xfrm>
+            <a:off x="8982892" y="489856"/>
+            <a:ext cx="0" cy="404940"/>
+          </a:xfrm>
+          <a:prstGeom prst="straightConnector1">
+            <a:avLst/>
+          </a:prstGeom>
+          <a:ln w="38100">
+            <a:tailEnd type="triangle"/>
+          </a:ln>
+        </p:spPr>
+        <p:style>
+          <a:lnRef idx="3">
+            <a:schemeClr val="accent6"/>
+          </a:lnRef>
+          <a:fillRef idx="0">
+            <a:schemeClr val="accent6"/>
+          </a:fillRef>
+          <a:effectRef idx="2">
+            <a:schemeClr val="accent6"/>
+          </a:effectRef>
+          <a:fontRef idx="minor">
+            <a:schemeClr val="tx1"/>
+          </a:fontRef>
+        </p:style>
+      </p:cxnSp>
+      <p:cxnSp>
+        <p:nvCxnSpPr>
+          <p:cNvPr id="54" name="Straight Arrow Connector 53">
+            <a:extLst>
+              <a:ext uri="{FF2B5EF4-FFF2-40B4-BE49-F238E27FC236}">
+                <a16:creationId xmlns:a16="http://schemas.microsoft.com/office/drawing/2014/main" id="{E0352EF5-85F8-4D57-8044-72E8B07CB180}"/>
+              </a:ext>
+            </a:extLst>
+          </p:cNvPr>
+          <p:cNvCxnSpPr>
+            <a:cxnSpLocks/>
+          </p:cNvCxnSpPr>
+          <p:nvPr/>
+        </p:nvCxnSpPr>
+        <p:spPr>
+          <a:xfrm>
+            <a:off x="8982892" y="1086385"/>
+            <a:ext cx="0" cy="404940"/>
+          </a:xfrm>
+          <a:prstGeom prst="straightConnector1">
+            <a:avLst/>
+          </a:prstGeom>
+          <a:ln w="38100">
+            <a:tailEnd type="triangle"/>
+          </a:ln>
+        </p:spPr>
+        <p:style>
+          <a:lnRef idx="3">
+            <a:schemeClr val="accent6"/>
+          </a:lnRef>
+          <a:fillRef idx="0">
+            <a:schemeClr val="accent6"/>
+          </a:fillRef>
+          <a:effectRef idx="2">
+            <a:schemeClr val="accent6"/>
+          </a:effectRef>
+          <a:fontRef idx="minor">
+            <a:schemeClr val="tx1"/>
+          </a:fontRef>
+        </p:style>
+      </p:cxnSp>
+      <p:cxnSp>
+        <p:nvCxnSpPr>
+          <p:cNvPr id="55" name="Straight Arrow Connector 54">
+            <a:extLst>
+              <a:ext uri="{FF2B5EF4-FFF2-40B4-BE49-F238E27FC236}">
+                <a16:creationId xmlns:a16="http://schemas.microsoft.com/office/drawing/2014/main" id="{8B875A2E-12F7-4AC3-A881-7F8F0BA8CA3A}"/>
+              </a:ext>
+            </a:extLst>
+          </p:cNvPr>
+          <p:cNvCxnSpPr>
+            <a:cxnSpLocks/>
+          </p:cNvCxnSpPr>
+          <p:nvPr/>
+        </p:nvCxnSpPr>
+        <p:spPr>
+          <a:xfrm>
+            <a:off x="8982892" y="1687290"/>
+            <a:ext cx="0" cy="404940"/>
+          </a:xfrm>
+          <a:prstGeom prst="straightConnector1">
+            <a:avLst/>
+          </a:prstGeom>
+          <a:ln w="38100">
+            <a:tailEnd type="triangle"/>
+          </a:ln>
+        </p:spPr>
+        <p:style>
+          <a:lnRef idx="3">
+            <a:schemeClr val="accent6"/>
+          </a:lnRef>
+          <a:fillRef idx="0">
+            <a:schemeClr val="accent6"/>
+          </a:fillRef>
+          <a:effectRef idx="2">
+            <a:schemeClr val="accent6"/>
+          </a:effectRef>
+          <a:fontRef idx="minor">
+            <a:schemeClr val="tx1"/>
+          </a:fontRef>
+        </p:style>
+      </p:cxnSp>
+      <p:cxnSp>
+        <p:nvCxnSpPr>
+          <p:cNvPr id="56" name="Straight Arrow Connector 55">
+            <a:extLst>
+              <a:ext uri="{FF2B5EF4-FFF2-40B4-BE49-F238E27FC236}">
+                <a16:creationId xmlns:a16="http://schemas.microsoft.com/office/drawing/2014/main" id="{4F70D584-F635-491F-AFBC-F8A8C05A5604}"/>
+              </a:ext>
+            </a:extLst>
+          </p:cNvPr>
+          <p:cNvCxnSpPr>
+            <a:cxnSpLocks/>
+          </p:cNvCxnSpPr>
+          <p:nvPr/>
+        </p:nvCxnSpPr>
+        <p:spPr>
+          <a:xfrm>
+            <a:off x="8982892" y="2283812"/>
+            <a:ext cx="0" cy="404940"/>
+          </a:xfrm>
+          <a:prstGeom prst="straightConnector1">
+            <a:avLst/>
+          </a:prstGeom>
+          <a:ln w="38100">
+            <a:tailEnd type="triangle"/>
+          </a:ln>
+        </p:spPr>
+        <p:style>
+          <a:lnRef idx="3">
+            <a:schemeClr val="accent6"/>
+          </a:lnRef>
+          <a:fillRef idx="0">
+            <a:schemeClr val="accent6"/>
+          </a:fillRef>
+          <a:effectRef idx="2">
+            <a:schemeClr val="accent6"/>
+          </a:effectRef>
+          <a:fontRef idx="minor">
+            <a:schemeClr val="tx1"/>
+          </a:fontRef>
+        </p:style>
+      </p:cxnSp>
+      <p:cxnSp>
+        <p:nvCxnSpPr>
+          <p:cNvPr id="57" name="Straight Arrow Connector 56">
+            <a:extLst>
+              <a:ext uri="{FF2B5EF4-FFF2-40B4-BE49-F238E27FC236}">
+                <a16:creationId xmlns:a16="http://schemas.microsoft.com/office/drawing/2014/main" id="{CFD6F494-7D6C-4979-852B-5A9C8200AE1A}"/>
+              </a:ext>
+            </a:extLst>
+          </p:cNvPr>
+          <p:cNvCxnSpPr>
+            <a:cxnSpLocks/>
+          </p:cNvCxnSpPr>
+          <p:nvPr/>
+        </p:nvCxnSpPr>
+        <p:spPr>
+          <a:xfrm>
+            <a:off x="8982892" y="2884702"/>
+            <a:ext cx="0" cy="404940"/>
+          </a:xfrm>
+          <a:prstGeom prst="straightConnector1">
+            <a:avLst/>
+          </a:prstGeom>
+          <a:ln w="38100">
+            <a:tailEnd type="triangle"/>
+          </a:ln>
+        </p:spPr>
+        <p:style>
+          <a:lnRef idx="3">
+            <a:schemeClr val="accent6"/>
+          </a:lnRef>
+          <a:fillRef idx="0">
+            <a:schemeClr val="accent6"/>
+          </a:fillRef>
+          <a:effectRef idx="2">
+            <a:schemeClr val="accent6"/>
+          </a:effectRef>
+          <a:fontRef idx="minor">
+            <a:schemeClr val="tx1"/>
+          </a:fontRef>
+        </p:style>
+      </p:cxnSp>
+      <p:cxnSp>
+        <p:nvCxnSpPr>
+          <p:cNvPr id="62" name="Straight Arrow Connector 61">
+            <a:extLst>
+              <a:ext uri="{FF2B5EF4-FFF2-40B4-BE49-F238E27FC236}">
+                <a16:creationId xmlns:a16="http://schemas.microsoft.com/office/drawing/2014/main" id="{88219CFA-739C-4BB3-9C42-2832FE1CFC3C}"/>
+              </a:ext>
+            </a:extLst>
+          </p:cNvPr>
+          <p:cNvCxnSpPr>
+            <a:cxnSpLocks/>
+          </p:cNvCxnSpPr>
+          <p:nvPr/>
+        </p:nvCxnSpPr>
+        <p:spPr>
+          <a:xfrm>
+            <a:off x="8395063" y="502915"/>
+            <a:ext cx="0" cy="404940"/>
+          </a:xfrm>
+          <a:prstGeom prst="straightConnector1">
+            <a:avLst/>
+          </a:prstGeom>
+          <a:ln w="38100">
+            <a:tailEnd type="triangle"/>
+          </a:ln>
+        </p:spPr>
+        <p:style>
+          <a:lnRef idx="3">
+            <a:schemeClr val="accent6"/>
+          </a:lnRef>
+          <a:fillRef idx="0">
+            <a:schemeClr val="accent6"/>
+          </a:fillRef>
+          <a:effectRef idx="2">
+            <a:schemeClr val="accent6"/>
+          </a:effectRef>
+          <a:fontRef idx="minor">
+            <a:schemeClr val="tx1"/>
+          </a:fontRef>
+        </p:style>
+      </p:cxnSp>
+      <p:cxnSp>
+        <p:nvCxnSpPr>
+          <p:cNvPr id="63" name="Straight Arrow Connector 62">
+            <a:extLst>
+              <a:ext uri="{FF2B5EF4-FFF2-40B4-BE49-F238E27FC236}">
+                <a16:creationId xmlns:a16="http://schemas.microsoft.com/office/drawing/2014/main" id="{4CF2CDCE-0ECE-491D-A253-E9EE9D9E1B18}"/>
+              </a:ext>
+            </a:extLst>
+          </p:cNvPr>
+          <p:cNvCxnSpPr>
+            <a:cxnSpLocks/>
+          </p:cNvCxnSpPr>
+          <p:nvPr/>
+        </p:nvCxnSpPr>
+        <p:spPr>
+          <a:xfrm>
+            <a:off x="8395063" y="1099444"/>
+            <a:ext cx="0" cy="404940"/>
+          </a:xfrm>
+          <a:prstGeom prst="straightConnector1">
+            <a:avLst/>
+          </a:prstGeom>
+          <a:ln w="38100">
+            <a:tailEnd type="triangle"/>
+          </a:ln>
+        </p:spPr>
+        <p:style>
+          <a:lnRef idx="3">
+            <a:schemeClr val="accent6"/>
+          </a:lnRef>
+          <a:fillRef idx="0">
+            <a:schemeClr val="accent6"/>
+          </a:fillRef>
+          <a:effectRef idx="2">
+            <a:schemeClr val="accent6"/>
+          </a:effectRef>
+          <a:fontRef idx="minor">
+            <a:schemeClr val="tx1"/>
+          </a:fontRef>
+        </p:style>
+      </p:cxnSp>
+      <p:cxnSp>
+        <p:nvCxnSpPr>
+          <p:cNvPr id="64" name="Straight Arrow Connector 63">
+            <a:extLst>
+              <a:ext uri="{FF2B5EF4-FFF2-40B4-BE49-F238E27FC236}">
+                <a16:creationId xmlns:a16="http://schemas.microsoft.com/office/drawing/2014/main" id="{1D0DED35-EF01-4E3F-BEBB-CB40916F1EC5}"/>
+              </a:ext>
+            </a:extLst>
+          </p:cNvPr>
+          <p:cNvCxnSpPr>
+            <a:cxnSpLocks/>
+          </p:cNvCxnSpPr>
+          <p:nvPr/>
+        </p:nvCxnSpPr>
+        <p:spPr>
+          <a:xfrm>
+            <a:off x="8395063" y="1700349"/>
+            <a:ext cx="0" cy="404940"/>
+          </a:xfrm>
+          <a:prstGeom prst="straightConnector1">
+            <a:avLst/>
+          </a:prstGeom>
+          <a:ln w="38100">
+            <a:tailEnd type="triangle"/>
+          </a:ln>
+        </p:spPr>
+        <p:style>
+          <a:lnRef idx="3">
+            <a:schemeClr val="accent6"/>
+          </a:lnRef>
+          <a:fillRef idx="0">
+            <a:schemeClr val="accent6"/>
+          </a:fillRef>
+          <a:effectRef idx="2">
+            <a:schemeClr val="accent6"/>
+          </a:effectRef>
+          <a:fontRef idx="minor">
+            <a:schemeClr val="tx1"/>
+          </a:fontRef>
+        </p:style>
+      </p:cxnSp>
+      <p:cxnSp>
+        <p:nvCxnSpPr>
+          <p:cNvPr id="65" name="Straight Arrow Connector 64">
+            <a:extLst>
+              <a:ext uri="{FF2B5EF4-FFF2-40B4-BE49-F238E27FC236}">
+                <a16:creationId xmlns:a16="http://schemas.microsoft.com/office/drawing/2014/main" id="{DB69EA73-5E51-40B1-A96D-8B4B3098C8D2}"/>
+              </a:ext>
+            </a:extLst>
+          </p:cNvPr>
+          <p:cNvCxnSpPr>
+            <a:cxnSpLocks/>
+          </p:cNvCxnSpPr>
+          <p:nvPr/>
+        </p:nvCxnSpPr>
+        <p:spPr>
+          <a:xfrm>
+            <a:off x="8395063" y="2296871"/>
+            <a:ext cx="0" cy="404940"/>
+          </a:xfrm>
+          <a:prstGeom prst="straightConnector1">
+            <a:avLst/>
+          </a:prstGeom>
+          <a:ln w="38100">
+            <a:tailEnd type="triangle"/>
+          </a:ln>
+        </p:spPr>
+        <p:style>
+          <a:lnRef idx="3">
+            <a:schemeClr val="accent6"/>
+          </a:lnRef>
+          <a:fillRef idx="0">
+            <a:schemeClr val="accent6"/>
+          </a:fillRef>
+          <a:effectRef idx="2">
+            <a:schemeClr val="accent6"/>
+          </a:effectRef>
+          <a:fontRef idx="minor">
+            <a:schemeClr val="tx1"/>
+          </a:fontRef>
+        </p:style>
+      </p:cxnSp>
+      <p:cxnSp>
+        <p:nvCxnSpPr>
+          <p:cNvPr id="66" name="Straight Arrow Connector 65">
+            <a:extLst>
+              <a:ext uri="{FF2B5EF4-FFF2-40B4-BE49-F238E27FC236}">
+                <a16:creationId xmlns:a16="http://schemas.microsoft.com/office/drawing/2014/main" id="{027569BF-0937-4A61-82F8-7252AF3D5316}"/>
+              </a:ext>
+            </a:extLst>
+          </p:cNvPr>
+          <p:cNvCxnSpPr>
+            <a:cxnSpLocks/>
+          </p:cNvCxnSpPr>
+          <p:nvPr/>
+        </p:nvCxnSpPr>
+        <p:spPr>
+          <a:xfrm>
+            <a:off x="8395063" y="2897761"/>
+            <a:ext cx="0" cy="404940"/>
+          </a:xfrm>
+          <a:prstGeom prst="straightConnector1">
+            <a:avLst/>
+          </a:prstGeom>
+          <a:ln w="38100">
+            <a:tailEnd type="triangle"/>
+          </a:ln>
+        </p:spPr>
+        <p:style>
+          <a:lnRef idx="3">
+            <a:schemeClr val="accent6"/>
+          </a:lnRef>
+          <a:fillRef idx="0">
+            <a:schemeClr val="accent6"/>
+          </a:fillRef>
+          <a:effectRef idx="2">
+            <a:schemeClr val="accent6"/>
+          </a:effectRef>
+          <a:fontRef idx="minor">
+            <a:schemeClr val="tx1"/>
+          </a:fontRef>
+        </p:style>
+      </p:cxnSp>
+      <p:cxnSp>
+        <p:nvCxnSpPr>
+          <p:cNvPr id="79" name="Straight Arrow Connector 78">
+            <a:extLst>
+              <a:ext uri="{FF2B5EF4-FFF2-40B4-BE49-F238E27FC236}">
+                <a16:creationId xmlns:a16="http://schemas.microsoft.com/office/drawing/2014/main" id="{3287E013-D719-430A-A796-87298C93B45C}"/>
+              </a:ext>
+            </a:extLst>
+          </p:cNvPr>
+          <p:cNvCxnSpPr>
+            <a:cxnSpLocks/>
+          </p:cNvCxnSpPr>
+          <p:nvPr/>
+        </p:nvCxnSpPr>
+        <p:spPr>
+          <a:xfrm rot="10800000">
+            <a:off x="8395063" y="5856531"/>
+            <a:ext cx="0" cy="404940"/>
+          </a:xfrm>
+          <a:prstGeom prst="straightConnector1">
+            <a:avLst/>
+          </a:prstGeom>
+          <a:ln w="38100">
+            <a:tailEnd type="triangle"/>
+          </a:ln>
+        </p:spPr>
+        <p:style>
+          <a:lnRef idx="3">
+            <a:schemeClr val="accent6"/>
+          </a:lnRef>
+          <a:fillRef idx="0">
+            <a:schemeClr val="accent6"/>
+          </a:fillRef>
+          <a:effectRef idx="2">
+            <a:schemeClr val="accent6"/>
+          </a:effectRef>
+          <a:fontRef idx="minor">
+            <a:schemeClr val="tx1"/>
+          </a:fontRef>
+        </p:style>
+      </p:cxnSp>
+      <p:cxnSp>
+        <p:nvCxnSpPr>
+          <p:cNvPr id="80" name="Straight Arrow Connector 79">
+            <a:extLst>
+              <a:ext uri="{FF2B5EF4-FFF2-40B4-BE49-F238E27FC236}">
+                <a16:creationId xmlns:a16="http://schemas.microsoft.com/office/drawing/2014/main" id="{51260F22-E529-40EF-BF75-D2CEDDA918FC}"/>
+              </a:ext>
+            </a:extLst>
+          </p:cNvPr>
+          <p:cNvCxnSpPr>
+            <a:cxnSpLocks/>
+          </p:cNvCxnSpPr>
+          <p:nvPr/>
+        </p:nvCxnSpPr>
+        <p:spPr>
+          <a:xfrm rot="10800000">
+            <a:off x="8395063" y="5255626"/>
+            <a:ext cx="0" cy="404940"/>
+          </a:xfrm>
+          <a:prstGeom prst="straightConnector1">
+            <a:avLst/>
+          </a:prstGeom>
+          <a:ln w="38100">
+            <a:tailEnd type="triangle"/>
+          </a:ln>
+        </p:spPr>
+        <p:style>
+          <a:lnRef idx="3">
+            <a:schemeClr val="accent6"/>
+          </a:lnRef>
+          <a:fillRef idx="0">
+            <a:schemeClr val="accent6"/>
+          </a:fillRef>
+          <a:effectRef idx="2">
+            <a:schemeClr val="accent6"/>
+          </a:effectRef>
+          <a:fontRef idx="minor">
+            <a:schemeClr val="tx1"/>
+          </a:fontRef>
+        </p:style>
+      </p:cxnSp>
+      <p:cxnSp>
+        <p:nvCxnSpPr>
+          <p:cNvPr id="81" name="Straight Arrow Connector 80">
+            <a:extLst>
+              <a:ext uri="{FF2B5EF4-FFF2-40B4-BE49-F238E27FC236}">
+                <a16:creationId xmlns:a16="http://schemas.microsoft.com/office/drawing/2014/main" id="{AF5BEBA8-C65D-4544-99DB-6697EB962E97}"/>
+              </a:ext>
+            </a:extLst>
+          </p:cNvPr>
+          <p:cNvCxnSpPr>
+            <a:cxnSpLocks/>
+          </p:cNvCxnSpPr>
+          <p:nvPr/>
+        </p:nvCxnSpPr>
+        <p:spPr>
+          <a:xfrm rot="10800000">
+            <a:off x="8395063" y="4659104"/>
+            <a:ext cx="0" cy="404940"/>
+          </a:xfrm>
+          <a:prstGeom prst="straightConnector1">
+            <a:avLst/>
+          </a:prstGeom>
+          <a:ln w="38100">
+            <a:tailEnd type="triangle"/>
+          </a:ln>
+        </p:spPr>
+        <p:style>
+          <a:lnRef idx="3">
+            <a:schemeClr val="accent6"/>
+          </a:lnRef>
+          <a:fillRef idx="0">
+            <a:schemeClr val="accent6"/>
+          </a:fillRef>
+          <a:effectRef idx="2">
+            <a:schemeClr val="accent6"/>
+          </a:effectRef>
+          <a:fontRef idx="minor">
+            <a:schemeClr val="tx1"/>
+          </a:fontRef>
+        </p:style>
+      </p:cxnSp>
+      <p:cxnSp>
+        <p:nvCxnSpPr>
+          <p:cNvPr id="82" name="Straight Arrow Connector 81">
+            <a:extLst>
+              <a:ext uri="{FF2B5EF4-FFF2-40B4-BE49-F238E27FC236}">
+                <a16:creationId xmlns:a16="http://schemas.microsoft.com/office/drawing/2014/main" id="{521D4F90-DAAE-49AE-A11D-16B97591FC20}"/>
+              </a:ext>
+            </a:extLst>
+          </p:cNvPr>
+          <p:cNvCxnSpPr>
+            <a:cxnSpLocks/>
+          </p:cNvCxnSpPr>
+          <p:nvPr/>
+        </p:nvCxnSpPr>
+        <p:spPr>
+          <a:xfrm rot="10800000">
+            <a:off x="8395063" y="4058214"/>
+            <a:ext cx="0" cy="404940"/>
+          </a:xfrm>
+          <a:prstGeom prst="straightConnector1">
+            <a:avLst/>
+          </a:prstGeom>
+          <a:ln w="38100">
+            <a:tailEnd type="triangle"/>
+          </a:ln>
+        </p:spPr>
+        <p:style>
+          <a:lnRef idx="3">
+            <a:schemeClr val="accent6"/>
+          </a:lnRef>
+          <a:fillRef idx="0">
+            <a:schemeClr val="accent6"/>
+          </a:fillRef>
+          <a:effectRef idx="2">
+            <a:schemeClr val="accent6"/>
+          </a:effectRef>
+          <a:fontRef idx="minor">
+            <a:schemeClr val="tx1"/>
+          </a:fontRef>
+        </p:style>
+      </p:cxnSp>
+      <p:cxnSp>
+        <p:nvCxnSpPr>
+          <p:cNvPr id="84" name="Straight Arrow Connector 83">
+            <a:extLst>
+              <a:ext uri="{FF2B5EF4-FFF2-40B4-BE49-F238E27FC236}">
+                <a16:creationId xmlns:a16="http://schemas.microsoft.com/office/drawing/2014/main" id="{1EFF2D72-42C0-4AA5-BACD-BD39D7F9241E}"/>
+              </a:ext>
+            </a:extLst>
+          </p:cNvPr>
+          <p:cNvCxnSpPr>
+            <a:cxnSpLocks/>
+          </p:cNvCxnSpPr>
+          <p:nvPr/>
+        </p:nvCxnSpPr>
+        <p:spPr>
+          <a:xfrm rot="10800000">
+            <a:off x="8982892" y="5843472"/>
+            <a:ext cx="0" cy="404940"/>
+          </a:xfrm>
+          <a:prstGeom prst="straightConnector1">
+            <a:avLst/>
+          </a:prstGeom>
+          <a:ln w="38100">
+            <a:tailEnd type="triangle"/>
+          </a:ln>
+        </p:spPr>
+        <p:style>
+          <a:lnRef idx="3">
+            <a:schemeClr val="accent6"/>
+          </a:lnRef>
+          <a:fillRef idx="0">
+            <a:schemeClr val="accent6"/>
+          </a:fillRef>
+          <a:effectRef idx="2">
+            <a:schemeClr val="accent6"/>
+          </a:effectRef>
+          <a:fontRef idx="minor">
+            <a:schemeClr val="tx1"/>
+          </a:fontRef>
+        </p:style>
+      </p:cxnSp>
+      <p:cxnSp>
+        <p:nvCxnSpPr>
+          <p:cNvPr id="85" name="Straight Arrow Connector 84">
+            <a:extLst>
+              <a:ext uri="{FF2B5EF4-FFF2-40B4-BE49-F238E27FC236}">
+                <a16:creationId xmlns:a16="http://schemas.microsoft.com/office/drawing/2014/main" id="{634BE3AE-2BDE-469B-B598-149C4F61FC16}"/>
+              </a:ext>
+            </a:extLst>
+          </p:cNvPr>
+          <p:cNvCxnSpPr>
+            <a:cxnSpLocks/>
+          </p:cNvCxnSpPr>
+          <p:nvPr/>
+        </p:nvCxnSpPr>
+        <p:spPr>
+          <a:xfrm rot="10800000">
+            <a:off x="8982892" y="5242567"/>
+            <a:ext cx="0" cy="404940"/>
+          </a:xfrm>
+          <a:prstGeom prst="straightConnector1">
+            <a:avLst/>
+          </a:prstGeom>
+          <a:ln w="38100">
+            <a:tailEnd type="triangle"/>
+          </a:ln>
+        </p:spPr>
+        <p:style>
+          <a:lnRef idx="3">
+            <a:schemeClr val="accent6"/>
+          </a:lnRef>
+          <a:fillRef idx="0">
+            <a:schemeClr val="accent6"/>
+          </a:fillRef>
+          <a:effectRef idx="2">
+            <a:schemeClr val="accent6"/>
+          </a:effectRef>
+          <a:fontRef idx="minor">
+            <a:schemeClr val="tx1"/>
+          </a:fontRef>
+        </p:style>
+      </p:cxnSp>
+      <p:cxnSp>
+        <p:nvCxnSpPr>
+          <p:cNvPr id="86" name="Straight Arrow Connector 85">
+            <a:extLst>
+              <a:ext uri="{FF2B5EF4-FFF2-40B4-BE49-F238E27FC236}">
+                <a16:creationId xmlns:a16="http://schemas.microsoft.com/office/drawing/2014/main" id="{B181667B-A651-4EB7-8841-66F635172BF4}"/>
+              </a:ext>
+            </a:extLst>
+          </p:cNvPr>
+          <p:cNvCxnSpPr>
+            <a:cxnSpLocks/>
+          </p:cNvCxnSpPr>
+          <p:nvPr/>
+        </p:nvCxnSpPr>
+        <p:spPr>
+          <a:xfrm rot="10800000">
+            <a:off x="8982892" y="4646045"/>
+            <a:ext cx="0" cy="404940"/>
+          </a:xfrm>
+          <a:prstGeom prst="straightConnector1">
+            <a:avLst/>
+          </a:prstGeom>
+          <a:ln w="38100">
+            <a:tailEnd type="triangle"/>
+          </a:ln>
+        </p:spPr>
+        <p:style>
+          <a:lnRef idx="3">
+            <a:schemeClr val="accent6"/>
+          </a:lnRef>
+          <a:fillRef idx="0">
+            <a:schemeClr val="accent6"/>
+          </a:fillRef>
+          <a:effectRef idx="2">
+            <a:schemeClr val="accent6"/>
+          </a:effectRef>
+          <a:fontRef idx="minor">
+            <a:schemeClr val="tx1"/>
+          </a:fontRef>
+        </p:style>
+      </p:cxnSp>
+      <p:cxnSp>
+        <p:nvCxnSpPr>
+          <p:cNvPr id="87" name="Straight Arrow Connector 86">
+            <a:extLst>
+              <a:ext uri="{FF2B5EF4-FFF2-40B4-BE49-F238E27FC236}">
+                <a16:creationId xmlns:a16="http://schemas.microsoft.com/office/drawing/2014/main" id="{2909B545-295E-44EB-8F3C-C8C6BAB55F30}"/>
+              </a:ext>
+            </a:extLst>
+          </p:cNvPr>
+          <p:cNvCxnSpPr>
+            <a:cxnSpLocks/>
+          </p:cNvCxnSpPr>
+          <p:nvPr/>
+        </p:nvCxnSpPr>
+        <p:spPr>
+          <a:xfrm rot="10800000">
+            <a:off x="8982892" y="4045155"/>
+            <a:ext cx="0" cy="404940"/>
+          </a:xfrm>
+          <a:prstGeom prst="straightConnector1">
+            <a:avLst/>
+          </a:prstGeom>
+          <a:ln w="38100">
+            <a:tailEnd type="triangle"/>
+          </a:ln>
+        </p:spPr>
+        <p:style>
+          <a:lnRef idx="3">
+            <a:schemeClr val="accent6"/>
+          </a:lnRef>
+          <a:fillRef idx="0">
+            <a:schemeClr val="accent6"/>
+          </a:fillRef>
+          <a:effectRef idx="2">
+            <a:schemeClr val="accent6"/>
+          </a:effectRef>
+          <a:fontRef idx="minor">
+            <a:schemeClr val="tx1"/>
+          </a:fontRef>
+        </p:style>
+      </p:cxnSp>
+      <p:cxnSp>
+        <p:nvCxnSpPr>
+          <p:cNvPr id="88" name="Straight Arrow Connector 87">
+            <a:extLst>
+              <a:ext uri="{FF2B5EF4-FFF2-40B4-BE49-F238E27FC236}">
+                <a16:creationId xmlns:a16="http://schemas.microsoft.com/office/drawing/2014/main" id="{CDB8E046-8014-4AD6-856E-F1A962FDC050}"/>
+              </a:ext>
+            </a:extLst>
+          </p:cNvPr>
+          <p:cNvCxnSpPr/>
+          <p:nvPr/>
+        </p:nvCxnSpPr>
+        <p:spPr>
+          <a:xfrm>
+            <a:off x="5808626" y="4302037"/>
+            <a:ext cx="383177" cy="0"/>
+          </a:xfrm>
+          <a:prstGeom prst="straightConnector1">
+            <a:avLst/>
+          </a:prstGeom>
+          <a:ln w="38100">
+            <a:tailEnd type="triangle"/>
+          </a:ln>
+        </p:spPr>
+        <p:style>
+          <a:lnRef idx="3">
+            <a:schemeClr val="accent6"/>
+          </a:lnRef>
+          <a:fillRef idx="0">
+            <a:schemeClr val="accent6"/>
+          </a:fillRef>
+          <a:effectRef idx="2">
+            <a:schemeClr val="accent6"/>
+          </a:effectRef>
+          <a:fontRef idx="minor">
+            <a:schemeClr val="tx1"/>
+          </a:fontRef>
+        </p:style>
+      </p:cxnSp>
+      <p:cxnSp>
+        <p:nvCxnSpPr>
+          <p:cNvPr id="89" name="Straight Arrow Connector 88">
+            <a:extLst>
+              <a:ext uri="{FF2B5EF4-FFF2-40B4-BE49-F238E27FC236}">
+                <a16:creationId xmlns:a16="http://schemas.microsoft.com/office/drawing/2014/main" id="{D17BC6B0-8F15-4D91-A45E-0CFA6D69AFD6}"/>
+              </a:ext>
+            </a:extLst>
+          </p:cNvPr>
+          <p:cNvCxnSpPr/>
+          <p:nvPr/>
+        </p:nvCxnSpPr>
+        <p:spPr>
+          <a:xfrm>
+            <a:off x="6418227" y="4302037"/>
+            <a:ext cx="383177" cy="0"/>
+          </a:xfrm>
+          <a:prstGeom prst="straightConnector1">
+            <a:avLst/>
+          </a:prstGeom>
+          <a:ln w="38100">
+            <a:tailEnd type="triangle"/>
+          </a:ln>
+        </p:spPr>
+        <p:style>
+          <a:lnRef idx="3">
+            <a:schemeClr val="accent6"/>
+          </a:lnRef>
+          <a:fillRef idx="0">
+            <a:schemeClr val="accent6"/>
+          </a:fillRef>
+          <a:effectRef idx="2">
+            <a:schemeClr val="accent6"/>
+          </a:effectRef>
+          <a:fontRef idx="minor">
+            <a:schemeClr val="tx1"/>
+          </a:fontRef>
+        </p:style>
+      </p:cxnSp>
+      <p:cxnSp>
+        <p:nvCxnSpPr>
+          <p:cNvPr id="90" name="Straight Arrow Connector 89">
+            <a:extLst>
+              <a:ext uri="{FF2B5EF4-FFF2-40B4-BE49-F238E27FC236}">
+                <a16:creationId xmlns:a16="http://schemas.microsoft.com/office/drawing/2014/main" id="{026A15A8-2188-4566-A1D6-DE95A1CFDFD4}"/>
+              </a:ext>
+            </a:extLst>
+          </p:cNvPr>
+          <p:cNvCxnSpPr/>
+          <p:nvPr/>
+        </p:nvCxnSpPr>
+        <p:spPr>
+          <a:xfrm>
+            <a:off x="7010408" y="4302037"/>
+            <a:ext cx="383177" cy="0"/>
+          </a:xfrm>
+          <a:prstGeom prst="straightConnector1">
+            <a:avLst/>
+          </a:prstGeom>
+          <a:ln w="38100">
+            <a:tailEnd type="triangle"/>
+          </a:ln>
+        </p:spPr>
+        <p:style>
+          <a:lnRef idx="3">
+            <a:schemeClr val="accent6"/>
+          </a:lnRef>
+          <a:fillRef idx="0">
+            <a:schemeClr val="accent6"/>
+          </a:fillRef>
+          <a:effectRef idx="2">
+            <a:schemeClr val="accent6"/>
+          </a:effectRef>
+          <a:fontRef idx="minor">
+            <a:schemeClr val="tx1"/>
+          </a:fontRef>
+        </p:style>
+      </p:cxnSp>
+      <p:cxnSp>
+        <p:nvCxnSpPr>
+          <p:cNvPr id="91" name="Straight Arrow Connector 90">
+            <a:extLst>
+              <a:ext uri="{FF2B5EF4-FFF2-40B4-BE49-F238E27FC236}">
+                <a16:creationId xmlns:a16="http://schemas.microsoft.com/office/drawing/2014/main" id="{184DCDDA-A4FC-475B-9513-6AD8AFFF441D}"/>
+              </a:ext>
+            </a:extLst>
+          </p:cNvPr>
+          <p:cNvCxnSpPr/>
+          <p:nvPr/>
+        </p:nvCxnSpPr>
+        <p:spPr>
+          <a:xfrm>
+            <a:off x="5808626" y="3087172"/>
+            <a:ext cx="383177" cy="0"/>
+          </a:xfrm>
+          <a:prstGeom prst="straightConnector1">
+            <a:avLst/>
+          </a:prstGeom>
+          <a:ln w="38100">
+            <a:tailEnd type="triangle"/>
+          </a:ln>
+        </p:spPr>
+        <p:style>
+          <a:lnRef idx="3">
+            <a:schemeClr val="accent6"/>
+          </a:lnRef>
+          <a:fillRef idx="0">
+            <a:schemeClr val="accent6"/>
+          </a:fillRef>
+          <a:effectRef idx="2">
+            <a:schemeClr val="accent6"/>
+          </a:effectRef>
+          <a:fontRef idx="minor">
+            <a:schemeClr val="tx1"/>
+          </a:fontRef>
+        </p:style>
+      </p:cxnSp>
+      <p:cxnSp>
+        <p:nvCxnSpPr>
+          <p:cNvPr id="92" name="Straight Arrow Connector 91">
+            <a:extLst>
+              <a:ext uri="{FF2B5EF4-FFF2-40B4-BE49-F238E27FC236}">
+                <a16:creationId xmlns:a16="http://schemas.microsoft.com/office/drawing/2014/main" id="{2B6B7CA7-8E54-42C8-862F-7528F155ADDD}"/>
+              </a:ext>
+            </a:extLst>
+          </p:cNvPr>
+          <p:cNvCxnSpPr/>
+          <p:nvPr/>
+        </p:nvCxnSpPr>
+        <p:spPr>
+          <a:xfrm>
+            <a:off x="6418227" y="3087172"/>
+            <a:ext cx="383177" cy="0"/>
+          </a:xfrm>
+          <a:prstGeom prst="straightConnector1">
+            <a:avLst/>
+          </a:prstGeom>
+          <a:ln w="38100">
+            <a:tailEnd type="triangle"/>
+          </a:ln>
+        </p:spPr>
+        <p:style>
+          <a:lnRef idx="3">
+            <a:schemeClr val="accent6"/>
+          </a:lnRef>
+          <a:fillRef idx="0">
+            <a:schemeClr val="accent6"/>
+          </a:fillRef>
+          <a:effectRef idx="2">
+            <a:schemeClr val="accent6"/>
+          </a:effectRef>
+          <a:fontRef idx="minor">
+            <a:schemeClr val="tx1"/>
+          </a:fontRef>
+        </p:style>
+      </p:cxnSp>
+      <p:cxnSp>
+        <p:nvCxnSpPr>
+          <p:cNvPr id="93" name="Straight Arrow Connector 92">
+            <a:extLst>
+              <a:ext uri="{FF2B5EF4-FFF2-40B4-BE49-F238E27FC236}">
+                <a16:creationId xmlns:a16="http://schemas.microsoft.com/office/drawing/2014/main" id="{82CBDA39-27A8-48C0-A14C-839550795E70}"/>
+              </a:ext>
+            </a:extLst>
+          </p:cNvPr>
+          <p:cNvCxnSpPr/>
+          <p:nvPr/>
+        </p:nvCxnSpPr>
+        <p:spPr>
+          <a:xfrm>
+            <a:off x="7010408" y="3087172"/>
+            <a:ext cx="383177" cy="0"/>
+          </a:xfrm>
+          <a:prstGeom prst="straightConnector1">
+            <a:avLst/>
+          </a:prstGeom>
+          <a:ln w="38100">
+            <a:tailEnd type="triangle"/>
+          </a:ln>
+        </p:spPr>
+        <p:style>
+          <a:lnRef idx="3">
+            <a:schemeClr val="accent6"/>
+          </a:lnRef>
+          <a:fillRef idx="0">
+            <a:schemeClr val="accent6"/>
+          </a:fillRef>
+          <a:effectRef idx="2">
+            <a:schemeClr val="accent6"/>
+          </a:effectRef>
+          <a:fontRef idx="minor">
+            <a:schemeClr val="tx1"/>
+          </a:fontRef>
+        </p:style>
+      </p:cxnSp>
+      <p:cxnSp>
+        <p:nvCxnSpPr>
+          <p:cNvPr id="94" name="Straight Arrow Connector 93">
+            <a:extLst>
+              <a:ext uri="{FF2B5EF4-FFF2-40B4-BE49-F238E27FC236}">
+                <a16:creationId xmlns:a16="http://schemas.microsoft.com/office/drawing/2014/main" id="{CB97F1F8-59AC-4706-95DE-0DD9E841A6B6}"/>
+              </a:ext>
+            </a:extLst>
+          </p:cNvPr>
+          <p:cNvCxnSpPr/>
+          <p:nvPr/>
+        </p:nvCxnSpPr>
+        <p:spPr>
+          <a:xfrm>
+            <a:off x="5808625" y="2508061"/>
+            <a:ext cx="383177" cy="0"/>
+          </a:xfrm>
+          <a:prstGeom prst="straightConnector1">
+            <a:avLst/>
+          </a:prstGeom>
+          <a:ln w="38100">
+            <a:tailEnd type="triangle"/>
+          </a:ln>
+        </p:spPr>
+        <p:style>
+          <a:lnRef idx="3">
+            <a:schemeClr val="accent6"/>
+          </a:lnRef>
+          <a:fillRef idx="0">
+            <a:schemeClr val="accent6"/>
+          </a:fillRef>
+          <a:effectRef idx="2">
+            <a:schemeClr val="accent6"/>
+          </a:effectRef>
+          <a:fontRef idx="minor">
+            <a:schemeClr val="tx1"/>
+          </a:fontRef>
+        </p:style>
+      </p:cxnSp>
+      <p:cxnSp>
+        <p:nvCxnSpPr>
+          <p:cNvPr id="95" name="Straight Arrow Connector 94">
+            <a:extLst>
+              <a:ext uri="{FF2B5EF4-FFF2-40B4-BE49-F238E27FC236}">
+                <a16:creationId xmlns:a16="http://schemas.microsoft.com/office/drawing/2014/main" id="{19E93398-E519-4034-8A33-62B4E0B1B89B}"/>
+              </a:ext>
+            </a:extLst>
+          </p:cNvPr>
+          <p:cNvCxnSpPr/>
+          <p:nvPr/>
+        </p:nvCxnSpPr>
+        <p:spPr>
+          <a:xfrm>
+            <a:off x="6418226" y="2508061"/>
+            <a:ext cx="383177" cy="0"/>
+          </a:xfrm>
+          <a:prstGeom prst="straightConnector1">
+            <a:avLst/>
+          </a:prstGeom>
+          <a:ln w="38100">
+            <a:tailEnd type="triangle"/>
+          </a:ln>
+        </p:spPr>
+        <p:style>
+          <a:lnRef idx="3">
+            <a:schemeClr val="accent6"/>
+          </a:lnRef>
+          <a:fillRef idx="0">
+            <a:schemeClr val="accent6"/>
+          </a:fillRef>
+          <a:effectRef idx="2">
+            <a:schemeClr val="accent6"/>
+          </a:effectRef>
+          <a:fontRef idx="minor">
+            <a:schemeClr val="tx1"/>
+          </a:fontRef>
+        </p:style>
+      </p:cxnSp>
+      <p:cxnSp>
+        <p:nvCxnSpPr>
+          <p:cNvPr id="96" name="Straight Arrow Connector 95">
+            <a:extLst>
+              <a:ext uri="{FF2B5EF4-FFF2-40B4-BE49-F238E27FC236}">
+                <a16:creationId xmlns:a16="http://schemas.microsoft.com/office/drawing/2014/main" id="{5A14BC93-2AA7-42A4-86A5-9AA69BF6E844}"/>
+              </a:ext>
+            </a:extLst>
+          </p:cNvPr>
+          <p:cNvCxnSpPr/>
+          <p:nvPr/>
+        </p:nvCxnSpPr>
+        <p:spPr>
+          <a:xfrm>
+            <a:off x="7010407" y="2508061"/>
+            <a:ext cx="383177" cy="0"/>
+          </a:xfrm>
+          <a:prstGeom prst="straightConnector1">
+            <a:avLst/>
+          </a:prstGeom>
+          <a:ln w="38100">
+            <a:tailEnd type="triangle"/>
+          </a:ln>
+        </p:spPr>
+        <p:style>
+          <a:lnRef idx="3">
+            <a:schemeClr val="accent6"/>
+          </a:lnRef>
+          <a:fillRef idx="0">
+            <a:schemeClr val="accent6"/>
+          </a:fillRef>
+          <a:effectRef idx="2">
+            <a:schemeClr val="accent6"/>
+          </a:effectRef>
+          <a:fontRef idx="minor">
+            <a:schemeClr val="tx1"/>
+          </a:fontRef>
+        </p:style>
+      </p:cxnSp>
+      <p:cxnSp>
+        <p:nvCxnSpPr>
+          <p:cNvPr id="97" name="Straight Arrow Connector 96">
+            <a:extLst>
+              <a:ext uri="{FF2B5EF4-FFF2-40B4-BE49-F238E27FC236}">
+                <a16:creationId xmlns:a16="http://schemas.microsoft.com/office/drawing/2014/main" id="{A65D5849-15AF-4CE2-A727-741E59C17EFC}"/>
+              </a:ext>
+            </a:extLst>
+          </p:cNvPr>
+          <p:cNvCxnSpPr/>
+          <p:nvPr/>
+        </p:nvCxnSpPr>
+        <p:spPr>
+          <a:xfrm>
+            <a:off x="5808624" y="4894213"/>
+            <a:ext cx="383177" cy="0"/>
+          </a:xfrm>
+          <a:prstGeom prst="straightConnector1">
+            <a:avLst/>
+          </a:prstGeom>
+          <a:ln w="38100">
+            <a:tailEnd type="triangle"/>
+          </a:ln>
+        </p:spPr>
+        <p:style>
+          <a:lnRef idx="3">
+            <a:schemeClr val="accent6"/>
+          </a:lnRef>
+          <a:fillRef idx="0">
+            <a:schemeClr val="accent6"/>
+          </a:fillRef>
+          <a:effectRef idx="2">
+            <a:schemeClr val="accent6"/>
+          </a:effectRef>
+          <a:fontRef idx="minor">
+            <a:schemeClr val="tx1"/>
+          </a:fontRef>
+        </p:style>
+      </p:cxnSp>
+      <p:cxnSp>
+        <p:nvCxnSpPr>
+          <p:cNvPr id="98" name="Straight Arrow Connector 97">
+            <a:extLst>
+              <a:ext uri="{FF2B5EF4-FFF2-40B4-BE49-F238E27FC236}">
+                <a16:creationId xmlns:a16="http://schemas.microsoft.com/office/drawing/2014/main" id="{27B7CE0F-06E9-4EB1-AA8E-3C4A99D33D49}"/>
+              </a:ext>
+            </a:extLst>
+          </p:cNvPr>
+          <p:cNvCxnSpPr/>
+          <p:nvPr/>
+        </p:nvCxnSpPr>
+        <p:spPr>
+          <a:xfrm>
+            <a:off x="6418225" y="4894213"/>
+            <a:ext cx="383177" cy="0"/>
+          </a:xfrm>
+          <a:prstGeom prst="straightConnector1">
+            <a:avLst/>
+          </a:prstGeom>
+          <a:ln w="38100">
+            <a:tailEnd type="triangle"/>
+          </a:ln>
+        </p:spPr>
+        <p:style>
+          <a:lnRef idx="3">
+            <a:schemeClr val="accent6"/>
+          </a:lnRef>
+          <a:fillRef idx="0">
+            <a:schemeClr val="accent6"/>
+          </a:fillRef>
+          <a:effectRef idx="2">
+            <a:schemeClr val="accent6"/>
+          </a:effectRef>
+          <a:fontRef idx="minor">
+            <a:schemeClr val="tx1"/>
+          </a:fontRef>
+        </p:style>
+      </p:cxnSp>
+      <p:cxnSp>
+        <p:nvCxnSpPr>
+          <p:cNvPr id="99" name="Straight Arrow Connector 98">
+            <a:extLst>
+              <a:ext uri="{FF2B5EF4-FFF2-40B4-BE49-F238E27FC236}">
+                <a16:creationId xmlns:a16="http://schemas.microsoft.com/office/drawing/2014/main" id="{24D2422F-245B-4C44-AFF1-A6E426D6B73A}"/>
+              </a:ext>
+            </a:extLst>
+          </p:cNvPr>
+          <p:cNvCxnSpPr/>
+          <p:nvPr/>
+        </p:nvCxnSpPr>
+        <p:spPr>
+          <a:xfrm>
+            <a:off x="7010406" y="4894213"/>
+            <a:ext cx="383177" cy="0"/>
+          </a:xfrm>
+          <a:prstGeom prst="straightConnector1">
+            <a:avLst/>
+          </a:prstGeom>
+          <a:ln w="38100">
+            <a:tailEnd type="triangle"/>
+          </a:ln>
+        </p:spPr>
+        <p:style>
+          <a:lnRef idx="3">
+            <a:schemeClr val="accent6"/>
+          </a:lnRef>
+          <a:fillRef idx="0">
+            <a:schemeClr val="accent6"/>
+          </a:fillRef>
+          <a:effectRef idx="2">
+            <a:schemeClr val="accent6"/>
+          </a:effectRef>
+          <a:fontRef idx="minor">
+            <a:schemeClr val="tx1"/>
+          </a:fontRef>
+        </p:style>
+      </p:cxnSp>
+      <p:cxnSp>
+        <p:nvCxnSpPr>
+          <p:cNvPr id="100" name="Straight Arrow Connector 99">
+            <a:extLst>
+              <a:ext uri="{FF2B5EF4-FFF2-40B4-BE49-F238E27FC236}">
+                <a16:creationId xmlns:a16="http://schemas.microsoft.com/office/drawing/2014/main" id="{F620D457-9920-46F5-B265-8FE208871230}"/>
+              </a:ext>
+            </a:extLst>
+          </p:cNvPr>
+          <p:cNvCxnSpPr>
+            <a:cxnSpLocks/>
+          </p:cNvCxnSpPr>
+          <p:nvPr/>
+        </p:nvCxnSpPr>
+        <p:spPr>
+          <a:xfrm rot="10800000">
+            <a:off x="7785466" y="5884842"/>
+            <a:ext cx="0" cy="404940"/>
+          </a:xfrm>
+          <a:prstGeom prst="straightConnector1">
+            <a:avLst/>
+          </a:prstGeom>
+          <a:ln w="38100">
+            <a:tailEnd type="triangle"/>
+          </a:ln>
+        </p:spPr>
+        <p:style>
+          <a:lnRef idx="3">
+            <a:schemeClr val="accent6"/>
+          </a:lnRef>
+          <a:fillRef idx="0">
+            <a:schemeClr val="accent6"/>
+          </a:fillRef>
+          <a:effectRef idx="2">
+            <a:schemeClr val="accent6"/>
+          </a:effectRef>
+          <a:fontRef idx="minor">
+            <a:schemeClr val="tx1"/>
+          </a:fontRef>
+        </p:style>
+      </p:cxnSp>
+      <p:cxnSp>
+        <p:nvCxnSpPr>
+          <p:cNvPr id="101" name="Straight Arrow Connector 100">
+            <a:extLst>
+              <a:ext uri="{FF2B5EF4-FFF2-40B4-BE49-F238E27FC236}">
+                <a16:creationId xmlns:a16="http://schemas.microsoft.com/office/drawing/2014/main" id="{9608AE43-4B00-4AB1-ADB3-33A6760BAF3F}"/>
+              </a:ext>
+            </a:extLst>
+          </p:cNvPr>
+          <p:cNvCxnSpPr>
+            <a:cxnSpLocks/>
+          </p:cNvCxnSpPr>
+          <p:nvPr/>
+        </p:nvCxnSpPr>
+        <p:spPr>
+          <a:xfrm rot="10800000">
+            <a:off x="7785466" y="5283937"/>
+            <a:ext cx="0" cy="404940"/>
+          </a:xfrm>
+          <a:prstGeom prst="straightConnector1">
+            <a:avLst/>
+          </a:prstGeom>
+          <a:ln w="38100">
+            <a:tailEnd type="triangle"/>
+          </a:ln>
+        </p:spPr>
+        <p:style>
+          <a:lnRef idx="3">
+            <a:schemeClr val="accent6"/>
+          </a:lnRef>
+          <a:fillRef idx="0">
+            <a:schemeClr val="accent6"/>
+          </a:fillRef>
+          <a:effectRef idx="2">
+            <a:schemeClr val="accent6"/>
+          </a:effectRef>
+          <a:fontRef idx="minor">
+            <a:schemeClr val="tx1"/>
+          </a:fontRef>
+        </p:style>
+      </p:cxnSp>
+      <p:cxnSp>
+        <p:nvCxnSpPr>
+          <p:cNvPr id="102" name="Straight Arrow Connector 101">
+            <a:extLst>
+              <a:ext uri="{FF2B5EF4-FFF2-40B4-BE49-F238E27FC236}">
+                <a16:creationId xmlns:a16="http://schemas.microsoft.com/office/drawing/2014/main" id="{B6ED4E4D-7F68-49A3-9D51-2F42C0CB525F}"/>
+              </a:ext>
+            </a:extLst>
+          </p:cNvPr>
+          <p:cNvCxnSpPr>
+            <a:cxnSpLocks/>
+          </p:cNvCxnSpPr>
+          <p:nvPr/>
+        </p:nvCxnSpPr>
+        <p:spPr>
+          <a:xfrm rot="10800000">
+            <a:off x="6588027" y="5887009"/>
+            <a:ext cx="0" cy="404940"/>
+          </a:xfrm>
+          <a:prstGeom prst="straightConnector1">
+            <a:avLst/>
+          </a:prstGeom>
+          <a:ln w="38100">
+            <a:tailEnd type="triangle"/>
+          </a:ln>
+        </p:spPr>
+        <p:style>
+          <a:lnRef idx="3">
+            <a:schemeClr val="accent6"/>
+          </a:lnRef>
+          <a:fillRef idx="0">
+            <a:schemeClr val="accent6"/>
+          </a:fillRef>
+          <a:effectRef idx="2">
+            <a:schemeClr val="accent6"/>
+          </a:effectRef>
+          <a:fontRef idx="minor">
+            <a:schemeClr val="tx1"/>
+          </a:fontRef>
+        </p:style>
+      </p:cxnSp>
+      <p:cxnSp>
+        <p:nvCxnSpPr>
+          <p:cNvPr id="103" name="Straight Arrow Connector 102">
+            <a:extLst>
+              <a:ext uri="{FF2B5EF4-FFF2-40B4-BE49-F238E27FC236}">
+                <a16:creationId xmlns:a16="http://schemas.microsoft.com/office/drawing/2014/main" id="{14A0B405-5801-446A-ACAF-D1D2EF33BB59}"/>
+              </a:ext>
+            </a:extLst>
+          </p:cNvPr>
+          <p:cNvCxnSpPr>
+            <a:cxnSpLocks/>
+          </p:cNvCxnSpPr>
+          <p:nvPr/>
+        </p:nvCxnSpPr>
+        <p:spPr>
+          <a:xfrm rot="10800000">
+            <a:off x="6588027" y="5286104"/>
+            <a:ext cx="0" cy="404940"/>
+          </a:xfrm>
+          <a:prstGeom prst="straightConnector1">
+            <a:avLst/>
+          </a:prstGeom>
+          <a:ln w="38100">
+            <a:tailEnd type="triangle"/>
+          </a:ln>
+        </p:spPr>
+        <p:style>
+          <a:lnRef idx="3">
+            <a:schemeClr val="accent6"/>
+          </a:lnRef>
+          <a:fillRef idx="0">
+            <a:schemeClr val="accent6"/>
+          </a:fillRef>
+          <a:effectRef idx="2">
+            <a:schemeClr val="accent6"/>
+          </a:effectRef>
+          <a:fontRef idx="minor">
+            <a:schemeClr val="tx1"/>
+          </a:fontRef>
+        </p:style>
+      </p:cxnSp>
+      <p:cxnSp>
+        <p:nvCxnSpPr>
+          <p:cNvPr id="104" name="Straight Arrow Connector 103">
+            <a:extLst>
+              <a:ext uri="{FF2B5EF4-FFF2-40B4-BE49-F238E27FC236}">
+                <a16:creationId xmlns:a16="http://schemas.microsoft.com/office/drawing/2014/main" id="{C9177F5B-B4FA-45D8-A224-124CFB58672E}"/>
+              </a:ext>
+            </a:extLst>
+          </p:cNvPr>
+          <p:cNvCxnSpPr>
+            <a:cxnSpLocks/>
+          </p:cNvCxnSpPr>
+          <p:nvPr/>
+        </p:nvCxnSpPr>
+        <p:spPr>
+          <a:xfrm rot="10800000">
+            <a:off x="7175856" y="5873950"/>
+            <a:ext cx="0" cy="404940"/>
+          </a:xfrm>
+          <a:prstGeom prst="straightConnector1">
+            <a:avLst/>
+          </a:prstGeom>
+          <a:ln w="38100">
+            <a:tailEnd type="triangle"/>
+          </a:ln>
+        </p:spPr>
+        <p:style>
+          <a:lnRef idx="3">
+            <a:schemeClr val="accent6"/>
+          </a:lnRef>
+          <a:fillRef idx="0">
+            <a:schemeClr val="accent6"/>
+          </a:fillRef>
+          <a:effectRef idx="2">
+            <a:schemeClr val="accent6"/>
+          </a:effectRef>
+          <a:fontRef idx="minor">
+            <a:schemeClr val="tx1"/>
+          </a:fontRef>
+        </p:style>
+      </p:cxnSp>
+      <p:cxnSp>
+        <p:nvCxnSpPr>
+          <p:cNvPr id="105" name="Straight Arrow Connector 104">
+            <a:extLst>
+              <a:ext uri="{FF2B5EF4-FFF2-40B4-BE49-F238E27FC236}">
+                <a16:creationId xmlns:a16="http://schemas.microsoft.com/office/drawing/2014/main" id="{88DC88E7-DDEF-4B35-A998-EBAD121E21AB}"/>
+              </a:ext>
+            </a:extLst>
+          </p:cNvPr>
+          <p:cNvCxnSpPr>
+            <a:cxnSpLocks/>
+          </p:cNvCxnSpPr>
+          <p:nvPr/>
+        </p:nvCxnSpPr>
+        <p:spPr>
+          <a:xfrm rot="10800000">
+            <a:off x="7175856" y="5273045"/>
+            <a:ext cx="0" cy="404940"/>
+          </a:xfrm>
+          <a:prstGeom prst="straightConnector1">
+            <a:avLst/>
+          </a:prstGeom>
+          <a:ln w="38100">
+            <a:tailEnd type="triangle"/>
+          </a:ln>
+        </p:spPr>
+        <p:style>
+          <a:lnRef idx="3">
+            <a:schemeClr val="accent6"/>
+          </a:lnRef>
+          <a:fillRef idx="0">
+            <a:schemeClr val="accent6"/>
+          </a:fillRef>
+          <a:effectRef idx="2">
+            <a:schemeClr val="accent6"/>
+          </a:effectRef>
+          <a:fontRef idx="minor">
+            <a:schemeClr val="tx1"/>
+          </a:fontRef>
+        </p:style>
+      </p:cxnSp>
+      <p:cxnSp>
+        <p:nvCxnSpPr>
+          <p:cNvPr id="106" name="Straight Arrow Connector 105">
+            <a:extLst>
+              <a:ext uri="{FF2B5EF4-FFF2-40B4-BE49-F238E27FC236}">
+                <a16:creationId xmlns:a16="http://schemas.microsoft.com/office/drawing/2014/main" id="{545FD7B4-EC2A-4F53-9A53-4CDFABF442D1}"/>
+              </a:ext>
+            </a:extLst>
+          </p:cNvPr>
+          <p:cNvCxnSpPr>
+            <a:cxnSpLocks/>
+          </p:cNvCxnSpPr>
+          <p:nvPr/>
+        </p:nvCxnSpPr>
+        <p:spPr>
+          <a:xfrm rot="10800000">
+            <a:off x="5978430" y="5897902"/>
+            <a:ext cx="0" cy="404940"/>
+          </a:xfrm>
+          <a:prstGeom prst="straightConnector1">
+            <a:avLst/>
+          </a:prstGeom>
+          <a:ln w="38100">
+            <a:tailEnd type="triangle"/>
+          </a:ln>
+        </p:spPr>
+        <p:style>
+          <a:lnRef idx="3">
+            <a:schemeClr val="accent6"/>
+          </a:lnRef>
+          <a:fillRef idx="0">
+            <a:schemeClr val="accent6"/>
+          </a:fillRef>
+          <a:effectRef idx="2">
+            <a:schemeClr val="accent6"/>
+          </a:effectRef>
+          <a:fontRef idx="minor">
+            <a:schemeClr val="tx1"/>
+          </a:fontRef>
+        </p:style>
+      </p:cxnSp>
+      <p:cxnSp>
+        <p:nvCxnSpPr>
+          <p:cNvPr id="107" name="Straight Arrow Connector 106">
+            <a:extLst>
+              <a:ext uri="{FF2B5EF4-FFF2-40B4-BE49-F238E27FC236}">
+                <a16:creationId xmlns:a16="http://schemas.microsoft.com/office/drawing/2014/main" id="{4EB05FF6-F08B-4EB1-8CBE-7E754F7090BE}"/>
+              </a:ext>
+            </a:extLst>
+          </p:cNvPr>
+          <p:cNvCxnSpPr>
+            <a:cxnSpLocks/>
+          </p:cNvCxnSpPr>
+          <p:nvPr/>
+        </p:nvCxnSpPr>
+        <p:spPr>
+          <a:xfrm rot="10800000">
+            <a:off x="5978430" y="5296997"/>
+            <a:ext cx="0" cy="404940"/>
+          </a:xfrm>
+          <a:prstGeom prst="straightConnector1">
+            <a:avLst/>
+          </a:prstGeom>
+          <a:ln w="38100">
+            <a:tailEnd type="triangle"/>
+          </a:ln>
+        </p:spPr>
+        <p:style>
+          <a:lnRef idx="3">
+            <a:schemeClr val="accent6"/>
+          </a:lnRef>
+          <a:fillRef idx="0">
+            <a:schemeClr val="accent6"/>
+          </a:fillRef>
+          <a:effectRef idx="2">
+            <a:schemeClr val="accent6"/>
+          </a:effectRef>
+          <a:fontRef idx="minor">
+            <a:schemeClr val="tx1"/>
+          </a:fontRef>
+        </p:style>
+      </p:cxnSp>
+      <p:cxnSp>
+        <p:nvCxnSpPr>
+          <p:cNvPr id="108" name="Straight Arrow Connector 107">
+            <a:extLst>
+              <a:ext uri="{FF2B5EF4-FFF2-40B4-BE49-F238E27FC236}">
+                <a16:creationId xmlns:a16="http://schemas.microsoft.com/office/drawing/2014/main" id="{31C485CC-F30E-4231-A1DD-EDBE4AB83A1D}"/>
+              </a:ext>
+            </a:extLst>
+          </p:cNvPr>
+          <p:cNvCxnSpPr>
+            <a:cxnSpLocks/>
+          </p:cNvCxnSpPr>
+          <p:nvPr/>
+        </p:nvCxnSpPr>
+        <p:spPr>
+          <a:xfrm rot="10800000">
+            <a:off x="7785465" y="4659105"/>
+            <a:ext cx="0" cy="404940"/>
+          </a:xfrm>
+          <a:prstGeom prst="straightConnector1">
+            <a:avLst/>
+          </a:prstGeom>
+          <a:ln w="38100">
+            <a:tailEnd type="triangle"/>
+          </a:ln>
+        </p:spPr>
+        <p:style>
+          <a:lnRef idx="3">
+            <a:schemeClr val="accent6"/>
+          </a:lnRef>
+          <a:fillRef idx="0">
+            <a:schemeClr val="accent6"/>
+          </a:fillRef>
+          <a:effectRef idx="2">
+            <a:schemeClr val="accent6"/>
+          </a:effectRef>
+          <a:fontRef idx="minor">
+            <a:schemeClr val="tx1"/>
+          </a:fontRef>
+        </p:style>
+      </p:cxnSp>
+      <p:cxnSp>
+        <p:nvCxnSpPr>
+          <p:cNvPr id="109" name="Straight Arrow Connector 108">
+            <a:extLst>
+              <a:ext uri="{FF2B5EF4-FFF2-40B4-BE49-F238E27FC236}">
+                <a16:creationId xmlns:a16="http://schemas.microsoft.com/office/drawing/2014/main" id="{13311383-A8F8-4010-B9FE-53EC0AE02778}"/>
+              </a:ext>
+            </a:extLst>
+          </p:cNvPr>
+          <p:cNvCxnSpPr>
+            <a:cxnSpLocks/>
+          </p:cNvCxnSpPr>
+          <p:nvPr/>
+        </p:nvCxnSpPr>
+        <p:spPr>
+          <a:xfrm rot="10800000">
+            <a:off x="7785464" y="4058214"/>
+            <a:ext cx="0" cy="404940"/>
+          </a:xfrm>
+          <a:prstGeom prst="straightConnector1">
+            <a:avLst/>
+          </a:prstGeom>
+          <a:ln w="38100">
+            <a:tailEnd type="triangle"/>
+          </a:ln>
+        </p:spPr>
+        <p:style>
+          <a:lnRef idx="3">
+            <a:schemeClr val="accent6"/>
+          </a:lnRef>
+          <a:fillRef idx="0">
+            <a:schemeClr val="accent6"/>
+          </a:fillRef>
+          <a:effectRef idx="2">
+            <a:schemeClr val="accent6"/>
+          </a:effectRef>
+          <a:fontRef idx="minor">
+            <a:schemeClr val="tx1"/>
+          </a:fontRef>
+        </p:style>
+      </p:cxnSp>
+      <p:cxnSp>
+        <p:nvCxnSpPr>
+          <p:cNvPr id="110" name="Straight Arrow Connector 109">
+            <a:extLst>
+              <a:ext uri="{FF2B5EF4-FFF2-40B4-BE49-F238E27FC236}">
+                <a16:creationId xmlns:a16="http://schemas.microsoft.com/office/drawing/2014/main" id="{623A023A-DE7B-4822-AE8E-FCBE4CC36D86}"/>
+              </a:ext>
+            </a:extLst>
+          </p:cNvPr>
+          <p:cNvCxnSpPr>
+            <a:cxnSpLocks/>
+          </p:cNvCxnSpPr>
+          <p:nvPr/>
+        </p:nvCxnSpPr>
+        <p:spPr>
+          <a:xfrm>
+            <a:off x="7789823" y="498560"/>
+            <a:ext cx="0" cy="404940"/>
+          </a:xfrm>
+          <a:prstGeom prst="straightConnector1">
+            <a:avLst/>
+          </a:prstGeom>
+          <a:ln w="38100">
+            <a:tailEnd type="triangle"/>
+          </a:ln>
+        </p:spPr>
+        <p:style>
+          <a:lnRef idx="3">
+            <a:schemeClr val="accent6"/>
+          </a:lnRef>
+          <a:fillRef idx="0">
+            <a:schemeClr val="accent6"/>
+          </a:fillRef>
+          <a:effectRef idx="2">
+            <a:schemeClr val="accent6"/>
+          </a:effectRef>
+          <a:fontRef idx="minor">
+            <a:schemeClr val="tx1"/>
+          </a:fontRef>
+        </p:style>
+      </p:cxnSp>
+      <p:cxnSp>
+        <p:nvCxnSpPr>
+          <p:cNvPr id="111" name="Straight Arrow Connector 110">
+            <a:extLst>
+              <a:ext uri="{FF2B5EF4-FFF2-40B4-BE49-F238E27FC236}">
+                <a16:creationId xmlns:a16="http://schemas.microsoft.com/office/drawing/2014/main" id="{A97C12A8-B3CB-4571-A296-4CA7BBA55BBE}"/>
+              </a:ext>
+            </a:extLst>
+          </p:cNvPr>
+          <p:cNvCxnSpPr>
+            <a:cxnSpLocks/>
+          </p:cNvCxnSpPr>
+          <p:nvPr/>
+        </p:nvCxnSpPr>
+        <p:spPr>
+          <a:xfrm>
+            <a:off x="7789823" y="1095089"/>
+            <a:ext cx="0" cy="404940"/>
+          </a:xfrm>
+          <a:prstGeom prst="straightConnector1">
+            <a:avLst/>
+          </a:prstGeom>
+          <a:ln w="38100">
+            <a:tailEnd type="triangle"/>
+          </a:ln>
+        </p:spPr>
+        <p:style>
+          <a:lnRef idx="3">
+            <a:schemeClr val="accent6"/>
+          </a:lnRef>
+          <a:fillRef idx="0">
+            <a:schemeClr val="accent6"/>
+          </a:fillRef>
+          <a:effectRef idx="2">
+            <a:schemeClr val="accent6"/>
+          </a:effectRef>
+          <a:fontRef idx="minor">
+            <a:schemeClr val="tx1"/>
+          </a:fontRef>
+        </p:style>
+      </p:cxnSp>
+      <p:cxnSp>
+        <p:nvCxnSpPr>
+          <p:cNvPr id="112" name="Straight Arrow Connector 111">
+            <a:extLst>
+              <a:ext uri="{FF2B5EF4-FFF2-40B4-BE49-F238E27FC236}">
+                <a16:creationId xmlns:a16="http://schemas.microsoft.com/office/drawing/2014/main" id="{A3C7FC8E-4370-4350-938B-2A8DC054A366}"/>
+              </a:ext>
+            </a:extLst>
+          </p:cNvPr>
+          <p:cNvCxnSpPr>
+            <a:cxnSpLocks/>
+          </p:cNvCxnSpPr>
+          <p:nvPr/>
+        </p:nvCxnSpPr>
+        <p:spPr>
+          <a:xfrm>
+            <a:off x="7789823" y="1695994"/>
+            <a:ext cx="0" cy="404940"/>
+          </a:xfrm>
+          <a:prstGeom prst="straightConnector1">
+            <a:avLst/>
+          </a:prstGeom>
+          <a:ln w="38100">
+            <a:tailEnd type="triangle"/>
+          </a:ln>
+        </p:spPr>
+        <p:style>
+          <a:lnRef idx="3">
+            <a:schemeClr val="accent6"/>
+          </a:lnRef>
+          <a:fillRef idx="0">
+            <a:schemeClr val="accent6"/>
+          </a:fillRef>
+          <a:effectRef idx="2">
+            <a:schemeClr val="accent6"/>
+          </a:effectRef>
+          <a:fontRef idx="minor">
+            <a:schemeClr val="tx1"/>
+          </a:fontRef>
+        </p:style>
+      </p:cxnSp>
+      <p:cxnSp>
+        <p:nvCxnSpPr>
+          <p:cNvPr id="113" name="Straight Arrow Connector 112">
+            <a:extLst>
+              <a:ext uri="{FF2B5EF4-FFF2-40B4-BE49-F238E27FC236}">
+                <a16:creationId xmlns:a16="http://schemas.microsoft.com/office/drawing/2014/main" id="{0A15657E-FF41-43EE-A7AE-5C70D655AA8F}"/>
+              </a:ext>
+            </a:extLst>
+          </p:cNvPr>
+          <p:cNvCxnSpPr>
+            <a:cxnSpLocks/>
+          </p:cNvCxnSpPr>
+          <p:nvPr/>
+        </p:nvCxnSpPr>
+        <p:spPr>
+          <a:xfrm>
+            <a:off x="7201994" y="511619"/>
+            <a:ext cx="0" cy="404940"/>
+          </a:xfrm>
+          <a:prstGeom prst="straightConnector1">
+            <a:avLst/>
+          </a:prstGeom>
+          <a:ln w="38100">
+            <a:tailEnd type="triangle"/>
+          </a:ln>
+        </p:spPr>
+        <p:style>
+          <a:lnRef idx="3">
+            <a:schemeClr val="accent6"/>
+          </a:lnRef>
+          <a:fillRef idx="0">
+            <a:schemeClr val="accent6"/>
+          </a:fillRef>
+          <a:effectRef idx="2">
+            <a:schemeClr val="accent6"/>
+          </a:effectRef>
+          <a:fontRef idx="minor">
+            <a:schemeClr val="tx1"/>
+          </a:fontRef>
+        </p:style>
+      </p:cxnSp>
+      <p:cxnSp>
+        <p:nvCxnSpPr>
+          <p:cNvPr id="114" name="Straight Arrow Connector 113">
+            <a:extLst>
+              <a:ext uri="{FF2B5EF4-FFF2-40B4-BE49-F238E27FC236}">
+                <a16:creationId xmlns:a16="http://schemas.microsoft.com/office/drawing/2014/main" id="{3767D801-40CA-459D-A2BD-071D8F3F3DA6}"/>
+              </a:ext>
+            </a:extLst>
+          </p:cNvPr>
+          <p:cNvCxnSpPr>
+            <a:cxnSpLocks/>
+          </p:cNvCxnSpPr>
+          <p:nvPr/>
+        </p:nvCxnSpPr>
+        <p:spPr>
+          <a:xfrm>
+            <a:off x="7201994" y="1108148"/>
+            <a:ext cx="0" cy="404940"/>
+          </a:xfrm>
+          <a:prstGeom prst="straightConnector1">
+            <a:avLst/>
+          </a:prstGeom>
+          <a:ln w="38100">
+            <a:tailEnd type="triangle"/>
+          </a:ln>
+        </p:spPr>
+        <p:style>
+          <a:lnRef idx="3">
+            <a:schemeClr val="accent6"/>
+          </a:lnRef>
+          <a:fillRef idx="0">
+            <a:schemeClr val="accent6"/>
+          </a:fillRef>
+          <a:effectRef idx="2">
+            <a:schemeClr val="accent6"/>
+          </a:effectRef>
+          <a:fontRef idx="minor">
+            <a:schemeClr val="tx1"/>
+          </a:fontRef>
+        </p:style>
+      </p:cxnSp>
+      <p:cxnSp>
+        <p:nvCxnSpPr>
+          <p:cNvPr id="115" name="Straight Arrow Connector 114">
+            <a:extLst>
+              <a:ext uri="{FF2B5EF4-FFF2-40B4-BE49-F238E27FC236}">
+                <a16:creationId xmlns:a16="http://schemas.microsoft.com/office/drawing/2014/main" id="{24D77399-0BCF-431A-82FA-09F4E9DFB111}"/>
+              </a:ext>
+            </a:extLst>
+          </p:cNvPr>
+          <p:cNvCxnSpPr>
+            <a:cxnSpLocks/>
+          </p:cNvCxnSpPr>
+          <p:nvPr/>
+        </p:nvCxnSpPr>
+        <p:spPr>
+          <a:xfrm>
+            <a:off x="7201994" y="1709053"/>
+            <a:ext cx="0" cy="404940"/>
+          </a:xfrm>
+          <a:prstGeom prst="straightConnector1">
+            <a:avLst/>
+          </a:prstGeom>
+          <a:ln w="38100">
+            <a:tailEnd type="triangle"/>
+          </a:ln>
+        </p:spPr>
+        <p:style>
+          <a:lnRef idx="3">
+            <a:schemeClr val="accent6"/>
+          </a:lnRef>
+          <a:fillRef idx="0">
+            <a:schemeClr val="accent6"/>
+          </a:fillRef>
+          <a:effectRef idx="2">
+            <a:schemeClr val="accent6"/>
+          </a:effectRef>
+          <a:fontRef idx="minor">
+            <a:schemeClr val="tx1"/>
+          </a:fontRef>
+        </p:style>
+      </p:cxnSp>
+      <p:cxnSp>
+        <p:nvCxnSpPr>
+          <p:cNvPr id="116" name="Straight Arrow Connector 115">
+            <a:extLst>
+              <a:ext uri="{FF2B5EF4-FFF2-40B4-BE49-F238E27FC236}">
+                <a16:creationId xmlns:a16="http://schemas.microsoft.com/office/drawing/2014/main" id="{39D9A4BB-7B12-4EA4-ABAE-47DA83E914F3}"/>
+              </a:ext>
+            </a:extLst>
+          </p:cNvPr>
+          <p:cNvCxnSpPr>
+            <a:cxnSpLocks/>
+          </p:cNvCxnSpPr>
+          <p:nvPr/>
+        </p:nvCxnSpPr>
+        <p:spPr>
+          <a:xfrm>
+            <a:off x="6588041" y="485501"/>
+            <a:ext cx="0" cy="404940"/>
+          </a:xfrm>
+          <a:prstGeom prst="straightConnector1">
+            <a:avLst/>
+          </a:prstGeom>
+          <a:ln w="38100">
+            <a:tailEnd type="triangle"/>
+          </a:ln>
+        </p:spPr>
+        <p:style>
+          <a:lnRef idx="3">
+            <a:schemeClr val="accent6"/>
+          </a:lnRef>
+          <a:fillRef idx="0">
+            <a:schemeClr val="accent6"/>
+          </a:fillRef>
+          <a:effectRef idx="2">
+            <a:schemeClr val="accent6"/>
+          </a:effectRef>
+          <a:fontRef idx="minor">
+            <a:schemeClr val="tx1"/>
+          </a:fontRef>
+        </p:style>
+      </p:cxnSp>
+      <p:cxnSp>
+        <p:nvCxnSpPr>
+          <p:cNvPr id="117" name="Straight Arrow Connector 116">
+            <a:extLst>
+              <a:ext uri="{FF2B5EF4-FFF2-40B4-BE49-F238E27FC236}">
+                <a16:creationId xmlns:a16="http://schemas.microsoft.com/office/drawing/2014/main" id="{894D65C9-D20C-4A53-B9B0-28E473F59B2A}"/>
+              </a:ext>
+            </a:extLst>
+          </p:cNvPr>
+          <p:cNvCxnSpPr>
+            <a:cxnSpLocks/>
+          </p:cNvCxnSpPr>
+          <p:nvPr/>
+        </p:nvCxnSpPr>
+        <p:spPr>
+          <a:xfrm>
+            <a:off x="6588041" y="1082030"/>
+            <a:ext cx="0" cy="404940"/>
+          </a:xfrm>
+          <a:prstGeom prst="straightConnector1">
+            <a:avLst/>
+          </a:prstGeom>
+          <a:ln w="38100">
+            <a:tailEnd type="triangle"/>
+          </a:ln>
+        </p:spPr>
+        <p:style>
+          <a:lnRef idx="3">
+            <a:schemeClr val="accent6"/>
+          </a:lnRef>
+          <a:fillRef idx="0">
+            <a:schemeClr val="accent6"/>
+          </a:fillRef>
+          <a:effectRef idx="2">
+            <a:schemeClr val="accent6"/>
+          </a:effectRef>
+          <a:fontRef idx="minor">
+            <a:schemeClr val="tx1"/>
+          </a:fontRef>
+        </p:style>
+      </p:cxnSp>
+      <p:cxnSp>
+        <p:nvCxnSpPr>
+          <p:cNvPr id="118" name="Straight Arrow Connector 117">
+            <a:extLst>
+              <a:ext uri="{FF2B5EF4-FFF2-40B4-BE49-F238E27FC236}">
+                <a16:creationId xmlns:a16="http://schemas.microsoft.com/office/drawing/2014/main" id="{DBF8FD7B-B09C-4974-83AE-F21A3FF6FB7B}"/>
+              </a:ext>
+            </a:extLst>
+          </p:cNvPr>
+          <p:cNvCxnSpPr>
+            <a:cxnSpLocks/>
+          </p:cNvCxnSpPr>
+          <p:nvPr/>
+        </p:nvCxnSpPr>
+        <p:spPr>
+          <a:xfrm>
+            <a:off x="6588041" y="1682935"/>
+            <a:ext cx="0" cy="404940"/>
+          </a:xfrm>
+          <a:prstGeom prst="straightConnector1">
+            <a:avLst/>
+          </a:prstGeom>
+          <a:ln w="38100">
+            <a:tailEnd type="triangle"/>
+          </a:ln>
+        </p:spPr>
+        <p:style>
+          <a:lnRef idx="3">
+            <a:schemeClr val="accent6"/>
+          </a:lnRef>
+          <a:fillRef idx="0">
+            <a:schemeClr val="accent6"/>
+          </a:fillRef>
+          <a:effectRef idx="2">
+            <a:schemeClr val="accent6"/>
+          </a:effectRef>
+          <a:fontRef idx="minor">
+            <a:schemeClr val="tx1"/>
+          </a:fontRef>
+        </p:style>
+      </p:cxnSp>
+      <p:cxnSp>
+        <p:nvCxnSpPr>
+          <p:cNvPr id="119" name="Straight Arrow Connector 118">
+            <a:extLst>
+              <a:ext uri="{FF2B5EF4-FFF2-40B4-BE49-F238E27FC236}">
+                <a16:creationId xmlns:a16="http://schemas.microsoft.com/office/drawing/2014/main" id="{A9CA76DA-8D85-424D-918E-1ECCF3921889}"/>
+              </a:ext>
+            </a:extLst>
+          </p:cNvPr>
+          <p:cNvCxnSpPr>
+            <a:cxnSpLocks/>
+          </p:cNvCxnSpPr>
+          <p:nvPr/>
+        </p:nvCxnSpPr>
+        <p:spPr>
+          <a:xfrm>
+            <a:off x="6000212" y="498560"/>
+            <a:ext cx="0" cy="404940"/>
+          </a:xfrm>
+          <a:prstGeom prst="straightConnector1">
+            <a:avLst/>
+          </a:prstGeom>
+          <a:ln w="38100">
+            <a:tailEnd type="triangle"/>
+          </a:ln>
+        </p:spPr>
+        <p:style>
+          <a:lnRef idx="3">
+            <a:schemeClr val="accent6"/>
+          </a:lnRef>
+          <a:fillRef idx="0">
+            <a:schemeClr val="accent6"/>
+          </a:fillRef>
+          <a:effectRef idx="2">
+            <a:schemeClr val="accent6"/>
+          </a:effectRef>
+          <a:fontRef idx="minor">
+            <a:schemeClr val="tx1"/>
+          </a:fontRef>
+        </p:style>
+      </p:cxnSp>
+      <p:cxnSp>
+        <p:nvCxnSpPr>
+          <p:cNvPr id="120" name="Straight Arrow Connector 119">
+            <a:extLst>
+              <a:ext uri="{FF2B5EF4-FFF2-40B4-BE49-F238E27FC236}">
+                <a16:creationId xmlns:a16="http://schemas.microsoft.com/office/drawing/2014/main" id="{7203C228-FCF4-464D-8E0C-B27710AB35F4}"/>
+              </a:ext>
+            </a:extLst>
+          </p:cNvPr>
+          <p:cNvCxnSpPr>
+            <a:cxnSpLocks/>
+          </p:cNvCxnSpPr>
+          <p:nvPr/>
+        </p:nvCxnSpPr>
+        <p:spPr>
+          <a:xfrm>
+            <a:off x="6000212" y="1095089"/>
+            <a:ext cx="0" cy="404940"/>
+          </a:xfrm>
+          <a:prstGeom prst="straightConnector1">
+            <a:avLst/>
+          </a:prstGeom>
+          <a:ln w="38100">
+            <a:tailEnd type="triangle"/>
+          </a:ln>
+        </p:spPr>
+        <p:style>
+          <a:lnRef idx="3">
+            <a:schemeClr val="accent6"/>
+          </a:lnRef>
+          <a:fillRef idx="0">
+            <a:schemeClr val="accent6"/>
+          </a:fillRef>
+          <a:effectRef idx="2">
+            <a:schemeClr val="accent6"/>
+          </a:effectRef>
+          <a:fontRef idx="minor">
+            <a:schemeClr val="tx1"/>
+          </a:fontRef>
+        </p:style>
+      </p:cxnSp>
+      <p:cxnSp>
+        <p:nvCxnSpPr>
+          <p:cNvPr id="121" name="Straight Arrow Connector 120">
+            <a:extLst>
+              <a:ext uri="{FF2B5EF4-FFF2-40B4-BE49-F238E27FC236}">
+                <a16:creationId xmlns:a16="http://schemas.microsoft.com/office/drawing/2014/main" id="{E0973C84-1E50-4D22-872D-CAC6328096ED}"/>
+              </a:ext>
+            </a:extLst>
+          </p:cNvPr>
+          <p:cNvCxnSpPr>
+            <a:cxnSpLocks/>
+          </p:cNvCxnSpPr>
+          <p:nvPr/>
+        </p:nvCxnSpPr>
+        <p:spPr>
+          <a:xfrm>
+            <a:off x="6000212" y="1695994"/>
+            <a:ext cx="0" cy="404940"/>
+          </a:xfrm>
+          <a:prstGeom prst="straightConnector1">
+            <a:avLst/>
+          </a:prstGeom>
+          <a:ln w="38100">
+            <a:tailEnd type="triangle"/>
+          </a:ln>
+        </p:spPr>
+        <p:style>
+          <a:lnRef idx="3">
+            <a:schemeClr val="accent6"/>
+          </a:lnRef>
+          <a:fillRef idx="0">
+            <a:schemeClr val="accent6"/>
+          </a:fillRef>
+          <a:effectRef idx="2">
+            <a:schemeClr val="accent6"/>
+          </a:effectRef>
+          <a:fontRef idx="minor">
+            <a:schemeClr val="tx1"/>
+          </a:fontRef>
+        </p:style>
+      </p:cxnSp>
+      <p:cxnSp>
+        <p:nvCxnSpPr>
+          <p:cNvPr id="122" name="Straight Arrow Connector 121">
+            <a:extLst>
+              <a:ext uri="{FF2B5EF4-FFF2-40B4-BE49-F238E27FC236}">
+                <a16:creationId xmlns:a16="http://schemas.microsoft.com/office/drawing/2014/main" id="{51B52A18-FDC5-4C1A-9196-4F86D1CF61C5}"/>
+              </a:ext>
+            </a:extLst>
+          </p:cNvPr>
+          <p:cNvCxnSpPr>
+            <a:cxnSpLocks/>
+          </p:cNvCxnSpPr>
+          <p:nvPr/>
+        </p:nvCxnSpPr>
+        <p:spPr>
+          <a:xfrm>
+            <a:off x="7785463" y="2296871"/>
+            <a:ext cx="0" cy="404940"/>
+          </a:xfrm>
+          <a:prstGeom prst="straightConnector1">
+            <a:avLst/>
+          </a:prstGeom>
+          <a:ln w="38100">
+            <a:tailEnd type="triangle"/>
+          </a:ln>
+        </p:spPr>
+        <p:style>
+          <a:lnRef idx="3">
+            <a:schemeClr val="accent6"/>
+          </a:lnRef>
+          <a:fillRef idx="0">
+            <a:schemeClr val="accent6"/>
+          </a:fillRef>
+          <a:effectRef idx="2">
+            <a:schemeClr val="accent6"/>
+          </a:effectRef>
+          <a:fontRef idx="minor">
+            <a:schemeClr val="tx1"/>
+          </a:fontRef>
+        </p:style>
+      </p:cxnSp>
+      <p:cxnSp>
+        <p:nvCxnSpPr>
+          <p:cNvPr id="123" name="Straight Arrow Connector 122">
+            <a:extLst>
+              <a:ext uri="{FF2B5EF4-FFF2-40B4-BE49-F238E27FC236}">
+                <a16:creationId xmlns:a16="http://schemas.microsoft.com/office/drawing/2014/main" id="{395DCB22-F2D8-41D2-B5CD-7D14DFAC4954}"/>
+              </a:ext>
+            </a:extLst>
+          </p:cNvPr>
+          <p:cNvCxnSpPr>
+            <a:cxnSpLocks/>
+          </p:cNvCxnSpPr>
+          <p:nvPr/>
+        </p:nvCxnSpPr>
+        <p:spPr>
+          <a:xfrm>
+            <a:off x="7785463" y="2897761"/>
+            <a:ext cx="0" cy="404940"/>
+          </a:xfrm>
+          <a:prstGeom prst="straightConnector1">
+            <a:avLst/>
+          </a:prstGeom>
+          <a:ln w="38100">
+            <a:tailEnd type="triangle"/>
+          </a:ln>
+        </p:spPr>
+        <p:style>
+          <a:lnRef idx="3">
+            <a:schemeClr val="accent6"/>
+          </a:lnRef>
+          <a:fillRef idx="0">
+            <a:schemeClr val="accent6"/>
+          </a:fillRef>
+          <a:effectRef idx="2">
+            <a:schemeClr val="accent6"/>
+          </a:effectRef>
+          <a:fontRef idx="minor">
+            <a:schemeClr val="tx1"/>
+          </a:fontRef>
+        </p:style>
+      </p:cxnSp>
+    </p:spTree>
+    <p:extLst>
+      <p:ext uri="{BB962C8B-B14F-4D97-AF65-F5344CB8AC3E}">
+        <p14:creationId xmlns:p14="http://schemas.microsoft.com/office/powerpoint/2010/main" val="2201503906"/>
+      </p:ext>
+    </p:extLst>
+  </p:cSld>
+  <p:clrMapOvr>
+    <a:masterClrMapping/>
+  </p:clrMapOvr>
+</p:sld>
+</file>
+
+<file path=ppt/slides/slide4.xml><?xml version="1.0" encoding="utf-8"?>
+<p:sld xmlns:a="http://schemas.openxmlformats.org/drawingml/2006/main" xmlns:r="http://schemas.openxmlformats.org/officeDocument/2006/relationships" xmlns:p="http://schemas.openxmlformats.org/presentationml/2006/main">
+  <p:cSld>
+    <p:spTree>
+      <p:nvGrpSpPr>
+        <p:cNvPr id="1" name=""/>
+        <p:cNvGrpSpPr/>
+        <p:nvPr/>
+      </p:nvGrpSpPr>
+      <p:grpSpPr>
+        <a:xfrm>
+          <a:off x="0" y="0"/>
+          <a:ext cx="0" cy="0"/>
+          <a:chOff x="0" y="0"/>
+          <a:chExt cx="0" cy="0"/>
+        </a:xfrm>
+      </p:grpSpPr>
+      <p:sp>
+        <p:nvSpPr>
+          <p:cNvPr id="2" name="Title 1">
+            <a:extLst>
+              <a:ext uri="{FF2B5EF4-FFF2-40B4-BE49-F238E27FC236}">
+                <a16:creationId xmlns:a16="http://schemas.microsoft.com/office/drawing/2014/main" id="{0E7A6F06-5D65-420F-83CA-00887A4616AA}"/>
+              </a:ext>
+            </a:extLst>
+          </p:cNvPr>
+          <p:cNvSpPr>
+            <a:spLocks noGrp="1"/>
+          </p:cNvSpPr>
+          <p:nvPr>
+            <p:ph type="title"/>
+          </p:nvPr>
+        </p:nvSpPr>
+        <p:spPr/>
+        <p:txBody>
+          <a:bodyPr/>
+          <a:lstStyle/>
+          <a:p>
+            <a:endParaRPr lang="en-US"/>
+          </a:p>
+        </p:txBody>
+      </p:sp>
+      <p:sp>
+        <p:nvSpPr>
+          <p:cNvPr id="3" name="Content Placeholder 2">
+            <a:extLst>
+              <a:ext uri="{FF2B5EF4-FFF2-40B4-BE49-F238E27FC236}">
+                <a16:creationId xmlns:a16="http://schemas.microsoft.com/office/drawing/2014/main" id="{F6758175-0543-4218-B47A-670E69CD406D}"/>
+              </a:ext>
+            </a:extLst>
+          </p:cNvPr>
+          <p:cNvSpPr>
+            <a:spLocks noGrp="1"/>
+          </p:cNvSpPr>
+          <p:nvPr>
+            <p:ph idx="1"/>
+          </p:nvPr>
+        </p:nvSpPr>
+        <p:spPr/>
+        <p:txBody>
+          <a:bodyPr/>
+          <a:lstStyle/>
+          <a:p>
+            <a:endParaRPr lang="en-US"/>
+          </a:p>
+        </p:txBody>
+      </p:sp>
+    </p:spTree>
+    <p:extLst>
+      <p:ext uri="{BB962C8B-B14F-4D97-AF65-F5344CB8AC3E}">
+        <p14:creationId xmlns:p14="http://schemas.microsoft.com/office/powerpoint/2010/main" val="665104086"/>
       </p:ext>
     </p:extLst>
   </p:cSld>
@@ -4548,4 +9033,299 @@
     </a:ext>
   </a:extLst>
 </a:theme>
+</file>
+
+<file path=ppt/theme/theme2.xml><?xml version="1.0" encoding="utf-8"?>
+<a:theme xmlns:a="http://schemas.openxmlformats.org/drawingml/2006/main" name="Office Theme">
+  <a:themeElements>
+    <a:clrScheme name="Office">
+      <a:dk1>
+        <a:sysClr val="windowText" lastClr="000000"/>
+      </a:dk1>
+      <a:lt1>
+        <a:sysClr val="window" lastClr="FFFFFF"/>
+      </a:lt1>
+      <a:dk2>
+        <a:srgbClr val="44546A"/>
+      </a:dk2>
+      <a:lt2>
+        <a:srgbClr val="E7E6E6"/>
+      </a:lt2>
+      <a:accent1>
+        <a:srgbClr val="4472C4"/>
+      </a:accent1>
+      <a:accent2>
+        <a:srgbClr val="ED7D31"/>
+      </a:accent2>
+      <a:accent3>
+        <a:srgbClr val="A5A5A5"/>
+      </a:accent3>
+      <a:accent4>
+        <a:srgbClr val="FFC000"/>
+      </a:accent4>
+      <a:accent5>
+        <a:srgbClr val="5B9BD5"/>
+      </a:accent5>
+      <a:accent6>
+        <a:srgbClr val="70AD47"/>
+      </a:accent6>
+      <a:hlink>
+        <a:srgbClr val="0563C1"/>
+      </a:hlink>
+      <a:folHlink>
+        <a:srgbClr val="954F72"/>
+      </a:folHlink>
+    </a:clrScheme>
+    <a:fontScheme name="Office">
+      <a:majorFont>
+        <a:latin typeface="Calibri Light" panose="020F0302020204030204"/>
+        <a:ea typeface=""/>
+        <a:cs typeface=""/>
+        <a:font script="Jpan" typeface="游ゴシック Light"/>
+        <a:font script="Hang" typeface="맑은 고딕"/>
+        <a:font script="Hans" typeface="等线 Light"/>
+        <a:font script="Hant" typeface="新細明體"/>
+        <a:font script="Arab" typeface="Times New Roman"/>
+        <a:font script="Hebr" typeface="Times New Roman"/>
+        <a:font script="Thai" typeface="Angsana New"/>
+        <a:font script="Ethi" typeface="Nyala"/>
+        <a:font script="Beng" typeface="Vrinda"/>
+        <a:font script="Gujr" typeface="Shruti"/>
+        <a:font script="Khmr" typeface="MoolBoran"/>
+        <a:font script="Knda" typeface="Tunga"/>
+        <a:font script="Guru" typeface="Raavi"/>
+        <a:font script="Cans" typeface="Euphemia"/>
+        <a:font script="Cher" typeface="Plantagenet Cherokee"/>
+        <a:font script="Yiii" typeface="Microsoft Yi Baiti"/>
+        <a:font script="Tibt" typeface="Microsoft Himalaya"/>
+        <a:font script="Thaa" typeface="MV Boli"/>
+        <a:font script="Deva" typeface="Mangal"/>
+        <a:font script="Telu" typeface="Gautami"/>
+        <a:font script="Taml" typeface="Latha"/>
+        <a:font script="Syrc" typeface="Estrangelo Edessa"/>
+        <a:font script="Orya" typeface="Kalinga"/>
+        <a:font script="Mlym" typeface="Kartika"/>
+        <a:font script="Laoo" typeface="DokChampa"/>
+        <a:font script="Sinh" typeface="Iskoola Pota"/>
+        <a:font script="Mong" typeface="Mongolian Baiti"/>
+        <a:font script="Viet" typeface="Times New Roman"/>
+        <a:font script="Uigh" typeface="Microsoft Uighur"/>
+        <a:font script="Geor" typeface="Sylfaen"/>
+        <a:font script="Armn" typeface="Arial"/>
+        <a:font script="Bugi" typeface="Leelawadee UI"/>
+        <a:font script="Bopo" typeface="Microsoft JhengHei"/>
+        <a:font script="Java" typeface="Javanese Text"/>
+        <a:font script="Lisu" typeface="Segoe UI"/>
+        <a:font script="Mymr" typeface="Myanmar Text"/>
+        <a:font script="Nkoo" typeface="Ebrima"/>
+        <a:font script="Olck" typeface="Nirmala UI"/>
+        <a:font script="Osma" typeface="Ebrima"/>
+        <a:font script="Phag" typeface="Phagspa"/>
+        <a:font script="Syrn" typeface="Estrangelo Edessa"/>
+        <a:font script="Syrj" typeface="Estrangelo Edessa"/>
+        <a:font script="Syre" typeface="Estrangelo Edessa"/>
+        <a:font script="Sora" typeface="Nirmala UI"/>
+        <a:font script="Tale" typeface="Microsoft Tai Le"/>
+        <a:font script="Talu" typeface="Microsoft New Tai Lue"/>
+        <a:font script="Tfng" typeface="Ebrima"/>
+      </a:majorFont>
+      <a:minorFont>
+        <a:latin typeface="Calibri" panose="020F0502020204030204"/>
+        <a:ea typeface=""/>
+        <a:cs typeface=""/>
+        <a:font script="Jpan" typeface="游ゴシック"/>
+        <a:font script="Hang" typeface="맑은 고딕"/>
+        <a:font script="Hans" typeface="等线"/>
+        <a:font script="Hant" typeface="新細明體"/>
+        <a:font script="Arab" typeface="Arial"/>
+        <a:font script="Hebr" typeface="Arial"/>
+        <a:font script="Thai" typeface="Cordia New"/>
+        <a:font script="Ethi" typeface="Nyala"/>
+        <a:font script="Beng" typeface="Vrinda"/>
+        <a:font script="Gujr" typeface="Shruti"/>
+        <a:font script="Khmr" typeface="DaunPenh"/>
+        <a:font script="Knda" typeface="Tunga"/>
+        <a:font script="Guru" typeface="Raavi"/>
+        <a:font script="Cans" typeface="Euphemia"/>
+        <a:font script="Cher" typeface="Plantagenet Cherokee"/>
+        <a:font script="Yiii" typeface="Microsoft Yi Baiti"/>
+        <a:font script="Tibt" typeface="Microsoft Himalaya"/>
+        <a:font script="Thaa" typeface="MV Boli"/>
+        <a:font script="Deva" typeface="Mangal"/>
+        <a:font script="Telu" typeface="Gautami"/>
+        <a:font script="Taml" typeface="Latha"/>
+        <a:font script="Syrc" typeface="Estrangelo Edessa"/>
+        <a:font script="Orya" typeface="Kalinga"/>
+        <a:font script="Mlym" typeface="Kartika"/>
+        <a:font script="Laoo" typeface="DokChampa"/>
+        <a:font script="Sinh" typeface="Iskoola Pota"/>
+        <a:font script="Mong" typeface="Mongolian Baiti"/>
+        <a:font script="Viet" typeface="Arial"/>
+        <a:font script="Uigh" typeface="Microsoft Uighur"/>
+        <a:font script="Geor" typeface="Sylfaen"/>
+        <a:font script="Armn" typeface="Arial"/>
+        <a:font script="Bugi" typeface="Leelawadee UI"/>
+        <a:font script="Bopo" typeface="Microsoft JhengHei"/>
+        <a:font script="Java" typeface="Javanese Text"/>
+        <a:font script="Lisu" typeface="Segoe UI"/>
+        <a:font script="Mymr" typeface="Myanmar Text"/>
+        <a:font script="Nkoo" typeface="Ebrima"/>
+        <a:font script="Olck" typeface="Nirmala UI"/>
+        <a:font script="Osma" typeface="Ebrima"/>
+        <a:font script="Phag" typeface="Phagspa"/>
+        <a:font script="Syrn" typeface="Estrangelo Edessa"/>
+        <a:font script="Syrj" typeface="Estrangelo Edessa"/>
+        <a:font script="Syre" typeface="Estrangelo Edessa"/>
+        <a:font script="Sora" typeface="Nirmala UI"/>
+        <a:font script="Tale" typeface="Microsoft Tai Le"/>
+        <a:font script="Talu" typeface="Microsoft New Tai Lue"/>
+        <a:font script="Tfng" typeface="Ebrima"/>
+      </a:minorFont>
+    </a:fontScheme>
+    <a:fmtScheme name="Office">
+      <a:fillStyleLst>
+        <a:solidFill>
+          <a:schemeClr val="phClr"/>
+        </a:solidFill>
+        <a:gradFill rotWithShape="1">
+          <a:gsLst>
+            <a:gs pos="0">
+              <a:schemeClr val="phClr">
+                <a:lumMod val="110000"/>
+                <a:satMod val="105000"/>
+                <a:tint val="67000"/>
+              </a:schemeClr>
+            </a:gs>
+            <a:gs pos="50000">
+              <a:schemeClr val="phClr">
+                <a:lumMod val="105000"/>
+                <a:satMod val="103000"/>
+                <a:tint val="73000"/>
+              </a:schemeClr>
+            </a:gs>
+            <a:gs pos="100000">
+              <a:schemeClr val="phClr">
+                <a:lumMod val="105000"/>
+                <a:satMod val="109000"/>
+                <a:tint val="81000"/>
+              </a:schemeClr>
+            </a:gs>
+          </a:gsLst>
+          <a:lin ang="5400000" scaled="0"/>
+        </a:gradFill>
+        <a:gradFill rotWithShape="1">
+          <a:gsLst>
+            <a:gs pos="0">
+              <a:schemeClr val="phClr">
+                <a:satMod val="103000"/>
+                <a:lumMod val="102000"/>
+                <a:tint val="94000"/>
+              </a:schemeClr>
+            </a:gs>
+            <a:gs pos="50000">
+              <a:schemeClr val="phClr">
+                <a:satMod val="110000"/>
+                <a:lumMod val="100000"/>
+                <a:shade val="100000"/>
+              </a:schemeClr>
+            </a:gs>
+            <a:gs pos="100000">
+              <a:schemeClr val="phClr">
+                <a:lumMod val="99000"/>
+                <a:satMod val="120000"/>
+                <a:shade val="78000"/>
+              </a:schemeClr>
+            </a:gs>
+          </a:gsLst>
+          <a:lin ang="5400000" scaled="0"/>
+        </a:gradFill>
+      </a:fillStyleLst>
+      <a:lnStyleLst>
+        <a:ln w="6350" cap="flat" cmpd="sng" algn="ctr">
+          <a:solidFill>
+            <a:schemeClr val="phClr"/>
+          </a:solidFill>
+          <a:prstDash val="solid"/>
+          <a:miter lim="800000"/>
+        </a:ln>
+        <a:ln w="12700" cap="flat" cmpd="sng" algn="ctr">
+          <a:solidFill>
+            <a:schemeClr val="phClr"/>
+          </a:solidFill>
+          <a:prstDash val="solid"/>
+          <a:miter lim="800000"/>
+        </a:ln>
+        <a:ln w="19050" cap="flat" cmpd="sng" algn="ctr">
+          <a:solidFill>
+            <a:schemeClr val="phClr"/>
+          </a:solidFill>
+          <a:prstDash val="solid"/>
+          <a:miter lim="800000"/>
+        </a:ln>
+      </a:lnStyleLst>
+      <a:effectStyleLst>
+        <a:effectStyle>
+          <a:effectLst/>
+        </a:effectStyle>
+        <a:effectStyle>
+          <a:effectLst/>
+        </a:effectStyle>
+        <a:effectStyle>
+          <a:effectLst>
+            <a:outerShdw blurRad="57150" dist="19050" dir="5400000" algn="ctr" rotWithShape="0">
+              <a:srgbClr val="000000">
+                <a:alpha val="63000"/>
+              </a:srgbClr>
+            </a:outerShdw>
+          </a:effectLst>
+        </a:effectStyle>
+      </a:effectStyleLst>
+      <a:bgFillStyleLst>
+        <a:solidFill>
+          <a:schemeClr val="phClr"/>
+        </a:solidFill>
+        <a:solidFill>
+          <a:schemeClr val="phClr">
+            <a:tint val="95000"/>
+            <a:satMod val="170000"/>
+          </a:schemeClr>
+        </a:solidFill>
+        <a:gradFill rotWithShape="1">
+          <a:gsLst>
+            <a:gs pos="0">
+              <a:schemeClr val="phClr">
+                <a:tint val="93000"/>
+                <a:satMod val="150000"/>
+                <a:shade val="98000"/>
+                <a:lumMod val="102000"/>
+              </a:schemeClr>
+            </a:gs>
+            <a:gs pos="50000">
+              <a:schemeClr val="phClr">
+                <a:tint val="98000"/>
+                <a:satMod val="130000"/>
+                <a:shade val="90000"/>
+                <a:lumMod val="103000"/>
+              </a:schemeClr>
+            </a:gs>
+            <a:gs pos="100000">
+              <a:schemeClr val="phClr">
+                <a:shade val="63000"/>
+                <a:satMod val="120000"/>
+              </a:schemeClr>
+            </a:gs>
+          </a:gsLst>
+          <a:lin ang="5400000" scaled="0"/>
+        </a:gradFill>
+      </a:bgFillStyleLst>
+    </a:fmtScheme>
+  </a:themeElements>
+  <a:objectDefaults/>
+  <a:extraClrSchemeLst/>
+  <a:extLst>
+    <a:ext uri="{05A4C25C-085E-4340-85A3-A5531E510DB2}">
+      <thm15:themeFamily xmlns:thm15="http://schemas.microsoft.com/office/thememl/2012/main" name="Office Theme" id="{62F939B6-93AF-4DB8-9C6B-D6C7DFDC589F}" vid="{4A3C46E8-61CC-4603-A589-7422A47A8E4A}"/>
+    </a:ext>
+  </a:extLst>
+</a:theme>
 </file>
--- a/Figures.pptx
+++ b/Figures.pptx
@@ -118,6 +118,10 @@
 </p:presentation>
 </file>
 
+<file path=ppt/revisionInfo.xml><?xml version="1.0" encoding="utf-8"?>
+<p1510:revInfo xmlns:a="http://schemas.openxmlformats.org/drawingml/2006/main" xmlns:r="http://schemas.openxmlformats.org/officeDocument/2006/relationships" xmlns:p1510="http://schemas.microsoft.com/office/powerpoint/2015/10/main"/>
+</file>
+
 <file path=ppt/notesMasters/notesMaster1.xml><?xml version="1.0" encoding="utf-8"?>
 <p:notesMaster xmlns:a="http://schemas.openxmlformats.org/drawingml/2006/main" xmlns:r="http://schemas.openxmlformats.org/officeDocument/2006/relationships" xmlns:p="http://schemas.openxmlformats.org/presentationml/2006/main">
   <p:cSld>
@@ -200,7 +204,7 @@
           <a:p>
             <a:fld id="{3ADF0D95-0ECF-473B-951A-4497ACAAD43C}" type="datetimeFigureOut">
               <a:rPr lang="en-US" smtClean="0"/>
-              <a:t>9/20/2017</a:t>
+              <a:t>9/21/2017</a:t>
             </a:fld>
             <a:endParaRPr lang="en-US"/>
           </a:p>
@@ -698,7 +702,7 @@
           <a:p>
             <a:fld id="{F9B3EACC-9841-4306-9D74-78AE4B03F64E}" type="datetimeFigureOut">
               <a:rPr lang="en-US" smtClean="0"/>
-              <a:t>9/16/2017</a:t>
+              <a:t>9/21/2017</a:t>
             </a:fld>
             <a:endParaRPr lang="en-US"/>
           </a:p>
@@ -896,7 +900,7 @@
           <a:p>
             <a:fld id="{F9B3EACC-9841-4306-9D74-78AE4B03F64E}" type="datetimeFigureOut">
               <a:rPr lang="en-US" smtClean="0"/>
-              <a:t>9/16/2017</a:t>
+              <a:t>9/21/2017</a:t>
             </a:fld>
             <a:endParaRPr lang="en-US"/>
           </a:p>
@@ -1104,7 +1108,7 @@
           <a:p>
             <a:fld id="{F9B3EACC-9841-4306-9D74-78AE4B03F64E}" type="datetimeFigureOut">
               <a:rPr lang="en-US" smtClean="0"/>
-              <a:t>9/16/2017</a:t>
+              <a:t>9/21/2017</a:t>
             </a:fld>
             <a:endParaRPr lang="en-US"/>
           </a:p>
@@ -1302,7 +1306,7 @@
           <a:p>
             <a:fld id="{F9B3EACC-9841-4306-9D74-78AE4B03F64E}" type="datetimeFigureOut">
               <a:rPr lang="en-US" smtClean="0"/>
-              <a:t>9/16/2017</a:t>
+              <a:t>9/21/2017</a:t>
             </a:fld>
             <a:endParaRPr lang="en-US"/>
           </a:p>
@@ -1577,7 +1581,7 @@
           <a:p>
             <a:fld id="{F9B3EACC-9841-4306-9D74-78AE4B03F64E}" type="datetimeFigureOut">
               <a:rPr lang="en-US" smtClean="0"/>
-              <a:t>9/16/2017</a:t>
+              <a:t>9/21/2017</a:t>
             </a:fld>
             <a:endParaRPr lang="en-US"/>
           </a:p>
@@ -1842,7 +1846,7 @@
           <a:p>
             <a:fld id="{F9B3EACC-9841-4306-9D74-78AE4B03F64E}" type="datetimeFigureOut">
               <a:rPr lang="en-US" smtClean="0"/>
-              <a:t>9/16/2017</a:t>
+              <a:t>9/21/2017</a:t>
             </a:fld>
             <a:endParaRPr lang="en-US"/>
           </a:p>
@@ -2254,7 +2258,7 @@
           <a:p>
             <a:fld id="{F9B3EACC-9841-4306-9D74-78AE4B03F64E}" type="datetimeFigureOut">
               <a:rPr lang="en-US" smtClean="0"/>
-              <a:t>9/16/2017</a:t>
+              <a:t>9/21/2017</a:t>
             </a:fld>
             <a:endParaRPr lang="en-US"/>
           </a:p>
@@ -2395,7 +2399,7 @@
           <a:p>
             <a:fld id="{F9B3EACC-9841-4306-9D74-78AE4B03F64E}" type="datetimeFigureOut">
               <a:rPr lang="en-US" smtClean="0"/>
-              <a:t>9/16/2017</a:t>
+              <a:t>9/21/2017</a:t>
             </a:fld>
             <a:endParaRPr lang="en-US"/>
           </a:p>
@@ -2508,7 +2512,7 @@
           <a:p>
             <a:fld id="{F9B3EACC-9841-4306-9D74-78AE4B03F64E}" type="datetimeFigureOut">
               <a:rPr lang="en-US" smtClean="0"/>
-              <a:t>9/16/2017</a:t>
+              <a:t>9/21/2017</a:t>
             </a:fld>
             <a:endParaRPr lang="en-US"/>
           </a:p>
@@ -2819,7 +2823,7 @@
           <a:p>
             <a:fld id="{F9B3EACC-9841-4306-9D74-78AE4B03F64E}" type="datetimeFigureOut">
               <a:rPr lang="en-US" smtClean="0"/>
-              <a:t>9/16/2017</a:t>
+              <a:t>9/21/2017</a:t>
             </a:fld>
             <a:endParaRPr lang="en-US"/>
           </a:p>
@@ -3107,7 +3111,7 @@
           <a:p>
             <a:fld id="{F9B3EACC-9841-4306-9D74-78AE4B03F64E}" type="datetimeFigureOut">
               <a:rPr lang="en-US" smtClean="0"/>
-              <a:t>9/16/2017</a:t>
+              <a:t>9/21/2017</a:t>
             </a:fld>
             <a:endParaRPr lang="en-US"/>
           </a:p>
@@ -3348,7 +3352,7 @@
           <a:p>
             <a:fld id="{F9B3EACC-9841-4306-9D74-78AE4B03F64E}" type="datetimeFigureOut">
               <a:rPr lang="en-US" smtClean="0"/>
-              <a:t>9/16/2017</a:t>
+              <a:t>9/21/2017</a:t>
             </a:fld>
             <a:endParaRPr lang="en-US"/>
           </a:p>
@@ -6828,10 +6832,10 @@
       </p:cxnSp>
       <p:cxnSp>
         <p:nvCxnSpPr>
-          <p:cNvPr id="66" name="Straight Arrow Connector 65">
-            <a:extLst>
-              <a:ext uri="{FF2B5EF4-FFF2-40B4-BE49-F238E27FC236}">
-                <a16:creationId xmlns:a16="http://schemas.microsoft.com/office/drawing/2014/main" id="{027569BF-0937-4A61-82F8-7252AF3D5316}"/>
+          <p:cNvPr id="79" name="Straight Arrow Connector 78">
+            <a:extLst>
+              <a:ext uri="{FF2B5EF4-FFF2-40B4-BE49-F238E27FC236}">
+                <a16:creationId xmlns:a16="http://schemas.microsoft.com/office/drawing/2014/main" id="{3287E013-D719-430A-A796-87298C93B45C}"/>
               </a:ext>
             </a:extLst>
           </p:cNvPr>
@@ -6841,8 +6845,8 @@
           <p:nvPr/>
         </p:nvCxnSpPr>
         <p:spPr>
-          <a:xfrm>
-            <a:off x="8395063" y="2897761"/>
+          <a:xfrm rot="10800000">
+            <a:off x="8395063" y="5856531"/>
             <a:ext cx="0" cy="404940"/>
           </a:xfrm>
           <a:prstGeom prst="straightConnector1">
@@ -6869,10 +6873,10 @@
       </p:cxnSp>
       <p:cxnSp>
         <p:nvCxnSpPr>
-          <p:cNvPr id="79" name="Straight Arrow Connector 78">
-            <a:extLst>
-              <a:ext uri="{FF2B5EF4-FFF2-40B4-BE49-F238E27FC236}">
-                <a16:creationId xmlns:a16="http://schemas.microsoft.com/office/drawing/2014/main" id="{3287E013-D719-430A-A796-87298C93B45C}"/>
+          <p:cNvPr id="80" name="Straight Arrow Connector 79">
+            <a:extLst>
+              <a:ext uri="{FF2B5EF4-FFF2-40B4-BE49-F238E27FC236}">
+                <a16:creationId xmlns:a16="http://schemas.microsoft.com/office/drawing/2014/main" id="{51260F22-E529-40EF-BF75-D2CEDDA918FC}"/>
               </a:ext>
             </a:extLst>
           </p:cNvPr>
@@ -6883,7 +6887,7 @@
         </p:nvCxnSpPr>
         <p:spPr>
           <a:xfrm rot="10800000">
-            <a:off x="8395063" y="5856531"/>
+            <a:off x="8395063" y="5255626"/>
             <a:ext cx="0" cy="404940"/>
           </a:xfrm>
           <a:prstGeom prst="straightConnector1">
@@ -6910,10 +6914,10 @@
       </p:cxnSp>
       <p:cxnSp>
         <p:nvCxnSpPr>
-          <p:cNvPr id="80" name="Straight Arrow Connector 79">
-            <a:extLst>
-              <a:ext uri="{FF2B5EF4-FFF2-40B4-BE49-F238E27FC236}">
-                <a16:creationId xmlns:a16="http://schemas.microsoft.com/office/drawing/2014/main" id="{51260F22-E529-40EF-BF75-D2CEDDA918FC}"/>
+          <p:cNvPr id="81" name="Straight Arrow Connector 80">
+            <a:extLst>
+              <a:ext uri="{FF2B5EF4-FFF2-40B4-BE49-F238E27FC236}">
+                <a16:creationId xmlns:a16="http://schemas.microsoft.com/office/drawing/2014/main" id="{AF5BEBA8-C65D-4544-99DB-6697EB962E97}"/>
               </a:ext>
             </a:extLst>
           </p:cNvPr>
@@ -6924,7 +6928,7 @@
         </p:nvCxnSpPr>
         <p:spPr>
           <a:xfrm rot="10800000">
-            <a:off x="8395063" y="5255626"/>
+            <a:off x="8395063" y="4659104"/>
             <a:ext cx="0" cy="404940"/>
           </a:xfrm>
           <a:prstGeom prst="straightConnector1">
@@ -6951,10 +6955,10 @@
       </p:cxnSp>
       <p:cxnSp>
         <p:nvCxnSpPr>
-          <p:cNvPr id="81" name="Straight Arrow Connector 80">
-            <a:extLst>
-              <a:ext uri="{FF2B5EF4-FFF2-40B4-BE49-F238E27FC236}">
-                <a16:creationId xmlns:a16="http://schemas.microsoft.com/office/drawing/2014/main" id="{AF5BEBA8-C65D-4544-99DB-6697EB962E97}"/>
+          <p:cNvPr id="84" name="Straight Arrow Connector 83">
+            <a:extLst>
+              <a:ext uri="{FF2B5EF4-FFF2-40B4-BE49-F238E27FC236}">
+                <a16:creationId xmlns:a16="http://schemas.microsoft.com/office/drawing/2014/main" id="{1EFF2D72-42C0-4AA5-BACD-BD39D7F9241E}"/>
               </a:ext>
             </a:extLst>
           </p:cNvPr>
@@ -6965,7 +6969,7 @@
         </p:nvCxnSpPr>
         <p:spPr>
           <a:xfrm rot="10800000">
-            <a:off x="8395063" y="4659104"/>
+            <a:off x="8982892" y="5843472"/>
             <a:ext cx="0" cy="404940"/>
           </a:xfrm>
           <a:prstGeom prst="straightConnector1">
@@ -6992,10 +6996,10 @@
       </p:cxnSp>
       <p:cxnSp>
         <p:nvCxnSpPr>
-          <p:cNvPr id="82" name="Straight Arrow Connector 81">
-            <a:extLst>
-              <a:ext uri="{FF2B5EF4-FFF2-40B4-BE49-F238E27FC236}">
-                <a16:creationId xmlns:a16="http://schemas.microsoft.com/office/drawing/2014/main" id="{521D4F90-DAAE-49AE-A11D-16B97591FC20}"/>
+          <p:cNvPr id="85" name="Straight Arrow Connector 84">
+            <a:extLst>
+              <a:ext uri="{FF2B5EF4-FFF2-40B4-BE49-F238E27FC236}">
+                <a16:creationId xmlns:a16="http://schemas.microsoft.com/office/drawing/2014/main" id="{634BE3AE-2BDE-469B-B598-149C4F61FC16}"/>
               </a:ext>
             </a:extLst>
           </p:cNvPr>
@@ -7006,7 +7010,7 @@
         </p:nvCxnSpPr>
         <p:spPr>
           <a:xfrm rot="10800000">
-            <a:off x="8395063" y="4058214"/>
+            <a:off x="8982892" y="5242567"/>
             <a:ext cx="0" cy="404940"/>
           </a:xfrm>
           <a:prstGeom prst="straightConnector1">
@@ -7033,10 +7037,10 @@
       </p:cxnSp>
       <p:cxnSp>
         <p:nvCxnSpPr>
-          <p:cNvPr id="84" name="Straight Arrow Connector 83">
-            <a:extLst>
-              <a:ext uri="{FF2B5EF4-FFF2-40B4-BE49-F238E27FC236}">
-                <a16:creationId xmlns:a16="http://schemas.microsoft.com/office/drawing/2014/main" id="{1EFF2D72-42C0-4AA5-BACD-BD39D7F9241E}"/>
+          <p:cNvPr id="86" name="Straight Arrow Connector 85">
+            <a:extLst>
+              <a:ext uri="{FF2B5EF4-FFF2-40B4-BE49-F238E27FC236}">
+                <a16:creationId xmlns:a16="http://schemas.microsoft.com/office/drawing/2014/main" id="{B181667B-A651-4EB7-8841-66F635172BF4}"/>
               </a:ext>
             </a:extLst>
           </p:cNvPr>
@@ -7047,7 +7051,7 @@
         </p:nvCxnSpPr>
         <p:spPr>
           <a:xfrm rot="10800000">
-            <a:off x="8982892" y="5843472"/>
+            <a:off x="8982892" y="4646045"/>
             <a:ext cx="0" cy="404940"/>
           </a:xfrm>
           <a:prstGeom prst="straightConnector1">
@@ -7074,10 +7078,10 @@
       </p:cxnSp>
       <p:cxnSp>
         <p:nvCxnSpPr>
-          <p:cNvPr id="85" name="Straight Arrow Connector 84">
-            <a:extLst>
-              <a:ext uri="{FF2B5EF4-FFF2-40B4-BE49-F238E27FC236}">
-                <a16:creationId xmlns:a16="http://schemas.microsoft.com/office/drawing/2014/main" id="{634BE3AE-2BDE-469B-B598-149C4F61FC16}"/>
+          <p:cNvPr id="87" name="Straight Arrow Connector 86">
+            <a:extLst>
+              <a:ext uri="{FF2B5EF4-FFF2-40B4-BE49-F238E27FC236}">
+                <a16:creationId xmlns:a16="http://schemas.microsoft.com/office/drawing/2014/main" id="{2909B545-295E-44EB-8F3C-C8C6BAB55F30}"/>
               </a:ext>
             </a:extLst>
           </p:cNvPr>
@@ -7088,7 +7092,7 @@
         </p:nvCxnSpPr>
         <p:spPr>
           <a:xfrm rot="10800000">
-            <a:off x="8982892" y="5242567"/>
+            <a:off x="8982892" y="4045155"/>
             <a:ext cx="0" cy="404940"/>
           </a:xfrm>
           <a:prstGeom prst="straightConnector1">
@@ -7115,10 +7119,478 @@
       </p:cxnSp>
       <p:cxnSp>
         <p:nvCxnSpPr>
-          <p:cNvPr id="86" name="Straight Arrow Connector 85">
-            <a:extLst>
-              <a:ext uri="{FF2B5EF4-FFF2-40B4-BE49-F238E27FC236}">
-                <a16:creationId xmlns:a16="http://schemas.microsoft.com/office/drawing/2014/main" id="{B181667B-A651-4EB7-8841-66F635172BF4}"/>
+          <p:cNvPr id="88" name="Straight Arrow Connector 87">
+            <a:extLst>
+              <a:ext uri="{FF2B5EF4-FFF2-40B4-BE49-F238E27FC236}">
+                <a16:creationId xmlns:a16="http://schemas.microsoft.com/office/drawing/2014/main" id="{CDB8E046-8014-4AD6-856E-F1A962FDC050}"/>
+              </a:ext>
+            </a:extLst>
+          </p:cNvPr>
+          <p:cNvCxnSpPr/>
+          <p:nvPr/>
+        </p:nvCxnSpPr>
+        <p:spPr>
+          <a:xfrm>
+            <a:off x="5808626" y="4302037"/>
+            <a:ext cx="383177" cy="0"/>
+          </a:xfrm>
+          <a:prstGeom prst="straightConnector1">
+            <a:avLst/>
+          </a:prstGeom>
+          <a:ln w="38100">
+            <a:tailEnd type="triangle"/>
+          </a:ln>
+        </p:spPr>
+        <p:style>
+          <a:lnRef idx="3">
+            <a:schemeClr val="accent6"/>
+          </a:lnRef>
+          <a:fillRef idx="0">
+            <a:schemeClr val="accent6"/>
+          </a:fillRef>
+          <a:effectRef idx="2">
+            <a:schemeClr val="accent6"/>
+          </a:effectRef>
+          <a:fontRef idx="minor">
+            <a:schemeClr val="tx1"/>
+          </a:fontRef>
+        </p:style>
+      </p:cxnSp>
+      <p:cxnSp>
+        <p:nvCxnSpPr>
+          <p:cNvPr id="89" name="Straight Arrow Connector 88">
+            <a:extLst>
+              <a:ext uri="{FF2B5EF4-FFF2-40B4-BE49-F238E27FC236}">
+                <a16:creationId xmlns:a16="http://schemas.microsoft.com/office/drawing/2014/main" id="{D17BC6B0-8F15-4D91-A45E-0CFA6D69AFD6}"/>
+              </a:ext>
+            </a:extLst>
+          </p:cNvPr>
+          <p:cNvCxnSpPr/>
+          <p:nvPr/>
+        </p:nvCxnSpPr>
+        <p:spPr>
+          <a:xfrm>
+            <a:off x="6418227" y="4302037"/>
+            <a:ext cx="383177" cy="0"/>
+          </a:xfrm>
+          <a:prstGeom prst="straightConnector1">
+            <a:avLst/>
+          </a:prstGeom>
+          <a:ln w="38100">
+            <a:tailEnd type="triangle"/>
+          </a:ln>
+        </p:spPr>
+        <p:style>
+          <a:lnRef idx="3">
+            <a:schemeClr val="accent6"/>
+          </a:lnRef>
+          <a:fillRef idx="0">
+            <a:schemeClr val="accent6"/>
+          </a:fillRef>
+          <a:effectRef idx="2">
+            <a:schemeClr val="accent6"/>
+          </a:effectRef>
+          <a:fontRef idx="minor">
+            <a:schemeClr val="tx1"/>
+          </a:fontRef>
+        </p:style>
+      </p:cxnSp>
+      <p:cxnSp>
+        <p:nvCxnSpPr>
+          <p:cNvPr id="90" name="Straight Arrow Connector 89">
+            <a:extLst>
+              <a:ext uri="{FF2B5EF4-FFF2-40B4-BE49-F238E27FC236}">
+                <a16:creationId xmlns:a16="http://schemas.microsoft.com/office/drawing/2014/main" id="{026A15A8-2188-4566-A1D6-DE95A1CFDFD4}"/>
+              </a:ext>
+            </a:extLst>
+          </p:cNvPr>
+          <p:cNvCxnSpPr/>
+          <p:nvPr/>
+        </p:nvCxnSpPr>
+        <p:spPr>
+          <a:xfrm>
+            <a:off x="7010408" y="4302037"/>
+            <a:ext cx="383177" cy="0"/>
+          </a:xfrm>
+          <a:prstGeom prst="straightConnector1">
+            <a:avLst/>
+          </a:prstGeom>
+          <a:ln w="38100">
+            <a:tailEnd type="triangle"/>
+          </a:ln>
+        </p:spPr>
+        <p:style>
+          <a:lnRef idx="3">
+            <a:schemeClr val="accent6"/>
+          </a:lnRef>
+          <a:fillRef idx="0">
+            <a:schemeClr val="accent6"/>
+          </a:fillRef>
+          <a:effectRef idx="2">
+            <a:schemeClr val="accent6"/>
+          </a:effectRef>
+          <a:fontRef idx="minor">
+            <a:schemeClr val="tx1"/>
+          </a:fontRef>
+        </p:style>
+      </p:cxnSp>
+      <p:cxnSp>
+        <p:nvCxnSpPr>
+          <p:cNvPr id="91" name="Straight Arrow Connector 90">
+            <a:extLst>
+              <a:ext uri="{FF2B5EF4-FFF2-40B4-BE49-F238E27FC236}">
+                <a16:creationId xmlns:a16="http://schemas.microsoft.com/office/drawing/2014/main" id="{184DCDDA-A4FC-475B-9513-6AD8AFFF441D}"/>
+              </a:ext>
+            </a:extLst>
+          </p:cNvPr>
+          <p:cNvCxnSpPr/>
+          <p:nvPr/>
+        </p:nvCxnSpPr>
+        <p:spPr>
+          <a:xfrm>
+            <a:off x="5808626" y="3087172"/>
+            <a:ext cx="383177" cy="0"/>
+          </a:xfrm>
+          <a:prstGeom prst="straightConnector1">
+            <a:avLst/>
+          </a:prstGeom>
+          <a:ln w="38100">
+            <a:tailEnd type="triangle"/>
+          </a:ln>
+        </p:spPr>
+        <p:style>
+          <a:lnRef idx="3">
+            <a:schemeClr val="accent6"/>
+          </a:lnRef>
+          <a:fillRef idx="0">
+            <a:schemeClr val="accent6"/>
+          </a:fillRef>
+          <a:effectRef idx="2">
+            <a:schemeClr val="accent6"/>
+          </a:effectRef>
+          <a:fontRef idx="minor">
+            <a:schemeClr val="tx1"/>
+          </a:fontRef>
+        </p:style>
+      </p:cxnSp>
+      <p:cxnSp>
+        <p:nvCxnSpPr>
+          <p:cNvPr id="92" name="Straight Arrow Connector 91">
+            <a:extLst>
+              <a:ext uri="{FF2B5EF4-FFF2-40B4-BE49-F238E27FC236}">
+                <a16:creationId xmlns:a16="http://schemas.microsoft.com/office/drawing/2014/main" id="{2B6B7CA7-8E54-42C8-862F-7528F155ADDD}"/>
+              </a:ext>
+            </a:extLst>
+          </p:cNvPr>
+          <p:cNvCxnSpPr/>
+          <p:nvPr/>
+        </p:nvCxnSpPr>
+        <p:spPr>
+          <a:xfrm>
+            <a:off x="6418227" y="3087172"/>
+            <a:ext cx="383177" cy="0"/>
+          </a:xfrm>
+          <a:prstGeom prst="straightConnector1">
+            <a:avLst/>
+          </a:prstGeom>
+          <a:ln w="38100">
+            <a:tailEnd type="triangle"/>
+          </a:ln>
+        </p:spPr>
+        <p:style>
+          <a:lnRef idx="3">
+            <a:schemeClr val="accent6"/>
+          </a:lnRef>
+          <a:fillRef idx="0">
+            <a:schemeClr val="accent6"/>
+          </a:fillRef>
+          <a:effectRef idx="2">
+            <a:schemeClr val="accent6"/>
+          </a:effectRef>
+          <a:fontRef idx="minor">
+            <a:schemeClr val="tx1"/>
+          </a:fontRef>
+        </p:style>
+      </p:cxnSp>
+      <p:cxnSp>
+        <p:nvCxnSpPr>
+          <p:cNvPr id="93" name="Straight Arrow Connector 92">
+            <a:extLst>
+              <a:ext uri="{FF2B5EF4-FFF2-40B4-BE49-F238E27FC236}">
+                <a16:creationId xmlns:a16="http://schemas.microsoft.com/office/drawing/2014/main" id="{82CBDA39-27A8-48C0-A14C-839550795E70}"/>
+              </a:ext>
+            </a:extLst>
+          </p:cNvPr>
+          <p:cNvCxnSpPr/>
+          <p:nvPr/>
+        </p:nvCxnSpPr>
+        <p:spPr>
+          <a:xfrm>
+            <a:off x="7010408" y="3087172"/>
+            <a:ext cx="383177" cy="0"/>
+          </a:xfrm>
+          <a:prstGeom prst="straightConnector1">
+            <a:avLst/>
+          </a:prstGeom>
+          <a:ln w="38100">
+            <a:tailEnd type="triangle"/>
+          </a:ln>
+        </p:spPr>
+        <p:style>
+          <a:lnRef idx="3">
+            <a:schemeClr val="accent6"/>
+          </a:lnRef>
+          <a:fillRef idx="0">
+            <a:schemeClr val="accent6"/>
+          </a:fillRef>
+          <a:effectRef idx="2">
+            <a:schemeClr val="accent6"/>
+          </a:effectRef>
+          <a:fontRef idx="minor">
+            <a:schemeClr val="tx1"/>
+          </a:fontRef>
+        </p:style>
+      </p:cxnSp>
+      <p:cxnSp>
+        <p:nvCxnSpPr>
+          <p:cNvPr id="94" name="Straight Arrow Connector 93">
+            <a:extLst>
+              <a:ext uri="{FF2B5EF4-FFF2-40B4-BE49-F238E27FC236}">
+                <a16:creationId xmlns:a16="http://schemas.microsoft.com/office/drawing/2014/main" id="{CB97F1F8-59AC-4706-95DE-0DD9E841A6B6}"/>
+              </a:ext>
+            </a:extLst>
+          </p:cNvPr>
+          <p:cNvCxnSpPr/>
+          <p:nvPr/>
+        </p:nvCxnSpPr>
+        <p:spPr>
+          <a:xfrm>
+            <a:off x="5808625" y="2508061"/>
+            <a:ext cx="383177" cy="0"/>
+          </a:xfrm>
+          <a:prstGeom prst="straightConnector1">
+            <a:avLst/>
+          </a:prstGeom>
+          <a:ln w="38100">
+            <a:tailEnd type="triangle"/>
+          </a:ln>
+        </p:spPr>
+        <p:style>
+          <a:lnRef idx="3">
+            <a:schemeClr val="accent6"/>
+          </a:lnRef>
+          <a:fillRef idx="0">
+            <a:schemeClr val="accent6"/>
+          </a:fillRef>
+          <a:effectRef idx="2">
+            <a:schemeClr val="accent6"/>
+          </a:effectRef>
+          <a:fontRef idx="minor">
+            <a:schemeClr val="tx1"/>
+          </a:fontRef>
+        </p:style>
+      </p:cxnSp>
+      <p:cxnSp>
+        <p:nvCxnSpPr>
+          <p:cNvPr id="95" name="Straight Arrow Connector 94">
+            <a:extLst>
+              <a:ext uri="{FF2B5EF4-FFF2-40B4-BE49-F238E27FC236}">
+                <a16:creationId xmlns:a16="http://schemas.microsoft.com/office/drawing/2014/main" id="{19E93398-E519-4034-8A33-62B4E0B1B89B}"/>
+              </a:ext>
+            </a:extLst>
+          </p:cNvPr>
+          <p:cNvCxnSpPr/>
+          <p:nvPr/>
+        </p:nvCxnSpPr>
+        <p:spPr>
+          <a:xfrm>
+            <a:off x="6418226" y="2508061"/>
+            <a:ext cx="383177" cy="0"/>
+          </a:xfrm>
+          <a:prstGeom prst="straightConnector1">
+            <a:avLst/>
+          </a:prstGeom>
+          <a:ln w="38100">
+            <a:tailEnd type="triangle"/>
+          </a:ln>
+        </p:spPr>
+        <p:style>
+          <a:lnRef idx="3">
+            <a:schemeClr val="accent6"/>
+          </a:lnRef>
+          <a:fillRef idx="0">
+            <a:schemeClr val="accent6"/>
+          </a:fillRef>
+          <a:effectRef idx="2">
+            <a:schemeClr val="accent6"/>
+          </a:effectRef>
+          <a:fontRef idx="minor">
+            <a:schemeClr val="tx1"/>
+          </a:fontRef>
+        </p:style>
+      </p:cxnSp>
+      <p:cxnSp>
+        <p:nvCxnSpPr>
+          <p:cNvPr id="96" name="Straight Arrow Connector 95">
+            <a:extLst>
+              <a:ext uri="{FF2B5EF4-FFF2-40B4-BE49-F238E27FC236}">
+                <a16:creationId xmlns:a16="http://schemas.microsoft.com/office/drawing/2014/main" id="{5A14BC93-2AA7-42A4-86A5-9AA69BF6E844}"/>
+              </a:ext>
+            </a:extLst>
+          </p:cNvPr>
+          <p:cNvCxnSpPr/>
+          <p:nvPr/>
+        </p:nvCxnSpPr>
+        <p:spPr>
+          <a:xfrm>
+            <a:off x="7010407" y="2508061"/>
+            <a:ext cx="383177" cy="0"/>
+          </a:xfrm>
+          <a:prstGeom prst="straightConnector1">
+            <a:avLst/>
+          </a:prstGeom>
+          <a:ln w="38100">
+            <a:tailEnd type="triangle"/>
+          </a:ln>
+        </p:spPr>
+        <p:style>
+          <a:lnRef idx="3">
+            <a:schemeClr val="accent6"/>
+          </a:lnRef>
+          <a:fillRef idx="0">
+            <a:schemeClr val="accent6"/>
+          </a:fillRef>
+          <a:effectRef idx="2">
+            <a:schemeClr val="accent6"/>
+          </a:effectRef>
+          <a:fontRef idx="minor">
+            <a:schemeClr val="tx1"/>
+          </a:fontRef>
+        </p:style>
+      </p:cxnSp>
+      <p:cxnSp>
+        <p:nvCxnSpPr>
+          <p:cNvPr id="97" name="Straight Arrow Connector 96">
+            <a:extLst>
+              <a:ext uri="{FF2B5EF4-FFF2-40B4-BE49-F238E27FC236}">
+                <a16:creationId xmlns:a16="http://schemas.microsoft.com/office/drawing/2014/main" id="{A65D5849-15AF-4CE2-A727-741E59C17EFC}"/>
+              </a:ext>
+            </a:extLst>
+          </p:cNvPr>
+          <p:cNvCxnSpPr/>
+          <p:nvPr/>
+        </p:nvCxnSpPr>
+        <p:spPr>
+          <a:xfrm>
+            <a:off x="5808624" y="4894213"/>
+            <a:ext cx="383177" cy="0"/>
+          </a:xfrm>
+          <a:prstGeom prst="straightConnector1">
+            <a:avLst/>
+          </a:prstGeom>
+          <a:ln w="38100">
+            <a:tailEnd type="triangle"/>
+          </a:ln>
+        </p:spPr>
+        <p:style>
+          <a:lnRef idx="3">
+            <a:schemeClr val="accent6"/>
+          </a:lnRef>
+          <a:fillRef idx="0">
+            <a:schemeClr val="accent6"/>
+          </a:fillRef>
+          <a:effectRef idx="2">
+            <a:schemeClr val="accent6"/>
+          </a:effectRef>
+          <a:fontRef idx="minor">
+            <a:schemeClr val="tx1"/>
+          </a:fontRef>
+        </p:style>
+      </p:cxnSp>
+      <p:cxnSp>
+        <p:nvCxnSpPr>
+          <p:cNvPr id="98" name="Straight Arrow Connector 97">
+            <a:extLst>
+              <a:ext uri="{FF2B5EF4-FFF2-40B4-BE49-F238E27FC236}">
+                <a16:creationId xmlns:a16="http://schemas.microsoft.com/office/drawing/2014/main" id="{27B7CE0F-06E9-4EB1-AA8E-3C4A99D33D49}"/>
+              </a:ext>
+            </a:extLst>
+          </p:cNvPr>
+          <p:cNvCxnSpPr/>
+          <p:nvPr/>
+        </p:nvCxnSpPr>
+        <p:spPr>
+          <a:xfrm>
+            <a:off x="6418225" y="4894213"/>
+            <a:ext cx="383177" cy="0"/>
+          </a:xfrm>
+          <a:prstGeom prst="straightConnector1">
+            <a:avLst/>
+          </a:prstGeom>
+          <a:ln w="38100">
+            <a:tailEnd type="triangle"/>
+          </a:ln>
+        </p:spPr>
+        <p:style>
+          <a:lnRef idx="3">
+            <a:schemeClr val="accent6"/>
+          </a:lnRef>
+          <a:fillRef idx="0">
+            <a:schemeClr val="accent6"/>
+          </a:fillRef>
+          <a:effectRef idx="2">
+            <a:schemeClr val="accent6"/>
+          </a:effectRef>
+          <a:fontRef idx="minor">
+            <a:schemeClr val="tx1"/>
+          </a:fontRef>
+        </p:style>
+      </p:cxnSp>
+      <p:cxnSp>
+        <p:nvCxnSpPr>
+          <p:cNvPr id="99" name="Straight Arrow Connector 98">
+            <a:extLst>
+              <a:ext uri="{FF2B5EF4-FFF2-40B4-BE49-F238E27FC236}">
+                <a16:creationId xmlns:a16="http://schemas.microsoft.com/office/drawing/2014/main" id="{24D2422F-245B-4C44-AFF1-A6E426D6B73A}"/>
+              </a:ext>
+            </a:extLst>
+          </p:cNvPr>
+          <p:cNvCxnSpPr/>
+          <p:nvPr/>
+        </p:nvCxnSpPr>
+        <p:spPr>
+          <a:xfrm>
+            <a:off x="7010406" y="4894213"/>
+            <a:ext cx="383177" cy="0"/>
+          </a:xfrm>
+          <a:prstGeom prst="straightConnector1">
+            <a:avLst/>
+          </a:prstGeom>
+          <a:ln w="38100">
+            <a:tailEnd type="triangle"/>
+          </a:ln>
+        </p:spPr>
+        <p:style>
+          <a:lnRef idx="3">
+            <a:schemeClr val="accent6"/>
+          </a:lnRef>
+          <a:fillRef idx="0">
+            <a:schemeClr val="accent6"/>
+          </a:fillRef>
+          <a:effectRef idx="2">
+            <a:schemeClr val="accent6"/>
+          </a:effectRef>
+          <a:fontRef idx="minor">
+            <a:schemeClr val="tx1"/>
+          </a:fontRef>
+        </p:style>
+      </p:cxnSp>
+      <p:cxnSp>
+        <p:nvCxnSpPr>
+          <p:cNvPr id="100" name="Straight Arrow Connector 99">
+            <a:extLst>
+              <a:ext uri="{FF2B5EF4-FFF2-40B4-BE49-F238E27FC236}">
+                <a16:creationId xmlns:a16="http://schemas.microsoft.com/office/drawing/2014/main" id="{F620D457-9920-46F5-B265-8FE208871230}"/>
               </a:ext>
             </a:extLst>
           </p:cNvPr>
@@ -7129,7 +7601,7 @@
         </p:nvCxnSpPr>
         <p:spPr>
           <a:xfrm rot="10800000">
-            <a:off x="8982892" y="4646045"/>
+            <a:off x="7785466" y="5884842"/>
             <a:ext cx="0" cy="404940"/>
           </a:xfrm>
           <a:prstGeom prst="straightConnector1">
@@ -7156,10 +7628,10 @@
       </p:cxnSp>
       <p:cxnSp>
         <p:nvCxnSpPr>
-          <p:cNvPr id="87" name="Straight Arrow Connector 86">
-            <a:extLst>
-              <a:ext uri="{FF2B5EF4-FFF2-40B4-BE49-F238E27FC236}">
-                <a16:creationId xmlns:a16="http://schemas.microsoft.com/office/drawing/2014/main" id="{2909B545-295E-44EB-8F3C-C8C6BAB55F30}"/>
+          <p:cNvPr id="101" name="Straight Arrow Connector 100">
+            <a:extLst>
+              <a:ext uri="{FF2B5EF4-FFF2-40B4-BE49-F238E27FC236}">
+                <a16:creationId xmlns:a16="http://schemas.microsoft.com/office/drawing/2014/main" id="{9608AE43-4B00-4AB1-ADB3-33A6760BAF3F}"/>
               </a:ext>
             </a:extLst>
           </p:cNvPr>
@@ -7170,7 +7642,7 @@
         </p:nvCxnSpPr>
         <p:spPr>
           <a:xfrm rot="10800000">
-            <a:off x="8982892" y="4045155"/>
+            <a:off x="7785466" y="5283937"/>
             <a:ext cx="0" cy="404940"/>
           </a:xfrm>
           <a:prstGeom prst="straightConnector1">
@@ -7197,478 +7669,10 @@
       </p:cxnSp>
       <p:cxnSp>
         <p:nvCxnSpPr>
-          <p:cNvPr id="88" name="Straight Arrow Connector 87">
-            <a:extLst>
-              <a:ext uri="{FF2B5EF4-FFF2-40B4-BE49-F238E27FC236}">
-                <a16:creationId xmlns:a16="http://schemas.microsoft.com/office/drawing/2014/main" id="{CDB8E046-8014-4AD6-856E-F1A962FDC050}"/>
-              </a:ext>
-            </a:extLst>
-          </p:cNvPr>
-          <p:cNvCxnSpPr/>
-          <p:nvPr/>
-        </p:nvCxnSpPr>
-        <p:spPr>
-          <a:xfrm>
-            <a:off x="5808626" y="4302037"/>
-            <a:ext cx="383177" cy="0"/>
-          </a:xfrm>
-          <a:prstGeom prst="straightConnector1">
-            <a:avLst/>
-          </a:prstGeom>
-          <a:ln w="38100">
-            <a:tailEnd type="triangle"/>
-          </a:ln>
-        </p:spPr>
-        <p:style>
-          <a:lnRef idx="3">
-            <a:schemeClr val="accent6"/>
-          </a:lnRef>
-          <a:fillRef idx="0">
-            <a:schemeClr val="accent6"/>
-          </a:fillRef>
-          <a:effectRef idx="2">
-            <a:schemeClr val="accent6"/>
-          </a:effectRef>
-          <a:fontRef idx="minor">
-            <a:schemeClr val="tx1"/>
-          </a:fontRef>
-        </p:style>
-      </p:cxnSp>
-      <p:cxnSp>
-        <p:nvCxnSpPr>
-          <p:cNvPr id="89" name="Straight Arrow Connector 88">
-            <a:extLst>
-              <a:ext uri="{FF2B5EF4-FFF2-40B4-BE49-F238E27FC236}">
-                <a16:creationId xmlns:a16="http://schemas.microsoft.com/office/drawing/2014/main" id="{D17BC6B0-8F15-4D91-A45E-0CFA6D69AFD6}"/>
-              </a:ext>
-            </a:extLst>
-          </p:cNvPr>
-          <p:cNvCxnSpPr/>
-          <p:nvPr/>
-        </p:nvCxnSpPr>
-        <p:spPr>
-          <a:xfrm>
-            <a:off x="6418227" y="4302037"/>
-            <a:ext cx="383177" cy="0"/>
-          </a:xfrm>
-          <a:prstGeom prst="straightConnector1">
-            <a:avLst/>
-          </a:prstGeom>
-          <a:ln w="38100">
-            <a:tailEnd type="triangle"/>
-          </a:ln>
-        </p:spPr>
-        <p:style>
-          <a:lnRef idx="3">
-            <a:schemeClr val="accent6"/>
-          </a:lnRef>
-          <a:fillRef idx="0">
-            <a:schemeClr val="accent6"/>
-          </a:fillRef>
-          <a:effectRef idx="2">
-            <a:schemeClr val="accent6"/>
-          </a:effectRef>
-          <a:fontRef idx="minor">
-            <a:schemeClr val="tx1"/>
-          </a:fontRef>
-        </p:style>
-      </p:cxnSp>
-      <p:cxnSp>
-        <p:nvCxnSpPr>
-          <p:cNvPr id="90" name="Straight Arrow Connector 89">
-            <a:extLst>
-              <a:ext uri="{FF2B5EF4-FFF2-40B4-BE49-F238E27FC236}">
-                <a16:creationId xmlns:a16="http://schemas.microsoft.com/office/drawing/2014/main" id="{026A15A8-2188-4566-A1D6-DE95A1CFDFD4}"/>
-              </a:ext>
-            </a:extLst>
-          </p:cNvPr>
-          <p:cNvCxnSpPr/>
-          <p:nvPr/>
-        </p:nvCxnSpPr>
-        <p:spPr>
-          <a:xfrm>
-            <a:off x="7010408" y="4302037"/>
-            <a:ext cx="383177" cy="0"/>
-          </a:xfrm>
-          <a:prstGeom prst="straightConnector1">
-            <a:avLst/>
-          </a:prstGeom>
-          <a:ln w="38100">
-            <a:tailEnd type="triangle"/>
-          </a:ln>
-        </p:spPr>
-        <p:style>
-          <a:lnRef idx="3">
-            <a:schemeClr val="accent6"/>
-          </a:lnRef>
-          <a:fillRef idx="0">
-            <a:schemeClr val="accent6"/>
-          </a:fillRef>
-          <a:effectRef idx="2">
-            <a:schemeClr val="accent6"/>
-          </a:effectRef>
-          <a:fontRef idx="minor">
-            <a:schemeClr val="tx1"/>
-          </a:fontRef>
-        </p:style>
-      </p:cxnSp>
-      <p:cxnSp>
-        <p:nvCxnSpPr>
-          <p:cNvPr id="91" name="Straight Arrow Connector 90">
-            <a:extLst>
-              <a:ext uri="{FF2B5EF4-FFF2-40B4-BE49-F238E27FC236}">
-                <a16:creationId xmlns:a16="http://schemas.microsoft.com/office/drawing/2014/main" id="{184DCDDA-A4FC-475B-9513-6AD8AFFF441D}"/>
-              </a:ext>
-            </a:extLst>
-          </p:cNvPr>
-          <p:cNvCxnSpPr/>
-          <p:nvPr/>
-        </p:nvCxnSpPr>
-        <p:spPr>
-          <a:xfrm>
-            <a:off x="5808626" y="3087172"/>
-            <a:ext cx="383177" cy="0"/>
-          </a:xfrm>
-          <a:prstGeom prst="straightConnector1">
-            <a:avLst/>
-          </a:prstGeom>
-          <a:ln w="38100">
-            <a:tailEnd type="triangle"/>
-          </a:ln>
-        </p:spPr>
-        <p:style>
-          <a:lnRef idx="3">
-            <a:schemeClr val="accent6"/>
-          </a:lnRef>
-          <a:fillRef idx="0">
-            <a:schemeClr val="accent6"/>
-          </a:fillRef>
-          <a:effectRef idx="2">
-            <a:schemeClr val="accent6"/>
-          </a:effectRef>
-          <a:fontRef idx="minor">
-            <a:schemeClr val="tx1"/>
-          </a:fontRef>
-        </p:style>
-      </p:cxnSp>
-      <p:cxnSp>
-        <p:nvCxnSpPr>
-          <p:cNvPr id="92" name="Straight Arrow Connector 91">
-            <a:extLst>
-              <a:ext uri="{FF2B5EF4-FFF2-40B4-BE49-F238E27FC236}">
-                <a16:creationId xmlns:a16="http://schemas.microsoft.com/office/drawing/2014/main" id="{2B6B7CA7-8E54-42C8-862F-7528F155ADDD}"/>
-              </a:ext>
-            </a:extLst>
-          </p:cNvPr>
-          <p:cNvCxnSpPr/>
-          <p:nvPr/>
-        </p:nvCxnSpPr>
-        <p:spPr>
-          <a:xfrm>
-            <a:off x="6418227" y="3087172"/>
-            <a:ext cx="383177" cy="0"/>
-          </a:xfrm>
-          <a:prstGeom prst="straightConnector1">
-            <a:avLst/>
-          </a:prstGeom>
-          <a:ln w="38100">
-            <a:tailEnd type="triangle"/>
-          </a:ln>
-        </p:spPr>
-        <p:style>
-          <a:lnRef idx="3">
-            <a:schemeClr val="accent6"/>
-          </a:lnRef>
-          <a:fillRef idx="0">
-            <a:schemeClr val="accent6"/>
-          </a:fillRef>
-          <a:effectRef idx="2">
-            <a:schemeClr val="accent6"/>
-          </a:effectRef>
-          <a:fontRef idx="minor">
-            <a:schemeClr val="tx1"/>
-          </a:fontRef>
-        </p:style>
-      </p:cxnSp>
-      <p:cxnSp>
-        <p:nvCxnSpPr>
-          <p:cNvPr id="93" name="Straight Arrow Connector 92">
-            <a:extLst>
-              <a:ext uri="{FF2B5EF4-FFF2-40B4-BE49-F238E27FC236}">
-                <a16:creationId xmlns:a16="http://schemas.microsoft.com/office/drawing/2014/main" id="{82CBDA39-27A8-48C0-A14C-839550795E70}"/>
-              </a:ext>
-            </a:extLst>
-          </p:cNvPr>
-          <p:cNvCxnSpPr/>
-          <p:nvPr/>
-        </p:nvCxnSpPr>
-        <p:spPr>
-          <a:xfrm>
-            <a:off x="7010408" y="3087172"/>
-            <a:ext cx="383177" cy="0"/>
-          </a:xfrm>
-          <a:prstGeom prst="straightConnector1">
-            <a:avLst/>
-          </a:prstGeom>
-          <a:ln w="38100">
-            <a:tailEnd type="triangle"/>
-          </a:ln>
-        </p:spPr>
-        <p:style>
-          <a:lnRef idx="3">
-            <a:schemeClr val="accent6"/>
-          </a:lnRef>
-          <a:fillRef idx="0">
-            <a:schemeClr val="accent6"/>
-          </a:fillRef>
-          <a:effectRef idx="2">
-            <a:schemeClr val="accent6"/>
-          </a:effectRef>
-          <a:fontRef idx="minor">
-            <a:schemeClr val="tx1"/>
-          </a:fontRef>
-        </p:style>
-      </p:cxnSp>
-      <p:cxnSp>
-        <p:nvCxnSpPr>
-          <p:cNvPr id="94" name="Straight Arrow Connector 93">
-            <a:extLst>
-              <a:ext uri="{FF2B5EF4-FFF2-40B4-BE49-F238E27FC236}">
-                <a16:creationId xmlns:a16="http://schemas.microsoft.com/office/drawing/2014/main" id="{CB97F1F8-59AC-4706-95DE-0DD9E841A6B6}"/>
-              </a:ext>
-            </a:extLst>
-          </p:cNvPr>
-          <p:cNvCxnSpPr/>
-          <p:nvPr/>
-        </p:nvCxnSpPr>
-        <p:spPr>
-          <a:xfrm>
-            <a:off x="5808625" y="2508061"/>
-            <a:ext cx="383177" cy="0"/>
-          </a:xfrm>
-          <a:prstGeom prst="straightConnector1">
-            <a:avLst/>
-          </a:prstGeom>
-          <a:ln w="38100">
-            <a:tailEnd type="triangle"/>
-          </a:ln>
-        </p:spPr>
-        <p:style>
-          <a:lnRef idx="3">
-            <a:schemeClr val="accent6"/>
-          </a:lnRef>
-          <a:fillRef idx="0">
-            <a:schemeClr val="accent6"/>
-          </a:fillRef>
-          <a:effectRef idx="2">
-            <a:schemeClr val="accent6"/>
-          </a:effectRef>
-          <a:fontRef idx="minor">
-            <a:schemeClr val="tx1"/>
-          </a:fontRef>
-        </p:style>
-      </p:cxnSp>
-      <p:cxnSp>
-        <p:nvCxnSpPr>
-          <p:cNvPr id="95" name="Straight Arrow Connector 94">
-            <a:extLst>
-              <a:ext uri="{FF2B5EF4-FFF2-40B4-BE49-F238E27FC236}">
-                <a16:creationId xmlns:a16="http://schemas.microsoft.com/office/drawing/2014/main" id="{19E93398-E519-4034-8A33-62B4E0B1B89B}"/>
-              </a:ext>
-            </a:extLst>
-          </p:cNvPr>
-          <p:cNvCxnSpPr/>
-          <p:nvPr/>
-        </p:nvCxnSpPr>
-        <p:spPr>
-          <a:xfrm>
-            <a:off x="6418226" y="2508061"/>
-            <a:ext cx="383177" cy="0"/>
-          </a:xfrm>
-          <a:prstGeom prst="straightConnector1">
-            <a:avLst/>
-          </a:prstGeom>
-          <a:ln w="38100">
-            <a:tailEnd type="triangle"/>
-          </a:ln>
-        </p:spPr>
-        <p:style>
-          <a:lnRef idx="3">
-            <a:schemeClr val="accent6"/>
-          </a:lnRef>
-          <a:fillRef idx="0">
-            <a:schemeClr val="accent6"/>
-          </a:fillRef>
-          <a:effectRef idx="2">
-            <a:schemeClr val="accent6"/>
-          </a:effectRef>
-          <a:fontRef idx="minor">
-            <a:schemeClr val="tx1"/>
-          </a:fontRef>
-        </p:style>
-      </p:cxnSp>
-      <p:cxnSp>
-        <p:nvCxnSpPr>
-          <p:cNvPr id="96" name="Straight Arrow Connector 95">
-            <a:extLst>
-              <a:ext uri="{FF2B5EF4-FFF2-40B4-BE49-F238E27FC236}">
-                <a16:creationId xmlns:a16="http://schemas.microsoft.com/office/drawing/2014/main" id="{5A14BC93-2AA7-42A4-86A5-9AA69BF6E844}"/>
-              </a:ext>
-            </a:extLst>
-          </p:cNvPr>
-          <p:cNvCxnSpPr/>
-          <p:nvPr/>
-        </p:nvCxnSpPr>
-        <p:spPr>
-          <a:xfrm>
-            <a:off x="7010407" y="2508061"/>
-            <a:ext cx="383177" cy="0"/>
-          </a:xfrm>
-          <a:prstGeom prst="straightConnector1">
-            <a:avLst/>
-          </a:prstGeom>
-          <a:ln w="38100">
-            <a:tailEnd type="triangle"/>
-          </a:ln>
-        </p:spPr>
-        <p:style>
-          <a:lnRef idx="3">
-            <a:schemeClr val="accent6"/>
-          </a:lnRef>
-          <a:fillRef idx="0">
-            <a:schemeClr val="accent6"/>
-          </a:fillRef>
-          <a:effectRef idx="2">
-            <a:schemeClr val="accent6"/>
-          </a:effectRef>
-          <a:fontRef idx="minor">
-            <a:schemeClr val="tx1"/>
-          </a:fontRef>
-        </p:style>
-      </p:cxnSp>
-      <p:cxnSp>
-        <p:nvCxnSpPr>
-          <p:cNvPr id="97" name="Straight Arrow Connector 96">
-            <a:extLst>
-              <a:ext uri="{FF2B5EF4-FFF2-40B4-BE49-F238E27FC236}">
-                <a16:creationId xmlns:a16="http://schemas.microsoft.com/office/drawing/2014/main" id="{A65D5849-15AF-4CE2-A727-741E59C17EFC}"/>
-              </a:ext>
-            </a:extLst>
-          </p:cNvPr>
-          <p:cNvCxnSpPr/>
-          <p:nvPr/>
-        </p:nvCxnSpPr>
-        <p:spPr>
-          <a:xfrm>
-            <a:off x="5808624" y="4894213"/>
-            <a:ext cx="383177" cy="0"/>
-          </a:xfrm>
-          <a:prstGeom prst="straightConnector1">
-            <a:avLst/>
-          </a:prstGeom>
-          <a:ln w="38100">
-            <a:tailEnd type="triangle"/>
-          </a:ln>
-        </p:spPr>
-        <p:style>
-          <a:lnRef idx="3">
-            <a:schemeClr val="accent6"/>
-          </a:lnRef>
-          <a:fillRef idx="0">
-            <a:schemeClr val="accent6"/>
-          </a:fillRef>
-          <a:effectRef idx="2">
-            <a:schemeClr val="accent6"/>
-          </a:effectRef>
-          <a:fontRef idx="minor">
-            <a:schemeClr val="tx1"/>
-          </a:fontRef>
-        </p:style>
-      </p:cxnSp>
-      <p:cxnSp>
-        <p:nvCxnSpPr>
-          <p:cNvPr id="98" name="Straight Arrow Connector 97">
-            <a:extLst>
-              <a:ext uri="{FF2B5EF4-FFF2-40B4-BE49-F238E27FC236}">
-                <a16:creationId xmlns:a16="http://schemas.microsoft.com/office/drawing/2014/main" id="{27B7CE0F-06E9-4EB1-AA8E-3C4A99D33D49}"/>
-              </a:ext>
-            </a:extLst>
-          </p:cNvPr>
-          <p:cNvCxnSpPr/>
-          <p:nvPr/>
-        </p:nvCxnSpPr>
-        <p:spPr>
-          <a:xfrm>
-            <a:off x="6418225" y="4894213"/>
-            <a:ext cx="383177" cy="0"/>
-          </a:xfrm>
-          <a:prstGeom prst="straightConnector1">
-            <a:avLst/>
-          </a:prstGeom>
-          <a:ln w="38100">
-            <a:tailEnd type="triangle"/>
-          </a:ln>
-        </p:spPr>
-        <p:style>
-          <a:lnRef idx="3">
-            <a:schemeClr val="accent6"/>
-          </a:lnRef>
-          <a:fillRef idx="0">
-            <a:schemeClr val="accent6"/>
-          </a:fillRef>
-          <a:effectRef idx="2">
-            <a:schemeClr val="accent6"/>
-          </a:effectRef>
-          <a:fontRef idx="minor">
-            <a:schemeClr val="tx1"/>
-          </a:fontRef>
-        </p:style>
-      </p:cxnSp>
-      <p:cxnSp>
-        <p:nvCxnSpPr>
-          <p:cNvPr id="99" name="Straight Arrow Connector 98">
-            <a:extLst>
-              <a:ext uri="{FF2B5EF4-FFF2-40B4-BE49-F238E27FC236}">
-                <a16:creationId xmlns:a16="http://schemas.microsoft.com/office/drawing/2014/main" id="{24D2422F-245B-4C44-AFF1-A6E426D6B73A}"/>
-              </a:ext>
-            </a:extLst>
-          </p:cNvPr>
-          <p:cNvCxnSpPr/>
-          <p:nvPr/>
-        </p:nvCxnSpPr>
-        <p:spPr>
-          <a:xfrm>
-            <a:off x="7010406" y="4894213"/>
-            <a:ext cx="383177" cy="0"/>
-          </a:xfrm>
-          <a:prstGeom prst="straightConnector1">
-            <a:avLst/>
-          </a:prstGeom>
-          <a:ln w="38100">
-            <a:tailEnd type="triangle"/>
-          </a:ln>
-        </p:spPr>
-        <p:style>
-          <a:lnRef idx="3">
-            <a:schemeClr val="accent6"/>
-          </a:lnRef>
-          <a:fillRef idx="0">
-            <a:schemeClr val="accent6"/>
-          </a:fillRef>
-          <a:effectRef idx="2">
-            <a:schemeClr val="accent6"/>
-          </a:effectRef>
-          <a:fontRef idx="minor">
-            <a:schemeClr val="tx1"/>
-          </a:fontRef>
-        </p:style>
-      </p:cxnSp>
-      <p:cxnSp>
-        <p:nvCxnSpPr>
-          <p:cNvPr id="100" name="Straight Arrow Connector 99">
-            <a:extLst>
-              <a:ext uri="{FF2B5EF4-FFF2-40B4-BE49-F238E27FC236}">
-                <a16:creationId xmlns:a16="http://schemas.microsoft.com/office/drawing/2014/main" id="{F620D457-9920-46F5-B265-8FE208871230}"/>
+          <p:cNvPr id="102" name="Straight Arrow Connector 101">
+            <a:extLst>
+              <a:ext uri="{FF2B5EF4-FFF2-40B4-BE49-F238E27FC236}">
+                <a16:creationId xmlns:a16="http://schemas.microsoft.com/office/drawing/2014/main" id="{B6ED4E4D-7F68-49A3-9D51-2F42C0CB525F}"/>
               </a:ext>
             </a:extLst>
           </p:cNvPr>
@@ -7679,7 +7683,7 @@
         </p:nvCxnSpPr>
         <p:spPr>
           <a:xfrm rot="10800000">
-            <a:off x="7785466" y="5884842"/>
+            <a:off x="6588027" y="5887009"/>
             <a:ext cx="0" cy="404940"/>
           </a:xfrm>
           <a:prstGeom prst="straightConnector1">
@@ -7706,10 +7710,10 @@
       </p:cxnSp>
       <p:cxnSp>
         <p:nvCxnSpPr>
-          <p:cNvPr id="101" name="Straight Arrow Connector 100">
-            <a:extLst>
-              <a:ext uri="{FF2B5EF4-FFF2-40B4-BE49-F238E27FC236}">
-                <a16:creationId xmlns:a16="http://schemas.microsoft.com/office/drawing/2014/main" id="{9608AE43-4B00-4AB1-ADB3-33A6760BAF3F}"/>
+          <p:cNvPr id="103" name="Straight Arrow Connector 102">
+            <a:extLst>
+              <a:ext uri="{FF2B5EF4-FFF2-40B4-BE49-F238E27FC236}">
+                <a16:creationId xmlns:a16="http://schemas.microsoft.com/office/drawing/2014/main" id="{14A0B405-5801-446A-ACAF-D1D2EF33BB59}"/>
               </a:ext>
             </a:extLst>
           </p:cNvPr>
@@ -7720,7 +7724,7 @@
         </p:nvCxnSpPr>
         <p:spPr>
           <a:xfrm rot="10800000">
-            <a:off x="7785466" y="5283937"/>
+            <a:off x="6588027" y="5286104"/>
             <a:ext cx="0" cy="404940"/>
           </a:xfrm>
           <a:prstGeom prst="straightConnector1">
@@ -7747,10 +7751,10 @@
       </p:cxnSp>
       <p:cxnSp>
         <p:nvCxnSpPr>
-          <p:cNvPr id="102" name="Straight Arrow Connector 101">
-            <a:extLst>
-              <a:ext uri="{FF2B5EF4-FFF2-40B4-BE49-F238E27FC236}">
-                <a16:creationId xmlns:a16="http://schemas.microsoft.com/office/drawing/2014/main" id="{B6ED4E4D-7F68-49A3-9D51-2F42C0CB525F}"/>
+          <p:cNvPr id="104" name="Straight Arrow Connector 103">
+            <a:extLst>
+              <a:ext uri="{FF2B5EF4-FFF2-40B4-BE49-F238E27FC236}">
+                <a16:creationId xmlns:a16="http://schemas.microsoft.com/office/drawing/2014/main" id="{C9177F5B-B4FA-45D8-A224-124CFB58672E}"/>
               </a:ext>
             </a:extLst>
           </p:cNvPr>
@@ -7761,7 +7765,7 @@
         </p:nvCxnSpPr>
         <p:spPr>
           <a:xfrm rot="10800000">
-            <a:off x="6588027" y="5887009"/>
+            <a:off x="7175856" y="5873950"/>
             <a:ext cx="0" cy="404940"/>
           </a:xfrm>
           <a:prstGeom prst="straightConnector1">
@@ -7788,10 +7792,10 @@
       </p:cxnSp>
       <p:cxnSp>
         <p:nvCxnSpPr>
-          <p:cNvPr id="103" name="Straight Arrow Connector 102">
-            <a:extLst>
-              <a:ext uri="{FF2B5EF4-FFF2-40B4-BE49-F238E27FC236}">
-                <a16:creationId xmlns:a16="http://schemas.microsoft.com/office/drawing/2014/main" id="{14A0B405-5801-446A-ACAF-D1D2EF33BB59}"/>
+          <p:cNvPr id="105" name="Straight Arrow Connector 104">
+            <a:extLst>
+              <a:ext uri="{FF2B5EF4-FFF2-40B4-BE49-F238E27FC236}">
+                <a16:creationId xmlns:a16="http://schemas.microsoft.com/office/drawing/2014/main" id="{88DC88E7-DDEF-4B35-A998-EBAD121E21AB}"/>
               </a:ext>
             </a:extLst>
           </p:cNvPr>
@@ -7802,7 +7806,7 @@
         </p:nvCxnSpPr>
         <p:spPr>
           <a:xfrm rot="10800000">
-            <a:off x="6588027" y="5286104"/>
+            <a:off x="7175856" y="5273045"/>
             <a:ext cx="0" cy="404940"/>
           </a:xfrm>
           <a:prstGeom prst="straightConnector1">
@@ -7829,10 +7833,10 @@
       </p:cxnSp>
       <p:cxnSp>
         <p:nvCxnSpPr>
-          <p:cNvPr id="104" name="Straight Arrow Connector 103">
-            <a:extLst>
-              <a:ext uri="{FF2B5EF4-FFF2-40B4-BE49-F238E27FC236}">
-                <a16:creationId xmlns:a16="http://schemas.microsoft.com/office/drawing/2014/main" id="{C9177F5B-B4FA-45D8-A224-124CFB58672E}"/>
+          <p:cNvPr id="106" name="Straight Arrow Connector 105">
+            <a:extLst>
+              <a:ext uri="{FF2B5EF4-FFF2-40B4-BE49-F238E27FC236}">
+                <a16:creationId xmlns:a16="http://schemas.microsoft.com/office/drawing/2014/main" id="{545FD7B4-EC2A-4F53-9A53-4CDFABF442D1}"/>
               </a:ext>
             </a:extLst>
           </p:cNvPr>
@@ -7843,7 +7847,7 @@
         </p:nvCxnSpPr>
         <p:spPr>
           <a:xfrm rot="10800000">
-            <a:off x="7175856" y="5873950"/>
+            <a:off x="5978430" y="5897902"/>
             <a:ext cx="0" cy="404940"/>
           </a:xfrm>
           <a:prstGeom prst="straightConnector1">
@@ -7870,10 +7874,10 @@
       </p:cxnSp>
       <p:cxnSp>
         <p:nvCxnSpPr>
-          <p:cNvPr id="105" name="Straight Arrow Connector 104">
-            <a:extLst>
-              <a:ext uri="{FF2B5EF4-FFF2-40B4-BE49-F238E27FC236}">
-                <a16:creationId xmlns:a16="http://schemas.microsoft.com/office/drawing/2014/main" id="{88DC88E7-DDEF-4B35-A998-EBAD121E21AB}"/>
+          <p:cNvPr id="107" name="Straight Arrow Connector 106">
+            <a:extLst>
+              <a:ext uri="{FF2B5EF4-FFF2-40B4-BE49-F238E27FC236}">
+                <a16:creationId xmlns:a16="http://schemas.microsoft.com/office/drawing/2014/main" id="{4EB05FF6-F08B-4EB1-8CBE-7E754F7090BE}"/>
               </a:ext>
             </a:extLst>
           </p:cNvPr>
@@ -7884,7 +7888,7 @@
         </p:nvCxnSpPr>
         <p:spPr>
           <a:xfrm rot="10800000">
-            <a:off x="7175856" y="5273045"/>
+            <a:off x="5978430" y="5296997"/>
             <a:ext cx="0" cy="404940"/>
           </a:xfrm>
           <a:prstGeom prst="straightConnector1">
@@ -7911,10 +7915,10 @@
       </p:cxnSp>
       <p:cxnSp>
         <p:nvCxnSpPr>
-          <p:cNvPr id="106" name="Straight Arrow Connector 105">
-            <a:extLst>
-              <a:ext uri="{FF2B5EF4-FFF2-40B4-BE49-F238E27FC236}">
-                <a16:creationId xmlns:a16="http://schemas.microsoft.com/office/drawing/2014/main" id="{545FD7B4-EC2A-4F53-9A53-4CDFABF442D1}"/>
+          <p:cNvPr id="108" name="Straight Arrow Connector 107">
+            <a:extLst>
+              <a:ext uri="{FF2B5EF4-FFF2-40B4-BE49-F238E27FC236}">
+                <a16:creationId xmlns:a16="http://schemas.microsoft.com/office/drawing/2014/main" id="{31C485CC-F30E-4231-A1DD-EDBE4AB83A1D}"/>
               </a:ext>
             </a:extLst>
           </p:cNvPr>
@@ -7925,7 +7929,7 @@
         </p:nvCxnSpPr>
         <p:spPr>
           <a:xfrm rot="10800000">
-            <a:off x="5978430" y="5897902"/>
+            <a:off x="7785465" y="4659105"/>
             <a:ext cx="0" cy="404940"/>
           </a:xfrm>
           <a:prstGeom prst="straightConnector1">
@@ -7952,10 +7956,10 @@
       </p:cxnSp>
       <p:cxnSp>
         <p:nvCxnSpPr>
-          <p:cNvPr id="107" name="Straight Arrow Connector 106">
-            <a:extLst>
-              <a:ext uri="{FF2B5EF4-FFF2-40B4-BE49-F238E27FC236}">
-                <a16:creationId xmlns:a16="http://schemas.microsoft.com/office/drawing/2014/main" id="{4EB05FF6-F08B-4EB1-8CBE-7E754F7090BE}"/>
+          <p:cNvPr id="110" name="Straight Arrow Connector 109">
+            <a:extLst>
+              <a:ext uri="{FF2B5EF4-FFF2-40B4-BE49-F238E27FC236}">
+                <a16:creationId xmlns:a16="http://schemas.microsoft.com/office/drawing/2014/main" id="{623A023A-DE7B-4822-AE8E-FCBE4CC36D86}"/>
               </a:ext>
             </a:extLst>
           </p:cNvPr>
@@ -7965,8 +7969,8 @@
           <p:nvPr/>
         </p:nvCxnSpPr>
         <p:spPr>
-          <a:xfrm rot="10800000">
-            <a:off x="5978430" y="5296997"/>
+          <a:xfrm>
+            <a:off x="7789823" y="498560"/>
             <a:ext cx="0" cy="404940"/>
           </a:xfrm>
           <a:prstGeom prst="straightConnector1">
@@ -7993,10 +7997,10 @@
       </p:cxnSp>
       <p:cxnSp>
         <p:nvCxnSpPr>
-          <p:cNvPr id="108" name="Straight Arrow Connector 107">
-            <a:extLst>
-              <a:ext uri="{FF2B5EF4-FFF2-40B4-BE49-F238E27FC236}">
-                <a16:creationId xmlns:a16="http://schemas.microsoft.com/office/drawing/2014/main" id="{31C485CC-F30E-4231-A1DD-EDBE4AB83A1D}"/>
+          <p:cNvPr id="111" name="Straight Arrow Connector 110">
+            <a:extLst>
+              <a:ext uri="{FF2B5EF4-FFF2-40B4-BE49-F238E27FC236}">
+                <a16:creationId xmlns:a16="http://schemas.microsoft.com/office/drawing/2014/main" id="{A97C12A8-B3CB-4571-A296-4CA7BBA55BBE}"/>
               </a:ext>
             </a:extLst>
           </p:cNvPr>
@@ -8006,8 +8010,8 @@
           <p:nvPr/>
         </p:nvCxnSpPr>
         <p:spPr>
-          <a:xfrm rot="10800000">
-            <a:off x="7785465" y="4659105"/>
+          <a:xfrm>
+            <a:off x="7789823" y="1095089"/>
             <a:ext cx="0" cy="404940"/>
           </a:xfrm>
           <a:prstGeom prst="straightConnector1">
@@ -8034,10 +8038,10 @@
       </p:cxnSp>
       <p:cxnSp>
         <p:nvCxnSpPr>
-          <p:cNvPr id="109" name="Straight Arrow Connector 108">
-            <a:extLst>
-              <a:ext uri="{FF2B5EF4-FFF2-40B4-BE49-F238E27FC236}">
-                <a16:creationId xmlns:a16="http://schemas.microsoft.com/office/drawing/2014/main" id="{13311383-A8F8-4010-B9FE-53EC0AE02778}"/>
+          <p:cNvPr id="112" name="Straight Arrow Connector 111">
+            <a:extLst>
+              <a:ext uri="{FF2B5EF4-FFF2-40B4-BE49-F238E27FC236}">
+                <a16:creationId xmlns:a16="http://schemas.microsoft.com/office/drawing/2014/main" id="{A3C7FC8E-4370-4350-938B-2A8DC054A366}"/>
               </a:ext>
             </a:extLst>
           </p:cNvPr>
@@ -8047,8 +8051,8 @@
           <p:nvPr/>
         </p:nvCxnSpPr>
         <p:spPr>
-          <a:xfrm rot="10800000">
-            <a:off x="7785464" y="4058214"/>
+          <a:xfrm>
+            <a:off x="7789823" y="1695994"/>
             <a:ext cx="0" cy="404940"/>
           </a:xfrm>
           <a:prstGeom prst="straightConnector1">
@@ -8075,10 +8079,10 @@
       </p:cxnSp>
       <p:cxnSp>
         <p:nvCxnSpPr>
-          <p:cNvPr id="110" name="Straight Arrow Connector 109">
-            <a:extLst>
-              <a:ext uri="{FF2B5EF4-FFF2-40B4-BE49-F238E27FC236}">
-                <a16:creationId xmlns:a16="http://schemas.microsoft.com/office/drawing/2014/main" id="{623A023A-DE7B-4822-AE8E-FCBE4CC36D86}"/>
+          <p:cNvPr id="113" name="Straight Arrow Connector 112">
+            <a:extLst>
+              <a:ext uri="{FF2B5EF4-FFF2-40B4-BE49-F238E27FC236}">
+                <a16:creationId xmlns:a16="http://schemas.microsoft.com/office/drawing/2014/main" id="{0A15657E-FF41-43EE-A7AE-5C70D655AA8F}"/>
               </a:ext>
             </a:extLst>
           </p:cNvPr>
@@ -8089,7 +8093,7 @@
         </p:nvCxnSpPr>
         <p:spPr>
           <a:xfrm>
-            <a:off x="7789823" y="498560"/>
+            <a:off x="7201994" y="511619"/>
             <a:ext cx="0" cy="404940"/>
           </a:xfrm>
           <a:prstGeom prst="straightConnector1">
@@ -8116,10 +8120,10 @@
       </p:cxnSp>
       <p:cxnSp>
         <p:nvCxnSpPr>
-          <p:cNvPr id="111" name="Straight Arrow Connector 110">
-            <a:extLst>
-              <a:ext uri="{FF2B5EF4-FFF2-40B4-BE49-F238E27FC236}">
-                <a16:creationId xmlns:a16="http://schemas.microsoft.com/office/drawing/2014/main" id="{A97C12A8-B3CB-4571-A296-4CA7BBA55BBE}"/>
+          <p:cNvPr id="114" name="Straight Arrow Connector 113">
+            <a:extLst>
+              <a:ext uri="{FF2B5EF4-FFF2-40B4-BE49-F238E27FC236}">
+                <a16:creationId xmlns:a16="http://schemas.microsoft.com/office/drawing/2014/main" id="{3767D801-40CA-459D-A2BD-071D8F3F3DA6}"/>
               </a:ext>
             </a:extLst>
           </p:cNvPr>
@@ -8130,7 +8134,7 @@
         </p:nvCxnSpPr>
         <p:spPr>
           <a:xfrm>
-            <a:off x="7789823" y="1095089"/>
+            <a:off x="7201994" y="1108148"/>
             <a:ext cx="0" cy="404940"/>
           </a:xfrm>
           <a:prstGeom prst="straightConnector1">
@@ -8157,10 +8161,10 @@
       </p:cxnSp>
       <p:cxnSp>
         <p:nvCxnSpPr>
-          <p:cNvPr id="112" name="Straight Arrow Connector 111">
-            <a:extLst>
-              <a:ext uri="{FF2B5EF4-FFF2-40B4-BE49-F238E27FC236}">
-                <a16:creationId xmlns:a16="http://schemas.microsoft.com/office/drawing/2014/main" id="{A3C7FC8E-4370-4350-938B-2A8DC054A366}"/>
+          <p:cNvPr id="116" name="Straight Arrow Connector 115">
+            <a:extLst>
+              <a:ext uri="{FF2B5EF4-FFF2-40B4-BE49-F238E27FC236}">
+                <a16:creationId xmlns:a16="http://schemas.microsoft.com/office/drawing/2014/main" id="{39D9A4BB-7B12-4EA4-ABAE-47DA83E914F3}"/>
               </a:ext>
             </a:extLst>
           </p:cNvPr>
@@ -8171,7 +8175,7 @@
         </p:nvCxnSpPr>
         <p:spPr>
           <a:xfrm>
-            <a:off x="7789823" y="1695994"/>
+            <a:off x="6588041" y="485501"/>
             <a:ext cx="0" cy="404940"/>
           </a:xfrm>
           <a:prstGeom prst="straightConnector1">
@@ -8198,10 +8202,10 @@
       </p:cxnSp>
       <p:cxnSp>
         <p:nvCxnSpPr>
-          <p:cNvPr id="113" name="Straight Arrow Connector 112">
-            <a:extLst>
-              <a:ext uri="{FF2B5EF4-FFF2-40B4-BE49-F238E27FC236}">
-                <a16:creationId xmlns:a16="http://schemas.microsoft.com/office/drawing/2014/main" id="{0A15657E-FF41-43EE-A7AE-5C70D655AA8F}"/>
+          <p:cNvPr id="117" name="Straight Arrow Connector 116">
+            <a:extLst>
+              <a:ext uri="{FF2B5EF4-FFF2-40B4-BE49-F238E27FC236}">
+                <a16:creationId xmlns:a16="http://schemas.microsoft.com/office/drawing/2014/main" id="{894D65C9-D20C-4A53-B9B0-28E473F59B2A}"/>
               </a:ext>
             </a:extLst>
           </p:cNvPr>
@@ -8212,7 +8216,7 @@
         </p:nvCxnSpPr>
         <p:spPr>
           <a:xfrm>
-            <a:off x="7201994" y="511619"/>
+            <a:off x="6588041" y="1082030"/>
             <a:ext cx="0" cy="404940"/>
           </a:xfrm>
           <a:prstGeom prst="straightConnector1">
@@ -8239,10 +8243,10 @@
       </p:cxnSp>
       <p:cxnSp>
         <p:nvCxnSpPr>
-          <p:cNvPr id="114" name="Straight Arrow Connector 113">
-            <a:extLst>
-              <a:ext uri="{FF2B5EF4-FFF2-40B4-BE49-F238E27FC236}">
-                <a16:creationId xmlns:a16="http://schemas.microsoft.com/office/drawing/2014/main" id="{3767D801-40CA-459D-A2BD-071D8F3F3DA6}"/>
+          <p:cNvPr id="119" name="Straight Arrow Connector 118">
+            <a:extLst>
+              <a:ext uri="{FF2B5EF4-FFF2-40B4-BE49-F238E27FC236}">
+                <a16:creationId xmlns:a16="http://schemas.microsoft.com/office/drawing/2014/main" id="{A9CA76DA-8D85-424D-918E-1ECCF3921889}"/>
               </a:ext>
             </a:extLst>
           </p:cNvPr>
@@ -8253,7 +8257,7 @@
         </p:nvCxnSpPr>
         <p:spPr>
           <a:xfrm>
-            <a:off x="7201994" y="1108148"/>
+            <a:off x="6000212" y="498560"/>
             <a:ext cx="0" cy="404940"/>
           </a:xfrm>
           <a:prstGeom prst="straightConnector1">
@@ -8280,10 +8284,10 @@
       </p:cxnSp>
       <p:cxnSp>
         <p:nvCxnSpPr>
-          <p:cNvPr id="115" name="Straight Arrow Connector 114">
-            <a:extLst>
-              <a:ext uri="{FF2B5EF4-FFF2-40B4-BE49-F238E27FC236}">
-                <a16:creationId xmlns:a16="http://schemas.microsoft.com/office/drawing/2014/main" id="{24D77399-0BCF-431A-82FA-09F4E9DFB111}"/>
+          <p:cNvPr id="120" name="Straight Arrow Connector 119">
+            <a:extLst>
+              <a:ext uri="{FF2B5EF4-FFF2-40B4-BE49-F238E27FC236}">
+                <a16:creationId xmlns:a16="http://schemas.microsoft.com/office/drawing/2014/main" id="{7203C228-FCF4-464D-8E0C-B27710AB35F4}"/>
               </a:ext>
             </a:extLst>
           </p:cNvPr>
@@ -8294,7 +8298,7 @@
         </p:nvCxnSpPr>
         <p:spPr>
           <a:xfrm>
-            <a:off x="7201994" y="1709053"/>
+            <a:off x="6000212" y="1095089"/>
             <a:ext cx="0" cy="404940"/>
           </a:xfrm>
           <a:prstGeom prst="straightConnector1">
@@ -8321,10 +8325,10 @@
       </p:cxnSp>
       <p:cxnSp>
         <p:nvCxnSpPr>
-          <p:cNvPr id="116" name="Straight Arrow Connector 115">
-            <a:extLst>
-              <a:ext uri="{FF2B5EF4-FFF2-40B4-BE49-F238E27FC236}">
-                <a16:creationId xmlns:a16="http://schemas.microsoft.com/office/drawing/2014/main" id="{39D9A4BB-7B12-4EA4-ABAE-47DA83E914F3}"/>
+          <p:cNvPr id="122" name="Straight Arrow Connector 121">
+            <a:extLst>
+              <a:ext uri="{FF2B5EF4-FFF2-40B4-BE49-F238E27FC236}">
+                <a16:creationId xmlns:a16="http://schemas.microsoft.com/office/drawing/2014/main" id="{51B52A18-FDC5-4C1A-9196-4F86D1CF61C5}"/>
               </a:ext>
             </a:extLst>
           </p:cNvPr>
@@ -8335,7 +8339,7 @@
         </p:nvCxnSpPr>
         <p:spPr>
           <a:xfrm>
-            <a:off x="6588041" y="485501"/>
+            <a:off x="7785463" y="2296871"/>
             <a:ext cx="0" cy="404940"/>
           </a:xfrm>
           <a:prstGeom prst="straightConnector1">
@@ -8362,10 +8366,88 @@
       </p:cxnSp>
       <p:cxnSp>
         <p:nvCxnSpPr>
-          <p:cNvPr id="117" name="Straight Arrow Connector 116">
-            <a:extLst>
-              <a:ext uri="{FF2B5EF4-FFF2-40B4-BE49-F238E27FC236}">
-                <a16:creationId xmlns:a16="http://schemas.microsoft.com/office/drawing/2014/main" id="{894D65C9-D20C-4A53-B9B0-28E473F59B2A}"/>
+          <p:cNvPr id="125" name="Straight Arrow Connector 124">
+            <a:extLst>
+              <a:ext uri="{FF2B5EF4-FFF2-40B4-BE49-F238E27FC236}">
+                <a16:creationId xmlns:a16="http://schemas.microsoft.com/office/drawing/2014/main" id="{EC15FA1C-C663-4FCA-9966-EDB8C62873AA}"/>
+              </a:ext>
+            </a:extLst>
+          </p:cNvPr>
+          <p:cNvCxnSpPr/>
+          <p:nvPr/>
+        </p:nvCxnSpPr>
+        <p:spPr>
+          <a:xfrm>
+            <a:off x="5800597" y="1916337"/>
+            <a:ext cx="383177" cy="0"/>
+          </a:xfrm>
+          <a:prstGeom prst="straightConnector1">
+            <a:avLst/>
+          </a:prstGeom>
+          <a:ln w="38100">
+            <a:tailEnd type="triangle"/>
+          </a:ln>
+        </p:spPr>
+        <p:style>
+          <a:lnRef idx="3">
+            <a:schemeClr val="accent6"/>
+          </a:lnRef>
+          <a:fillRef idx="0">
+            <a:schemeClr val="accent6"/>
+          </a:fillRef>
+          <a:effectRef idx="2">
+            <a:schemeClr val="accent6"/>
+          </a:effectRef>
+          <a:fontRef idx="minor">
+            <a:schemeClr val="tx1"/>
+          </a:fontRef>
+        </p:style>
+      </p:cxnSp>
+      <p:cxnSp>
+        <p:nvCxnSpPr>
+          <p:cNvPr id="126" name="Straight Arrow Connector 125">
+            <a:extLst>
+              <a:ext uri="{FF2B5EF4-FFF2-40B4-BE49-F238E27FC236}">
+                <a16:creationId xmlns:a16="http://schemas.microsoft.com/office/drawing/2014/main" id="{439EC838-02A2-431E-A2FC-FC8753BCC665}"/>
+              </a:ext>
+            </a:extLst>
+          </p:cNvPr>
+          <p:cNvCxnSpPr/>
+          <p:nvPr/>
+        </p:nvCxnSpPr>
+        <p:spPr>
+          <a:xfrm>
+            <a:off x="6396437" y="1908315"/>
+            <a:ext cx="383177" cy="0"/>
+          </a:xfrm>
+          <a:prstGeom prst="straightConnector1">
+            <a:avLst/>
+          </a:prstGeom>
+          <a:ln w="38100">
+            <a:tailEnd type="triangle"/>
+          </a:ln>
+        </p:spPr>
+        <p:style>
+          <a:lnRef idx="3">
+            <a:schemeClr val="accent6"/>
+          </a:lnRef>
+          <a:fillRef idx="0">
+            <a:schemeClr val="accent6"/>
+          </a:fillRef>
+          <a:effectRef idx="2">
+            <a:schemeClr val="accent6"/>
+          </a:effectRef>
+          <a:fontRef idx="minor">
+            <a:schemeClr val="tx1"/>
+          </a:fontRef>
+        </p:style>
+      </p:cxnSp>
+      <p:cxnSp>
+        <p:nvCxnSpPr>
+          <p:cNvPr id="128" name="Straight Arrow Connector 127">
+            <a:extLst>
+              <a:ext uri="{FF2B5EF4-FFF2-40B4-BE49-F238E27FC236}">
+                <a16:creationId xmlns:a16="http://schemas.microsoft.com/office/drawing/2014/main" id="{D3618372-26D9-48EE-A889-30B354852EC7}"/>
               </a:ext>
             </a:extLst>
           </p:cNvPr>
@@ -8376,7 +8458,7 @@
         </p:nvCxnSpPr>
         <p:spPr>
           <a:xfrm>
-            <a:off x="6588041" y="1082030"/>
+            <a:off x="7183885" y="1687277"/>
             <a:ext cx="0" cy="404940"/>
           </a:xfrm>
           <a:prstGeom prst="straightConnector1">
@@ -8403,227 +8485,176 @@
       </p:cxnSp>
       <p:cxnSp>
         <p:nvCxnSpPr>
-          <p:cNvPr id="118" name="Straight Arrow Connector 117">
-            <a:extLst>
-              <a:ext uri="{FF2B5EF4-FFF2-40B4-BE49-F238E27FC236}">
-                <a16:creationId xmlns:a16="http://schemas.microsoft.com/office/drawing/2014/main" id="{DBF8FD7B-B09C-4974-83AE-F21A3FF6FB7B}"/>
-              </a:ext>
-            </a:extLst>
-          </p:cNvPr>
-          <p:cNvCxnSpPr>
-            <a:cxnSpLocks/>
-          </p:cNvCxnSpPr>
-          <p:nvPr/>
-        </p:nvCxnSpPr>
-        <p:spPr>
-          <a:xfrm>
-            <a:off x="6588041" y="1682935"/>
-            <a:ext cx="0" cy="404940"/>
-          </a:xfrm>
-          <a:prstGeom prst="straightConnector1">
-            <a:avLst/>
-          </a:prstGeom>
-          <a:ln w="38100">
-            <a:tailEnd type="triangle"/>
-          </a:ln>
-        </p:spPr>
-        <p:style>
-          <a:lnRef idx="3">
-            <a:schemeClr val="accent6"/>
-          </a:lnRef>
-          <a:fillRef idx="0">
-            <a:schemeClr val="accent6"/>
-          </a:fillRef>
-          <a:effectRef idx="2">
-            <a:schemeClr val="accent6"/>
-          </a:effectRef>
-          <a:fontRef idx="minor">
-            <a:schemeClr val="tx1"/>
-          </a:fontRef>
-        </p:style>
-      </p:cxnSp>
-      <p:cxnSp>
-        <p:nvCxnSpPr>
-          <p:cNvPr id="119" name="Straight Arrow Connector 118">
-            <a:extLst>
-              <a:ext uri="{FF2B5EF4-FFF2-40B4-BE49-F238E27FC236}">
-                <a16:creationId xmlns:a16="http://schemas.microsoft.com/office/drawing/2014/main" id="{A9CA76DA-8D85-424D-918E-1ECCF3921889}"/>
-              </a:ext>
-            </a:extLst>
-          </p:cNvPr>
-          <p:cNvCxnSpPr>
-            <a:cxnSpLocks/>
-          </p:cNvCxnSpPr>
-          <p:nvPr/>
-        </p:nvCxnSpPr>
-        <p:spPr>
-          <a:xfrm>
-            <a:off x="6000212" y="498560"/>
-            <a:ext cx="0" cy="404940"/>
-          </a:xfrm>
-          <a:prstGeom prst="straightConnector1">
-            <a:avLst/>
-          </a:prstGeom>
-          <a:ln w="38100">
-            <a:tailEnd type="triangle"/>
-          </a:ln>
-        </p:spPr>
-        <p:style>
-          <a:lnRef idx="3">
-            <a:schemeClr val="accent6"/>
-          </a:lnRef>
-          <a:fillRef idx="0">
-            <a:schemeClr val="accent6"/>
-          </a:fillRef>
-          <a:effectRef idx="2">
-            <a:schemeClr val="accent6"/>
-          </a:effectRef>
-          <a:fontRef idx="minor">
-            <a:schemeClr val="tx1"/>
-          </a:fontRef>
-        </p:style>
-      </p:cxnSp>
-      <p:cxnSp>
-        <p:nvCxnSpPr>
-          <p:cNvPr id="120" name="Straight Arrow Connector 119">
-            <a:extLst>
-              <a:ext uri="{FF2B5EF4-FFF2-40B4-BE49-F238E27FC236}">
-                <a16:creationId xmlns:a16="http://schemas.microsoft.com/office/drawing/2014/main" id="{7203C228-FCF4-464D-8E0C-B27710AB35F4}"/>
-              </a:ext>
-            </a:extLst>
-          </p:cNvPr>
-          <p:cNvCxnSpPr>
-            <a:cxnSpLocks/>
-          </p:cNvCxnSpPr>
-          <p:nvPr/>
-        </p:nvCxnSpPr>
-        <p:spPr>
-          <a:xfrm>
-            <a:off x="6000212" y="1095089"/>
-            <a:ext cx="0" cy="404940"/>
-          </a:xfrm>
-          <a:prstGeom prst="straightConnector1">
-            <a:avLst/>
-          </a:prstGeom>
-          <a:ln w="38100">
-            <a:tailEnd type="triangle"/>
-          </a:ln>
-        </p:spPr>
-        <p:style>
-          <a:lnRef idx="3">
-            <a:schemeClr val="accent6"/>
-          </a:lnRef>
-          <a:fillRef idx="0">
-            <a:schemeClr val="accent6"/>
-          </a:fillRef>
-          <a:effectRef idx="2">
-            <a:schemeClr val="accent6"/>
-          </a:effectRef>
-          <a:fontRef idx="minor">
-            <a:schemeClr val="tx1"/>
-          </a:fontRef>
-        </p:style>
-      </p:cxnSp>
-      <p:cxnSp>
-        <p:nvCxnSpPr>
-          <p:cNvPr id="121" name="Straight Arrow Connector 120">
-            <a:extLst>
-              <a:ext uri="{FF2B5EF4-FFF2-40B4-BE49-F238E27FC236}">
-                <a16:creationId xmlns:a16="http://schemas.microsoft.com/office/drawing/2014/main" id="{E0973C84-1E50-4D22-872D-CAC6328096ED}"/>
-              </a:ext>
-            </a:extLst>
-          </p:cNvPr>
-          <p:cNvCxnSpPr>
-            <a:cxnSpLocks/>
-          </p:cNvCxnSpPr>
-          <p:nvPr/>
-        </p:nvCxnSpPr>
-        <p:spPr>
-          <a:xfrm>
-            <a:off x="6000212" y="1695994"/>
-            <a:ext cx="0" cy="404940"/>
-          </a:xfrm>
-          <a:prstGeom prst="straightConnector1">
-            <a:avLst/>
-          </a:prstGeom>
-          <a:ln w="38100">
-            <a:tailEnd type="triangle"/>
-          </a:ln>
-        </p:spPr>
-        <p:style>
-          <a:lnRef idx="3">
-            <a:schemeClr val="accent6"/>
-          </a:lnRef>
-          <a:fillRef idx="0">
-            <a:schemeClr val="accent6"/>
-          </a:fillRef>
-          <a:effectRef idx="2">
-            <a:schemeClr val="accent6"/>
-          </a:effectRef>
-          <a:fontRef idx="minor">
-            <a:schemeClr val="tx1"/>
-          </a:fontRef>
-        </p:style>
-      </p:cxnSp>
-      <p:cxnSp>
-        <p:nvCxnSpPr>
-          <p:cNvPr id="122" name="Straight Arrow Connector 121">
-            <a:extLst>
-              <a:ext uri="{FF2B5EF4-FFF2-40B4-BE49-F238E27FC236}">
-                <a16:creationId xmlns:a16="http://schemas.microsoft.com/office/drawing/2014/main" id="{51B52A18-FDC5-4C1A-9196-4F86D1CF61C5}"/>
-              </a:ext>
-            </a:extLst>
-          </p:cNvPr>
-          <p:cNvCxnSpPr>
-            <a:cxnSpLocks/>
-          </p:cNvCxnSpPr>
-          <p:nvPr/>
-        </p:nvCxnSpPr>
-        <p:spPr>
-          <a:xfrm>
-            <a:off x="7785463" y="2296871"/>
-            <a:ext cx="0" cy="404940"/>
-          </a:xfrm>
-          <a:prstGeom prst="straightConnector1">
-            <a:avLst/>
-          </a:prstGeom>
-          <a:ln w="38100">
-            <a:tailEnd type="triangle"/>
-          </a:ln>
-        </p:spPr>
-        <p:style>
-          <a:lnRef idx="3">
-            <a:schemeClr val="accent6"/>
-          </a:lnRef>
-          <a:fillRef idx="0">
-            <a:schemeClr val="accent6"/>
-          </a:fillRef>
-          <a:effectRef idx="2">
-            <a:schemeClr val="accent6"/>
-          </a:effectRef>
-          <a:fontRef idx="minor">
-            <a:schemeClr val="tx1"/>
-          </a:fontRef>
-        </p:style>
-      </p:cxnSp>
-      <p:cxnSp>
-        <p:nvCxnSpPr>
-          <p:cNvPr id="123" name="Straight Arrow Connector 122">
-            <a:extLst>
-              <a:ext uri="{FF2B5EF4-FFF2-40B4-BE49-F238E27FC236}">
-                <a16:creationId xmlns:a16="http://schemas.microsoft.com/office/drawing/2014/main" id="{395DCB22-F2D8-41D2-B5CD-7D14DFAC4954}"/>
-              </a:ext>
-            </a:extLst>
-          </p:cNvPr>
-          <p:cNvCxnSpPr>
-            <a:cxnSpLocks/>
-          </p:cNvCxnSpPr>
-          <p:nvPr/>
-        </p:nvCxnSpPr>
-        <p:spPr>
-          <a:xfrm>
-            <a:off x="7785463" y="2897761"/>
-            <a:ext cx="0" cy="404940"/>
+          <p:cNvPr id="130" name="Straight Arrow Connector 129">
+            <a:extLst>
+              <a:ext uri="{FF2B5EF4-FFF2-40B4-BE49-F238E27FC236}">
+                <a16:creationId xmlns:a16="http://schemas.microsoft.com/office/drawing/2014/main" id="{5ACFBA8A-F682-4C24-AA79-C9021E9FB736}"/>
+              </a:ext>
+            </a:extLst>
+          </p:cNvPr>
+          <p:cNvCxnSpPr/>
+          <p:nvPr/>
+        </p:nvCxnSpPr>
+        <p:spPr>
+          <a:xfrm>
+            <a:off x="7593874" y="3692434"/>
+            <a:ext cx="383177" cy="0"/>
+          </a:xfrm>
+          <a:prstGeom prst="straightConnector1">
+            <a:avLst/>
+          </a:prstGeom>
+          <a:ln w="38100">
+            <a:tailEnd type="triangle"/>
+          </a:ln>
+        </p:spPr>
+        <p:style>
+          <a:lnRef idx="3">
+            <a:schemeClr val="accent6"/>
+          </a:lnRef>
+          <a:fillRef idx="0">
+            <a:schemeClr val="accent6"/>
+          </a:fillRef>
+          <a:effectRef idx="2">
+            <a:schemeClr val="accent6"/>
+          </a:effectRef>
+          <a:fontRef idx="minor">
+            <a:schemeClr val="tx1"/>
+          </a:fontRef>
+        </p:style>
+      </p:cxnSp>
+      <p:cxnSp>
+        <p:nvCxnSpPr>
+          <p:cNvPr id="131" name="Straight Arrow Connector 130">
+            <a:extLst>
+              <a:ext uri="{FF2B5EF4-FFF2-40B4-BE49-F238E27FC236}">
+                <a16:creationId xmlns:a16="http://schemas.microsoft.com/office/drawing/2014/main" id="{F59D1BDA-865D-4275-8FC7-FB4A0E2E87E7}"/>
+              </a:ext>
+            </a:extLst>
+          </p:cNvPr>
+          <p:cNvCxnSpPr/>
+          <p:nvPr/>
+        </p:nvCxnSpPr>
+        <p:spPr>
+          <a:xfrm>
+            <a:off x="7593874" y="3087172"/>
+            <a:ext cx="383177" cy="0"/>
+          </a:xfrm>
+          <a:prstGeom prst="straightConnector1">
+            <a:avLst/>
+          </a:prstGeom>
+          <a:ln w="38100">
+            <a:tailEnd type="triangle"/>
+          </a:ln>
+        </p:spPr>
+        <p:style>
+          <a:lnRef idx="3">
+            <a:schemeClr val="accent6"/>
+          </a:lnRef>
+          <a:fillRef idx="0">
+            <a:schemeClr val="accent6"/>
+          </a:fillRef>
+          <a:effectRef idx="2">
+            <a:schemeClr val="accent6"/>
+          </a:effectRef>
+          <a:fontRef idx="minor">
+            <a:schemeClr val="tx1"/>
+          </a:fontRef>
+        </p:style>
+      </p:cxnSp>
+      <p:cxnSp>
+        <p:nvCxnSpPr>
+          <p:cNvPr id="132" name="Straight Arrow Connector 131">
+            <a:extLst>
+              <a:ext uri="{FF2B5EF4-FFF2-40B4-BE49-F238E27FC236}">
+                <a16:creationId xmlns:a16="http://schemas.microsoft.com/office/drawing/2014/main" id="{E1EBEAFB-C141-45BD-B8AF-753F2CC01C3C}"/>
+              </a:ext>
+            </a:extLst>
+          </p:cNvPr>
+          <p:cNvCxnSpPr/>
+          <p:nvPr/>
+        </p:nvCxnSpPr>
+        <p:spPr>
+          <a:xfrm>
+            <a:off x="7606936" y="4302037"/>
+            <a:ext cx="383177" cy="0"/>
+          </a:xfrm>
+          <a:prstGeom prst="straightConnector1">
+            <a:avLst/>
+          </a:prstGeom>
+          <a:ln w="38100">
+            <a:tailEnd type="triangle"/>
+          </a:ln>
+        </p:spPr>
+        <p:style>
+          <a:lnRef idx="3">
+            <a:schemeClr val="accent6"/>
+          </a:lnRef>
+          <a:fillRef idx="0">
+            <a:schemeClr val="accent6"/>
+          </a:fillRef>
+          <a:effectRef idx="2">
+            <a:schemeClr val="accent6"/>
+          </a:effectRef>
+          <a:fontRef idx="minor">
+            <a:schemeClr val="tx1"/>
+          </a:fontRef>
+        </p:style>
+      </p:cxnSp>
+      <p:cxnSp>
+        <p:nvCxnSpPr>
+          <p:cNvPr id="133" name="Straight Arrow Connector 132">
+            <a:extLst>
+              <a:ext uri="{FF2B5EF4-FFF2-40B4-BE49-F238E27FC236}">
+                <a16:creationId xmlns:a16="http://schemas.microsoft.com/office/drawing/2014/main" id="{8C4D2574-E81E-43FC-9903-CD290BB7102A}"/>
+              </a:ext>
+            </a:extLst>
+          </p:cNvPr>
+          <p:cNvCxnSpPr/>
+          <p:nvPr/>
+        </p:nvCxnSpPr>
+        <p:spPr>
+          <a:xfrm>
+            <a:off x="8203474" y="3084201"/>
+            <a:ext cx="383177" cy="0"/>
+          </a:xfrm>
+          <a:prstGeom prst="straightConnector1">
+            <a:avLst/>
+          </a:prstGeom>
+          <a:ln w="38100">
+            <a:tailEnd type="triangle"/>
+          </a:ln>
+        </p:spPr>
+        <p:style>
+          <a:lnRef idx="3">
+            <a:schemeClr val="accent6"/>
+          </a:lnRef>
+          <a:fillRef idx="0">
+            <a:schemeClr val="accent6"/>
+          </a:fillRef>
+          <a:effectRef idx="2">
+            <a:schemeClr val="accent6"/>
+          </a:effectRef>
+          <a:fontRef idx="minor">
+            <a:schemeClr val="tx1"/>
+          </a:fontRef>
+        </p:style>
+      </p:cxnSp>
+      <p:cxnSp>
+        <p:nvCxnSpPr>
+          <p:cNvPr id="136" name="Straight Arrow Connector 135">
+            <a:extLst>
+              <a:ext uri="{FF2B5EF4-FFF2-40B4-BE49-F238E27FC236}">
+                <a16:creationId xmlns:a16="http://schemas.microsoft.com/office/drawing/2014/main" id="{AC5A1FFB-2389-4BDC-8B3A-2286A93087FE}"/>
+              </a:ext>
+            </a:extLst>
+          </p:cNvPr>
+          <p:cNvCxnSpPr/>
+          <p:nvPr/>
+        </p:nvCxnSpPr>
+        <p:spPr>
+          <a:xfrm>
+            <a:off x="8189966" y="4294248"/>
+            <a:ext cx="383177" cy="0"/>
           </a:xfrm>
           <a:prstGeom prst="straightConnector1">
             <a:avLst/>
@@ -8677,56 +8708,4356 @@
           <a:chExt cx="0" cy="0"/>
         </a:xfrm>
       </p:grpSpPr>
-      <p:sp>
-        <p:nvSpPr>
-          <p:cNvPr id="2" name="Title 1">
-            <a:extLst>
-              <a:ext uri="{FF2B5EF4-FFF2-40B4-BE49-F238E27FC236}">
-                <a16:creationId xmlns:a16="http://schemas.microsoft.com/office/drawing/2014/main" id="{0E7A6F06-5D65-420F-83CA-00887A4616AA}"/>
-              </a:ext>
-            </a:extLst>
-          </p:cNvPr>
-          <p:cNvSpPr>
-            <a:spLocks noGrp="1"/>
-          </p:cNvSpPr>
-          <p:nvPr>
-            <p:ph type="title"/>
-          </p:nvPr>
-        </p:nvSpPr>
-        <p:spPr/>
-        <p:txBody>
-          <a:bodyPr/>
-          <a:lstStyle/>
-          <a:p>
-            <a:endParaRPr lang="en-US"/>
-          </a:p>
-        </p:txBody>
-      </p:sp>
-      <p:sp>
-        <p:nvSpPr>
-          <p:cNvPr id="3" name="Content Placeholder 2">
-            <a:extLst>
-              <a:ext uri="{FF2B5EF4-FFF2-40B4-BE49-F238E27FC236}">
-                <a16:creationId xmlns:a16="http://schemas.microsoft.com/office/drawing/2014/main" id="{F6758175-0543-4218-B47A-670E69CD406D}"/>
-              </a:ext>
-            </a:extLst>
-          </p:cNvPr>
-          <p:cNvSpPr>
-            <a:spLocks noGrp="1"/>
-          </p:cNvSpPr>
-          <p:nvPr>
-            <p:ph idx="1"/>
-          </p:nvPr>
-        </p:nvSpPr>
-        <p:spPr/>
-        <p:txBody>
-          <a:bodyPr/>
-          <a:lstStyle/>
-          <a:p>
-            <a:endParaRPr lang="en-US"/>
-          </a:p>
-        </p:txBody>
-      </p:sp>
+      <p:pic>
+        <p:nvPicPr>
+          <p:cNvPr id="4" name="Picture 3">
+            <a:extLst>
+              <a:ext uri="{FF2B5EF4-FFF2-40B4-BE49-F238E27FC236}">
+                <a16:creationId xmlns:a16="http://schemas.microsoft.com/office/drawing/2014/main" id="{516B4820-15F1-4BF5-9C83-A701E5E8B7A3}"/>
+              </a:ext>
+            </a:extLst>
+          </p:cNvPr>
+          <p:cNvPicPr>
+            <a:picLocks noChangeAspect="1"/>
+          </p:cNvPicPr>
+          <p:nvPr/>
+        </p:nvPicPr>
+        <p:blipFill>
+          <a:blip r:embed="rId2"/>
+          <a:stretch>
+            <a:fillRect/>
+          </a:stretch>
+        </p:blipFill>
+        <p:spPr>
+          <a:xfrm>
+            <a:off x="3282995" y="248117"/>
+            <a:ext cx="6120647" cy="6120647"/>
+          </a:xfrm>
+          <a:prstGeom prst="rect">
+            <a:avLst/>
+          </a:prstGeom>
+        </p:spPr>
+      </p:pic>
+      <p:cxnSp>
+        <p:nvCxnSpPr>
+          <p:cNvPr id="105" name="Straight Arrow Connector 104">
+            <a:extLst>
+              <a:ext uri="{FF2B5EF4-FFF2-40B4-BE49-F238E27FC236}">
+                <a16:creationId xmlns:a16="http://schemas.microsoft.com/office/drawing/2014/main" id="{949C8B68-D3CA-4D6B-9F35-16466DCABFFB}"/>
+              </a:ext>
+            </a:extLst>
+          </p:cNvPr>
+          <p:cNvCxnSpPr/>
+          <p:nvPr/>
+        </p:nvCxnSpPr>
+        <p:spPr>
+          <a:xfrm>
+            <a:off x="4032071" y="3701143"/>
+            <a:ext cx="383177" cy="0"/>
+          </a:xfrm>
+          <a:prstGeom prst="straightConnector1">
+            <a:avLst/>
+          </a:prstGeom>
+          <a:ln w="38100">
+            <a:solidFill>
+              <a:srgbClr val="FF0000"/>
+            </a:solidFill>
+            <a:tailEnd type="triangle"/>
+          </a:ln>
+        </p:spPr>
+        <p:style>
+          <a:lnRef idx="3">
+            <a:schemeClr val="accent6"/>
+          </a:lnRef>
+          <a:fillRef idx="0">
+            <a:schemeClr val="accent6"/>
+          </a:fillRef>
+          <a:effectRef idx="2">
+            <a:schemeClr val="accent6"/>
+          </a:effectRef>
+          <a:fontRef idx="minor">
+            <a:schemeClr val="tx1"/>
+          </a:fontRef>
+        </p:style>
+      </p:cxnSp>
+      <p:cxnSp>
+        <p:nvCxnSpPr>
+          <p:cNvPr id="106" name="Straight Arrow Connector 105">
+            <a:extLst>
+              <a:ext uri="{FF2B5EF4-FFF2-40B4-BE49-F238E27FC236}">
+                <a16:creationId xmlns:a16="http://schemas.microsoft.com/office/drawing/2014/main" id="{0B4FFF8E-A5BC-4AE9-8C8E-EE16F26E0CBD}"/>
+              </a:ext>
+            </a:extLst>
+          </p:cNvPr>
+          <p:cNvCxnSpPr/>
+          <p:nvPr/>
+        </p:nvCxnSpPr>
+        <p:spPr>
+          <a:xfrm>
+            <a:off x="4632959" y="3692434"/>
+            <a:ext cx="383177" cy="0"/>
+          </a:xfrm>
+          <a:prstGeom prst="straightConnector1">
+            <a:avLst/>
+          </a:prstGeom>
+          <a:ln w="38100">
+            <a:solidFill>
+              <a:srgbClr val="FF0000"/>
+            </a:solidFill>
+            <a:tailEnd type="triangle"/>
+          </a:ln>
+        </p:spPr>
+        <p:style>
+          <a:lnRef idx="3">
+            <a:schemeClr val="accent6"/>
+          </a:lnRef>
+          <a:fillRef idx="0">
+            <a:schemeClr val="accent6"/>
+          </a:fillRef>
+          <a:effectRef idx="2">
+            <a:schemeClr val="accent6"/>
+          </a:effectRef>
+          <a:fontRef idx="minor">
+            <a:schemeClr val="tx1"/>
+          </a:fontRef>
+        </p:style>
+      </p:cxnSp>
+      <p:cxnSp>
+        <p:nvCxnSpPr>
+          <p:cNvPr id="107" name="Straight Arrow Connector 106">
+            <a:extLst>
+              <a:ext uri="{FF2B5EF4-FFF2-40B4-BE49-F238E27FC236}">
+                <a16:creationId xmlns:a16="http://schemas.microsoft.com/office/drawing/2014/main" id="{CD26B644-927E-4C4E-8EBF-007B025F2641}"/>
+              </a:ext>
+            </a:extLst>
+          </p:cNvPr>
+          <p:cNvCxnSpPr/>
+          <p:nvPr/>
+        </p:nvCxnSpPr>
+        <p:spPr>
+          <a:xfrm>
+            <a:off x="5233857" y="3692434"/>
+            <a:ext cx="383177" cy="0"/>
+          </a:xfrm>
+          <a:prstGeom prst="straightConnector1">
+            <a:avLst/>
+          </a:prstGeom>
+          <a:ln w="38100">
+            <a:solidFill>
+              <a:srgbClr val="FF0000"/>
+            </a:solidFill>
+            <a:tailEnd type="triangle"/>
+          </a:ln>
+        </p:spPr>
+        <p:style>
+          <a:lnRef idx="3">
+            <a:schemeClr val="accent6"/>
+          </a:lnRef>
+          <a:fillRef idx="0">
+            <a:schemeClr val="accent6"/>
+          </a:fillRef>
+          <a:effectRef idx="2">
+            <a:schemeClr val="accent6"/>
+          </a:effectRef>
+          <a:fontRef idx="minor">
+            <a:schemeClr val="tx1"/>
+          </a:fontRef>
+        </p:style>
+      </p:cxnSp>
+      <p:cxnSp>
+        <p:nvCxnSpPr>
+          <p:cNvPr id="108" name="Straight Arrow Connector 107">
+            <a:extLst>
+              <a:ext uri="{FF2B5EF4-FFF2-40B4-BE49-F238E27FC236}">
+                <a16:creationId xmlns:a16="http://schemas.microsoft.com/office/drawing/2014/main" id="{4C3A4D9A-AE30-46E2-BEB5-E6BC8A9D4C4E}"/>
+              </a:ext>
+            </a:extLst>
+          </p:cNvPr>
+          <p:cNvCxnSpPr/>
+          <p:nvPr/>
+        </p:nvCxnSpPr>
+        <p:spPr>
+          <a:xfrm>
+            <a:off x="5843462" y="3692434"/>
+            <a:ext cx="383177" cy="0"/>
+          </a:xfrm>
+          <a:prstGeom prst="straightConnector1">
+            <a:avLst/>
+          </a:prstGeom>
+          <a:ln w="38100">
+            <a:solidFill>
+              <a:srgbClr val="FF0000"/>
+            </a:solidFill>
+            <a:tailEnd type="triangle"/>
+          </a:ln>
+        </p:spPr>
+        <p:style>
+          <a:lnRef idx="3">
+            <a:schemeClr val="accent6"/>
+          </a:lnRef>
+          <a:fillRef idx="0">
+            <a:schemeClr val="accent6"/>
+          </a:fillRef>
+          <a:effectRef idx="2">
+            <a:schemeClr val="accent6"/>
+          </a:effectRef>
+          <a:fontRef idx="minor">
+            <a:schemeClr val="tx1"/>
+          </a:fontRef>
+        </p:style>
+      </p:cxnSp>
+      <p:cxnSp>
+        <p:nvCxnSpPr>
+          <p:cNvPr id="109" name="Straight Arrow Connector 108">
+            <a:extLst>
+              <a:ext uri="{FF2B5EF4-FFF2-40B4-BE49-F238E27FC236}">
+                <a16:creationId xmlns:a16="http://schemas.microsoft.com/office/drawing/2014/main" id="{5C486683-7C2C-4DA3-AB47-74C9B7EE678F}"/>
+              </a:ext>
+            </a:extLst>
+          </p:cNvPr>
+          <p:cNvCxnSpPr/>
+          <p:nvPr/>
+        </p:nvCxnSpPr>
+        <p:spPr>
+          <a:xfrm>
+            <a:off x="6453063" y="3692434"/>
+            <a:ext cx="383177" cy="0"/>
+          </a:xfrm>
+          <a:prstGeom prst="straightConnector1">
+            <a:avLst/>
+          </a:prstGeom>
+          <a:ln w="38100">
+            <a:solidFill>
+              <a:srgbClr val="FF0000"/>
+            </a:solidFill>
+            <a:tailEnd type="triangle"/>
+          </a:ln>
+        </p:spPr>
+        <p:style>
+          <a:lnRef idx="3">
+            <a:schemeClr val="accent6"/>
+          </a:lnRef>
+          <a:fillRef idx="0">
+            <a:schemeClr val="accent6"/>
+          </a:fillRef>
+          <a:effectRef idx="2">
+            <a:schemeClr val="accent6"/>
+          </a:effectRef>
+          <a:fontRef idx="minor">
+            <a:schemeClr val="tx1"/>
+          </a:fontRef>
+        </p:style>
+      </p:cxnSp>
+      <p:cxnSp>
+        <p:nvCxnSpPr>
+          <p:cNvPr id="110" name="Straight Arrow Connector 109">
+            <a:extLst>
+              <a:ext uri="{FF2B5EF4-FFF2-40B4-BE49-F238E27FC236}">
+                <a16:creationId xmlns:a16="http://schemas.microsoft.com/office/drawing/2014/main" id="{F2DD2E79-4C46-4F1A-B3E7-76A15B32BEB3}"/>
+              </a:ext>
+            </a:extLst>
+          </p:cNvPr>
+          <p:cNvCxnSpPr/>
+          <p:nvPr/>
+        </p:nvCxnSpPr>
+        <p:spPr>
+          <a:xfrm>
+            <a:off x="7045244" y="3692434"/>
+            <a:ext cx="383177" cy="0"/>
+          </a:xfrm>
+          <a:prstGeom prst="straightConnector1">
+            <a:avLst/>
+          </a:prstGeom>
+          <a:ln w="38100">
+            <a:solidFill>
+              <a:srgbClr val="FF0000"/>
+            </a:solidFill>
+            <a:tailEnd type="triangle"/>
+          </a:ln>
+        </p:spPr>
+        <p:style>
+          <a:lnRef idx="3">
+            <a:schemeClr val="accent6"/>
+          </a:lnRef>
+          <a:fillRef idx="0">
+            <a:schemeClr val="accent6"/>
+          </a:fillRef>
+          <a:effectRef idx="2">
+            <a:schemeClr val="accent6"/>
+          </a:effectRef>
+          <a:fontRef idx="minor">
+            <a:schemeClr val="tx1"/>
+          </a:fontRef>
+        </p:style>
+      </p:cxnSp>
+      <p:cxnSp>
+        <p:nvCxnSpPr>
+          <p:cNvPr id="113" name="Straight Arrow Connector 112">
+            <a:extLst>
+              <a:ext uri="{FF2B5EF4-FFF2-40B4-BE49-F238E27FC236}">
+                <a16:creationId xmlns:a16="http://schemas.microsoft.com/office/drawing/2014/main" id="{1E7664E2-3020-4238-A97F-ABE7F67BB5AC}"/>
+              </a:ext>
+            </a:extLst>
+          </p:cNvPr>
+          <p:cNvCxnSpPr/>
+          <p:nvPr/>
+        </p:nvCxnSpPr>
+        <p:spPr>
+          <a:xfrm>
+            <a:off x="4023362" y="3100243"/>
+            <a:ext cx="383177" cy="0"/>
+          </a:xfrm>
+          <a:prstGeom prst="straightConnector1">
+            <a:avLst/>
+          </a:prstGeom>
+          <a:ln w="38100">
+            <a:solidFill>
+              <a:srgbClr val="FF0000"/>
+            </a:solidFill>
+            <a:tailEnd type="triangle"/>
+          </a:ln>
+        </p:spPr>
+        <p:style>
+          <a:lnRef idx="3">
+            <a:schemeClr val="accent6"/>
+          </a:lnRef>
+          <a:fillRef idx="0">
+            <a:schemeClr val="accent6"/>
+          </a:fillRef>
+          <a:effectRef idx="2">
+            <a:schemeClr val="accent6"/>
+          </a:effectRef>
+          <a:fontRef idx="minor">
+            <a:schemeClr val="tx1"/>
+          </a:fontRef>
+        </p:style>
+      </p:cxnSp>
+      <p:cxnSp>
+        <p:nvCxnSpPr>
+          <p:cNvPr id="114" name="Straight Arrow Connector 113">
+            <a:extLst>
+              <a:ext uri="{FF2B5EF4-FFF2-40B4-BE49-F238E27FC236}">
+                <a16:creationId xmlns:a16="http://schemas.microsoft.com/office/drawing/2014/main" id="{4F5B9CBC-BF27-4C6B-9A0A-9478596D2436}"/>
+              </a:ext>
+            </a:extLst>
+          </p:cNvPr>
+          <p:cNvCxnSpPr/>
+          <p:nvPr/>
+        </p:nvCxnSpPr>
+        <p:spPr>
+          <a:xfrm>
+            <a:off x="4023362" y="2426592"/>
+            <a:ext cx="383177" cy="0"/>
+          </a:xfrm>
+          <a:prstGeom prst="straightConnector1">
+            <a:avLst/>
+          </a:prstGeom>
+          <a:ln w="38100">
+            <a:solidFill>
+              <a:srgbClr val="FF0000"/>
+            </a:solidFill>
+            <a:tailEnd type="triangle"/>
+          </a:ln>
+        </p:spPr>
+        <p:style>
+          <a:lnRef idx="3">
+            <a:schemeClr val="accent6"/>
+          </a:lnRef>
+          <a:fillRef idx="0">
+            <a:schemeClr val="accent6"/>
+          </a:fillRef>
+          <a:effectRef idx="2">
+            <a:schemeClr val="accent6"/>
+          </a:effectRef>
+          <a:fontRef idx="minor">
+            <a:schemeClr val="tx1"/>
+          </a:fontRef>
+        </p:style>
+      </p:cxnSp>
+      <p:cxnSp>
+        <p:nvCxnSpPr>
+          <p:cNvPr id="115" name="Straight Arrow Connector 114">
+            <a:extLst>
+              <a:ext uri="{FF2B5EF4-FFF2-40B4-BE49-F238E27FC236}">
+                <a16:creationId xmlns:a16="http://schemas.microsoft.com/office/drawing/2014/main" id="{64431B4F-C555-40CF-B370-DD9FD49A51F9}"/>
+              </a:ext>
+            </a:extLst>
+          </p:cNvPr>
+          <p:cNvCxnSpPr/>
+          <p:nvPr/>
+        </p:nvCxnSpPr>
+        <p:spPr>
+          <a:xfrm>
+            <a:off x="4023362" y="1817335"/>
+            <a:ext cx="383177" cy="0"/>
+          </a:xfrm>
+          <a:prstGeom prst="straightConnector1">
+            <a:avLst/>
+          </a:prstGeom>
+          <a:ln w="38100">
+            <a:solidFill>
+              <a:srgbClr val="FF0000"/>
+            </a:solidFill>
+            <a:tailEnd type="triangle"/>
+          </a:ln>
+        </p:spPr>
+        <p:style>
+          <a:lnRef idx="3">
+            <a:schemeClr val="accent6"/>
+          </a:lnRef>
+          <a:fillRef idx="0">
+            <a:schemeClr val="accent6"/>
+          </a:fillRef>
+          <a:effectRef idx="2">
+            <a:schemeClr val="accent6"/>
+          </a:effectRef>
+          <a:fontRef idx="minor">
+            <a:schemeClr val="tx1"/>
+          </a:fontRef>
+        </p:style>
+      </p:cxnSp>
+      <p:cxnSp>
+        <p:nvCxnSpPr>
+          <p:cNvPr id="116" name="Straight Arrow Connector 115">
+            <a:extLst>
+              <a:ext uri="{FF2B5EF4-FFF2-40B4-BE49-F238E27FC236}">
+                <a16:creationId xmlns:a16="http://schemas.microsoft.com/office/drawing/2014/main" id="{E029B601-F058-4DA8-8427-9586BBBE1D58}"/>
+              </a:ext>
+            </a:extLst>
+          </p:cNvPr>
+          <p:cNvCxnSpPr/>
+          <p:nvPr/>
+        </p:nvCxnSpPr>
+        <p:spPr>
+          <a:xfrm>
+            <a:off x="4023362" y="1207376"/>
+            <a:ext cx="383177" cy="0"/>
+          </a:xfrm>
+          <a:prstGeom prst="straightConnector1">
+            <a:avLst/>
+          </a:prstGeom>
+          <a:ln w="38100">
+            <a:solidFill>
+              <a:srgbClr val="FF0000"/>
+            </a:solidFill>
+            <a:tailEnd type="triangle"/>
+          </a:ln>
+        </p:spPr>
+        <p:style>
+          <a:lnRef idx="3">
+            <a:schemeClr val="accent6"/>
+          </a:lnRef>
+          <a:fillRef idx="0">
+            <a:schemeClr val="accent6"/>
+          </a:fillRef>
+          <a:effectRef idx="2">
+            <a:schemeClr val="accent6"/>
+          </a:effectRef>
+          <a:fontRef idx="minor">
+            <a:schemeClr val="tx1"/>
+          </a:fontRef>
+        </p:style>
+      </p:cxnSp>
+      <p:cxnSp>
+        <p:nvCxnSpPr>
+          <p:cNvPr id="117" name="Straight Arrow Connector 116">
+            <a:extLst>
+              <a:ext uri="{FF2B5EF4-FFF2-40B4-BE49-F238E27FC236}">
+                <a16:creationId xmlns:a16="http://schemas.microsoft.com/office/drawing/2014/main" id="{EA9DF7D5-D08B-4329-AC06-A598AFEFCA09}"/>
+              </a:ext>
+            </a:extLst>
+          </p:cNvPr>
+          <p:cNvCxnSpPr/>
+          <p:nvPr/>
+        </p:nvCxnSpPr>
+        <p:spPr>
+          <a:xfrm>
+            <a:off x="3422471" y="3091543"/>
+            <a:ext cx="383177" cy="0"/>
+          </a:xfrm>
+          <a:prstGeom prst="straightConnector1">
+            <a:avLst/>
+          </a:prstGeom>
+          <a:ln w="38100">
+            <a:solidFill>
+              <a:srgbClr val="FF0000"/>
+            </a:solidFill>
+            <a:tailEnd type="triangle"/>
+          </a:ln>
+        </p:spPr>
+        <p:style>
+          <a:lnRef idx="3">
+            <a:schemeClr val="accent6"/>
+          </a:lnRef>
+          <a:fillRef idx="0">
+            <a:schemeClr val="accent6"/>
+          </a:fillRef>
+          <a:effectRef idx="2">
+            <a:schemeClr val="accent6"/>
+          </a:effectRef>
+          <a:fontRef idx="minor">
+            <a:schemeClr val="tx1"/>
+          </a:fontRef>
+        </p:style>
+      </p:cxnSp>
+      <p:cxnSp>
+        <p:nvCxnSpPr>
+          <p:cNvPr id="118" name="Straight Arrow Connector 117">
+            <a:extLst>
+              <a:ext uri="{FF2B5EF4-FFF2-40B4-BE49-F238E27FC236}">
+                <a16:creationId xmlns:a16="http://schemas.microsoft.com/office/drawing/2014/main" id="{D040D8D4-9A1C-4DBC-A19E-8D81312657D0}"/>
+              </a:ext>
+            </a:extLst>
+          </p:cNvPr>
+          <p:cNvCxnSpPr/>
+          <p:nvPr/>
+        </p:nvCxnSpPr>
+        <p:spPr>
+          <a:xfrm>
+            <a:off x="4023362" y="615197"/>
+            <a:ext cx="383177" cy="0"/>
+          </a:xfrm>
+          <a:prstGeom prst="straightConnector1">
+            <a:avLst/>
+          </a:prstGeom>
+          <a:ln w="38100">
+            <a:solidFill>
+              <a:srgbClr val="FF0000"/>
+            </a:solidFill>
+            <a:tailEnd type="triangle"/>
+          </a:ln>
+        </p:spPr>
+        <p:style>
+          <a:lnRef idx="3">
+            <a:schemeClr val="accent6"/>
+          </a:lnRef>
+          <a:fillRef idx="0">
+            <a:schemeClr val="accent6"/>
+          </a:fillRef>
+          <a:effectRef idx="2">
+            <a:schemeClr val="accent6"/>
+          </a:effectRef>
+          <a:fontRef idx="minor">
+            <a:schemeClr val="tx1"/>
+          </a:fontRef>
+        </p:style>
+      </p:cxnSp>
+      <p:cxnSp>
+        <p:nvCxnSpPr>
+          <p:cNvPr id="119" name="Straight Arrow Connector 118">
+            <a:extLst>
+              <a:ext uri="{FF2B5EF4-FFF2-40B4-BE49-F238E27FC236}">
+                <a16:creationId xmlns:a16="http://schemas.microsoft.com/office/drawing/2014/main" id="{64AF48AD-C0CA-47F1-8758-D08E16465E74}"/>
+              </a:ext>
+            </a:extLst>
+          </p:cNvPr>
+          <p:cNvCxnSpPr/>
+          <p:nvPr/>
+        </p:nvCxnSpPr>
+        <p:spPr>
+          <a:xfrm>
+            <a:off x="4023362" y="4302037"/>
+            <a:ext cx="383177" cy="0"/>
+          </a:xfrm>
+          <a:prstGeom prst="straightConnector1">
+            <a:avLst/>
+          </a:prstGeom>
+          <a:ln w="38100">
+            <a:solidFill>
+              <a:srgbClr val="FF0000"/>
+            </a:solidFill>
+            <a:tailEnd type="triangle"/>
+          </a:ln>
+        </p:spPr>
+        <p:style>
+          <a:lnRef idx="3">
+            <a:schemeClr val="accent6"/>
+          </a:lnRef>
+          <a:fillRef idx="0">
+            <a:schemeClr val="accent6"/>
+          </a:fillRef>
+          <a:effectRef idx="2">
+            <a:schemeClr val="accent6"/>
+          </a:effectRef>
+          <a:fontRef idx="minor">
+            <a:schemeClr val="tx1"/>
+          </a:fontRef>
+        </p:style>
+      </p:cxnSp>
+      <p:cxnSp>
+        <p:nvCxnSpPr>
+          <p:cNvPr id="120" name="Straight Arrow Connector 119">
+            <a:extLst>
+              <a:ext uri="{FF2B5EF4-FFF2-40B4-BE49-F238E27FC236}">
+                <a16:creationId xmlns:a16="http://schemas.microsoft.com/office/drawing/2014/main" id="{93211886-7BDA-4891-AB94-DC8EAA95A753}"/>
+              </a:ext>
+            </a:extLst>
+          </p:cNvPr>
+          <p:cNvCxnSpPr/>
+          <p:nvPr/>
+        </p:nvCxnSpPr>
+        <p:spPr>
+          <a:xfrm>
+            <a:off x="4023362" y="4894213"/>
+            <a:ext cx="383177" cy="0"/>
+          </a:xfrm>
+          <a:prstGeom prst="straightConnector1">
+            <a:avLst/>
+          </a:prstGeom>
+          <a:ln w="38100">
+            <a:solidFill>
+              <a:srgbClr val="FF0000"/>
+            </a:solidFill>
+            <a:tailEnd type="triangle"/>
+          </a:ln>
+        </p:spPr>
+        <p:style>
+          <a:lnRef idx="3">
+            <a:schemeClr val="accent6"/>
+          </a:lnRef>
+          <a:fillRef idx="0">
+            <a:schemeClr val="accent6"/>
+          </a:fillRef>
+          <a:effectRef idx="2">
+            <a:schemeClr val="accent6"/>
+          </a:effectRef>
+          <a:fontRef idx="minor">
+            <a:schemeClr val="tx1"/>
+          </a:fontRef>
+        </p:style>
+      </p:cxnSp>
+      <p:cxnSp>
+        <p:nvCxnSpPr>
+          <p:cNvPr id="121" name="Straight Arrow Connector 120">
+            <a:extLst>
+              <a:ext uri="{FF2B5EF4-FFF2-40B4-BE49-F238E27FC236}">
+                <a16:creationId xmlns:a16="http://schemas.microsoft.com/office/drawing/2014/main" id="{ABC1C438-4070-4B3D-AC7C-D204626AADE1}"/>
+              </a:ext>
+            </a:extLst>
+          </p:cNvPr>
+          <p:cNvCxnSpPr/>
+          <p:nvPr/>
+        </p:nvCxnSpPr>
+        <p:spPr>
+          <a:xfrm>
+            <a:off x="4023362" y="5503825"/>
+            <a:ext cx="383177" cy="0"/>
+          </a:xfrm>
+          <a:prstGeom prst="straightConnector1">
+            <a:avLst/>
+          </a:prstGeom>
+          <a:ln w="38100">
+            <a:solidFill>
+              <a:srgbClr val="FF0000"/>
+            </a:solidFill>
+            <a:tailEnd type="triangle"/>
+          </a:ln>
+        </p:spPr>
+        <p:style>
+          <a:lnRef idx="3">
+            <a:schemeClr val="accent6"/>
+          </a:lnRef>
+          <a:fillRef idx="0">
+            <a:schemeClr val="accent6"/>
+          </a:fillRef>
+          <a:effectRef idx="2">
+            <a:schemeClr val="accent6"/>
+          </a:effectRef>
+          <a:fontRef idx="minor">
+            <a:schemeClr val="tx1"/>
+          </a:fontRef>
+        </p:style>
+      </p:cxnSp>
+      <p:cxnSp>
+        <p:nvCxnSpPr>
+          <p:cNvPr id="122" name="Straight Arrow Connector 121">
+            <a:extLst>
+              <a:ext uri="{FF2B5EF4-FFF2-40B4-BE49-F238E27FC236}">
+                <a16:creationId xmlns:a16="http://schemas.microsoft.com/office/drawing/2014/main" id="{310D6504-571A-4A9B-919C-4E9031F12928}"/>
+              </a:ext>
+            </a:extLst>
+          </p:cNvPr>
+          <p:cNvCxnSpPr/>
+          <p:nvPr/>
+        </p:nvCxnSpPr>
+        <p:spPr>
+          <a:xfrm>
+            <a:off x="4023362" y="6077210"/>
+            <a:ext cx="383177" cy="0"/>
+          </a:xfrm>
+          <a:prstGeom prst="straightConnector1">
+            <a:avLst/>
+          </a:prstGeom>
+          <a:ln w="38100">
+            <a:solidFill>
+              <a:srgbClr val="FF0000"/>
+            </a:solidFill>
+            <a:tailEnd type="triangle"/>
+          </a:ln>
+        </p:spPr>
+        <p:style>
+          <a:lnRef idx="3">
+            <a:schemeClr val="accent6"/>
+          </a:lnRef>
+          <a:fillRef idx="0">
+            <a:schemeClr val="accent6"/>
+          </a:fillRef>
+          <a:effectRef idx="2">
+            <a:schemeClr val="accent6"/>
+          </a:effectRef>
+          <a:fontRef idx="minor">
+            <a:schemeClr val="tx1"/>
+          </a:fontRef>
+        </p:style>
+      </p:cxnSp>
+      <p:cxnSp>
+        <p:nvCxnSpPr>
+          <p:cNvPr id="123" name="Straight Arrow Connector 122">
+            <a:extLst>
+              <a:ext uri="{FF2B5EF4-FFF2-40B4-BE49-F238E27FC236}">
+                <a16:creationId xmlns:a16="http://schemas.microsoft.com/office/drawing/2014/main" id="{5FD23F36-5BA3-446B-9B14-595C27008664}"/>
+              </a:ext>
+            </a:extLst>
+          </p:cNvPr>
+          <p:cNvCxnSpPr/>
+          <p:nvPr/>
+        </p:nvCxnSpPr>
+        <p:spPr>
+          <a:xfrm>
+            <a:off x="3439886" y="2426582"/>
+            <a:ext cx="383177" cy="0"/>
+          </a:xfrm>
+          <a:prstGeom prst="straightConnector1">
+            <a:avLst/>
+          </a:prstGeom>
+          <a:ln w="38100">
+            <a:solidFill>
+              <a:srgbClr val="FF0000"/>
+            </a:solidFill>
+            <a:tailEnd type="triangle"/>
+          </a:ln>
+        </p:spPr>
+        <p:style>
+          <a:lnRef idx="3">
+            <a:schemeClr val="accent6"/>
+          </a:lnRef>
+          <a:fillRef idx="0">
+            <a:schemeClr val="accent6"/>
+          </a:fillRef>
+          <a:effectRef idx="2">
+            <a:schemeClr val="accent6"/>
+          </a:effectRef>
+          <a:fontRef idx="minor">
+            <a:schemeClr val="tx1"/>
+          </a:fontRef>
+        </p:style>
+      </p:cxnSp>
+      <p:cxnSp>
+        <p:nvCxnSpPr>
+          <p:cNvPr id="124" name="Straight Arrow Connector 123">
+            <a:extLst>
+              <a:ext uri="{FF2B5EF4-FFF2-40B4-BE49-F238E27FC236}">
+                <a16:creationId xmlns:a16="http://schemas.microsoft.com/office/drawing/2014/main" id="{DEE402D7-F313-40A4-B28F-4BC79D979AF2}"/>
+              </a:ext>
+            </a:extLst>
+          </p:cNvPr>
+          <p:cNvCxnSpPr/>
+          <p:nvPr/>
+        </p:nvCxnSpPr>
+        <p:spPr>
+          <a:xfrm>
+            <a:off x="3452947" y="1821680"/>
+            <a:ext cx="383177" cy="0"/>
+          </a:xfrm>
+          <a:prstGeom prst="straightConnector1">
+            <a:avLst/>
+          </a:prstGeom>
+          <a:ln w="38100">
+            <a:solidFill>
+              <a:srgbClr val="FF0000"/>
+            </a:solidFill>
+            <a:tailEnd type="triangle"/>
+          </a:ln>
+        </p:spPr>
+        <p:style>
+          <a:lnRef idx="3">
+            <a:schemeClr val="accent6"/>
+          </a:lnRef>
+          <a:fillRef idx="0">
+            <a:schemeClr val="accent6"/>
+          </a:fillRef>
+          <a:effectRef idx="2">
+            <a:schemeClr val="accent6"/>
+          </a:effectRef>
+          <a:fontRef idx="minor">
+            <a:schemeClr val="tx1"/>
+          </a:fontRef>
+        </p:style>
+      </p:cxnSp>
+      <p:cxnSp>
+        <p:nvCxnSpPr>
+          <p:cNvPr id="125" name="Straight Arrow Connector 124">
+            <a:extLst>
+              <a:ext uri="{FF2B5EF4-FFF2-40B4-BE49-F238E27FC236}">
+                <a16:creationId xmlns:a16="http://schemas.microsoft.com/office/drawing/2014/main" id="{D9A3914C-FCCD-4898-9CAA-4EF459FB6F15}"/>
+              </a:ext>
+            </a:extLst>
+          </p:cNvPr>
+          <p:cNvCxnSpPr/>
+          <p:nvPr/>
+        </p:nvCxnSpPr>
+        <p:spPr>
+          <a:xfrm>
+            <a:off x="3452946" y="1211734"/>
+            <a:ext cx="383177" cy="0"/>
+          </a:xfrm>
+          <a:prstGeom prst="straightConnector1">
+            <a:avLst/>
+          </a:prstGeom>
+          <a:ln w="38100">
+            <a:solidFill>
+              <a:srgbClr val="FF0000"/>
+            </a:solidFill>
+            <a:tailEnd type="triangle"/>
+          </a:ln>
+        </p:spPr>
+        <p:style>
+          <a:lnRef idx="3">
+            <a:schemeClr val="accent6"/>
+          </a:lnRef>
+          <a:fillRef idx="0">
+            <a:schemeClr val="accent6"/>
+          </a:fillRef>
+          <a:effectRef idx="2">
+            <a:schemeClr val="accent6"/>
+          </a:effectRef>
+          <a:fontRef idx="minor">
+            <a:schemeClr val="tx1"/>
+          </a:fontRef>
+        </p:style>
+      </p:cxnSp>
+      <p:cxnSp>
+        <p:nvCxnSpPr>
+          <p:cNvPr id="126" name="Straight Arrow Connector 125">
+            <a:extLst>
+              <a:ext uri="{FF2B5EF4-FFF2-40B4-BE49-F238E27FC236}">
+                <a16:creationId xmlns:a16="http://schemas.microsoft.com/office/drawing/2014/main" id="{BAF3C0EF-459E-442D-A170-D8253B2F10AB}"/>
+              </a:ext>
+            </a:extLst>
+          </p:cNvPr>
+          <p:cNvCxnSpPr/>
+          <p:nvPr/>
+        </p:nvCxnSpPr>
+        <p:spPr>
+          <a:xfrm>
+            <a:off x="3452946" y="610847"/>
+            <a:ext cx="383177" cy="0"/>
+          </a:xfrm>
+          <a:prstGeom prst="straightConnector1">
+            <a:avLst/>
+          </a:prstGeom>
+          <a:ln w="38100">
+            <a:solidFill>
+              <a:srgbClr val="FF0000"/>
+            </a:solidFill>
+            <a:tailEnd type="triangle"/>
+          </a:ln>
+        </p:spPr>
+        <p:style>
+          <a:lnRef idx="3">
+            <a:schemeClr val="accent6"/>
+          </a:lnRef>
+          <a:fillRef idx="0">
+            <a:schemeClr val="accent6"/>
+          </a:fillRef>
+          <a:effectRef idx="2">
+            <a:schemeClr val="accent6"/>
+          </a:effectRef>
+          <a:fontRef idx="minor">
+            <a:schemeClr val="tx1"/>
+          </a:fontRef>
+        </p:style>
+      </p:cxnSp>
+      <p:cxnSp>
+        <p:nvCxnSpPr>
+          <p:cNvPr id="127" name="Straight Arrow Connector 126">
+            <a:extLst>
+              <a:ext uri="{FF2B5EF4-FFF2-40B4-BE49-F238E27FC236}">
+                <a16:creationId xmlns:a16="http://schemas.microsoft.com/office/drawing/2014/main" id="{3A150EF8-44D5-4613-9EE2-FD3573FF08D5}"/>
+              </a:ext>
+            </a:extLst>
+          </p:cNvPr>
+          <p:cNvCxnSpPr/>
+          <p:nvPr/>
+        </p:nvCxnSpPr>
+        <p:spPr>
+          <a:xfrm>
+            <a:off x="3452946" y="4302037"/>
+            <a:ext cx="383177" cy="0"/>
+          </a:xfrm>
+          <a:prstGeom prst="straightConnector1">
+            <a:avLst/>
+          </a:prstGeom>
+          <a:ln w="38100">
+            <a:solidFill>
+              <a:srgbClr val="FF0000"/>
+            </a:solidFill>
+            <a:tailEnd type="triangle"/>
+          </a:ln>
+        </p:spPr>
+        <p:style>
+          <a:lnRef idx="3">
+            <a:schemeClr val="accent6"/>
+          </a:lnRef>
+          <a:fillRef idx="0">
+            <a:schemeClr val="accent6"/>
+          </a:fillRef>
+          <a:effectRef idx="2">
+            <a:schemeClr val="accent6"/>
+          </a:effectRef>
+          <a:fontRef idx="minor">
+            <a:schemeClr val="tx1"/>
+          </a:fontRef>
+        </p:style>
+      </p:cxnSp>
+      <p:cxnSp>
+        <p:nvCxnSpPr>
+          <p:cNvPr id="128" name="Straight Arrow Connector 127">
+            <a:extLst>
+              <a:ext uri="{FF2B5EF4-FFF2-40B4-BE49-F238E27FC236}">
+                <a16:creationId xmlns:a16="http://schemas.microsoft.com/office/drawing/2014/main" id="{BB804A20-0564-4005-A45F-5F73D14717A0}"/>
+              </a:ext>
+            </a:extLst>
+          </p:cNvPr>
+          <p:cNvCxnSpPr/>
+          <p:nvPr/>
+        </p:nvCxnSpPr>
+        <p:spPr>
+          <a:xfrm>
+            <a:off x="3452946" y="4894213"/>
+            <a:ext cx="383177" cy="0"/>
+          </a:xfrm>
+          <a:prstGeom prst="straightConnector1">
+            <a:avLst/>
+          </a:prstGeom>
+          <a:ln w="38100">
+            <a:solidFill>
+              <a:srgbClr val="FF0000"/>
+            </a:solidFill>
+            <a:tailEnd type="triangle"/>
+          </a:ln>
+        </p:spPr>
+        <p:style>
+          <a:lnRef idx="3">
+            <a:schemeClr val="accent6"/>
+          </a:lnRef>
+          <a:fillRef idx="0">
+            <a:schemeClr val="accent6"/>
+          </a:fillRef>
+          <a:effectRef idx="2">
+            <a:schemeClr val="accent6"/>
+          </a:effectRef>
+          <a:fontRef idx="minor">
+            <a:schemeClr val="tx1"/>
+          </a:fontRef>
+        </p:style>
+      </p:cxnSp>
+      <p:cxnSp>
+        <p:nvCxnSpPr>
+          <p:cNvPr id="129" name="Straight Arrow Connector 128">
+            <a:extLst>
+              <a:ext uri="{FF2B5EF4-FFF2-40B4-BE49-F238E27FC236}">
+                <a16:creationId xmlns:a16="http://schemas.microsoft.com/office/drawing/2014/main" id="{F1F2F78F-B64C-45B2-88A0-34144B956808}"/>
+              </a:ext>
+            </a:extLst>
+          </p:cNvPr>
+          <p:cNvCxnSpPr/>
+          <p:nvPr/>
+        </p:nvCxnSpPr>
+        <p:spPr>
+          <a:xfrm>
+            <a:off x="3452946" y="5503825"/>
+            <a:ext cx="383177" cy="0"/>
+          </a:xfrm>
+          <a:prstGeom prst="straightConnector1">
+            <a:avLst/>
+          </a:prstGeom>
+          <a:ln w="38100">
+            <a:solidFill>
+              <a:srgbClr val="FF0000"/>
+            </a:solidFill>
+            <a:tailEnd type="triangle"/>
+          </a:ln>
+        </p:spPr>
+        <p:style>
+          <a:lnRef idx="3">
+            <a:schemeClr val="accent6"/>
+          </a:lnRef>
+          <a:fillRef idx="0">
+            <a:schemeClr val="accent6"/>
+          </a:fillRef>
+          <a:effectRef idx="2">
+            <a:schemeClr val="accent6"/>
+          </a:effectRef>
+          <a:fontRef idx="minor">
+            <a:schemeClr val="tx1"/>
+          </a:fontRef>
+        </p:style>
+      </p:cxnSp>
+      <p:cxnSp>
+        <p:nvCxnSpPr>
+          <p:cNvPr id="130" name="Straight Arrow Connector 129">
+            <a:extLst>
+              <a:ext uri="{FF2B5EF4-FFF2-40B4-BE49-F238E27FC236}">
+                <a16:creationId xmlns:a16="http://schemas.microsoft.com/office/drawing/2014/main" id="{90EFAD69-D49D-4471-9985-C783132974D5}"/>
+              </a:ext>
+            </a:extLst>
+          </p:cNvPr>
+          <p:cNvCxnSpPr/>
+          <p:nvPr/>
+        </p:nvCxnSpPr>
+        <p:spPr>
+          <a:xfrm>
+            <a:off x="3422471" y="6072848"/>
+            <a:ext cx="383177" cy="0"/>
+          </a:xfrm>
+          <a:prstGeom prst="straightConnector1">
+            <a:avLst/>
+          </a:prstGeom>
+          <a:ln w="38100">
+            <a:solidFill>
+              <a:srgbClr val="FF0000"/>
+            </a:solidFill>
+            <a:tailEnd type="triangle"/>
+          </a:ln>
+        </p:spPr>
+        <p:style>
+          <a:lnRef idx="3">
+            <a:schemeClr val="accent6"/>
+          </a:lnRef>
+          <a:fillRef idx="0">
+            <a:schemeClr val="accent6"/>
+          </a:fillRef>
+          <a:effectRef idx="2">
+            <a:schemeClr val="accent6"/>
+          </a:effectRef>
+          <a:fontRef idx="minor">
+            <a:schemeClr val="tx1"/>
+          </a:fontRef>
+        </p:style>
+      </p:cxnSp>
+      <p:cxnSp>
+        <p:nvCxnSpPr>
+          <p:cNvPr id="131" name="Straight Arrow Connector 130">
+            <a:extLst>
+              <a:ext uri="{FF2B5EF4-FFF2-40B4-BE49-F238E27FC236}">
+                <a16:creationId xmlns:a16="http://schemas.microsoft.com/office/drawing/2014/main" id="{C1122B3B-52CD-48DD-A7A4-287B238F9ACE}"/>
+              </a:ext>
+            </a:extLst>
+          </p:cNvPr>
+          <p:cNvCxnSpPr/>
+          <p:nvPr/>
+        </p:nvCxnSpPr>
+        <p:spPr>
+          <a:xfrm>
+            <a:off x="4632959" y="3091543"/>
+            <a:ext cx="383177" cy="0"/>
+          </a:xfrm>
+          <a:prstGeom prst="straightConnector1">
+            <a:avLst/>
+          </a:prstGeom>
+          <a:ln w="38100">
+            <a:solidFill>
+              <a:srgbClr val="FF0000"/>
+            </a:solidFill>
+            <a:tailEnd type="triangle"/>
+          </a:ln>
+        </p:spPr>
+        <p:style>
+          <a:lnRef idx="3">
+            <a:schemeClr val="accent6"/>
+          </a:lnRef>
+          <a:fillRef idx="0">
+            <a:schemeClr val="accent6"/>
+          </a:fillRef>
+          <a:effectRef idx="2">
+            <a:schemeClr val="accent6"/>
+          </a:effectRef>
+          <a:fontRef idx="minor">
+            <a:schemeClr val="tx1"/>
+          </a:fontRef>
+        </p:style>
+      </p:cxnSp>
+      <p:cxnSp>
+        <p:nvCxnSpPr>
+          <p:cNvPr id="132" name="Straight Arrow Connector 131">
+            <a:extLst>
+              <a:ext uri="{FF2B5EF4-FFF2-40B4-BE49-F238E27FC236}">
+                <a16:creationId xmlns:a16="http://schemas.microsoft.com/office/drawing/2014/main" id="{1F917745-38B3-44EE-8C55-612E6A5507B9}"/>
+              </a:ext>
+            </a:extLst>
+          </p:cNvPr>
+          <p:cNvCxnSpPr/>
+          <p:nvPr/>
+        </p:nvCxnSpPr>
+        <p:spPr>
+          <a:xfrm>
+            <a:off x="4632959" y="2430928"/>
+            <a:ext cx="383177" cy="0"/>
+          </a:xfrm>
+          <a:prstGeom prst="straightConnector1">
+            <a:avLst/>
+          </a:prstGeom>
+          <a:ln w="38100">
+            <a:solidFill>
+              <a:srgbClr val="FF0000"/>
+            </a:solidFill>
+            <a:tailEnd type="triangle"/>
+          </a:ln>
+        </p:spPr>
+        <p:style>
+          <a:lnRef idx="3">
+            <a:schemeClr val="accent6"/>
+          </a:lnRef>
+          <a:fillRef idx="0">
+            <a:schemeClr val="accent6"/>
+          </a:fillRef>
+          <a:effectRef idx="2">
+            <a:schemeClr val="accent6"/>
+          </a:effectRef>
+          <a:fontRef idx="minor">
+            <a:schemeClr val="tx1"/>
+          </a:fontRef>
+        </p:style>
+      </p:cxnSp>
+      <p:cxnSp>
+        <p:nvCxnSpPr>
+          <p:cNvPr id="133" name="Straight Arrow Connector 132">
+            <a:extLst>
+              <a:ext uri="{FF2B5EF4-FFF2-40B4-BE49-F238E27FC236}">
+                <a16:creationId xmlns:a16="http://schemas.microsoft.com/office/drawing/2014/main" id="{40E4C466-E92B-4A56-B76E-F22F56CDD7E0}"/>
+              </a:ext>
+            </a:extLst>
+          </p:cNvPr>
+          <p:cNvCxnSpPr/>
+          <p:nvPr/>
+        </p:nvCxnSpPr>
+        <p:spPr>
+          <a:xfrm>
+            <a:off x="4632959" y="1817335"/>
+            <a:ext cx="383177" cy="0"/>
+          </a:xfrm>
+          <a:prstGeom prst="straightConnector1">
+            <a:avLst/>
+          </a:prstGeom>
+          <a:ln w="38100">
+            <a:solidFill>
+              <a:srgbClr val="FF0000"/>
+            </a:solidFill>
+            <a:tailEnd type="triangle"/>
+          </a:ln>
+        </p:spPr>
+        <p:style>
+          <a:lnRef idx="3">
+            <a:schemeClr val="accent6"/>
+          </a:lnRef>
+          <a:fillRef idx="0">
+            <a:schemeClr val="accent6"/>
+          </a:fillRef>
+          <a:effectRef idx="2">
+            <a:schemeClr val="accent6"/>
+          </a:effectRef>
+          <a:fontRef idx="minor">
+            <a:schemeClr val="tx1"/>
+          </a:fontRef>
+        </p:style>
+      </p:cxnSp>
+      <p:cxnSp>
+        <p:nvCxnSpPr>
+          <p:cNvPr id="134" name="Straight Arrow Connector 133">
+            <a:extLst>
+              <a:ext uri="{FF2B5EF4-FFF2-40B4-BE49-F238E27FC236}">
+                <a16:creationId xmlns:a16="http://schemas.microsoft.com/office/drawing/2014/main" id="{682D663F-BF7E-4760-A8E5-4748C8D7E077}"/>
+              </a:ext>
+            </a:extLst>
+          </p:cNvPr>
+          <p:cNvCxnSpPr/>
+          <p:nvPr/>
+        </p:nvCxnSpPr>
+        <p:spPr>
+          <a:xfrm>
+            <a:off x="4632959" y="1229139"/>
+            <a:ext cx="383177" cy="0"/>
+          </a:xfrm>
+          <a:prstGeom prst="straightConnector1">
+            <a:avLst/>
+          </a:prstGeom>
+          <a:ln w="38100">
+            <a:solidFill>
+              <a:srgbClr val="FF0000"/>
+            </a:solidFill>
+            <a:tailEnd type="triangle"/>
+          </a:ln>
+        </p:spPr>
+        <p:style>
+          <a:lnRef idx="3">
+            <a:schemeClr val="accent6"/>
+          </a:lnRef>
+          <a:fillRef idx="0">
+            <a:schemeClr val="accent6"/>
+          </a:fillRef>
+          <a:effectRef idx="2">
+            <a:schemeClr val="accent6"/>
+          </a:effectRef>
+          <a:fontRef idx="minor">
+            <a:schemeClr val="tx1"/>
+          </a:fontRef>
+        </p:style>
+      </p:cxnSp>
+      <p:cxnSp>
+        <p:nvCxnSpPr>
+          <p:cNvPr id="135" name="Straight Arrow Connector 134">
+            <a:extLst>
+              <a:ext uri="{FF2B5EF4-FFF2-40B4-BE49-F238E27FC236}">
+                <a16:creationId xmlns:a16="http://schemas.microsoft.com/office/drawing/2014/main" id="{718C35CC-2185-409D-BE0C-877BABDE5B6B}"/>
+              </a:ext>
+            </a:extLst>
+          </p:cNvPr>
+          <p:cNvCxnSpPr/>
+          <p:nvPr/>
+        </p:nvCxnSpPr>
+        <p:spPr>
+          <a:xfrm>
+            <a:off x="4632959" y="610847"/>
+            <a:ext cx="383177" cy="0"/>
+          </a:xfrm>
+          <a:prstGeom prst="straightConnector1">
+            <a:avLst/>
+          </a:prstGeom>
+          <a:ln w="38100">
+            <a:solidFill>
+              <a:srgbClr val="FF0000"/>
+            </a:solidFill>
+            <a:tailEnd type="triangle"/>
+          </a:ln>
+        </p:spPr>
+        <p:style>
+          <a:lnRef idx="3">
+            <a:schemeClr val="accent6"/>
+          </a:lnRef>
+          <a:fillRef idx="0">
+            <a:schemeClr val="accent6"/>
+          </a:fillRef>
+          <a:effectRef idx="2">
+            <a:schemeClr val="accent6"/>
+          </a:effectRef>
+          <a:fontRef idx="minor">
+            <a:schemeClr val="tx1"/>
+          </a:fontRef>
+        </p:style>
+      </p:cxnSp>
+      <p:cxnSp>
+        <p:nvCxnSpPr>
+          <p:cNvPr id="136" name="Straight Arrow Connector 135">
+            <a:extLst>
+              <a:ext uri="{FF2B5EF4-FFF2-40B4-BE49-F238E27FC236}">
+                <a16:creationId xmlns:a16="http://schemas.microsoft.com/office/drawing/2014/main" id="{D00ECA3A-F2F2-472A-959C-DCAA697F43E4}"/>
+              </a:ext>
+            </a:extLst>
+          </p:cNvPr>
+          <p:cNvCxnSpPr/>
+          <p:nvPr/>
+        </p:nvCxnSpPr>
+        <p:spPr>
+          <a:xfrm>
+            <a:off x="4632959" y="4302037"/>
+            <a:ext cx="383177" cy="0"/>
+          </a:xfrm>
+          <a:prstGeom prst="straightConnector1">
+            <a:avLst/>
+          </a:prstGeom>
+          <a:ln w="38100">
+            <a:solidFill>
+              <a:srgbClr val="FF0000"/>
+            </a:solidFill>
+            <a:tailEnd type="triangle"/>
+          </a:ln>
+        </p:spPr>
+        <p:style>
+          <a:lnRef idx="3">
+            <a:schemeClr val="accent6"/>
+          </a:lnRef>
+          <a:fillRef idx="0">
+            <a:schemeClr val="accent6"/>
+          </a:fillRef>
+          <a:effectRef idx="2">
+            <a:schemeClr val="accent6"/>
+          </a:effectRef>
+          <a:fontRef idx="minor">
+            <a:schemeClr val="tx1"/>
+          </a:fontRef>
+        </p:style>
+      </p:cxnSp>
+      <p:cxnSp>
+        <p:nvCxnSpPr>
+          <p:cNvPr id="137" name="Straight Arrow Connector 136">
+            <a:extLst>
+              <a:ext uri="{FF2B5EF4-FFF2-40B4-BE49-F238E27FC236}">
+                <a16:creationId xmlns:a16="http://schemas.microsoft.com/office/drawing/2014/main" id="{89A3E171-6084-40A4-B131-ADAAA2AED58A}"/>
+              </a:ext>
+            </a:extLst>
+          </p:cNvPr>
+          <p:cNvCxnSpPr/>
+          <p:nvPr/>
+        </p:nvCxnSpPr>
+        <p:spPr>
+          <a:xfrm>
+            <a:off x="4632959" y="4894213"/>
+            <a:ext cx="383177" cy="0"/>
+          </a:xfrm>
+          <a:prstGeom prst="straightConnector1">
+            <a:avLst/>
+          </a:prstGeom>
+          <a:ln w="38100">
+            <a:solidFill>
+              <a:srgbClr val="FF0000"/>
+            </a:solidFill>
+            <a:tailEnd type="triangle"/>
+          </a:ln>
+        </p:spPr>
+        <p:style>
+          <a:lnRef idx="3">
+            <a:schemeClr val="accent6"/>
+          </a:lnRef>
+          <a:fillRef idx="0">
+            <a:schemeClr val="accent6"/>
+          </a:fillRef>
+          <a:effectRef idx="2">
+            <a:schemeClr val="accent6"/>
+          </a:effectRef>
+          <a:fontRef idx="minor">
+            <a:schemeClr val="tx1"/>
+          </a:fontRef>
+        </p:style>
+      </p:cxnSp>
+      <p:cxnSp>
+        <p:nvCxnSpPr>
+          <p:cNvPr id="138" name="Straight Arrow Connector 137">
+            <a:extLst>
+              <a:ext uri="{FF2B5EF4-FFF2-40B4-BE49-F238E27FC236}">
+                <a16:creationId xmlns:a16="http://schemas.microsoft.com/office/drawing/2014/main" id="{2EAE5842-216A-4C44-8C27-B2ACD02D8BF1}"/>
+              </a:ext>
+            </a:extLst>
+          </p:cNvPr>
+          <p:cNvCxnSpPr/>
+          <p:nvPr/>
+        </p:nvCxnSpPr>
+        <p:spPr>
+          <a:xfrm>
+            <a:off x="4632959" y="5503825"/>
+            <a:ext cx="383177" cy="0"/>
+          </a:xfrm>
+          <a:prstGeom prst="straightConnector1">
+            <a:avLst/>
+          </a:prstGeom>
+          <a:ln w="38100">
+            <a:solidFill>
+              <a:srgbClr val="FF0000"/>
+            </a:solidFill>
+            <a:tailEnd type="triangle"/>
+          </a:ln>
+        </p:spPr>
+        <p:style>
+          <a:lnRef idx="3">
+            <a:schemeClr val="accent6"/>
+          </a:lnRef>
+          <a:fillRef idx="0">
+            <a:schemeClr val="accent6"/>
+          </a:fillRef>
+          <a:effectRef idx="2">
+            <a:schemeClr val="accent6"/>
+          </a:effectRef>
+          <a:fontRef idx="minor">
+            <a:schemeClr val="tx1"/>
+          </a:fontRef>
+        </p:style>
+      </p:cxnSp>
+      <p:cxnSp>
+        <p:nvCxnSpPr>
+          <p:cNvPr id="139" name="Straight Arrow Connector 138">
+            <a:extLst>
+              <a:ext uri="{FF2B5EF4-FFF2-40B4-BE49-F238E27FC236}">
+                <a16:creationId xmlns:a16="http://schemas.microsoft.com/office/drawing/2014/main" id="{69C3A6E4-882F-450B-89FE-DA1B8BAAC385}"/>
+              </a:ext>
+            </a:extLst>
+          </p:cNvPr>
+          <p:cNvCxnSpPr/>
+          <p:nvPr/>
+        </p:nvCxnSpPr>
+        <p:spPr>
+          <a:xfrm>
+            <a:off x="4632959" y="6072848"/>
+            <a:ext cx="383177" cy="0"/>
+          </a:xfrm>
+          <a:prstGeom prst="straightConnector1">
+            <a:avLst/>
+          </a:prstGeom>
+          <a:ln w="38100">
+            <a:solidFill>
+              <a:srgbClr val="FF0000"/>
+            </a:solidFill>
+            <a:tailEnd type="triangle"/>
+          </a:ln>
+        </p:spPr>
+        <p:style>
+          <a:lnRef idx="3">
+            <a:schemeClr val="accent6"/>
+          </a:lnRef>
+          <a:fillRef idx="0">
+            <a:schemeClr val="accent6"/>
+          </a:fillRef>
+          <a:effectRef idx="2">
+            <a:schemeClr val="accent6"/>
+          </a:effectRef>
+          <a:fontRef idx="minor">
+            <a:schemeClr val="tx1"/>
+          </a:fontRef>
+        </p:style>
+      </p:cxnSp>
+      <p:cxnSp>
+        <p:nvCxnSpPr>
+          <p:cNvPr id="141" name="Straight Arrow Connector 140">
+            <a:extLst>
+              <a:ext uri="{FF2B5EF4-FFF2-40B4-BE49-F238E27FC236}">
+                <a16:creationId xmlns:a16="http://schemas.microsoft.com/office/drawing/2014/main" id="{0A53A20F-6D95-4620-A9D3-4A1F8B87CFA4}"/>
+              </a:ext>
+            </a:extLst>
+          </p:cNvPr>
+          <p:cNvCxnSpPr/>
+          <p:nvPr/>
+        </p:nvCxnSpPr>
+        <p:spPr>
+          <a:xfrm>
+            <a:off x="5233857" y="1229139"/>
+            <a:ext cx="383177" cy="0"/>
+          </a:xfrm>
+          <a:prstGeom prst="straightConnector1">
+            <a:avLst/>
+          </a:prstGeom>
+          <a:ln w="38100">
+            <a:solidFill>
+              <a:srgbClr val="FF0000"/>
+            </a:solidFill>
+            <a:tailEnd type="triangle"/>
+          </a:ln>
+        </p:spPr>
+        <p:style>
+          <a:lnRef idx="3">
+            <a:schemeClr val="accent6"/>
+          </a:lnRef>
+          <a:fillRef idx="0">
+            <a:schemeClr val="accent6"/>
+          </a:fillRef>
+          <a:effectRef idx="2">
+            <a:schemeClr val="accent6"/>
+          </a:effectRef>
+          <a:fontRef idx="minor">
+            <a:schemeClr val="tx1"/>
+          </a:fontRef>
+        </p:style>
+      </p:cxnSp>
+      <p:cxnSp>
+        <p:nvCxnSpPr>
+          <p:cNvPr id="142" name="Straight Arrow Connector 141">
+            <a:extLst>
+              <a:ext uri="{FF2B5EF4-FFF2-40B4-BE49-F238E27FC236}">
+                <a16:creationId xmlns:a16="http://schemas.microsoft.com/office/drawing/2014/main" id="{E7D881C9-9979-486B-B132-82BADEA26832}"/>
+              </a:ext>
+            </a:extLst>
+          </p:cNvPr>
+          <p:cNvCxnSpPr/>
+          <p:nvPr/>
+        </p:nvCxnSpPr>
+        <p:spPr>
+          <a:xfrm>
+            <a:off x="5233857" y="1839098"/>
+            <a:ext cx="383177" cy="0"/>
+          </a:xfrm>
+          <a:prstGeom prst="straightConnector1">
+            <a:avLst/>
+          </a:prstGeom>
+          <a:ln w="38100">
+            <a:solidFill>
+              <a:srgbClr val="FF0000"/>
+            </a:solidFill>
+            <a:tailEnd type="triangle"/>
+          </a:ln>
+        </p:spPr>
+        <p:style>
+          <a:lnRef idx="3">
+            <a:schemeClr val="accent6"/>
+          </a:lnRef>
+          <a:fillRef idx="0">
+            <a:schemeClr val="accent6"/>
+          </a:fillRef>
+          <a:effectRef idx="2">
+            <a:schemeClr val="accent6"/>
+          </a:effectRef>
+          <a:fontRef idx="minor">
+            <a:schemeClr val="tx1"/>
+          </a:fontRef>
+        </p:style>
+      </p:cxnSp>
+      <p:cxnSp>
+        <p:nvCxnSpPr>
+          <p:cNvPr id="143" name="Straight Arrow Connector 142">
+            <a:extLst>
+              <a:ext uri="{FF2B5EF4-FFF2-40B4-BE49-F238E27FC236}">
+                <a16:creationId xmlns:a16="http://schemas.microsoft.com/office/drawing/2014/main" id="{BC08F1F1-E6CF-4BF6-8C22-47FF32717233}"/>
+              </a:ext>
+            </a:extLst>
+          </p:cNvPr>
+          <p:cNvCxnSpPr/>
+          <p:nvPr/>
+        </p:nvCxnSpPr>
+        <p:spPr>
+          <a:xfrm>
+            <a:off x="5233857" y="2426582"/>
+            <a:ext cx="383177" cy="0"/>
+          </a:xfrm>
+          <a:prstGeom prst="straightConnector1">
+            <a:avLst/>
+          </a:prstGeom>
+          <a:ln w="38100">
+            <a:solidFill>
+              <a:srgbClr val="FF0000"/>
+            </a:solidFill>
+            <a:tailEnd type="triangle"/>
+          </a:ln>
+        </p:spPr>
+        <p:style>
+          <a:lnRef idx="3">
+            <a:schemeClr val="accent6"/>
+          </a:lnRef>
+          <a:fillRef idx="0">
+            <a:schemeClr val="accent6"/>
+          </a:fillRef>
+          <a:effectRef idx="2">
+            <a:schemeClr val="accent6"/>
+          </a:effectRef>
+          <a:fontRef idx="minor">
+            <a:schemeClr val="tx1"/>
+          </a:fontRef>
+        </p:style>
+      </p:cxnSp>
+      <p:cxnSp>
+        <p:nvCxnSpPr>
+          <p:cNvPr id="144" name="Straight Arrow Connector 143">
+            <a:extLst>
+              <a:ext uri="{FF2B5EF4-FFF2-40B4-BE49-F238E27FC236}">
+                <a16:creationId xmlns:a16="http://schemas.microsoft.com/office/drawing/2014/main" id="{796853C1-1A3E-4ADE-BB5F-8DDFD3D283C8}"/>
+              </a:ext>
+            </a:extLst>
+          </p:cNvPr>
+          <p:cNvCxnSpPr/>
+          <p:nvPr/>
+        </p:nvCxnSpPr>
+        <p:spPr>
+          <a:xfrm>
+            <a:off x="5233857" y="3087172"/>
+            <a:ext cx="383177" cy="0"/>
+          </a:xfrm>
+          <a:prstGeom prst="straightConnector1">
+            <a:avLst/>
+          </a:prstGeom>
+          <a:ln w="38100">
+            <a:solidFill>
+              <a:srgbClr val="FF0000"/>
+            </a:solidFill>
+            <a:tailEnd type="triangle"/>
+          </a:ln>
+        </p:spPr>
+        <p:style>
+          <a:lnRef idx="3">
+            <a:schemeClr val="accent6"/>
+          </a:lnRef>
+          <a:fillRef idx="0">
+            <a:schemeClr val="accent6"/>
+          </a:fillRef>
+          <a:effectRef idx="2">
+            <a:schemeClr val="accent6"/>
+          </a:effectRef>
+          <a:fontRef idx="minor">
+            <a:schemeClr val="tx1"/>
+          </a:fontRef>
+        </p:style>
+      </p:cxnSp>
+      <p:cxnSp>
+        <p:nvCxnSpPr>
+          <p:cNvPr id="145" name="Straight Arrow Connector 144">
+            <a:extLst>
+              <a:ext uri="{FF2B5EF4-FFF2-40B4-BE49-F238E27FC236}">
+                <a16:creationId xmlns:a16="http://schemas.microsoft.com/office/drawing/2014/main" id="{AECD2617-4F0F-46F7-99A1-17020E321942}"/>
+              </a:ext>
+            </a:extLst>
+          </p:cNvPr>
+          <p:cNvCxnSpPr/>
+          <p:nvPr/>
+        </p:nvCxnSpPr>
+        <p:spPr>
+          <a:xfrm>
+            <a:off x="5233857" y="4302037"/>
+            <a:ext cx="383177" cy="0"/>
+          </a:xfrm>
+          <a:prstGeom prst="straightConnector1">
+            <a:avLst/>
+          </a:prstGeom>
+          <a:ln w="38100">
+            <a:solidFill>
+              <a:srgbClr val="FF0000"/>
+            </a:solidFill>
+            <a:tailEnd type="triangle"/>
+          </a:ln>
+        </p:spPr>
+        <p:style>
+          <a:lnRef idx="3">
+            <a:schemeClr val="accent6"/>
+          </a:lnRef>
+          <a:fillRef idx="0">
+            <a:schemeClr val="accent6"/>
+          </a:fillRef>
+          <a:effectRef idx="2">
+            <a:schemeClr val="accent6"/>
+          </a:effectRef>
+          <a:fontRef idx="minor">
+            <a:schemeClr val="tx1"/>
+          </a:fontRef>
+        </p:style>
+      </p:cxnSp>
+      <p:cxnSp>
+        <p:nvCxnSpPr>
+          <p:cNvPr id="146" name="Straight Arrow Connector 145">
+            <a:extLst>
+              <a:ext uri="{FF2B5EF4-FFF2-40B4-BE49-F238E27FC236}">
+                <a16:creationId xmlns:a16="http://schemas.microsoft.com/office/drawing/2014/main" id="{A8D716DC-640E-4D37-A343-E0FF4BC91148}"/>
+              </a:ext>
+            </a:extLst>
+          </p:cNvPr>
+          <p:cNvCxnSpPr/>
+          <p:nvPr/>
+        </p:nvCxnSpPr>
+        <p:spPr>
+          <a:xfrm>
+            <a:off x="5233857" y="4898559"/>
+            <a:ext cx="383177" cy="0"/>
+          </a:xfrm>
+          <a:prstGeom prst="straightConnector1">
+            <a:avLst/>
+          </a:prstGeom>
+          <a:ln w="38100">
+            <a:solidFill>
+              <a:srgbClr val="FF0000"/>
+            </a:solidFill>
+            <a:tailEnd type="triangle"/>
+          </a:ln>
+        </p:spPr>
+        <p:style>
+          <a:lnRef idx="3">
+            <a:schemeClr val="accent6"/>
+          </a:lnRef>
+          <a:fillRef idx="0">
+            <a:schemeClr val="accent6"/>
+          </a:fillRef>
+          <a:effectRef idx="2">
+            <a:schemeClr val="accent6"/>
+          </a:effectRef>
+          <a:fontRef idx="minor">
+            <a:schemeClr val="tx1"/>
+          </a:fontRef>
+        </p:style>
+      </p:cxnSp>
+      <p:cxnSp>
+        <p:nvCxnSpPr>
+          <p:cNvPr id="147" name="Straight Arrow Connector 146">
+            <a:extLst>
+              <a:ext uri="{FF2B5EF4-FFF2-40B4-BE49-F238E27FC236}">
+                <a16:creationId xmlns:a16="http://schemas.microsoft.com/office/drawing/2014/main" id="{2A351D5E-8D85-4073-82F2-1E4221C804EC}"/>
+              </a:ext>
+            </a:extLst>
+          </p:cNvPr>
+          <p:cNvCxnSpPr/>
+          <p:nvPr/>
+        </p:nvCxnSpPr>
+        <p:spPr>
+          <a:xfrm>
+            <a:off x="5233857" y="5525588"/>
+            <a:ext cx="383177" cy="0"/>
+          </a:xfrm>
+          <a:prstGeom prst="straightConnector1">
+            <a:avLst/>
+          </a:prstGeom>
+          <a:ln w="38100">
+            <a:solidFill>
+              <a:srgbClr val="FF0000"/>
+            </a:solidFill>
+            <a:tailEnd type="triangle"/>
+          </a:ln>
+        </p:spPr>
+        <p:style>
+          <a:lnRef idx="3">
+            <a:schemeClr val="accent6"/>
+          </a:lnRef>
+          <a:fillRef idx="0">
+            <a:schemeClr val="accent6"/>
+          </a:fillRef>
+          <a:effectRef idx="2">
+            <a:schemeClr val="accent6"/>
+          </a:effectRef>
+          <a:fontRef idx="minor">
+            <a:schemeClr val="tx1"/>
+          </a:fontRef>
+        </p:style>
+      </p:cxnSp>
+      <p:cxnSp>
+        <p:nvCxnSpPr>
+          <p:cNvPr id="148" name="Straight Arrow Connector 147">
+            <a:extLst>
+              <a:ext uri="{FF2B5EF4-FFF2-40B4-BE49-F238E27FC236}">
+                <a16:creationId xmlns:a16="http://schemas.microsoft.com/office/drawing/2014/main" id="{7C0A993A-B4FC-4F6D-972C-741FE4B62D88}"/>
+              </a:ext>
+            </a:extLst>
+          </p:cNvPr>
+          <p:cNvCxnSpPr/>
+          <p:nvPr/>
+        </p:nvCxnSpPr>
+        <p:spPr>
+          <a:xfrm>
+            <a:off x="5233857" y="6072848"/>
+            <a:ext cx="383177" cy="0"/>
+          </a:xfrm>
+          <a:prstGeom prst="straightConnector1">
+            <a:avLst/>
+          </a:prstGeom>
+          <a:ln w="38100">
+            <a:solidFill>
+              <a:srgbClr val="FF0000"/>
+            </a:solidFill>
+            <a:tailEnd type="triangle"/>
+          </a:ln>
+        </p:spPr>
+        <p:style>
+          <a:lnRef idx="3">
+            <a:schemeClr val="accent6"/>
+          </a:lnRef>
+          <a:fillRef idx="0">
+            <a:schemeClr val="accent6"/>
+          </a:fillRef>
+          <a:effectRef idx="2">
+            <a:schemeClr val="accent6"/>
+          </a:effectRef>
+          <a:fontRef idx="minor">
+            <a:schemeClr val="tx1"/>
+          </a:fontRef>
+        </p:style>
+      </p:cxnSp>
+      <p:cxnSp>
+        <p:nvCxnSpPr>
+          <p:cNvPr id="149" name="Straight Arrow Connector 148">
+            <a:extLst>
+              <a:ext uri="{FF2B5EF4-FFF2-40B4-BE49-F238E27FC236}">
+                <a16:creationId xmlns:a16="http://schemas.microsoft.com/office/drawing/2014/main" id="{0E0932E3-AC83-44E2-8814-6622BD6A2A44}"/>
+              </a:ext>
+            </a:extLst>
+          </p:cNvPr>
+          <p:cNvCxnSpPr>
+            <a:cxnSpLocks/>
+          </p:cNvCxnSpPr>
+          <p:nvPr/>
+        </p:nvCxnSpPr>
+        <p:spPr>
+          <a:xfrm>
+            <a:off x="9035834" y="381216"/>
+            <a:ext cx="0" cy="404940"/>
+          </a:xfrm>
+          <a:prstGeom prst="straightConnector1">
+            <a:avLst/>
+          </a:prstGeom>
+          <a:ln w="38100">
+            <a:solidFill>
+              <a:srgbClr val="FF0000"/>
+            </a:solidFill>
+            <a:tailEnd type="triangle"/>
+          </a:ln>
+        </p:spPr>
+        <p:style>
+          <a:lnRef idx="3">
+            <a:schemeClr val="accent6"/>
+          </a:lnRef>
+          <a:fillRef idx="0">
+            <a:schemeClr val="accent6"/>
+          </a:fillRef>
+          <a:effectRef idx="2">
+            <a:schemeClr val="accent6"/>
+          </a:effectRef>
+          <a:fontRef idx="minor">
+            <a:schemeClr val="tx1"/>
+          </a:fontRef>
+        </p:style>
+      </p:cxnSp>
+      <p:cxnSp>
+        <p:nvCxnSpPr>
+          <p:cNvPr id="150" name="Straight Arrow Connector 149">
+            <a:extLst>
+              <a:ext uri="{FF2B5EF4-FFF2-40B4-BE49-F238E27FC236}">
+                <a16:creationId xmlns:a16="http://schemas.microsoft.com/office/drawing/2014/main" id="{FBECA197-2F6E-4620-9DBD-225B9548FA7B}"/>
+              </a:ext>
+            </a:extLst>
+          </p:cNvPr>
+          <p:cNvCxnSpPr>
+            <a:cxnSpLocks/>
+          </p:cNvCxnSpPr>
+          <p:nvPr/>
+        </p:nvCxnSpPr>
+        <p:spPr>
+          <a:xfrm>
+            <a:off x="9035834" y="986799"/>
+            <a:ext cx="0" cy="404940"/>
+          </a:xfrm>
+          <a:prstGeom prst="straightConnector1">
+            <a:avLst/>
+          </a:prstGeom>
+          <a:ln w="38100">
+            <a:solidFill>
+              <a:srgbClr val="FF0000"/>
+            </a:solidFill>
+            <a:tailEnd type="triangle"/>
+          </a:ln>
+        </p:spPr>
+        <p:style>
+          <a:lnRef idx="3">
+            <a:schemeClr val="accent6"/>
+          </a:lnRef>
+          <a:fillRef idx="0">
+            <a:schemeClr val="accent6"/>
+          </a:fillRef>
+          <a:effectRef idx="2">
+            <a:schemeClr val="accent6"/>
+          </a:effectRef>
+          <a:fontRef idx="minor">
+            <a:schemeClr val="tx1"/>
+          </a:fontRef>
+        </p:style>
+      </p:cxnSp>
+      <p:cxnSp>
+        <p:nvCxnSpPr>
+          <p:cNvPr id="151" name="Straight Arrow Connector 150">
+            <a:extLst>
+              <a:ext uri="{FF2B5EF4-FFF2-40B4-BE49-F238E27FC236}">
+                <a16:creationId xmlns:a16="http://schemas.microsoft.com/office/drawing/2014/main" id="{BA83B622-3961-4F10-B157-00949DF25528}"/>
+              </a:ext>
+            </a:extLst>
+          </p:cNvPr>
+          <p:cNvCxnSpPr>
+            <a:cxnSpLocks/>
+          </p:cNvCxnSpPr>
+          <p:nvPr/>
+        </p:nvCxnSpPr>
+        <p:spPr>
+          <a:xfrm>
+            <a:off x="9035834" y="1614865"/>
+            <a:ext cx="0" cy="404940"/>
+          </a:xfrm>
+          <a:prstGeom prst="straightConnector1">
+            <a:avLst/>
+          </a:prstGeom>
+          <a:ln w="38100">
+            <a:solidFill>
+              <a:srgbClr val="FF0000"/>
+            </a:solidFill>
+            <a:tailEnd type="triangle"/>
+          </a:ln>
+        </p:spPr>
+        <p:style>
+          <a:lnRef idx="3">
+            <a:schemeClr val="accent6"/>
+          </a:lnRef>
+          <a:fillRef idx="0">
+            <a:schemeClr val="accent6"/>
+          </a:fillRef>
+          <a:effectRef idx="2">
+            <a:schemeClr val="accent6"/>
+          </a:effectRef>
+          <a:fontRef idx="minor">
+            <a:schemeClr val="tx1"/>
+          </a:fontRef>
+        </p:style>
+      </p:cxnSp>
+      <p:cxnSp>
+        <p:nvCxnSpPr>
+          <p:cNvPr id="152" name="Straight Arrow Connector 151">
+            <a:extLst>
+              <a:ext uri="{FF2B5EF4-FFF2-40B4-BE49-F238E27FC236}">
+                <a16:creationId xmlns:a16="http://schemas.microsoft.com/office/drawing/2014/main" id="{201B7A9A-FD7E-45DC-A251-EB4F7CAFA278}"/>
+              </a:ext>
+            </a:extLst>
+          </p:cNvPr>
+          <p:cNvCxnSpPr>
+            <a:cxnSpLocks/>
+          </p:cNvCxnSpPr>
+          <p:nvPr/>
+        </p:nvCxnSpPr>
+        <p:spPr>
+          <a:xfrm>
+            <a:off x="9035834" y="2211387"/>
+            <a:ext cx="0" cy="404940"/>
+          </a:xfrm>
+          <a:prstGeom prst="straightConnector1">
+            <a:avLst/>
+          </a:prstGeom>
+          <a:ln w="38100">
+            <a:solidFill>
+              <a:srgbClr val="FF0000"/>
+            </a:solidFill>
+            <a:tailEnd type="triangle"/>
+          </a:ln>
+        </p:spPr>
+        <p:style>
+          <a:lnRef idx="3">
+            <a:schemeClr val="accent6"/>
+          </a:lnRef>
+          <a:fillRef idx="0">
+            <a:schemeClr val="accent6"/>
+          </a:fillRef>
+          <a:effectRef idx="2">
+            <a:schemeClr val="accent6"/>
+          </a:effectRef>
+          <a:fontRef idx="minor">
+            <a:schemeClr val="tx1"/>
+          </a:fontRef>
+        </p:style>
+      </p:cxnSp>
+      <p:cxnSp>
+        <p:nvCxnSpPr>
+          <p:cNvPr id="153" name="Straight Arrow Connector 152">
+            <a:extLst>
+              <a:ext uri="{FF2B5EF4-FFF2-40B4-BE49-F238E27FC236}">
+                <a16:creationId xmlns:a16="http://schemas.microsoft.com/office/drawing/2014/main" id="{7B992C6F-BF04-4F16-9AC4-71323C721D50}"/>
+              </a:ext>
+            </a:extLst>
+          </p:cNvPr>
+          <p:cNvCxnSpPr>
+            <a:cxnSpLocks/>
+          </p:cNvCxnSpPr>
+          <p:nvPr/>
+        </p:nvCxnSpPr>
+        <p:spPr>
+          <a:xfrm>
+            <a:off x="9035834" y="2812277"/>
+            <a:ext cx="0" cy="404940"/>
+          </a:xfrm>
+          <a:prstGeom prst="straightConnector1">
+            <a:avLst/>
+          </a:prstGeom>
+          <a:ln w="38100">
+            <a:solidFill>
+              <a:srgbClr val="FF0000"/>
+            </a:solidFill>
+            <a:tailEnd type="triangle"/>
+          </a:ln>
+        </p:spPr>
+        <p:style>
+          <a:lnRef idx="3">
+            <a:schemeClr val="accent6"/>
+          </a:lnRef>
+          <a:fillRef idx="0">
+            <a:schemeClr val="accent6"/>
+          </a:fillRef>
+          <a:effectRef idx="2">
+            <a:schemeClr val="accent6"/>
+          </a:effectRef>
+          <a:fontRef idx="minor">
+            <a:schemeClr val="tx1"/>
+          </a:fontRef>
+        </p:style>
+      </p:cxnSp>
+      <p:cxnSp>
+        <p:nvCxnSpPr>
+          <p:cNvPr id="154" name="Straight Arrow Connector 153">
+            <a:extLst>
+              <a:ext uri="{FF2B5EF4-FFF2-40B4-BE49-F238E27FC236}">
+                <a16:creationId xmlns:a16="http://schemas.microsoft.com/office/drawing/2014/main" id="{C94A9AFE-36DB-4AEF-B5D1-EAF3B0FF484B}"/>
+              </a:ext>
+            </a:extLst>
+          </p:cNvPr>
+          <p:cNvCxnSpPr>
+            <a:cxnSpLocks/>
+          </p:cNvCxnSpPr>
+          <p:nvPr/>
+        </p:nvCxnSpPr>
+        <p:spPr>
+          <a:xfrm>
+            <a:off x="8429899" y="394275"/>
+            <a:ext cx="0" cy="404940"/>
+          </a:xfrm>
+          <a:prstGeom prst="straightConnector1">
+            <a:avLst/>
+          </a:prstGeom>
+          <a:ln w="38100">
+            <a:solidFill>
+              <a:srgbClr val="FF0000"/>
+            </a:solidFill>
+            <a:tailEnd type="triangle"/>
+          </a:ln>
+        </p:spPr>
+        <p:style>
+          <a:lnRef idx="3">
+            <a:schemeClr val="accent6"/>
+          </a:lnRef>
+          <a:fillRef idx="0">
+            <a:schemeClr val="accent6"/>
+          </a:fillRef>
+          <a:effectRef idx="2">
+            <a:schemeClr val="accent6"/>
+          </a:effectRef>
+          <a:fontRef idx="minor">
+            <a:schemeClr val="tx1"/>
+          </a:fontRef>
+        </p:style>
+      </p:cxnSp>
+      <p:cxnSp>
+        <p:nvCxnSpPr>
+          <p:cNvPr id="155" name="Straight Arrow Connector 154">
+            <a:extLst>
+              <a:ext uri="{FF2B5EF4-FFF2-40B4-BE49-F238E27FC236}">
+                <a16:creationId xmlns:a16="http://schemas.microsoft.com/office/drawing/2014/main" id="{FEA74F53-2C75-439D-A763-8AFFF7B5C46E}"/>
+              </a:ext>
+            </a:extLst>
+          </p:cNvPr>
+          <p:cNvCxnSpPr>
+            <a:cxnSpLocks/>
+          </p:cNvCxnSpPr>
+          <p:nvPr/>
+        </p:nvCxnSpPr>
+        <p:spPr>
+          <a:xfrm>
+            <a:off x="8429899" y="999858"/>
+            <a:ext cx="0" cy="404940"/>
+          </a:xfrm>
+          <a:prstGeom prst="straightConnector1">
+            <a:avLst/>
+          </a:prstGeom>
+          <a:ln w="38100">
+            <a:solidFill>
+              <a:srgbClr val="FF0000"/>
+            </a:solidFill>
+            <a:tailEnd type="triangle"/>
+          </a:ln>
+        </p:spPr>
+        <p:style>
+          <a:lnRef idx="3">
+            <a:schemeClr val="accent6"/>
+          </a:lnRef>
+          <a:fillRef idx="0">
+            <a:schemeClr val="accent6"/>
+          </a:fillRef>
+          <a:effectRef idx="2">
+            <a:schemeClr val="accent6"/>
+          </a:effectRef>
+          <a:fontRef idx="minor">
+            <a:schemeClr val="tx1"/>
+          </a:fontRef>
+        </p:style>
+      </p:cxnSp>
+      <p:cxnSp>
+        <p:nvCxnSpPr>
+          <p:cNvPr id="156" name="Straight Arrow Connector 155">
+            <a:extLst>
+              <a:ext uri="{FF2B5EF4-FFF2-40B4-BE49-F238E27FC236}">
+                <a16:creationId xmlns:a16="http://schemas.microsoft.com/office/drawing/2014/main" id="{97C65825-B805-4903-B753-929C07803032}"/>
+              </a:ext>
+            </a:extLst>
+          </p:cNvPr>
+          <p:cNvCxnSpPr>
+            <a:cxnSpLocks/>
+          </p:cNvCxnSpPr>
+          <p:nvPr/>
+        </p:nvCxnSpPr>
+        <p:spPr>
+          <a:xfrm>
+            <a:off x="8429899" y="1627924"/>
+            <a:ext cx="0" cy="404940"/>
+          </a:xfrm>
+          <a:prstGeom prst="straightConnector1">
+            <a:avLst/>
+          </a:prstGeom>
+          <a:ln w="38100">
+            <a:solidFill>
+              <a:srgbClr val="FF0000"/>
+            </a:solidFill>
+            <a:tailEnd type="triangle"/>
+          </a:ln>
+        </p:spPr>
+        <p:style>
+          <a:lnRef idx="3">
+            <a:schemeClr val="accent6"/>
+          </a:lnRef>
+          <a:fillRef idx="0">
+            <a:schemeClr val="accent6"/>
+          </a:fillRef>
+          <a:effectRef idx="2">
+            <a:schemeClr val="accent6"/>
+          </a:effectRef>
+          <a:fontRef idx="minor">
+            <a:schemeClr val="tx1"/>
+          </a:fontRef>
+        </p:style>
+      </p:cxnSp>
+      <p:cxnSp>
+        <p:nvCxnSpPr>
+          <p:cNvPr id="157" name="Straight Arrow Connector 156">
+            <a:extLst>
+              <a:ext uri="{FF2B5EF4-FFF2-40B4-BE49-F238E27FC236}">
+                <a16:creationId xmlns:a16="http://schemas.microsoft.com/office/drawing/2014/main" id="{FD795428-12C6-4C74-97B9-8185D6B4807A}"/>
+              </a:ext>
+            </a:extLst>
+          </p:cNvPr>
+          <p:cNvCxnSpPr>
+            <a:cxnSpLocks/>
+          </p:cNvCxnSpPr>
+          <p:nvPr/>
+        </p:nvCxnSpPr>
+        <p:spPr>
+          <a:xfrm>
+            <a:off x="8429899" y="2224446"/>
+            <a:ext cx="0" cy="404940"/>
+          </a:xfrm>
+          <a:prstGeom prst="straightConnector1">
+            <a:avLst/>
+          </a:prstGeom>
+          <a:ln w="38100">
+            <a:solidFill>
+              <a:srgbClr val="FF0000"/>
+            </a:solidFill>
+            <a:tailEnd type="triangle"/>
+          </a:ln>
+        </p:spPr>
+        <p:style>
+          <a:lnRef idx="3">
+            <a:schemeClr val="accent6"/>
+          </a:lnRef>
+          <a:fillRef idx="0">
+            <a:schemeClr val="accent6"/>
+          </a:fillRef>
+          <a:effectRef idx="2">
+            <a:schemeClr val="accent6"/>
+          </a:effectRef>
+          <a:fontRef idx="minor">
+            <a:schemeClr val="tx1"/>
+          </a:fontRef>
+        </p:style>
+      </p:cxnSp>
+      <p:cxnSp>
+        <p:nvCxnSpPr>
+          <p:cNvPr id="158" name="Straight Arrow Connector 157">
+            <a:extLst>
+              <a:ext uri="{FF2B5EF4-FFF2-40B4-BE49-F238E27FC236}">
+                <a16:creationId xmlns:a16="http://schemas.microsoft.com/office/drawing/2014/main" id="{29A66444-6F40-498B-B0D4-C2C8311A08F1}"/>
+              </a:ext>
+            </a:extLst>
+          </p:cNvPr>
+          <p:cNvCxnSpPr>
+            <a:cxnSpLocks/>
+          </p:cNvCxnSpPr>
+          <p:nvPr/>
+        </p:nvCxnSpPr>
+        <p:spPr>
+          <a:xfrm>
+            <a:off x="8429899" y="2825336"/>
+            <a:ext cx="0" cy="404940"/>
+          </a:xfrm>
+          <a:prstGeom prst="straightConnector1">
+            <a:avLst/>
+          </a:prstGeom>
+          <a:ln w="38100">
+            <a:solidFill>
+              <a:srgbClr val="FF0000"/>
+            </a:solidFill>
+            <a:tailEnd type="triangle"/>
+          </a:ln>
+        </p:spPr>
+        <p:style>
+          <a:lnRef idx="3">
+            <a:schemeClr val="accent6"/>
+          </a:lnRef>
+          <a:fillRef idx="0">
+            <a:schemeClr val="accent6"/>
+          </a:fillRef>
+          <a:effectRef idx="2">
+            <a:schemeClr val="accent6"/>
+          </a:effectRef>
+          <a:fontRef idx="minor">
+            <a:schemeClr val="tx1"/>
+          </a:fontRef>
+        </p:style>
+      </p:cxnSp>
+      <p:cxnSp>
+        <p:nvCxnSpPr>
+          <p:cNvPr id="167" name="Straight Arrow Connector 166">
+            <a:extLst>
+              <a:ext uri="{FF2B5EF4-FFF2-40B4-BE49-F238E27FC236}">
+                <a16:creationId xmlns:a16="http://schemas.microsoft.com/office/drawing/2014/main" id="{1E203695-3A19-4E00-A1A3-913B3D92C195}"/>
+              </a:ext>
+            </a:extLst>
+          </p:cNvPr>
+          <p:cNvCxnSpPr/>
+          <p:nvPr/>
+        </p:nvCxnSpPr>
+        <p:spPr>
+          <a:xfrm>
+            <a:off x="5843462" y="4302037"/>
+            <a:ext cx="383177" cy="0"/>
+          </a:xfrm>
+          <a:prstGeom prst="straightConnector1">
+            <a:avLst/>
+          </a:prstGeom>
+          <a:ln w="38100">
+            <a:solidFill>
+              <a:srgbClr val="FF0000"/>
+            </a:solidFill>
+            <a:tailEnd type="triangle"/>
+          </a:ln>
+        </p:spPr>
+        <p:style>
+          <a:lnRef idx="3">
+            <a:schemeClr val="accent6"/>
+          </a:lnRef>
+          <a:fillRef idx="0">
+            <a:schemeClr val="accent6"/>
+          </a:fillRef>
+          <a:effectRef idx="2">
+            <a:schemeClr val="accent6"/>
+          </a:effectRef>
+          <a:fontRef idx="minor">
+            <a:schemeClr val="tx1"/>
+          </a:fontRef>
+        </p:style>
+      </p:cxnSp>
+      <p:cxnSp>
+        <p:nvCxnSpPr>
+          <p:cNvPr id="168" name="Straight Arrow Connector 167">
+            <a:extLst>
+              <a:ext uri="{FF2B5EF4-FFF2-40B4-BE49-F238E27FC236}">
+                <a16:creationId xmlns:a16="http://schemas.microsoft.com/office/drawing/2014/main" id="{08A47FEB-541B-405C-B6C6-08BB20687721}"/>
+              </a:ext>
+            </a:extLst>
+          </p:cNvPr>
+          <p:cNvCxnSpPr/>
+          <p:nvPr/>
+        </p:nvCxnSpPr>
+        <p:spPr>
+          <a:xfrm>
+            <a:off x="6453063" y="4302037"/>
+            <a:ext cx="383177" cy="0"/>
+          </a:xfrm>
+          <a:prstGeom prst="straightConnector1">
+            <a:avLst/>
+          </a:prstGeom>
+          <a:ln w="38100">
+            <a:solidFill>
+              <a:srgbClr val="FF0000"/>
+            </a:solidFill>
+            <a:tailEnd type="triangle"/>
+          </a:ln>
+        </p:spPr>
+        <p:style>
+          <a:lnRef idx="3">
+            <a:schemeClr val="accent6"/>
+          </a:lnRef>
+          <a:fillRef idx="0">
+            <a:schemeClr val="accent6"/>
+          </a:fillRef>
+          <a:effectRef idx="2">
+            <a:schemeClr val="accent6"/>
+          </a:effectRef>
+          <a:fontRef idx="minor">
+            <a:schemeClr val="tx1"/>
+          </a:fontRef>
+        </p:style>
+      </p:cxnSp>
+      <p:cxnSp>
+        <p:nvCxnSpPr>
+          <p:cNvPr id="169" name="Straight Arrow Connector 168">
+            <a:extLst>
+              <a:ext uri="{FF2B5EF4-FFF2-40B4-BE49-F238E27FC236}">
+                <a16:creationId xmlns:a16="http://schemas.microsoft.com/office/drawing/2014/main" id="{0B13EE98-F2B5-4DCF-8BD1-D7E1C3CE467E}"/>
+              </a:ext>
+            </a:extLst>
+          </p:cNvPr>
+          <p:cNvCxnSpPr/>
+          <p:nvPr/>
+        </p:nvCxnSpPr>
+        <p:spPr>
+          <a:xfrm>
+            <a:off x="7045244" y="4302037"/>
+            <a:ext cx="383177" cy="0"/>
+          </a:xfrm>
+          <a:prstGeom prst="straightConnector1">
+            <a:avLst/>
+          </a:prstGeom>
+          <a:ln w="38100">
+            <a:solidFill>
+              <a:srgbClr val="FF0000"/>
+            </a:solidFill>
+            <a:tailEnd type="triangle"/>
+          </a:ln>
+        </p:spPr>
+        <p:style>
+          <a:lnRef idx="3">
+            <a:schemeClr val="accent6"/>
+          </a:lnRef>
+          <a:fillRef idx="0">
+            <a:schemeClr val="accent6"/>
+          </a:fillRef>
+          <a:effectRef idx="2">
+            <a:schemeClr val="accent6"/>
+          </a:effectRef>
+          <a:fontRef idx="minor">
+            <a:schemeClr val="tx1"/>
+          </a:fontRef>
+        </p:style>
+      </p:cxnSp>
+      <p:cxnSp>
+        <p:nvCxnSpPr>
+          <p:cNvPr id="170" name="Straight Arrow Connector 169">
+            <a:extLst>
+              <a:ext uri="{FF2B5EF4-FFF2-40B4-BE49-F238E27FC236}">
+                <a16:creationId xmlns:a16="http://schemas.microsoft.com/office/drawing/2014/main" id="{D84FE156-48A9-4BB9-B507-2F3AF04CF72F}"/>
+              </a:ext>
+            </a:extLst>
+          </p:cNvPr>
+          <p:cNvCxnSpPr/>
+          <p:nvPr/>
+        </p:nvCxnSpPr>
+        <p:spPr>
+          <a:xfrm>
+            <a:off x="5843462" y="3087172"/>
+            <a:ext cx="383177" cy="0"/>
+          </a:xfrm>
+          <a:prstGeom prst="straightConnector1">
+            <a:avLst/>
+          </a:prstGeom>
+          <a:ln w="38100">
+            <a:solidFill>
+              <a:srgbClr val="FF0000"/>
+            </a:solidFill>
+            <a:tailEnd type="triangle"/>
+          </a:ln>
+        </p:spPr>
+        <p:style>
+          <a:lnRef idx="3">
+            <a:schemeClr val="accent6"/>
+          </a:lnRef>
+          <a:fillRef idx="0">
+            <a:schemeClr val="accent6"/>
+          </a:fillRef>
+          <a:effectRef idx="2">
+            <a:schemeClr val="accent6"/>
+          </a:effectRef>
+          <a:fontRef idx="minor">
+            <a:schemeClr val="tx1"/>
+          </a:fontRef>
+        </p:style>
+      </p:cxnSp>
+      <p:cxnSp>
+        <p:nvCxnSpPr>
+          <p:cNvPr id="171" name="Straight Arrow Connector 170">
+            <a:extLst>
+              <a:ext uri="{FF2B5EF4-FFF2-40B4-BE49-F238E27FC236}">
+                <a16:creationId xmlns:a16="http://schemas.microsoft.com/office/drawing/2014/main" id="{14F2BD4F-AFCF-4B8A-B8DD-C2400BFCD984}"/>
+              </a:ext>
+            </a:extLst>
+          </p:cNvPr>
+          <p:cNvCxnSpPr/>
+          <p:nvPr/>
+        </p:nvCxnSpPr>
+        <p:spPr>
+          <a:xfrm>
+            <a:off x="6453063" y="3087172"/>
+            <a:ext cx="383177" cy="0"/>
+          </a:xfrm>
+          <a:prstGeom prst="straightConnector1">
+            <a:avLst/>
+          </a:prstGeom>
+          <a:ln w="38100">
+            <a:solidFill>
+              <a:srgbClr val="FF0000"/>
+            </a:solidFill>
+            <a:tailEnd type="triangle"/>
+          </a:ln>
+        </p:spPr>
+        <p:style>
+          <a:lnRef idx="3">
+            <a:schemeClr val="accent6"/>
+          </a:lnRef>
+          <a:fillRef idx="0">
+            <a:schemeClr val="accent6"/>
+          </a:fillRef>
+          <a:effectRef idx="2">
+            <a:schemeClr val="accent6"/>
+          </a:effectRef>
+          <a:fontRef idx="minor">
+            <a:schemeClr val="tx1"/>
+          </a:fontRef>
+        </p:style>
+      </p:cxnSp>
+      <p:cxnSp>
+        <p:nvCxnSpPr>
+          <p:cNvPr id="172" name="Straight Arrow Connector 171">
+            <a:extLst>
+              <a:ext uri="{FF2B5EF4-FFF2-40B4-BE49-F238E27FC236}">
+                <a16:creationId xmlns:a16="http://schemas.microsoft.com/office/drawing/2014/main" id="{9BB42E65-4B5F-477E-8460-82CBD3B77FCD}"/>
+              </a:ext>
+            </a:extLst>
+          </p:cNvPr>
+          <p:cNvCxnSpPr/>
+          <p:nvPr/>
+        </p:nvCxnSpPr>
+        <p:spPr>
+          <a:xfrm>
+            <a:off x="7045244" y="3087172"/>
+            <a:ext cx="383177" cy="0"/>
+          </a:xfrm>
+          <a:prstGeom prst="straightConnector1">
+            <a:avLst/>
+          </a:prstGeom>
+          <a:ln w="38100">
+            <a:solidFill>
+              <a:srgbClr val="FF0000"/>
+            </a:solidFill>
+            <a:tailEnd type="triangle"/>
+          </a:ln>
+        </p:spPr>
+        <p:style>
+          <a:lnRef idx="3">
+            <a:schemeClr val="accent6"/>
+          </a:lnRef>
+          <a:fillRef idx="0">
+            <a:schemeClr val="accent6"/>
+          </a:fillRef>
+          <a:effectRef idx="2">
+            <a:schemeClr val="accent6"/>
+          </a:effectRef>
+          <a:fontRef idx="minor">
+            <a:schemeClr val="tx1"/>
+          </a:fontRef>
+        </p:style>
+      </p:cxnSp>
+      <p:cxnSp>
+        <p:nvCxnSpPr>
+          <p:cNvPr id="173" name="Straight Arrow Connector 172">
+            <a:extLst>
+              <a:ext uri="{FF2B5EF4-FFF2-40B4-BE49-F238E27FC236}">
+                <a16:creationId xmlns:a16="http://schemas.microsoft.com/office/drawing/2014/main" id="{606911E8-47D3-4DEA-A864-C7A257EDF5E4}"/>
+              </a:ext>
+            </a:extLst>
+          </p:cNvPr>
+          <p:cNvCxnSpPr/>
+          <p:nvPr/>
+        </p:nvCxnSpPr>
+        <p:spPr>
+          <a:xfrm>
+            <a:off x="5843461" y="2426582"/>
+            <a:ext cx="383177" cy="0"/>
+          </a:xfrm>
+          <a:prstGeom prst="straightConnector1">
+            <a:avLst/>
+          </a:prstGeom>
+          <a:ln w="38100">
+            <a:solidFill>
+              <a:srgbClr val="FF0000"/>
+            </a:solidFill>
+            <a:tailEnd type="triangle"/>
+          </a:ln>
+        </p:spPr>
+        <p:style>
+          <a:lnRef idx="3">
+            <a:schemeClr val="accent6"/>
+          </a:lnRef>
+          <a:fillRef idx="0">
+            <a:schemeClr val="accent6"/>
+          </a:fillRef>
+          <a:effectRef idx="2">
+            <a:schemeClr val="accent6"/>
+          </a:effectRef>
+          <a:fontRef idx="minor">
+            <a:schemeClr val="tx1"/>
+          </a:fontRef>
+        </p:style>
+      </p:cxnSp>
+      <p:cxnSp>
+        <p:nvCxnSpPr>
+          <p:cNvPr id="174" name="Straight Arrow Connector 173">
+            <a:extLst>
+              <a:ext uri="{FF2B5EF4-FFF2-40B4-BE49-F238E27FC236}">
+                <a16:creationId xmlns:a16="http://schemas.microsoft.com/office/drawing/2014/main" id="{993B86A2-BE72-4B60-8981-799EBF63EA92}"/>
+              </a:ext>
+            </a:extLst>
+          </p:cNvPr>
+          <p:cNvCxnSpPr/>
+          <p:nvPr/>
+        </p:nvCxnSpPr>
+        <p:spPr>
+          <a:xfrm>
+            <a:off x="6453062" y="2426582"/>
+            <a:ext cx="383177" cy="0"/>
+          </a:xfrm>
+          <a:prstGeom prst="straightConnector1">
+            <a:avLst/>
+          </a:prstGeom>
+          <a:ln w="38100">
+            <a:solidFill>
+              <a:srgbClr val="FF0000"/>
+            </a:solidFill>
+            <a:tailEnd type="triangle"/>
+          </a:ln>
+        </p:spPr>
+        <p:style>
+          <a:lnRef idx="3">
+            <a:schemeClr val="accent6"/>
+          </a:lnRef>
+          <a:fillRef idx="0">
+            <a:schemeClr val="accent6"/>
+          </a:fillRef>
+          <a:effectRef idx="2">
+            <a:schemeClr val="accent6"/>
+          </a:effectRef>
+          <a:fontRef idx="minor">
+            <a:schemeClr val="tx1"/>
+          </a:fontRef>
+        </p:style>
+      </p:cxnSp>
+      <p:cxnSp>
+        <p:nvCxnSpPr>
+          <p:cNvPr id="176" name="Straight Arrow Connector 175">
+            <a:extLst>
+              <a:ext uri="{FF2B5EF4-FFF2-40B4-BE49-F238E27FC236}">
+                <a16:creationId xmlns:a16="http://schemas.microsoft.com/office/drawing/2014/main" id="{5A56EB98-00B2-4F76-97B8-399AAD2EB291}"/>
+              </a:ext>
+            </a:extLst>
+          </p:cNvPr>
+          <p:cNvCxnSpPr/>
+          <p:nvPr/>
+        </p:nvCxnSpPr>
+        <p:spPr>
+          <a:xfrm>
+            <a:off x="5843460" y="4894213"/>
+            <a:ext cx="383177" cy="0"/>
+          </a:xfrm>
+          <a:prstGeom prst="straightConnector1">
+            <a:avLst/>
+          </a:prstGeom>
+          <a:ln w="38100">
+            <a:solidFill>
+              <a:srgbClr val="FF0000"/>
+            </a:solidFill>
+            <a:tailEnd type="triangle"/>
+          </a:ln>
+        </p:spPr>
+        <p:style>
+          <a:lnRef idx="3">
+            <a:schemeClr val="accent6"/>
+          </a:lnRef>
+          <a:fillRef idx="0">
+            <a:schemeClr val="accent6"/>
+          </a:fillRef>
+          <a:effectRef idx="2">
+            <a:schemeClr val="accent6"/>
+          </a:effectRef>
+          <a:fontRef idx="minor">
+            <a:schemeClr val="tx1"/>
+          </a:fontRef>
+        </p:style>
+      </p:cxnSp>
+      <p:cxnSp>
+        <p:nvCxnSpPr>
+          <p:cNvPr id="177" name="Straight Arrow Connector 176">
+            <a:extLst>
+              <a:ext uri="{FF2B5EF4-FFF2-40B4-BE49-F238E27FC236}">
+                <a16:creationId xmlns:a16="http://schemas.microsoft.com/office/drawing/2014/main" id="{7509F42F-B692-4C9A-B40C-B0CB1DC16B30}"/>
+              </a:ext>
+            </a:extLst>
+          </p:cNvPr>
+          <p:cNvCxnSpPr/>
+          <p:nvPr/>
+        </p:nvCxnSpPr>
+        <p:spPr>
+          <a:xfrm>
+            <a:off x="6453061" y="4894213"/>
+            <a:ext cx="383177" cy="0"/>
+          </a:xfrm>
+          <a:prstGeom prst="straightConnector1">
+            <a:avLst/>
+          </a:prstGeom>
+          <a:ln w="38100">
+            <a:solidFill>
+              <a:srgbClr val="FF0000"/>
+            </a:solidFill>
+            <a:tailEnd type="triangle"/>
+          </a:ln>
+        </p:spPr>
+        <p:style>
+          <a:lnRef idx="3">
+            <a:schemeClr val="accent6"/>
+          </a:lnRef>
+          <a:fillRef idx="0">
+            <a:schemeClr val="accent6"/>
+          </a:fillRef>
+          <a:effectRef idx="2">
+            <a:schemeClr val="accent6"/>
+          </a:effectRef>
+          <a:fontRef idx="minor">
+            <a:schemeClr val="tx1"/>
+          </a:fontRef>
+        </p:style>
+      </p:cxnSp>
+      <p:cxnSp>
+        <p:nvCxnSpPr>
+          <p:cNvPr id="178" name="Straight Arrow Connector 177">
+            <a:extLst>
+              <a:ext uri="{FF2B5EF4-FFF2-40B4-BE49-F238E27FC236}">
+                <a16:creationId xmlns:a16="http://schemas.microsoft.com/office/drawing/2014/main" id="{FC6082DF-0933-48DF-BE36-8EB9A958862C}"/>
+              </a:ext>
+            </a:extLst>
+          </p:cNvPr>
+          <p:cNvCxnSpPr/>
+          <p:nvPr/>
+        </p:nvCxnSpPr>
+        <p:spPr>
+          <a:xfrm>
+            <a:off x="7045242" y="4894213"/>
+            <a:ext cx="383177" cy="0"/>
+          </a:xfrm>
+          <a:prstGeom prst="straightConnector1">
+            <a:avLst/>
+          </a:prstGeom>
+          <a:ln w="38100">
+            <a:solidFill>
+              <a:srgbClr val="FF0000"/>
+            </a:solidFill>
+            <a:tailEnd type="triangle"/>
+          </a:ln>
+        </p:spPr>
+        <p:style>
+          <a:lnRef idx="3">
+            <a:schemeClr val="accent6"/>
+          </a:lnRef>
+          <a:fillRef idx="0">
+            <a:schemeClr val="accent6"/>
+          </a:fillRef>
+          <a:effectRef idx="2">
+            <a:schemeClr val="accent6"/>
+          </a:effectRef>
+          <a:fontRef idx="minor">
+            <a:schemeClr val="tx1"/>
+          </a:fontRef>
+        </p:style>
+      </p:cxnSp>
+      <p:cxnSp>
+        <p:nvCxnSpPr>
+          <p:cNvPr id="189" name="Straight Arrow Connector 188">
+            <a:extLst>
+              <a:ext uri="{FF2B5EF4-FFF2-40B4-BE49-F238E27FC236}">
+                <a16:creationId xmlns:a16="http://schemas.microsoft.com/office/drawing/2014/main" id="{7C092417-2DFF-4011-B009-FC2A5ACC8671}"/>
+              </a:ext>
+            </a:extLst>
+          </p:cNvPr>
+          <p:cNvCxnSpPr>
+            <a:cxnSpLocks/>
+          </p:cNvCxnSpPr>
+          <p:nvPr/>
+        </p:nvCxnSpPr>
+        <p:spPr>
+          <a:xfrm>
+            <a:off x="7824659" y="389920"/>
+            <a:ext cx="0" cy="404940"/>
+          </a:xfrm>
+          <a:prstGeom prst="straightConnector1">
+            <a:avLst/>
+          </a:prstGeom>
+          <a:ln w="38100">
+            <a:solidFill>
+              <a:srgbClr val="FF0000"/>
+            </a:solidFill>
+            <a:tailEnd type="triangle"/>
+          </a:ln>
+        </p:spPr>
+        <p:style>
+          <a:lnRef idx="3">
+            <a:schemeClr val="accent6"/>
+          </a:lnRef>
+          <a:fillRef idx="0">
+            <a:schemeClr val="accent6"/>
+          </a:fillRef>
+          <a:effectRef idx="2">
+            <a:schemeClr val="accent6"/>
+          </a:effectRef>
+          <a:fontRef idx="minor">
+            <a:schemeClr val="tx1"/>
+          </a:fontRef>
+        </p:style>
+      </p:cxnSp>
+      <p:cxnSp>
+        <p:nvCxnSpPr>
+          <p:cNvPr id="190" name="Straight Arrow Connector 189">
+            <a:extLst>
+              <a:ext uri="{FF2B5EF4-FFF2-40B4-BE49-F238E27FC236}">
+                <a16:creationId xmlns:a16="http://schemas.microsoft.com/office/drawing/2014/main" id="{0C9567E5-A29D-419C-80E6-D935493F0B9E}"/>
+              </a:ext>
+            </a:extLst>
+          </p:cNvPr>
+          <p:cNvCxnSpPr>
+            <a:cxnSpLocks/>
+          </p:cNvCxnSpPr>
+          <p:nvPr/>
+        </p:nvCxnSpPr>
+        <p:spPr>
+          <a:xfrm>
+            <a:off x="7824659" y="986450"/>
+            <a:ext cx="0" cy="404940"/>
+          </a:xfrm>
+          <a:prstGeom prst="straightConnector1">
+            <a:avLst/>
+          </a:prstGeom>
+          <a:ln w="38100">
+            <a:solidFill>
+              <a:srgbClr val="FF0000"/>
+            </a:solidFill>
+            <a:tailEnd type="triangle"/>
+          </a:ln>
+        </p:spPr>
+        <p:style>
+          <a:lnRef idx="3">
+            <a:schemeClr val="accent6"/>
+          </a:lnRef>
+          <a:fillRef idx="0">
+            <a:schemeClr val="accent6"/>
+          </a:fillRef>
+          <a:effectRef idx="2">
+            <a:schemeClr val="accent6"/>
+          </a:effectRef>
+          <a:fontRef idx="minor">
+            <a:schemeClr val="tx1"/>
+          </a:fontRef>
+        </p:style>
+      </p:cxnSp>
+      <p:cxnSp>
+        <p:nvCxnSpPr>
+          <p:cNvPr id="191" name="Straight Arrow Connector 190">
+            <a:extLst>
+              <a:ext uri="{FF2B5EF4-FFF2-40B4-BE49-F238E27FC236}">
+                <a16:creationId xmlns:a16="http://schemas.microsoft.com/office/drawing/2014/main" id="{2C4FBEA8-F9B9-46C1-AF21-DE6B184C2741}"/>
+              </a:ext>
+            </a:extLst>
+          </p:cNvPr>
+          <p:cNvCxnSpPr>
+            <a:cxnSpLocks/>
+          </p:cNvCxnSpPr>
+          <p:nvPr/>
+        </p:nvCxnSpPr>
+        <p:spPr>
+          <a:xfrm>
+            <a:off x="7824659" y="1623569"/>
+            <a:ext cx="0" cy="404940"/>
+          </a:xfrm>
+          <a:prstGeom prst="straightConnector1">
+            <a:avLst/>
+          </a:prstGeom>
+          <a:ln w="38100">
+            <a:solidFill>
+              <a:srgbClr val="FF0000"/>
+            </a:solidFill>
+            <a:tailEnd type="triangle"/>
+          </a:ln>
+        </p:spPr>
+        <p:style>
+          <a:lnRef idx="3">
+            <a:schemeClr val="accent6"/>
+          </a:lnRef>
+          <a:fillRef idx="0">
+            <a:schemeClr val="accent6"/>
+          </a:fillRef>
+          <a:effectRef idx="2">
+            <a:schemeClr val="accent6"/>
+          </a:effectRef>
+          <a:fontRef idx="minor">
+            <a:schemeClr val="tx1"/>
+          </a:fontRef>
+        </p:style>
+      </p:cxnSp>
+      <p:cxnSp>
+        <p:nvCxnSpPr>
+          <p:cNvPr id="192" name="Straight Arrow Connector 191">
+            <a:extLst>
+              <a:ext uri="{FF2B5EF4-FFF2-40B4-BE49-F238E27FC236}">
+                <a16:creationId xmlns:a16="http://schemas.microsoft.com/office/drawing/2014/main" id="{DC7A1F53-BE36-46B6-B97D-06AF557B6CAE}"/>
+              </a:ext>
+            </a:extLst>
+          </p:cNvPr>
+          <p:cNvCxnSpPr>
+            <a:cxnSpLocks/>
+          </p:cNvCxnSpPr>
+          <p:nvPr/>
+        </p:nvCxnSpPr>
+        <p:spPr>
+          <a:xfrm>
+            <a:off x="7236830" y="402979"/>
+            <a:ext cx="0" cy="404940"/>
+          </a:xfrm>
+          <a:prstGeom prst="straightConnector1">
+            <a:avLst/>
+          </a:prstGeom>
+          <a:ln w="38100">
+            <a:solidFill>
+              <a:srgbClr val="FF0000"/>
+            </a:solidFill>
+            <a:tailEnd type="triangle"/>
+          </a:ln>
+        </p:spPr>
+        <p:style>
+          <a:lnRef idx="3">
+            <a:schemeClr val="accent6"/>
+          </a:lnRef>
+          <a:fillRef idx="0">
+            <a:schemeClr val="accent6"/>
+          </a:fillRef>
+          <a:effectRef idx="2">
+            <a:schemeClr val="accent6"/>
+          </a:effectRef>
+          <a:fontRef idx="minor">
+            <a:schemeClr val="tx1"/>
+          </a:fontRef>
+        </p:style>
+      </p:cxnSp>
+      <p:cxnSp>
+        <p:nvCxnSpPr>
+          <p:cNvPr id="193" name="Straight Arrow Connector 192">
+            <a:extLst>
+              <a:ext uri="{FF2B5EF4-FFF2-40B4-BE49-F238E27FC236}">
+                <a16:creationId xmlns:a16="http://schemas.microsoft.com/office/drawing/2014/main" id="{D115F777-1E01-47EC-995E-135EF558BF8A}"/>
+              </a:ext>
+            </a:extLst>
+          </p:cNvPr>
+          <p:cNvCxnSpPr>
+            <a:cxnSpLocks/>
+          </p:cNvCxnSpPr>
+          <p:nvPr/>
+        </p:nvCxnSpPr>
+        <p:spPr>
+          <a:xfrm>
+            <a:off x="7236830" y="1008562"/>
+            <a:ext cx="0" cy="404940"/>
+          </a:xfrm>
+          <a:prstGeom prst="straightConnector1">
+            <a:avLst/>
+          </a:prstGeom>
+          <a:ln w="38100">
+            <a:solidFill>
+              <a:srgbClr val="FF0000"/>
+            </a:solidFill>
+            <a:tailEnd type="triangle"/>
+          </a:ln>
+        </p:spPr>
+        <p:style>
+          <a:lnRef idx="3">
+            <a:schemeClr val="accent6"/>
+          </a:lnRef>
+          <a:fillRef idx="0">
+            <a:schemeClr val="accent6"/>
+          </a:fillRef>
+          <a:effectRef idx="2">
+            <a:schemeClr val="accent6"/>
+          </a:effectRef>
+          <a:fontRef idx="minor">
+            <a:schemeClr val="tx1"/>
+          </a:fontRef>
+        </p:style>
+      </p:cxnSp>
+      <p:cxnSp>
+        <p:nvCxnSpPr>
+          <p:cNvPr id="194" name="Straight Arrow Connector 193">
+            <a:extLst>
+              <a:ext uri="{FF2B5EF4-FFF2-40B4-BE49-F238E27FC236}">
+                <a16:creationId xmlns:a16="http://schemas.microsoft.com/office/drawing/2014/main" id="{C276D815-B6CC-4972-BDDA-038AEF4455EF}"/>
+              </a:ext>
+            </a:extLst>
+          </p:cNvPr>
+          <p:cNvCxnSpPr>
+            <a:cxnSpLocks/>
+          </p:cNvCxnSpPr>
+          <p:nvPr/>
+        </p:nvCxnSpPr>
+        <p:spPr>
+          <a:xfrm>
+            <a:off x="7236830" y="1636627"/>
+            <a:ext cx="0" cy="404940"/>
+          </a:xfrm>
+          <a:prstGeom prst="straightConnector1">
+            <a:avLst/>
+          </a:prstGeom>
+          <a:ln w="38100">
+            <a:solidFill>
+              <a:srgbClr val="FF0000"/>
+            </a:solidFill>
+            <a:tailEnd type="triangle"/>
+          </a:ln>
+        </p:spPr>
+        <p:style>
+          <a:lnRef idx="3">
+            <a:schemeClr val="accent6"/>
+          </a:lnRef>
+          <a:fillRef idx="0">
+            <a:schemeClr val="accent6"/>
+          </a:fillRef>
+          <a:effectRef idx="2">
+            <a:schemeClr val="accent6"/>
+          </a:effectRef>
+          <a:fontRef idx="minor">
+            <a:schemeClr val="tx1"/>
+          </a:fontRef>
+        </p:style>
+      </p:cxnSp>
+      <p:cxnSp>
+        <p:nvCxnSpPr>
+          <p:cNvPr id="195" name="Straight Arrow Connector 194">
+            <a:extLst>
+              <a:ext uri="{FF2B5EF4-FFF2-40B4-BE49-F238E27FC236}">
+                <a16:creationId xmlns:a16="http://schemas.microsoft.com/office/drawing/2014/main" id="{7E9936B2-D99B-4152-802D-751EED320008}"/>
+              </a:ext>
+            </a:extLst>
+          </p:cNvPr>
+          <p:cNvCxnSpPr>
+            <a:cxnSpLocks/>
+          </p:cNvCxnSpPr>
+          <p:nvPr/>
+        </p:nvCxnSpPr>
+        <p:spPr>
+          <a:xfrm>
+            <a:off x="6622877" y="358753"/>
+            <a:ext cx="0" cy="404940"/>
+          </a:xfrm>
+          <a:prstGeom prst="straightConnector1">
+            <a:avLst/>
+          </a:prstGeom>
+          <a:ln w="38100">
+            <a:solidFill>
+              <a:srgbClr val="FF0000"/>
+            </a:solidFill>
+            <a:tailEnd type="triangle"/>
+          </a:ln>
+        </p:spPr>
+        <p:style>
+          <a:lnRef idx="3">
+            <a:schemeClr val="accent6"/>
+          </a:lnRef>
+          <a:fillRef idx="0">
+            <a:schemeClr val="accent6"/>
+          </a:fillRef>
+          <a:effectRef idx="2">
+            <a:schemeClr val="accent6"/>
+          </a:effectRef>
+          <a:fontRef idx="minor">
+            <a:schemeClr val="tx1"/>
+          </a:fontRef>
+        </p:style>
+      </p:cxnSp>
+      <p:cxnSp>
+        <p:nvCxnSpPr>
+          <p:cNvPr id="196" name="Straight Arrow Connector 195">
+            <a:extLst>
+              <a:ext uri="{FF2B5EF4-FFF2-40B4-BE49-F238E27FC236}">
+                <a16:creationId xmlns:a16="http://schemas.microsoft.com/office/drawing/2014/main" id="{ABBB8CDD-77AE-4FD5-847E-62743BCDE786}"/>
+              </a:ext>
+            </a:extLst>
+          </p:cNvPr>
+          <p:cNvCxnSpPr>
+            <a:cxnSpLocks/>
+          </p:cNvCxnSpPr>
+          <p:nvPr/>
+        </p:nvCxnSpPr>
+        <p:spPr>
+          <a:xfrm>
+            <a:off x="6622877" y="982444"/>
+            <a:ext cx="0" cy="404940"/>
+          </a:xfrm>
+          <a:prstGeom prst="straightConnector1">
+            <a:avLst/>
+          </a:prstGeom>
+          <a:ln w="38100">
+            <a:solidFill>
+              <a:srgbClr val="FF0000"/>
+            </a:solidFill>
+            <a:tailEnd type="triangle"/>
+          </a:ln>
+        </p:spPr>
+        <p:style>
+          <a:lnRef idx="3">
+            <a:schemeClr val="accent6"/>
+          </a:lnRef>
+          <a:fillRef idx="0">
+            <a:schemeClr val="accent6"/>
+          </a:fillRef>
+          <a:effectRef idx="2">
+            <a:schemeClr val="accent6"/>
+          </a:effectRef>
+          <a:fontRef idx="minor">
+            <a:schemeClr val="tx1"/>
+          </a:fontRef>
+        </p:style>
+      </p:cxnSp>
+      <p:cxnSp>
+        <p:nvCxnSpPr>
+          <p:cNvPr id="197" name="Straight Arrow Connector 196">
+            <a:extLst>
+              <a:ext uri="{FF2B5EF4-FFF2-40B4-BE49-F238E27FC236}">
+                <a16:creationId xmlns:a16="http://schemas.microsoft.com/office/drawing/2014/main" id="{DB1B9201-1114-419D-BD99-7FABD2F3F33B}"/>
+              </a:ext>
+            </a:extLst>
+          </p:cNvPr>
+          <p:cNvCxnSpPr>
+            <a:cxnSpLocks/>
+          </p:cNvCxnSpPr>
+          <p:nvPr/>
+        </p:nvCxnSpPr>
+        <p:spPr>
+          <a:xfrm>
+            <a:off x="6622877" y="1619563"/>
+            <a:ext cx="0" cy="404940"/>
+          </a:xfrm>
+          <a:prstGeom prst="straightConnector1">
+            <a:avLst/>
+          </a:prstGeom>
+          <a:ln w="38100">
+            <a:solidFill>
+              <a:srgbClr val="FF0000"/>
+            </a:solidFill>
+            <a:tailEnd type="triangle"/>
+          </a:ln>
+        </p:spPr>
+        <p:style>
+          <a:lnRef idx="3">
+            <a:schemeClr val="accent6"/>
+          </a:lnRef>
+          <a:fillRef idx="0">
+            <a:schemeClr val="accent6"/>
+          </a:fillRef>
+          <a:effectRef idx="2">
+            <a:schemeClr val="accent6"/>
+          </a:effectRef>
+          <a:fontRef idx="minor">
+            <a:schemeClr val="tx1"/>
+          </a:fontRef>
+        </p:style>
+      </p:cxnSp>
+      <p:cxnSp>
+        <p:nvCxnSpPr>
+          <p:cNvPr id="198" name="Straight Arrow Connector 197">
+            <a:extLst>
+              <a:ext uri="{FF2B5EF4-FFF2-40B4-BE49-F238E27FC236}">
+                <a16:creationId xmlns:a16="http://schemas.microsoft.com/office/drawing/2014/main" id="{91AB98D3-CF0B-48B0-8AD1-63DB01873E5F}"/>
+              </a:ext>
+            </a:extLst>
+          </p:cNvPr>
+          <p:cNvCxnSpPr>
+            <a:cxnSpLocks/>
+          </p:cNvCxnSpPr>
+          <p:nvPr/>
+        </p:nvCxnSpPr>
+        <p:spPr>
+          <a:xfrm>
+            <a:off x="6035048" y="379449"/>
+            <a:ext cx="0" cy="404940"/>
+          </a:xfrm>
+          <a:prstGeom prst="straightConnector1">
+            <a:avLst/>
+          </a:prstGeom>
+          <a:ln w="38100">
+            <a:solidFill>
+              <a:srgbClr val="FF0000"/>
+            </a:solidFill>
+            <a:tailEnd type="triangle"/>
+          </a:ln>
+        </p:spPr>
+        <p:style>
+          <a:lnRef idx="3">
+            <a:schemeClr val="accent6"/>
+          </a:lnRef>
+          <a:fillRef idx="0">
+            <a:schemeClr val="accent6"/>
+          </a:fillRef>
+          <a:effectRef idx="2">
+            <a:schemeClr val="accent6"/>
+          </a:effectRef>
+          <a:fontRef idx="minor">
+            <a:schemeClr val="tx1"/>
+          </a:fontRef>
+        </p:style>
+      </p:cxnSp>
+      <p:cxnSp>
+        <p:nvCxnSpPr>
+          <p:cNvPr id="199" name="Straight Arrow Connector 198">
+            <a:extLst>
+              <a:ext uri="{FF2B5EF4-FFF2-40B4-BE49-F238E27FC236}">
+                <a16:creationId xmlns:a16="http://schemas.microsoft.com/office/drawing/2014/main" id="{C1D9E09C-88BA-489A-936F-FD6920392A39}"/>
+              </a:ext>
+            </a:extLst>
+          </p:cNvPr>
+          <p:cNvCxnSpPr>
+            <a:cxnSpLocks/>
+          </p:cNvCxnSpPr>
+          <p:nvPr/>
+        </p:nvCxnSpPr>
+        <p:spPr>
+          <a:xfrm>
+            <a:off x="6035048" y="1013611"/>
+            <a:ext cx="0" cy="404940"/>
+          </a:xfrm>
+          <a:prstGeom prst="straightConnector1">
+            <a:avLst/>
+          </a:prstGeom>
+          <a:ln w="38100">
+            <a:solidFill>
+              <a:srgbClr val="FF0000"/>
+            </a:solidFill>
+            <a:tailEnd type="triangle"/>
+          </a:ln>
+        </p:spPr>
+        <p:style>
+          <a:lnRef idx="3">
+            <a:schemeClr val="accent6"/>
+          </a:lnRef>
+          <a:fillRef idx="0">
+            <a:schemeClr val="accent6"/>
+          </a:fillRef>
+          <a:effectRef idx="2">
+            <a:schemeClr val="accent6"/>
+          </a:effectRef>
+          <a:fontRef idx="minor">
+            <a:schemeClr val="tx1"/>
+          </a:fontRef>
+        </p:style>
+      </p:cxnSp>
+      <p:cxnSp>
+        <p:nvCxnSpPr>
+          <p:cNvPr id="200" name="Straight Arrow Connector 199">
+            <a:extLst>
+              <a:ext uri="{FF2B5EF4-FFF2-40B4-BE49-F238E27FC236}">
+                <a16:creationId xmlns:a16="http://schemas.microsoft.com/office/drawing/2014/main" id="{752C8CF4-D107-4A46-9AB6-89C79674D19C}"/>
+              </a:ext>
+            </a:extLst>
+          </p:cNvPr>
+          <p:cNvCxnSpPr>
+            <a:cxnSpLocks/>
+          </p:cNvCxnSpPr>
+          <p:nvPr/>
+        </p:nvCxnSpPr>
+        <p:spPr>
+          <a:xfrm>
+            <a:off x="6035048" y="1614516"/>
+            <a:ext cx="0" cy="404940"/>
+          </a:xfrm>
+          <a:prstGeom prst="straightConnector1">
+            <a:avLst/>
+          </a:prstGeom>
+          <a:ln w="38100">
+            <a:solidFill>
+              <a:srgbClr val="FF0000"/>
+            </a:solidFill>
+            <a:tailEnd type="triangle"/>
+          </a:ln>
+        </p:spPr>
+        <p:style>
+          <a:lnRef idx="3">
+            <a:schemeClr val="accent6"/>
+          </a:lnRef>
+          <a:fillRef idx="0">
+            <a:schemeClr val="accent6"/>
+          </a:fillRef>
+          <a:effectRef idx="2">
+            <a:schemeClr val="accent6"/>
+          </a:effectRef>
+          <a:fontRef idx="minor">
+            <a:schemeClr val="tx1"/>
+          </a:fontRef>
+        </p:style>
+      </p:cxnSp>
+      <p:cxnSp>
+        <p:nvCxnSpPr>
+          <p:cNvPr id="201" name="Straight Arrow Connector 200">
+            <a:extLst>
+              <a:ext uri="{FF2B5EF4-FFF2-40B4-BE49-F238E27FC236}">
+                <a16:creationId xmlns:a16="http://schemas.microsoft.com/office/drawing/2014/main" id="{0F38E66F-FC2B-4E4E-BD85-190A0E6A37A1}"/>
+              </a:ext>
+            </a:extLst>
+          </p:cNvPr>
+          <p:cNvCxnSpPr>
+            <a:cxnSpLocks/>
+          </p:cNvCxnSpPr>
+          <p:nvPr/>
+        </p:nvCxnSpPr>
+        <p:spPr>
+          <a:xfrm>
+            <a:off x="7820299" y="2224446"/>
+            <a:ext cx="0" cy="404940"/>
+          </a:xfrm>
+          <a:prstGeom prst="straightConnector1">
+            <a:avLst/>
+          </a:prstGeom>
+          <a:ln w="38100">
+            <a:solidFill>
+              <a:srgbClr val="FF0000"/>
+            </a:solidFill>
+            <a:tailEnd type="triangle"/>
+          </a:ln>
+        </p:spPr>
+        <p:style>
+          <a:lnRef idx="3">
+            <a:schemeClr val="accent6"/>
+          </a:lnRef>
+          <a:fillRef idx="0">
+            <a:schemeClr val="accent6"/>
+          </a:fillRef>
+          <a:effectRef idx="2">
+            <a:schemeClr val="accent6"/>
+          </a:effectRef>
+          <a:fontRef idx="minor">
+            <a:schemeClr val="tx1"/>
+          </a:fontRef>
+        </p:style>
+      </p:cxnSp>
+      <p:cxnSp>
+        <p:nvCxnSpPr>
+          <p:cNvPr id="202" name="Straight Arrow Connector 201">
+            <a:extLst>
+              <a:ext uri="{FF2B5EF4-FFF2-40B4-BE49-F238E27FC236}">
+                <a16:creationId xmlns:a16="http://schemas.microsoft.com/office/drawing/2014/main" id="{A00ECF6F-EAD5-4E82-A73B-D2E7C9C7C253}"/>
+              </a:ext>
+            </a:extLst>
+          </p:cNvPr>
+          <p:cNvCxnSpPr>
+            <a:cxnSpLocks/>
+          </p:cNvCxnSpPr>
+          <p:nvPr/>
+        </p:nvCxnSpPr>
+        <p:spPr>
+          <a:xfrm>
+            <a:off x="7820299" y="2825336"/>
+            <a:ext cx="0" cy="404940"/>
+          </a:xfrm>
+          <a:prstGeom prst="straightConnector1">
+            <a:avLst/>
+          </a:prstGeom>
+          <a:ln w="38100">
+            <a:solidFill>
+              <a:srgbClr val="FF0000"/>
+            </a:solidFill>
+            <a:tailEnd type="triangle"/>
+          </a:ln>
+        </p:spPr>
+        <p:style>
+          <a:lnRef idx="3">
+            <a:schemeClr val="accent6"/>
+          </a:lnRef>
+          <a:fillRef idx="0">
+            <a:schemeClr val="accent6"/>
+          </a:fillRef>
+          <a:effectRef idx="2">
+            <a:schemeClr val="accent6"/>
+          </a:effectRef>
+          <a:fontRef idx="minor">
+            <a:schemeClr val="tx1"/>
+          </a:fontRef>
+        </p:style>
+      </p:cxnSp>
+      <p:cxnSp>
+        <p:nvCxnSpPr>
+          <p:cNvPr id="203" name="Straight Arrow Connector 202">
+            <a:extLst>
+              <a:ext uri="{FF2B5EF4-FFF2-40B4-BE49-F238E27FC236}">
+                <a16:creationId xmlns:a16="http://schemas.microsoft.com/office/drawing/2014/main" id="{37BA4C35-B3CF-40D6-95F3-34389F240956}"/>
+              </a:ext>
+            </a:extLst>
+          </p:cNvPr>
+          <p:cNvCxnSpPr>
+            <a:cxnSpLocks/>
+          </p:cNvCxnSpPr>
+          <p:nvPr/>
+        </p:nvCxnSpPr>
+        <p:spPr>
+          <a:xfrm>
+            <a:off x="9035834" y="3443651"/>
+            <a:ext cx="0" cy="404940"/>
+          </a:xfrm>
+          <a:prstGeom prst="straightConnector1">
+            <a:avLst/>
+          </a:prstGeom>
+          <a:ln w="38100">
+            <a:solidFill>
+              <a:srgbClr val="FF0000"/>
+            </a:solidFill>
+            <a:tailEnd type="triangle"/>
+          </a:ln>
+        </p:spPr>
+        <p:style>
+          <a:lnRef idx="3">
+            <a:schemeClr val="accent6"/>
+          </a:lnRef>
+          <a:fillRef idx="0">
+            <a:schemeClr val="accent6"/>
+          </a:fillRef>
+          <a:effectRef idx="2">
+            <a:schemeClr val="accent6"/>
+          </a:effectRef>
+          <a:fontRef idx="minor">
+            <a:schemeClr val="tx1"/>
+          </a:fontRef>
+        </p:style>
+      </p:cxnSp>
+      <p:cxnSp>
+        <p:nvCxnSpPr>
+          <p:cNvPr id="204" name="Straight Arrow Connector 203">
+            <a:extLst>
+              <a:ext uri="{FF2B5EF4-FFF2-40B4-BE49-F238E27FC236}">
+                <a16:creationId xmlns:a16="http://schemas.microsoft.com/office/drawing/2014/main" id="{0F0CA196-515F-474B-B177-93490925B642}"/>
+              </a:ext>
+            </a:extLst>
+          </p:cNvPr>
+          <p:cNvCxnSpPr>
+            <a:cxnSpLocks/>
+          </p:cNvCxnSpPr>
+          <p:nvPr/>
+        </p:nvCxnSpPr>
+        <p:spPr>
+          <a:xfrm>
+            <a:off x="9035834" y="4116981"/>
+            <a:ext cx="0" cy="404940"/>
+          </a:xfrm>
+          <a:prstGeom prst="straightConnector1">
+            <a:avLst/>
+          </a:prstGeom>
+          <a:ln w="38100">
+            <a:solidFill>
+              <a:srgbClr val="FF0000"/>
+            </a:solidFill>
+            <a:tailEnd type="triangle"/>
+          </a:ln>
+        </p:spPr>
+        <p:style>
+          <a:lnRef idx="3">
+            <a:schemeClr val="accent6"/>
+          </a:lnRef>
+          <a:fillRef idx="0">
+            <a:schemeClr val="accent6"/>
+          </a:fillRef>
+          <a:effectRef idx="2">
+            <a:schemeClr val="accent6"/>
+          </a:effectRef>
+          <a:fontRef idx="minor">
+            <a:schemeClr val="tx1"/>
+          </a:fontRef>
+        </p:style>
+      </p:cxnSp>
+      <p:cxnSp>
+        <p:nvCxnSpPr>
+          <p:cNvPr id="205" name="Straight Arrow Connector 204">
+            <a:extLst>
+              <a:ext uri="{FF2B5EF4-FFF2-40B4-BE49-F238E27FC236}">
+                <a16:creationId xmlns:a16="http://schemas.microsoft.com/office/drawing/2014/main" id="{924000EF-F13E-48AC-9176-B4635875CAC2}"/>
+              </a:ext>
+            </a:extLst>
+          </p:cNvPr>
+          <p:cNvCxnSpPr>
+            <a:cxnSpLocks/>
+          </p:cNvCxnSpPr>
+          <p:nvPr/>
+        </p:nvCxnSpPr>
+        <p:spPr>
+          <a:xfrm>
+            <a:off x="9035834" y="4713503"/>
+            <a:ext cx="0" cy="404940"/>
+          </a:xfrm>
+          <a:prstGeom prst="straightConnector1">
+            <a:avLst/>
+          </a:prstGeom>
+          <a:ln w="38100">
+            <a:solidFill>
+              <a:srgbClr val="FF0000"/>
+            </a:solidFill>
+            <a:tailEnd type="triangle"/>
+          </a:ln>
+        </p:spPr>
+        <p:style>
+          <a:lnRef idx="3">
+            <a:schemeClr val="accent6"/>
+          </a:lnRef>
+          <a:fillRef idx="0">
+            <a:schemeClr val="accent6"/>
+          </a:fillRef>
+          <a:effectRef idx="2">
+            <a:schemeClr val="accent6"/>
+          </a:effectRef>
+          <a:fontRef idx="minor">
+            <a:schemeClr val="tx1"/>
+          </a:fontRef>
+        </p:style>
+      </p:cxnSp>
+      <p:cxnSp>
+        <p:nvCxnSpPr>
+          <p:cNvPr id="206" name="Straight Arrow Connector 205">
+            <a:extLst>
+              <a:ext uri="{FF2B5EF4-FFF2-40B4-BE49-F238E27FC236}">
+                <a16:creationId xmlns:a16="http://schemas.microsoft.com/office/drawing/2014/main" id="{C5581E66-80F3-4807-909C-7A9DA7E2AC81}"/>
+              </a:ext>
+            </a:extLst>
+          </p:cNvPr>
+          <p:cNvCxnSpPr>
+            <a:cxnSpLocks/>
+          </p:cNvCxnSpPr>
+          <p:nvPr/>
+        </p:nvCxnSpPr>
+        <p:spPr>
+          <a:xfrm>
+            <a:off x="9035834" y="5314393"/>
+            <a:ext cx="0" cy="404940"/>
+          </a:xfrm>
+          <a:prstGeom prst="straightConnector1">
+            <a:avLst/>
+          </a:prstGeom>
+          <a:ln w="38100">
+            <a:solidFill>
+              <a:srgbClr val="FF0000"/>
+            </a:solidFill>
+            <a:tailEnd type="triangle"/>
+          </a:ln>
+        </p:spPr>
+        <p:style>
+          <a:lnRef idx="3">
+            <a:schemeClr val="accent6"/>
+          </a:lnRef>
+          <a:fillRef idx="0">
+            <a:schemeClr val="accent6"/>
+          </a:fillRef>
+          <a:effectRef idx="2">
+            <a:schemeClr val="accent6"/>
+          </a:effectRef>
+          <a:fontRef idx="minor">
+            <a:schemeClr val="tx1"/>
+          </a:fontRef>
+        </p:style>
+      </p:cxnSp>
+      <p:cxnSp>
+        <p:nvCxnSpPr>
+          <p:cNvPr id="207" name="Straight Arrow Connector 206">
+            <a:extLst>
+              <a:ext uri="{FF2B5EF4-FFF2-40B4-BE49-F238E27FC236}">
+                <a16:creationId xmlns:a16="http://schemas.microsoft.com/office/drawing/2014/main" id="{6FF5DE15-6C91-4FEA-A3EB-F138DBC7A956}"/>
+              </a:ext>
+            </a:extLst>
+          </p:cNvPr>
+          <p:cNvCxnSpPr>
+            <a:cxnSpLocks/>
+          </p:cNvCxnSpPr>
+          <p:nvPr/>
+        </p:nvCxnSpPr>
+        <p:spPr>
+          <a:xfrm>
+            <a:off x="8429899" y="3456710"/>
+            <a:ext cx="0" cy="404940"/>
+          </a:xfrm>
+          <a:prstGeom prst="straightConnector1">
+            <a:avLst/>
+          </a:prstGeom>
+          <a:ln w="38100">
+            <a:solidFill>
+              <a:srgbClr val="FF0000"/>
+            </a:solidFill>
+            <a:tailEnd type="triangle"/>
+          </a:ln>
+        </p:spPr>
+        <p:style>
+          <a:lnRef idx="3">
+            <a:schemeClr val="accent6"/>
+          </a:lnRef>
+          <a:fillRef idx="0">
+            <a:schemeClr val="accent6"/>
+          </a:fillRef>
+          <a:effectRef idx="2">
+            <a:schemeClr val="accent6"/>
+          </a:effectRef>
+          <a:fontRef idx="minor">
+            <a:schemeClr val="tx1"/>
+          </a:fontRef>
+        </p:style>
+      </p:cxnSp>
+      <p:cxnSp>
+        <p:nvCxnSpPr>
+          <p:cNvPr id="208" name="Straight Arrow Connector 207">
+            <a:extLst>
+              <a:ext uri="{FF2B5EF4-FFF2-40B4-BE49-F238E27FC236}">
+                <a16:creationId xmlns:a16="http://schemas.microsoft.com/office/drawing/2014/main" id="{41C3C451-8B80-484F-B19B-F8884F6EAB90}"/>
+              </a:ext>
+            </a:extLst>
+          </p:cNvPr>
+          <p:cNvCxnSpPr>
+            <a:cxnSpLocks/>
+          </p:cNvCxnSpPr>
+          <p:nvPr/>
+        </p:nvCxnSpPr>
+        <p:spPr>
+          <a:xfrm>
+            <a:off x="8429899" y="4084775"/>
+            <a:ext cx="0" cy="404940"/>
+          </a:xfrm>
+          <a:prstGeom prst="straightConnector1">
+            <a:avLst/>
+          </a:prstGeom>
+          <a:ln w="38100">
+            <a:solidFill>
+              <a:srgbClr val="FF0000"/>
+            </a:solidFill>
+            <a:tailEnd type="triangle"/>
+          </a:ln>
+        </p:spPr>
+        <p:style>
+          <a:lnRef idx="3">
+            <a:schemeClr val="accent6"/>
+          </a:lnRef>
+          <a:fillRef idx="0">
+            <a:schemeClr val="accent6"/>
+          </a:fillRef>
+          <a:effectRef idx="2">
+            <a:schemeClr val="accent6"/>
+          </a:effectRef>
+          <a:fontRef idx="minor">
+            <a:schemeClr val="tx1"/>
+          </a:fontRef>
+        </p:style>
+      </p:cxnSp>
+      <p:cxnSp>
+        <p:nvCxnSpPr>
+          <p:cNvPr id="209" name="Straight Arrow Connector 208">
+            <a:extLst>
+              <a:ext uri="{FF2B5EF4-FFF2-40B4-BE49-F238E27FC236}">
+                <a16:creationId xmlns:a16="http://schemas.microsoft.com/office/drawing/2014/main" id="{BCB339AC-78ED-451C-8B20-9CF4FA3A09FF}"/>
+              </a:ext>
+            </a:extLst>
+          </p:cNvPr>
+          <p:cNvCxnSpPr>
+            <a:cxnSpLocks/>
+          </p:cNvCxnSpPr>
+          <p:nvPr/>
+        </p:nvCxnSpPr>
+        <p:spPr>
+          <a:xfrm>
+            <a:off x="8429899" y="4726562"/>
+            <a:ext cx="0" cy="404940"/>
+          </a:xfrm>
+          <a:prstGeom prst="straightConnector1">
+            <a:avLst/>
+          </a:prstGeom>
+          <a:ln w="38100">
+            <a:solidFill>
+              <a:srgbClr val="FF0000"/>
+            </a:solidFill>
+            <a:tailEnd type="triangle"/>
+          </a:ln>
+        </p:spPr>
+        <p:style>
+          <a:lnRef idx="3">
+            <a:schemeClr val="accent6"/>
+          </a:lnRef>
+          <a:fillRef idx="0">
+            <a:schemeClr val="accent6"/>
+          </a:fillRef>
+          <a:effectRef idx="2">
+            <a:schemeClr val="accent6"/>
+          </a:effectRef>
+          <a:fontRef idx="minor">
+            <a:schemeClr val="tx1"/>
+          </a:fontRef>
+        </p:style>
+      </p:cxnSp>
+      <p:cxnSp>
+        <p:nvCxnSpPr>
+          <p:cNvPr id="211" name="Straight Arrow Connector 210">
+            <a:extLst>
+              <a:ext uri="{FF2B5EF4-FFF2-40B4-BE49-F238E27FC236}">
+                <a16:creationId xmlns:a16="http://schemas.microsoft.com/office/drawing/2014/main" id="{663E4A3F-804B-4CA6-A909-DA03424E90C8}"/>
+              </a:ext>
+            </a:extLst>
+          </p:cNvPr>
+          <p:cNvCxnSpPr>
+            <a:cxnSpLocks/>
+          </p:cNvCxnSpPr>
+          <p:nvPr/>
+        </p:nvCxnSpPr>
+        <p:spPr>
+          <a:xfrm>
+            <a:off x="7824659" y="3452355"/>
+            <a:ext cx="0" cy="404940"/>
+          </a:xfrm>
+          <a:prstGeom prst="straightConnector1">
+            <a:avLst/>
+          </a:prstGeom>
+          <a:ln w="38100">
+            <a:solidFill>
+              <a:srgbClr val="FF0000"/>
+            </a:solidFill>
+            <a:tailEnd type="triangle"/>
+          </a:ln>
+        </p:spPr>
+        <p:style>
+          <a:lnRef idx="3">
+            <a:schemeClr val="accent6"/>
+          </a:lnRef>
+          <a:fillRef idx="0">
+            <a:schemeClr val="accent6"/>
+          </a:fillRef>
+          <a:effectRef idx="2">
+            <a:schemeClr val="accent6"/>
+          </a:effectRef>
+          <a:fontRef idx="minor">
+            <a:schemeClr val="tx1"/>
+          </a:fontRef>
+        </p:style>
+      </p:cxnSp>
+      <p:cxnSp>
+        <p:nvCxnSpPr>
+          <p:cNvPr id="212" name="Straight Arrow Connector 211">
+            <a:extLst>
+              <a:ext uri="{FF2B5EF4-FFF2-40B4-BE49-F238E27FC236}">
+                <a16:creationId xmlns:a16="http://schemas.microsoft.com/office/drawing/2014/main" id="{D4C62C46-5FE9-4B9A-A1A6-823B1BDD448F}"/>
+              </a:ext>
+            </a:extLst>
+          </p:cNvPr>
+          <p:cNvCxnSpPr>
+            <a:cxnSpLocks/>
+          </p:cNvCxnSpPr>
+          <p:nvPr/>
+        </p:nvCxnSpPr>
+        <p:spPr>
+          <a:xfrm>
+            <a:off x="7824659" y="4071366"/>
+            <a:ext cx="0" cy="404940"/>
+          </a:xfrm>
+          <a:prstGeom prst="straightConnector1">
+            <a:avLst/>
+          </a:prstGeom>
+          <a:ln w="38100">
+            <a:solidFill>
+              <a:srgbClr val="FF0000"/>
+            </a:solidFill>
+            <a:tailEnd type="triangle"/>
+          </a:ln>
+        </p:spPr>
+        <p:style>
+          <a:lnRef idx="3">
+            <a:schemeClr val="accent6"/>
+          </a:lnRef>
+          <a:fillRef idx="0">
+            <a:schemeClr val="accent6"/>
+          </a:fillRef>
+          <a:effectRef idx="2">
+            <a:schemeClr val="accent6"/>
+          </a:effectRef>
+          <a:fontRef idx="minor">
+            <a:schemeClr val="tx1"/>
+          </a:fontRef>
+        </p:style>
+      </p:cxnSp>
+      <p:cxnSp>
+        <p:nvCxnSpPr>
+          <p:cNvPr id="217" name="Straight Arrow Connector 216">
+            <a:extLst>
+              <a:ext uri="{FF2B5EF4-FFF2-40B4-BE49-F238E27FC236}">
+                <a16:creationId xmlns:a16="http://schemas.microsoft.com/office/drawing/2014/main" id="{8F5AA0FB-2D78-46FD-9EEA-DE285E3EF5DF}"/>
+              </a:ext>
+            </a:extLst>
+          </p:cNvPr>
+          <p:cNvCxnSpPr/>
+          <p:nvPr/>
+        </p:nvCxnSpPr>
+        <p:spPr>
+          <a:xfrm>
+            <a:off x="5847815" y="5516882"/>
+            <a:ext cx="383177" cy="0"/>
+          </a:xfrm>
+          <a:prstGeom prst="straightConnector1">
+            <a:avLst/>
+          </a:prstGeom>
+          <a:ln w="38100">
+            <a:solidFill>
+              <a:srgbClr val="FF0000"/>
+            </a:solidFill>
+            <a:tailEnd type="triangle"/>
+          </a:ln>
+        </p:spPr>
+        <p:style>
+          <a:lnRef idx="3">
+            <a:schemeClr val="accent6"/>
+          </a:lnRef>
+          <a:fillRef idx="0">
+            <a:schemeClr val="accent6"/>
+          </a:fillRef>
+          <a:effectRef idx="2">
+            <a:schemeClr val="accent6"/>
+          </a:effectRef>
+          <a:fontRef idx="minor">
+            <a:schemeClr val="tx1"/>
+          </a:fontRef>
+        </p:style>
+      </p:cxnSp>
+      <p:cxnSp>
+        <p:nvCxnSpPr>
+          <p:cNvPr id="218" name="Straight Arrow Connector 217">
+            <a:extLst>
+              <a:ext uri="{FF2B5EF4-FFF2-40B4-BE49-F238E27FC236}">
+                <a16:creationId xmlns:a16="http://schemas.microsoft.com/office/drawing/2014/main" id="{888E14F1-3D80-447F-BC25-E93214453D49}"/>
+              </a:ext>
+            </a:extLst>
+          </p:cNvPr>
+          <p:cNvCxnSpPr/>
+          <p:nvPr/>
+        </p:nvCxnSpPr>
+        <p:spPr>
+          <a:xfrm>
+            <a:off x="6457416" y="5516882"/>
+            <a:ext cx="383177" cy="0"/>
+          </a:xfrm>
+          <a:prstGeom prst="straightConnector1">
+            <a:avLst/>
+          </a:prstGeom>
+          <a:ln w="38100">
+            <a:solidFill>
+              <a:srgbClr val="FF0000"/>
+            </a:solidFill>
+            <a:tailEnd type="triangle"/>
+          </a:ln>
+        </p:spPr>
+        <p:style>
+          <a:lnRef idx="3">
+            <a:schemeClr val="accent6"/>
+          </a:lnRef>
+          <a:fillRef idx="0">
+            <a:schemeClr val="accent6"/>
+          </a:fillRef>
+          <a:effectRef idx="2">
+            <a:schemeClr val="accent6"/>
+          </a:effectRef>
+          <a:fontRef idx="minor">
+            <a:schemeClr val="tx1"/>
+          </a:fontRef>
+        </p:style>
+      </p:cxnSp>
+      <p:cxnSp>
+        <p:nvCxnSpPr>
+          <p:cNvPr id="219" name="Straight Arrow Connector 218">
+            <a:extLst>
+              <a:ext uri="{FF2B5EF4-FFF2-40B4-BE49-F238E27FC236}">
+                <a16:creationId xmlns:a16="http://schemas.microsoft.com/office/drawing/2014/main" id="{26C89FC7-8304-4DEB-BFFF-C668CED99073}"/>
+              </a:ext>
+            </a:extLst>
+          </p:cNvPr>
+          <p:cNvCxnSpPr/>
+          <p:nvPr/>
+        </p:nvCxnSpPr>
+        <p:spPr>
+          <a:xfrm>
+            <a:off x="7049597" y="5516882"/>
+            <a:ext cx="383177" cy="0"/>
+          </a:xfrm>
+          <a:prstGeom prst="straightConnector1">
+            <a:avLst/>
+          </a:prstGeom>
+          <a:ln w="38100">
+            <a:solidFill>
+              <a:srgbClr val="FF0000"/>
+            </a:solidFill>
+            <a:tailEnd type="triangle"/>
+          </a:ln>
+        </p:spPr>
+        <p:style>
+          <a:lnRef idx="3">
+            <a:schemeClr val="accent6"/>
+          </a:lnRef>
+          <a:fillRef idx="0">
+            <a:schemeClr val="accent6"/>
+          </a:fillRef>
+          <a:effectRef idx="2">
+            <a:schemeClr val="accent6"/>
+          </a:effectRef>
+          <a:fontRef idx="minor">
+            <a:schemeClr val="tx1"/>
+          </a:fontRef>
+        </p:style>
+      </p:cxnSp>
+      <p:cxnSp>
+        <p:nvCxnSpPr>
+          <p:cNvPr id="220" name="Straight Arrow Connector 219">
+            <a:extLst>
+              <a:ext uri="{FF2B5EF4-FFF2-40B4-BE49-F238E27FC236}">
+                <a16:creationId xmlns:a16="http://schemas.microsoft.com/office/drawing/2014/main" id="{CD4936F0-B30F-47F5-9F02-5B15075C43FD}"/>
+              </a:ext>
+            </a:extLst>
+          </p:cNvPr>
+          <p:cNvCxnSpPr/>
+          <p:nvPr/>
+        </p:nvCxnSpPr>
+        <p:spPr>
+          <a:xfrm>
+            <a:off x="5847813" y="6072845"/>
+            <a:ext cx="383177" cy="0"/>
+          </a:xfrm>
+          <a:prstGeom prst="straightConnector1">
+            <a:avLst/>
+          </a:prstGeom>
+          <a:ln w="38100">
+            <a:solidFill>
+              <a:srgbClr val="FF0000"/>
+            </a:solidFill>
+            <a:tailEnd type="triangle"/>
+          </a:ln>
+        </p:spPr>
+        <p:style>
+          <a:lnRef idx="3">
+            <a:schemeClr val="accent6"/>
+          </a:lnRef>
+          <a:fillRef idx="0">
+            <a:schemeClr val="accent6"/>
+          </a:fillRef>
+          <a:effectRef idx="2">
+            <a:schemeClr val="accent6"/>
+          </a:effectRef>
+          <a:fontRef idx="minor">
+            <a:schemeClr val="tx1"/>
+          </a:fontRef>
+        </p:style>
+      </p:cxnSp>
+      <p:cxnSp>
+        <p:nvCxnSpPr>
+          <p:cNvPr id="221" name="Straight Arrow Connector 220">
+            <a:extLst>
+              <a:ext uri="{FF2B5EF4-FFF2-40B4-BE49-F238E27FC236}">
+                <a16:creationId xmlns:a16="http://schemas.microsoft.com/office/drawing/2014/main" id="{7C765F97-EF6A-477F-B5F2-13D5BFBD4AC0}"/>
+              </a:ext>
+            </a:extLst>
+          </p:cNvPr>
+          <p:cNvCxnSpPr/>
+          <p:nvPr/>
+        </p:nvCxnSpPr>
+        <p:spPr>
+          <a:xfrm>
+            <a:off x="6457414" y="6072845"/>
+            <a:ext cx="383177" cy="0"/>
+          </a:xfrm>
+          <a:prstGeom prst="straightConnector1">
+            <a:avLst/>
+          </a:prstGeom>
+          <a:ln w="38100">
+            <a:solidFill>
+              <a:srgbClr val="FF0000"/>
+            </a:solidFill>
+            <a:tailEnd type="triangle"/>
+          </a:ln>
+        </p:spPr>
+        <p:style>
+          <a:lnRef idx="3">
+            <a:schemeClr val="accent6"/>
+          </a:lnRef>
+          <a:fillRef idx="0">
+            <a:schemeClr val="accent6"/>
+          </a:fillRef>
+          <a:effectRef idx="2">
+            <a:schemeClr val="accent6"/>
+          </a:effectRef>
+          <a:fontRef idx="minor">
+            <a:schemeClr val="tx1"/>
+          </a:fontRef>
+        </p:style>
+      </p:cxnSp>
+      <p:cxnSp>
+        <p:nvCxnSpPr>
+          <p:cNvPr id="222" name="Straight Arrow Connector 221">
+            <a:extLst>
+              <a:ext uri="{FF2B5EF4-FFF2-40B4-BE49-F238E27FC236}">
+                <a16:creationId xmlns:a16="http://schemas.microsoft.com/office/drawing/2014/main" id="{6574D6A9-97FD-4371-87B9-AF3AB2D9DB7C}"/>
+              </a:ext>
+            </a:extLst>
+          </p:cNvPr>
+          <p:cNvCxnSpPr/>
+          <p:nvPr/>
+        </p:nvCxnSpPr>
+        <p:spPr>
+          <a:xfrm>
+            <a:off x="7049595" y="6072845"/>
+            <a:ext cx="383177" cy="0"/>
+          </a:xfrm>
+          <a:prstGeom prst="straightConnector1">
+            <a:avLst/>
+          </a:prstGeom>
+          <a:ln w="38100">
+            <a:solidFill>
+              <a:srgbClr val="FF0000"/>
+            </a:solidFill>
+            <a:tailEnd type="triangle"/>
+          </a:ln>
+        </p:spPr>
+        <p:style>
+          <a:lnRef idx="3">
+            <a:schemeClr val="accent6"/>
+          </a:lnRef>
+          <a:fillRef idx="0">
+            <a:schemeClr val="accent6"/>
+          </a:fillRef>
+          <a:effectRef idx="2">
+            <a:schemeClr val="accent6"/>
+          </a:effectRef>
+          <a:fontRef idx="minor">
+            <a:schemeClr val="tx1"/>
+          </a:fontRef>
+        </p:style>
+      </p:cxnSp>
+      <p:cxnSp>
+        <p:nvCxnSpPr>
+          <p:cNvPr id="224" name="Straight Arrow Connector 223">
+            <a:extLst>
+              <a:ext uri="{FF2B5EF4-FFF2-40B4-BE49-F238E27FC236}">
+                <a16:creationId xmlns:a16="http://schemas.microsoft.com/office/drawing/2014/main" id="{5ED3DA37-AFCD-45FC-8199-0B9E831B7D48}"/>
+              </a:ext>
+            </a:extLst>
+          </p:cNvPr>
+          <p:cNvCxnSpPr/>
+          <p:nvPr/>
+        </p:nvCxnSpPr>
+        <p:spPr>
+          <a:xfrm>
+            <a:off x="7663546" y="6072845"/>
+            <a:ext cx="383177" cy="0"/>
+          </a:xfrm>
+          <a:prstGeom prst="straightConnector1">
+            <a:avLst/>
+          </a:prstGeom>
+          <a:ln w="38100">
+            <a:solidFill>
+              <a:srgbClr val="FF0000"/>
+            </a:solidFill>
+            <a:tailEnd type="triangle"/>
+          </a:ln>
+        </p:spPr>
+        <p:style>
+          <a:lnRef idx="3">
+            <a:schemeClr val="accent6"/>
+          </a:lnRef>
+          <a:fillRef idx="0">
+            <a:schemeClr val="accent6"/>
+          </a:fillRef>
+          <a:effectRef idx="2">
+            <a:schemeClr val="accent6"/>
+          </a:effectRef>
+          <a:fontRef idx="minor">
+            <a:schemeClr val="tx1"/>
+          </a:fontRef>
+        </p:style>
+      </p:cxnSp>
+      <p:cxnSp>
+        <p:nvCxnSpPr>
+          <p:cNvPr id="227" name="Straight Arrow Connector 226">
+            <a:extLst>
+              <a:ext uri="{FF2B5EF4-FFF2-40B4-BE49-F238E27FC236}">
+                <a16:creationId xmlns:a16="http://schemas.microsoft.com/office/drawing/2014/main" id="{183AA254-A970-4B30-B0D2-DC6F84D09AD8}"/>
+              </a:ext>
+            </a:extLst>
+          </p:cNvPr>
+          <p:cNvCxnSpPr>
+            <a:cxnSpLocks/>
+          </p:cNvCxnSpPr>
+          <p:nvPr/>
+        </p:nvCxnSpPr>
+        <p:spPr>
+          <a:xfrm>
+            <a:off x="7249900" y="2247600"/>
+            <a:ext cx="0" cy="404940"/>
+          </a:xfrm>
+          <a:prstGeom prst="straightConnector1">
+            <a:avLst/>
+          </a:prstGeom>
+          <a:ln w="38100">
+            <a:solidFill>
+              <a:srgbClr val="FF0000"/>
+            </a:solidFill>
+            <a:tailEnd type="triangle"/>
+          </a:ln>
+        </p:spPr>
+        <p:style>
+          <a:lnRef idx="3">
+            <a:schemeClr val="accent6"/>
+          </a:lnRef>
+          <a:fillRef idx="0">
+            <a:schemeClr val="accent6"/>
+          </a:fillRef>
+          <a:effectRef idx="2">
+            <a:schemeClr val="accent6"/>
+          </a:effectRef>
+          <a:fontRef idx="minor">
+            <a:schemeClr val="tx1"/>
+          </a:fontRef>
+        </p:style>
+      </p:cxnSp>
+      <p:pic>
+        <p:nvPicPr>
+          <p:cNvPr id="228" name="Picture 227">
+            <a:extLst>
+              <a:ext uri="{FF2B5EF4-FFF2-40B4-BE49-F238E27FC236}">
+                <a16:creationId xmlns:a16="http://schemas.microsoft.com/office/drawing/2014/main" id="{054248B8-AC07-46B6-AD27-37E0B771FF93}"/>
+              </a:ext>
+            </a:extLst>
+          </p:cNvPr>
+          <p:cNvPicPr>
+            <a:picLocks noChangeAspect="1"/>
+          </p:cNvPicPr>
+          <p:nvPr/>
+        </p:nvPicPr>
+        <p:blipFill>
+          <a:blip r:embed="rId3"/>
+          <a:stretch>
+            <a:fillRect/>
+          </a:stretch>
+        </p:blipFill>
+        <p:spPr>
+          <a:xfrm>
+            <a:off x="3309689" y="3307463"/>
+            <a:ext cx="591751" cy="600717"/>
+          </a:xfrm>
+          <a:prstGeom prst="rect">
+            <a:avLst/>
+          </a:prstGeom>
+        </p:spPr>
+      </p:pic>
+      <p:pic>
+        <p:nvPicPr>
+          <p:cNvPr id="3" name="Picture 2">
+            <a:extLst>
+              <a:ext uri="{FF2B5EF4-FFF2-40B4-BE49-F238E27FC236}">
+                <a16:creationId xmlns:a16="http://schemas.microsoft.com/office/drawing/2014/main" id="{5630B802-9380-4B46-961B-D07A49E2BB03}"/>
+              </a:ext>
+            </a:extLst>
+          </p:cNvPr>
+          <p:cNvPicPr>
+            <a:picLocks noChangeAspect="1"/>
+          </p:cNvPicPr>
+          <p:nvPr/>
+        </p:nvPicPr>
+        <p:blipFill>
+          <a:blip r:embed="rId4"/>
+          <a:stretch>
+            <a:fillRect/>
+          </a:stretch>
+        </p:blipFill>
+        <p:spPr>
+          <a:xfrm>
+            <a:off x="8148046" y="5721799"/>
+            <a:ext cx="631818" cy="631815"/>
+          </a:xfrm>
+          <a:prstGeom prst="rect">
+            <a:avLst/>
+          </a:prstGeom>
+        </p:spPr>
+      </p:pic>
+      <p:pic>
+        <p:nvPicPr>
+          <p:cNvPr id="2" name="Picture 1">
+            <a:extLst>
+              <a:ext uri="{FF2B5EF4-FFF2-40B4-BE49-F238E27FC236}">
+                <a16:creationId xmlns:a16="http://schemas.microsoft.com/office/drawing/2014/main" id="{C4DD027E-1DB0-4D38-AD09-DFDB7344EEE1}"/>
+              </a:ext>
+            </a:extLst>
+          </p:cNvPr>
+          <p:cNvPicPr>
+            <a:picLocks noChangeAspect="1"/>
+          </p:cNvPicPr>
+          <p:nvPr/>
+        </p:nvPicPr>
+        <p:blipFill>
+          <a:blip r:embed="rId5"/>
+          <a:stretch>
+            <a:fillRect/>
+          </a:stretch>
+        </p:blipFill>
+        <p:spPr>
+          <a:xfrm>
+            <a:off x="8745648" y="5726116"/>
+            <a:ext cx="636904" cy="618443"/>
+          </a:xfrm>
+          <a:prstGeom prst="rect">
+            <a:avLst/>
+          </a:prstGeom>
+        </p:spPr>
+      </p:pic>
+      <p:cxnSp>
+        <p:nvCxnSpPr>
+          <p:cNvPr id="104" name="Straight Arrow Connector 103">
+            <a:extLst>
+              <a:ext uri="{FF2B5EF4-FFF2-40B4-BE49-F238E27FC236}">
+                <a16:creationId xmlns:a16="http://schemas.microsoft.com/office/drawing/2014/main" id="{3BD70675-8CF5-400A-947C-05F769E6DF72}"/>
+              </a:ext>
+            </a:extLst>
+          </p:cNvPr>
+          <p:cNvCxnSpPr>
+            <a:cxnSpLocks/>
+          </p:cNvCxnSpPr>
+          <p:nvPr/>
+        </p:nvCxnSpPr>
+        <p:spPr>
+          <a:xfrm>
+            <a:off x="8429899" y="5285686"/>
+            <a:ext cx="0" cy="404940"/>
+          </a:xfrm>
+          <a:prstGeom prst="straightConnector1">
+            <a:avLst/>
+          </a:prstGeom>
+          <a:ln w="38100">
+            <a:solidFill>
+              <a:srgbClr val="FF0000"/>
+            </a:solidFill>
+            <a:tailEnd type="triangle"/>
+          </a:ln>
+        </p:spPr>
+        <p:style>
+          <a:lnRef idx="3">
+            <a:schemeClr val="accent6"/>
+          </a:lnRef>
+          <a:fillRef idx="0">
+            <a:schemeClr val="accent6"/>
+          </a:fillRef>
+          <a:effectRef idx="2">
+            <a:schemeClr val="accent6"/>
+          </a:effectRef>
+          <a:fontRef idx="minor">
+            <a:schemeClr val="tx1"/>
+          </a:fontRef>
+        </p:style>
+      </p:cxnSp>
+      <p:cxnSp>
+        <p:nvCxnSpPr>
+          <p:cNvPr id="111" name="Straight Arrow Connector 110">
+            <a:extLst>
+              <a:ext uri="{FF2B5EF4-FFF2-40B4-BE49-F238E27FC236}">
+                <a16:creationId xmlns:a16="http://schemas.microsoft.com/office/drawing/2014/main" id="{12D22413-290D-4DCE-B6FF-EF92B4618D42}"/>
+              </a:ext>
+            </a:extLst>
+          </p:cNvPr>
+          <p:cNvCxnSpPr/>
+          <p:nvPr/>
+        </p:nvCxnSpPr>
+        <p:spPr>
+          <a:xfrm>
+            <a:off x="8238310" y="6078358"/>
+            <a:ext cx="383177" cy="0"/>
+          </a:xfrm>
+          <a:prstGeom prst="straightConnector1">
+            <a:avLst/>
+          </a:prstGeom>
+          <a:ln w="38100">
+            <a:solidFill>
+              <a:srgbClr val="FF0000"/>
+            </a:solidFill>
+            <a:tailEnd type="triangle"/>
+          </a:ln>
+        </p:spPr>
+        <p:style>
+          <a:lnRef idx="3">
+            <a:schemeClr val="accent6"/>
+          </a:lnRef>
+          <a:fillRef idx="0">
+            <a:schemeClr val="accent6"/>
+          </a:fillRef>
+          <a:effectRef idx="2">
+            <a:schemeClr val="accent6"/>
+          </a:effectRef>
+          <a:fontRef idx="minor">
+            <a:schemeClr val="tx1"/>
+          </a:fontRef>
+        </p:style>
+      </p:cxnSp>
+      <p:cxnSp>
+        <p:nvCxnSpPr>
+          <p:cNvPr id="159" name="Straight Arrow Connector 158">
+            <a:extLst>
+              <a:ext uri="{FF2B5EF4-FFF2-40B4-BE49-F238E27FC236}">
+                <a16:creationId xmlns:a16="http://schemas.microsoft.com/office/drawing/2014/main" id="{D6B5BBF2-C9CD-4FA5-8F5C-35E33AFA7D1D}"/>
+              </a:ext>
+            </a:extLst>
+          </p:cNvPr>
+          <p:cNvCxnSpPr/>
+          <p:nvPr/>
+        </p:nvCxnSpPr>
+        <p:spPr>
+          <a:xfrm>
+            <a:off x="7045242" y="5516882"/>
+            <a:ext cx="383177" cy="0"/>
+          </a:xfrm>
+          <a:prstGeom prst="straightConnector1">
+            <a:avLst/>
+          </a:prstGeom>
+          <a:ln w="38100">
+            <a:solidFill>
+              <a:srgbClr val="FF0000"/>
+            </a:solidFill>
+            <a:tailEnd type="triangle"/>
+          </a:ln>
+        </p:spPr>
+        <p:style>
+          <a:lnRef idx="3">
+            <a:schemeClr val="accent6"/>
+          </a:lnRef>
+          <a:fillRef idx="0">
+            <a:schemeClr val="accent6"/>
+          </a:fillRef>
+          <a:effectRef idx="2">
+            <a:schemeClr val="accent6"/>
+          </a:effectRef>
+          <a:fontRef idx="minor">
+            <a:schemeClr val="tx1"/>
+          </a:fontRef>
+        </p:style>
+      </p:cxnSp>
+      <p:cxnSp>
+        <p:nvCxnSpPr>
+          <p:cNvPr id="160" name="Straight Arrow Connector 159">
+            <a:extLst>
+              <a:ext uri="{FF2B5EF4-FFF2-40B4-BE49-F238E27FC236}">
+                <a16:creationId xmlns:a16="http://schemas.microsoft.com/office/drawing/2014/main" id="{C57E388B-6DB3-41FF-BFD5-B4BFBE72DD4C}"/>
+              </a:ext>
+            </a:extLst>
+          </p:cNvPr>
+          <p:cNvCxnSpPr/>
+          <p:nvPr/>
+        </p:nvCxnSpPr>
+        <p:spPr>
+          <a:xfrm>
+            <a:off x="7663546" y="5498093"/>
+            <a:ext cx="383177" cy="0"/>
+          </a:xfrm>
+          <a:prstGeom prst="straightConnector1">
+            <a:avLst/>
+          </a:prstGeom>
+          <a:ln w="38100">
+            <a:solidFill>
+              <a:srgbClr val="FF0000"/>
+            </a:solidFill>
+            <a:tailEnd type="triangle"/>
+          </a:ln>
+        </p:spPr>
+        <p:style>
+          <a:lnRef idx="3">
+            <a:schemeClr val="accent6"/>
+          </a:lnRef>
+          <a:fillRef idx="0">
+            <a:schemeClr val="accent6"/>
+          </a:fillRef>
+          <a:effectRef idx="2">
+            <a:schemeClr val="accent6"/>
+          </a:effectRef>
+          <a:fontRef idx="minor">
+            <a:schemeClr val="tx1"/>
+          </a:fontRef>
+        </p:style>
+      </p:cxnSp>
+      <p:cxnSp>
+        <p:nvCxnSpPr>
+          <p:cNvPr id="161" name="Straight Arrow Connector 160">
+            <a:extLst>
+              <a:ext uri="{FF2B5EF4-FFF2-40B4-BE49-F238E27FC236}">
+                <a16:creationId xmlns:a16="http://schemas.microsoft.com/office/drawing/2014/main" id="{39F69994-2D7A-4DB5-B099-8862A0699AB1}"/>
+              </a:ext>
+            </a:extLst>
+          </p:cNvPr>
+          <p:cNvCxnSpPr/>
+          <p:nvPr/>
+        </p:nvCxnSpPr>
+        <p:spPr>
+          <a:xfrm>
+            <a:off x="7651089" y="4894213"/>
+            <a:ext cx="383177" cy="0"/>
+          </a:xfrm>
+          <a:prstGeom prst="straightConnector1">
+            <a:avLst/>
+          </a:prstGeom>
+          <a:ln w="38100">
+            <a:solidFill>
+              <a:srgbClr val="FF0000"/>
+            </a:solidFill>
+            <a:tailEnd type="triangle"/>
+          </a:ln>
+        </p:spPr>
+        <p:style>
+          <a:lnRef idx="3">
+            <a:schemeClr val="accent6"/>
+          </a:lnRef>
+          <a:fillRef idx="0">
+            <a:schemeClr val="accent6"/>
+          </a:fillRef>
+          <a:effectRef idx="2">
+            <a:schemeClr val="accent6"/>
+          </a:effectRef>
+          <a:fontRef idx="minor">
+            <a:schemeClr val="tx1"/>
+          </a:fontRef>
+        </p:style>
+      </p:cxnSp>
+      <p:cxnSp>
+        <p:nvCxnSpPr>
+          <p:cNvPr id="163" name="Straight Arrow Connector 162">
+            <a:extLst>
+              <a:ext uri="{FF2B5EF4-FFF2-40B4-BE49-F238E27FC236}">
+                <a16:creationId xmlns:a16="http://schemas.microsoft.com/office/drawing/2014/main" id="{15FE0B5D-E4DD-4972-A0B4-B2BAD23EF48B}"/>
+              </a:ext>
+            </a:extLst>
+          </p:cNvPr>
+          <p:cNvCxnSpPr>
+            <a:cxnSpLocks/>
+          </p:cNvCxnSpPr>
+          <p:nvPr/>
+        </p:nvCxnSpPr>
+        <p:spPr>
+          <a:xfrm>
+            <a:off x="5417903" y="415662"/>
+            <a:ext cx="0" cy="404940"/>
+          </a:xfrm>
+          <a:prstGeom prst="straightConnector1">
+            <a:avLst/>
+          </a:prstGeom>
+          <a:ln w="38100">
+            <a:solidFill>
+              <a:srgbClr val="FF0000"/>
+            </a:solidFill>
+            <a:tailEnd type="triangle"/>
+          </a:ln>
+        </p:spPr>
+        <p:style>
+          <a:lnRef idx="3">
+            <a:schemeClr val="accent6"/>
+          </a:lnRef>
+          <a:fillRef idx="0">
+            <a:schemeClr val="accent6"/>
+          </a:fillRef>
+          <a:effectRef idx="2">
+            <a:schemeClr val="accent6"/>
+          </a:effectRef>
+          <a:fontRef idx="minor">
+            <a:schemeClr val="tx1"/>
+          </a:fontRef>
+        </p:style>
+      </p:cxnSp>
     </p:spTree>
     <p:extLst>
       <p:ext uri="{BB962C8B-B14F-4D97-AF65-F5344CB8AC3E}">

--- a/Figures.pptx
+++ b/Figures.pptx
@@ -202,7 +202,7 @@
           <a:p>
             <a:fld id="{3ADF0D95-0ECF-473B-951A-4497ACAAD43C}" type="datetimeFigureOut">
               <a:rPr lang="en-US" smtClean="0"/>
-              <a:t>9/25/2017</a:t>
+              <a:t>9/27/2017</a:t>
             </a:fld>
             <a:endParaRPr lang="en-US"/>
           </a:p>
@@ -616,7 +616,7 @@
           <a:p>
             <a:fld id="{F9B3EACC-9841-4306-9D74-78AE4B03F64E}" type="datetimeFigureOut">
               <a:rPr lang="en-US" smtClean="0"/>
-              <a:t>9/25/2017</a:t>
+              <a:t>9/27/2017</a:t>
             </a:fld>
             <a:endParaRPr lang="en-US"/>
           </a:p>
@@ -814,7 +814,7 @@
           <a:p>
             <a:fld id="{F9B3EACC-9841-4306-9D74-78AE4B03F64E}" type="datetimeFigureOut">
               <a:rPr lang="en-US" smtClean="0"/>
-              <a:t>9/25/2017</a:t>
+              <a:t>9/27/2017</a:t>
             </a:fld>
             <a:endParaRPr lang="en-US"/>
           </a:p>
@@ -1022,7 +1022,7 @@
           <a:p>
             <a:fld id="{F9B3EACC-9841-4306-9D74-78AE4B03F64E}" type="datetimeFigureOut">
               <a:rPr lang="en-US" smtClean="0"/>
-              <a:t>9/25/2017</a:t>
+              <a:t>9/27/2017</a:t>
             </a:fld>
             <a:endParaRPr lang="en-US"/>
           </a:p>
@@ -1220,7 +1220,7 @@
           <a:p>
             <a:fld id="{F9B3EACC-9841-4306-9D74-78AE4B03F64E}" type="datetimeFigureOut">
               <a:rPr lang="en-US" smtClean="0"/>
-              <a:t>9/25/2017</a:t>
+              <a:t>9/27/2017</a:t>
             </a:fld>
             <a:endParaRPr lang="en-US"/>
           </a:p>
@@ -1495,7 +1495,7 @@
           <a:p>
             <a:fld id="{F9B3EACC-9841-4306-9D74-78AE4B03F64E}" type="datetimeFigureOut">
               <a:rPr lang="en-US" smtClean="0"/>
-              <a:t>9/25/2017</a:t>
+              <a:t>9/27/2017</a:t>
             </a:fld>
             <a:endParaRPr lang="en-US"/>
           </a:p>
@@ -1760,7 +1760,7 @@
           <a:p>
             <a:fld id="{F9B3EACC-9841-4306-9D74-78AE4B03F64E}" type="datetimeFigureOut">
               <a:rPr lang="en-US" smtClean="0"/>
-              <a:t>9/25/2017</a:t>
+              <a:t>9/27/2017</a:t>
             </a:fld>
             <a:endParaRPr lang="en-US"/>
           </a:p>
@@ -2172,7 +2172,7 @@
           <a:p>
             <a:fld id="{F9B3EACC-9841-4306-9D74-78AE4B03F64E}" type="datetimeFigureOut">
               <a:rPr lang="en-US" smtClean="0"/>
-              <a:t>9/25/2017</a:t>
+              <a:t>9/27/2017</a:t>
             </a:fld>
             <a:endParaRPr lang="en-US"/>
           </a:p>
@@ -2313,7 +2313,7 @@
           <a:p>
             <a:fld id="{F9B3EACC-9841-4306-9D74-78AE4B03F64E}" type="datetimeFigureOut">
               <a:rPr lang="en-US" smtClean="0"/>
-              <a:t>9/25/2017</a:t>
+              <a:t>9/27/2017</a:t>
             </a:fld>
             <a:endParaRPr lang="en-US"/>
           </a:p>
@@ -2426,7 +2426,7 @@
           <a:p>
             <a:fld id="{F9B3EACC-9841-4306-9D74-78AE4B03F64E}" type="datetimeFigureOut">
               <a:rPr lang="en-US" smtClean="0"/>
-              <a:t>9/25/2017</a:t>
+              <a:t>9/27/2017</a:t>
             </a:fld>
             <a:endParaRPr lang="en-US"/>
           </a:p>
@@ -2737,7 +2737,7 @@
           <a:p>
             <a:fld id="{F9B3EACC-9841-4306-9D74-78AE4B03F64E}" type="datetimeFigureOut">
               <a:rPr lang="en-US" smtClean="0"/>
-              <a:t>9/25/2017</a:t>
+              <a:t>9/27/2017</a:t>
             </a:fld>
             <a:endParaRPr lang="en-US"/>
           </a:p>
@@ -3025,7 +3025,7 @@
           <a:p>
             <a:fld id="{F9B3EACC-9841-4306-9D74-78AE4B03F64E}" type="datetimeFigureOut">
               <a:rPr lang="en-US" smtClean="0"/>
-              <a:t>9/25/2017</a:t>
+              <a:t>9/27/2017</a:t>
             </a:fld>
             <a:endParaRPr lang="en-US"/>
           </a:p>
@@ -3266,7 +3266,7 @@
           <a:p>
             <a:fld id="{F9B3EACC-9841-4306-9D74-78AE4B03F64E}" type="datetimeFigureOut">
               <a:rPr lang="en-US" smtClean="0"/>
-              <a:t>9/25/2017</a:t>
+              <a:t>9/27/2017</a:t>
             </a:fld>
             <a:endParaRPr lang="en-US"/>
           </a:p>
@@ -4115,44 +4115,10 @@
           <a:bodyPr/>
           <a:lstStyle/>
           <a:p>
-            <a:endParaRPr lang="en-US"/>
-          </a:p>
-        </p:txBody>
-      </p:sp>
-      <p:pic>
-        <p:nvPicPr>
-          <p:cNvPr id="5" name="Content Placeholder 4" descr="A picture containing shoji, building&#10;&#10;Description generated with high confidence">
-            <a:extLst>
-              <a:ext uri="{FF2B5EF4-FFF2-40B4-BE49-F238E27FC236}">
-                <a16:creationId xmlns:a16="http://schemas.microsoft.com/office/drawing/2014/main" id="{975FB270-2FA9-4A73-ADF5-C03C06795708}"/>
-              </a:ext>
-            </a:extLst>
-          </p:cNvPr>
-          <p:cNvPicPr>
-            <a:picLocks noGrp="1" noChangeAspect="1"/>
-          </p:cNvPicPr>
-          <p:nvPr>
-            <p:ph idx="1"/>
-          </p:nvPr>
-        </p:nvPicPr>
-        <p:blipFill rotWithShape="1">
-          <a:blip r:embed="rId2">
-            <a:extLst>
-              <a:ext uri="{28A0092B-C50C-407E-A947-70E740481C1C}">
-                <a14:useLocalDpi xmlns:a14="http://schemas.microsoft.com/office/drawing/2010/main" val="0"/>
-              </a:ext>
-            </a:extLst>
-          </a:blip>
-          <a:srcRect t="29523" b="20090"/>
-          <a:stretch/>
-        </p:blipFill>
-        <p:spPr>
-          <a:xfrm>
-            <a:off x="3250194" y="2136083"/>
-            <a:ext cx="6067978" cy="3062935"/>
-          </a:xfrm>
-        </p:spPr>
-      </p:pic>
+            <a:endParaRPr lang="en-US" dirty="0"/>
+          </a:p>
+        </p:txBody>
+      </p:sp>
       <p:cxnSp>
         <p:nvCxnSpPr>
           <p:cNvPr id="7" name="Straight Arrow Connector 6">
@@ -4590,6 +4556,186 @@
             <a:r>
               <a:rPr lang="en-US" sz="1400" i="1" dirty="0"/>
               <a:t>R = 100</a:t>
+            </a:r>
+          </a:p>
+        </p:txBody>
+      </p:sp>
+      <p:pic>
+        <p:nvPicPr>
+          <p:cNvPr id="18" name="Picture 17">
+            <a:extLst>
+              <a:ext uri="{FF2B5EF4-FFF2-40B4-BE49-F238E27FC236}">
+                <a16:creationId xmlns:a16="http://schemas.microsoft.com/office/drawing/2014/main" id="{7320E834-0DC7-4D7F-917D-73FFA72ECDE8}"/>
+              </a:ext>
+            </a:extLst>
+          </p:cNvPr>
+          <p:cNvPicPr>
+            <a:picLocks noChangeAspect="1"/>
+          </p:cNvPicPr>
+          <p:nvPr/>
+        </p:nvPicPr>
+        <p:blipFill>
+          <a:blip r:embed="rId2">
+            <a:extLst>
+              <a:ext uri="{28A0092B-C50C-407E-A947-70E740481C1C}">
+                <a14:useLocalDpi xmlns:a14="http://schemas.microsoft.com/office/drawing/2010/main" val="0"/>
+              </a:ext>
+            </a:extLst>
+          </a:blip>
+          <a:stretch>
+            <a:fillRect/>
+          </a:stretch>
+        </p:blipFill>
+        <p:spPr>
+          <a:xfrm>
+            <a:off x="2795729" y="2176855"/>
+            <a:ext cx="6600825" cy="3314700"/>
+          </a:xfrm>
+          <a:prstGeom prst="rect">
+            <a:avLst/>
+          </a:prstGeom>
+        </p:spPr>
+      </p:pic>
+      <p:sp>
+        <p:nvSpPr>
+          <p:cNvPr id="19" name="TextBox 18">
+            <a:extLst>
+              <a:ext uri="{FF2B5EF4-FFF2-40B4-BE49-F238E27FC236}">
+                <a16:creationId xmlns:a16="http://schemas.microsoft.com/office/drawing/2014/main" id="{E0C68F43-F9D4-497C-8E13-13E5A2649DA3}"/>
+              </a:ext>
+            </a:extLst>
+          </p:cNvPr>
+          <p:cNvSpPr txBox="1"/>
+          <p:nvPr/>
+        </p:nvSpPr>
+        <p:spPr>
+          <a:xfrm>
+            <a:off x="8638196" y="4355102"/>
+            <a:ext cx="809898" cy="307777"/>
+          </a:xfrm>
+          <a:prstGeom prst="rect">
+            <a:avLst/>
+          </a:prstGeom>
+          <a:noFill/>
+        </p:spPr>
+        <p:txBody>
+          <a:bodyPr wrap="square" rtlCol="0">
+            <a:spAutoFit/>
+          </a:bodyPr>
+          <a:lstStyle/>
+          <a:p>
+            <a:pPr algn="ctr"/>
+            <a:r>
+              <a:rPr lang="en-US" sz="1400" i="1" dirty="0"/>
+              <a:t>R = -100</a:t>
+            </a:r>
+          </a:p>
+        </p:txBody>
+      </p:sp>
+      <p:sp>
+        <p:nvSpPr>
+          <p:cNvPr id="20" name="TextBox 19">
+            <a:extLst>
+              <a:ext uri="{FF2B5EF4-FFF2-40B4-BE49-F238E27FC236}">
+                <a16:creationId xmlns:a16="http://schemas.microsoft.com/office/drawing/2014/main" id="{A78ECC37-58C0-46E4-AFF1-D5353D896D55}"/>
+              </a:ext>
+            </a:extLst>
+          </p:cNvPr>
+          <p:cNvSpPr txBox="1"/>
+          <p:nvPr/>
+        </p:nvSpPr>
+        <p:spPr>
+          <a:xfrm>
+            <a:off x="8627635" y="3022735"/>
+            <a:ext cx="809898" cy="307777"/>
+          </a:xfrm>
+          <a:prstGeom prst="rect">
+            <a:avLst/>
+          </a:prstGeom>
+          <a:noFill/>
+        </p:spPr>
+        <p:txBody>
+          <a:bodyPr wrap="square" rtlCol="0">
+            <a:spAutoFit/>
+          </a:bodyPr>
+          <a:lstStyle/>
+          <a:p>
+            <a:pPr algn="ctr"/>
+            <a:r>
+              <a:rPr lang="en-US" sz="1400" i="1" dirty="0"/>
+              <a:t>R = -100</a:t>
+            </a:r>
+          </a:p>
+        </p:txBody>
+      </p:sp>
+      <p:sp>
+        <p:nvSpPr>
+          <p:cNvPr id="27" name="TextBox 26">
+            <a:extLst>
+              <a:ext uri="{FF2B5EF4-FFF2-40B4-BE49-F238E27FC236}">
+                <a16:creationId xmlns:a16="http://schemas.microsoft.com/office/drawing/2014/main" id="{F19BBD0D-3F08-48CA-8F02-BBA33229B9EC}"/>
+              </a:ext>
+            </a:extLst>
+          </p:cNvPr>
+          <p:cNvSpPr txBox="1"/>
+          <p:nvPr/>
+        </p:nvSpPr>
+        <p:spPr>
+          <a:xfrm>
+            <a:off x="8636689" y="2398044"/>
+            <a:ext cx="809898" cy="307777"/>
+          </a:xfrm>
+          <a:prstGeom prst="rect">
+            <a:avLst/>
+          </a:prstGeom>
+          <a:noFill/>
+        </p:spPr>
+        <p:txBody>
+          <a:bodyPr wrap="square" rtlCol="0">
+            <a:spAutoFit/>
+          </a:bodyPr>
+          <a:lstStyle/>
+          <a:p>
+            <a:pPr algn="ctr"/>
+            <a:r>
+              <a:rPr lang="en-US" sz="1400" i="1" dirty="0"/>
+              <a:t>R = -100</a:t>
+            </a:r>
+          </a:p>
+        </p:txBody>
+      </p:sp>
+      <p:sp>
+        <p:nvSpPr>
+          <p:cNvPr id="28" name="TextBox 27">
+            <a:extLst>
+              <a:ext uri="{FF2B5EF4-FFF2-40B4-BE49-F238E27FC236}">
+                <a16:creationId xmlns:a16="http://schemas.microsoft.com/office/drawing/2014/main" id="{334F2A7C-2849-463B-B8F3-ED54B13812CE}"/>
+              </a:ext>
+            </a:extLst>
+          </p:cNvPr>
+          <p:cNvSpPr txBox="1"/>
+          <p:nvPr/>
+        </p:nvSpPr>
+        <p:spPr>
+          <a:xfrm>
+            <a:off x="8627638" y="4987335"/>
+            <a:ext cx="809898" cy="307777"/>
+          </a:xfrm>
+          <a:prstGeom prst="rect">
+            <a:avLst/>
+          </a:prstGeom>
+          <a:noFill/>
+        </p:spPr>
+        <p:txBody>
+          <a:bodyPr wrap="square" rtlCol="0">
+            <a:spAutoFit/>
+          </a:bodyPr>
+          <a:lstStyle/>
+          <a:p>
+            <a:pPr algn="ctr"/>
+            <a:r>
+              <a:rPr lang="en-US" sz="1400" i="1" dirty="0"/>
+              <a:t>R = -100</a:t>
             </a:r>
           </a:p>
         </p:txBody>
